--- a/Day 1/slides/Shiny_Day_1.pptx
+++ b/Day 1/slides/Shiny_Day_1.pptx
@@ -171,7 +171,7 @@
 <file path=ppt/revisionInfo.xml><?xml version="1.0" encoding="utf-8"?>
 <p1510:revInfo xmlns:a="http://schemas.openxmlformats.org/drawingml/2006/main" xmlns:r="http://schemas.openxmlformats.org/officeDocument/2006/relationships" xmlns:p1510="http://schemas.microsoft.com/office/powerpoint/2015/10/main">
   <p1510:revLst>
-    <p1510:client id="{5B4AF71D-E8A2-44E5-B28F-FFEBF84B54E3}" v="11" dt="2023-09-19T11:22:55.487"/>
+    <p1510:client id="{C92DF3DE-23A5-4E98-85FA-AAD4EAE96412}" v="4" dt="2023-09-29T13:26:45.848"/>
   </p1510:revLst>
 </p1510:revInfo>
 </file>
@@ -179,102 +179,9 @@
 <file path=ppt/changesInfos/changesInfo1.xml><?xml version="1.0" encoding="utf-8"?>
 <pc:chgInfo xmlns:a="http://schemas.openxmlformats.org/drawingml/2006/main" xmlns:r="http://schemas.openxmlformats.org/officeDocument/2006/relationships" xmlns:ac="http://schemas.microsoft.com/office/drawing/2013/main/command" xmlns:pc="http://schemas.microsoft.com/office/powerpoint/2013/main/command">
   <pc:docChgLst>
-    <pc:chgData name="Julia Moeller" userId="S::julia.moeller@phs.scot::0bcb1583-c1a4-48b5-87e6-2cc074d2d571" providerId="AD" clId="Web-{7E309218-6D18-4C22-8DBB-CA09B9323150}"/>
-    <pc:docChg chg="modSld">
-      <pc:chgData name="Julia Moeller" userId="S::julia.moeller@phs.scot::0bcb1583-c1a4-48b5-87e6-2cc074d2d571" providerId="AD" clId="Web-{7E309218-6D18-4C22-8DBB-CA09B9323150}" dt="2023-09-15T14:04:34.702" v="29" actId="20577"/>
-      <pc:docMkLst>
-        <pc:docMk/>
-      </pc:docMkLst>
-      <pc:sldChg chg="modSp">
-        <pc:chgData name="Julia Moeller" userId="S::julia.moeller@phs.scot::0bcb1583-c1a4-48b5-87e6-2cc074d2d571" providerId="AD" clId="Web-{7E309218-6D18-4C22-8DBB-CA09B9323150}" dt="2023-09-15T14:04:34.702" v="29" actId="20577"/>
-        <pc:sldMkLst>
-          <pc:docMk/>
-          <pc:sldMk cId="901500868" sldId="291"/>
-        </pc:sldMkLst>
-        <pc:spChg chg="mod">
-          <ac:chgData name="Julia Moeller" userId="S::julia.moeller@phs.scot::0bcb1583-c1a4-48b5-87e6-2cc074d2d571" providerId="AD" clId="Web-{7E309218-6D18-4C22-8DBB-CA09B9323150}" dt="2023-09-15T14:04:34.702" v="29" actId="20577"/>
-          <ac:spMkLst>
-            <pc:docMk/>
-            <pc:sldMk cId="901500868" sldId="291"/>
-            <ac:spMk id="3" creationId="{00000000-0000-0000-0000-000000000000}"/>
-          </ac:spMkLst>
-        </pc:spChg>
-      </pc:sldChg>
-    </pc:docChg>
-  </pc:docChgLst>
-  <pc:docChgLst>
-    <pc:chgData name="Matthew Forbes" userId="89e49754-86d5-48d1-b7fe-89645bb93558" providerId="ADAL" clId="{5B4AF71D-E8A2-44E5-B28F-FFEBF84B54E3}"/>
-    <pc:docChg chg="undo custSel modSld">
-      <pc:chgData name="Matthew Forbes" userId="89e49754-86d5-48d1-b7fe-89645bb93558" providerId="ADAL" clId="{5B4AF71D-E8A2-44E5-B28F-FFEBF84B54E3}" dt="2023-09-19T11:22:55.487" v="4" actId="20577"/>
-      <pc:docMkLst>
-        <pc:docMk/>
-      </pc:docMkLst>
-      <pc:sldChg chg="modSp mod">
-        <pc:chgData name="Matthew Forbes" userId="89e49754-86d5-48d1-b7fe-89645bb93558" providerId="ADAL" clId="{5B4AF71D-E8A2-44E5-B28F-FFEBF84B54E3}" dt="2023-09-19T10:34:32.194" v="0" actId="33524"/>
-        <pc:sldMkLst>
-          <pc:docMk/>
-          <pc:sldMk cId="3345530997" sldId="259"/>
-        </pc:sldMkLst>
-        <pc:spChg chg="mod">
-          <ac:chgData name="Matthew Forbes" userId="89e49754-86d5-48d1-b7fe-89645bb93558" providerId="ADAL" clId="{5B4AF71D-E8A2-44E5-B28F-FFEBF84B54E3}" dt="2023-09-19T10:34:32.194" v="0" actId="33524"/>
-          <ac:spMkLst>
-            <pc:docMk/>
-            <pc:sldMk cId="3345530997" sldId="259"/>
-            <ac:spMk id="3" creationId="{00000000-0000-0000-0000-000000000000}"/>
-          </ac:spMkLst>
-        </pc:spChg>
-      </pc:sldChg>
-      <pc:sldChg chg="modSp mod">
-        <pc:chgData name="Matthew Forbes" userId="89e49754-86d5-48d1-b7fe-89645bb93558" providerId="ADAL" clId="{5B4AF71D-E8A2-44E5-B28F-FFEBF84B54E3}" dt="2023-09-19T10:42:59.312" v="1" actId="20577"/>
-        <pc:sldMkLst>
-          <pc:docMk/>
-          <pc:sldMk cId="1311594560" sldId="269"/>
-        </pc:sldMkLst>
-        <pc:spChg chg="mod">
-          <ac:chgData name="Matthew Forbes" userId="89e49754-86d5-48d1-b7fe-89645bb93558" providerId="ADAL" clId="{5B4AF71D-E8A2-44E5-B28F-FFEBF84B54E3}" dt="2023-09-19T10:42:59.312" v="1" actId="20577"/>
-          <ac:spMkLst>
-            <pc:docMk/>
-            <pc:sldMk cId="1311594560" sldId="269"/>
-            <ac:spMk id="3" creationId="{00000000-0000-0000-0000-000000000000}"/>
-          </ac:spMkLst>
-        </pc:spChg>
-      </pc:sldChg>
-      <pc:sldChg chg="modSp mod">
-        <pc:chgData name="Matthew Forbes" userId="89e49754-86d5-48d1-b7fe-89645bb93558" providerId="ADAL" clId="{5B4AF71D-E8A2-44E5-B28F-FFEBF84B54E3}" dt="2023-09-19T11:22:55.487" v="4" actId="20577"/>
-        <pc:sldMkLst>
-          <pc:docMk/>
-          <pc:sldMk cId="2337627130" sldId="282"/>
-        </pc:sldMkLst>
-        <pc:spChg chg="mod">
-          <ac:chgData name="Matthew Forbes" userId="89e49754-86d5-48d1-b7fe-89645bb93558" providerId="ADAL" clId="{5B4AF71D-E8A2-44E5-B28F-FFEBF84B54E3}" dt="2023-09-19T11:22:55.487" v="4" actId="20577"/>
-          <ac:spMkLst>
-            <pc:docMk/>
-            <pc:sldMk cId="2337627130" sldId="282"/>
-            <ac:spMk id="4" creationId="{7F52414C-28D4-C7DD-E2FB-48994F99345C}"/>
-          </ac:spMkLst>
-        </pc:spChg>
-      </pc:sldChg>
-      <pc:sldChg chg="modSp mod">
-        <pc:chgData name="Matthew Forbes" userId="89e49754-86d5-48d1-b7fe-89645bb93558" providerId="ADAL" clId="{5B4AF71D-E8A2-44E5-B28F-FFEBF84B54E3}" dt="2023-09-19T10:44:28.044" v="3" actId="1076"/>
-        <pc:sldMkLst>
-          <pc:docMk/>
-          <pc:sldMk cId="3454572736" sldId="299"/>
-        </pc:sldMkLst>
-        <pc:cxnChg chg="mod">
-          <ac:chgData name="Matthew Forbes" userId="89e49754-86d5-48d1-b7fe-89645bb93558" providerId="ADAL" clId="{5B4AF71D-E8A2-44E5-B28F-FFEBF84B54E3}" dt="2023-09-19T10:44:28.044" v="3" actId="1076"/>
-          <ac:cxnSpMkLst>
-            <pc:docMk/>
-            <pc:sldMk cId="3454572736" sldId="299"/>
-            <ac:cxnSpMk id="30" creationId="{E90F102F-7ED1-1852-9D68-292315A01050}"/>
-          </ac:cxnSpMkLst>
-        </pc:cxnChg>
-      </pc:sldChg>
-    </pc:docChg>
-  </pc:docChgLst>
-  <pc:docChgLst>
     <pc:chgData name="Julia Moeller" userId="0bcb1583-c1a4-48b5-87e6-2cc074d2d571" providerId="ADAL" clId="{C92DF3DE-23A5-4E98-85FA-AAD4EAE96412}"/>
     <pc:docChg chg="undo redo custSel addSld delSld modSld sldOrd">
-      <pc:chgData name="Julia Moeller" userId="0bcb1583-c1a4-48b5-87e6-2cc074d2d571" providerId="ADAL" clId="{C92DF3DE-23A5-4E98-85FA-AAD4EAE96412}" dt="2023-09-15T14:34:32.245" v="11385" actId="14100"/>
+      <pc:chgData name="Julia Moeller" userId="0bcb1583-c1a4-48b5-87e6-2cc074d2d571" providerId="ADAL" clId="{C92DF3DE-23A5-4E98-85FA-AAD4EAE96412}" dt="2023-09-29T13:48:23.886" v="11487" actId="20577"/>
       <pc:docMkLst>
         <pc:docMk/>
       </pc:docMkLst>
@@ -330,13 +237,13 @@
         </pc:extLst>
       </pc:sldChg>
       <pc:sldChg chg="modSp mod">
-        <pc:chgData name="Julia Moeller" userId="0bcb1583-c1a4-48b5-87e6-2cc074d2d571" providerId="ADAL" clId="{C92DF3DE-23A5-4E98-85FA-AAD4EAE96412}" dt="2023-09-13T09:38:42.938" v="2864" actId="20577"/>
+        <pc:chgData name="Julia Moeller" userId="0bcb1583-c1a4-48b5-87e6-2cc074d2d571" providerId="ADAL" clId="{C92DF3DE-23A5-4E98-85FA-AAD4EAE96412}" dt="2023-09-29T13:27:32.042" v="11391" actId="20577"/>
         <pc:sldMkLst>
           <pc:docMk/>
           <pc:sldMk cId="3345530997" sldId="259"/>
         </pc:sldMkLst>
         <pc:spChg chg="mod">
-          <ac:chgData name="Julia Moeller" userId="0bcb1583-c1a4-48b5-87e6-2cc074d2d571" providerId="ADAL" clId="{C92DF3DE-23A5-4E98-85FA-AAD4EAE96412}" dt="2023-09-13T09:38:42.938" v="2864" actId="20577"/>
+          <ac:chgData name="Julia Moeller" userId="0bcb1583-c1a4-48b5-87e6-2cc074d2d571" providerId="ADAL" clId="{C92DF3DE-23A5-4E98-85FA-AAD4EAE96412}" dt="2023-09-29T13:27:32.042" v="11391" actId="20577"/>
           <ac:spMkLst>
             <pc:docMk/>
             <pc:sldMk cId="3345530997" sldId="259"/>
@@ -472,13 +379,13 @@
         </pc:spChg>
       </pc:sldChg>
       <pc:sldChg chg="addSp modSp mod modCm">
-        <pc:chgData name="Julia Moeller" userId="0bcb1583-c1a4-48b5-87e6-2cc074d2d571" providerId="ADAL" clId="{C92DF3DE-23A5-4E98-85FA-AAD4EAE96412}" dt="2023-09-15T13:43:50.510" v="11352"/>
+        <pc:chgData name="Julia Moeller" userId="0bcb1583-c1a4-48b5-87e6-2cc074d2d571" providerId="ADAL" clId="{C92DF3DE-23A5-4E98-85FA-AAD4EAE96412}" dt="2023-09-29T13:29:34.165" v="11406" actId="20577"/>
         <pc:sldMkLst>
           <pc:docMk/>
           <pc:sldMk cId="2225474753" sldId="266"/>
         </pc:sldMkLst>
         <pc:spChg chg="mod">
-          <ac:chgData name="Julia Moeller" userId="0bcb1583-c1a4-48b5-87e6-2cc074d2d571" providerId="ADAL" clId="{C92DF3DE-23A5-4E98-85FA-AAD4EAE96412}" dt="2023-09-14T19:16:42.540" v="8153" actId="207"/>
+          <ac:chgData name="Julia Moeller" userId="0bcb1583-c1a4-48b5-87e6-2cc074d2d571" providerId="ADAL" clId="{C92DF3DE-23A5-4E98-85FA-AAD4EAE96412}" dt="2023-09-29T13:29:34.165" v="11406" actId="20577"/>
           <ac:spMkLst>
             <pc:docMk/>
             <pc:sldMk cId="2225474753" sldId="266"/>
@@ -799,8 +706,8 @@
           </p:ext>
         </pc:extLst>
       </pc:sldChg>
-      <pc:sldChg chg="addSp delSp modSp mod modCm">
-        <pc:chgData name="Julia Moeller" userId="0bcb1583-c1a4-48b5-87e6-2cc074d2d571" providerId="ADAL" clId="{C92DF3DE-23A5-4E98-85FA-AAD4EAE96412}" dt="2023-09-13T09:30:22.219" v="2730"/>
+      <pc:sldChg chg="addSp delSp modSp mod addCm modCm">
+        <pc:chgData name="Julia Moeller" userId="0bcb1583-c1a4-48b5-87e6-2cc074d2d571" providerId="ADAL" clId="{C92DF3DE-23A5-4E98-85FA-AAD4EAE96412}" dt="2023-09-29T13:34:02.781" v="11415" actId="20577"/>
         <pc:sldMkLst>
           <pc:docMk/>
           <pc:sldMk cId="2315915978" sldId="270"/>
@@ -814,7 +721,7 @@
           </ac:spMkLst>
         </pc:spChg>
         <pc:spChg chg="mod">
-          <ac:chgData name="Julia Moeller" userId="0bcb1583-c1a4-48b5-87e6-2cc074d2d571" providerId="ADAL" clId="{C92DF3DE-23A5-4E98-85FA-AAD4EAE96412}" dt="2023-09-13T08:23:49.432" v="2355" actId="27636"/>
+          <ac:chgData name="Julia Moeller" userId="0bcb1583-c1a4-48b5-87e6-2cc074d2d571" providerId="ADAL" clId="{C92DF3DE-23A5-4E98-85FA-AAD4EAE96412}" dt="2023-09-29T13:34:02.781" v="11415" actId="20577"/>
           <ac:spMkLst>
             <pc:docMk/>
             <pc:sldMk cId="2315915978" sldId="270"/>
@@ -855,11 +762,19 @@
                 <pc2:cmMk id="{B7988C69-0866-486E-B3CE-2ADFF0698704}"/>
               </pc2:cmMkLst>
             </pc226:cmChg>
+            <pc226:cmChg xmlns:pc226="http://schemas.microsoft.com/office/powerpoint/2022/06/main/command" chg="add">
+              <pc226:chgData name="Julia Moeller" userId="0bcb1583-c1a4-48b5-87e6-2cc074d2d571" providerId="ADAL" clId="{C92DF3DE-23A5-4E98-85FA-AAD4EAE96412}" dt="2023-09-29T13:33:30.313" v="11413"/>
+              <pc2:cmMkLst xmlns:pc2="http://schemas.microsoft.com/office/powerpoint/2019/9/main/command">
+                <pc:docMk/>
+                <pc:sldMk cId="2315915978" sldId="270"/>
+                <pc2:cmMk id="{1AE6ACD6-AB3A-4920-8B05-C36FD966933F}"/>
+              </pc2:cmMkLst>
+            </pc226:cmChg>
           </p:ext>
         </pc:extLst>
       </pc:sldChg>
       <pc:sldChg chg="addSp delSp modSp mod delCm modCm">
-        <pc:chgData name="Julia Moeller" userId="0bcb1583-c1a4-48b5-87e6-2cc074d2d571" providerId="ADAL" clId="{C92DF3DE-23A5-4E98-85FA-AAD4EAE96412}" dt="2023-09-15T13:44:02.810" v="11354"/>
+        <pc:chgData name="Julia Moeller" userId="0bcb1583-c1a4-48b5-87e6-2cc074d2d571" providerId="ADAL" clId="{C92DF3DE-23A5-4E98-85FA-AAD4EAE96412}" dt="2023-09-29T13:34:14.952" v="11417" actId="20577"/>
         <pc:sldMkLst>
           <pc:docMk/>
           <pc:sldMk cId="2226570163" sldId="271"/>
@@ -873,7 +788,7 @@
           </ac:spMkLst>
         </pc:spChg>
         <pc:spChg chg="mod">
-          <ac:chgData name="Julia Moeller" userId="0bcb1583-c1a4-48b5-87e6-2cc074d2d571" providerId="ADAL" clId="{C92DF3DE-23A5-4E98-85FA-AAD4EAE96412}" dt="2023-09-14T10:05:31.994" v="4522" actId="20577"/>
+          <ac:chgData name="Julia Moeller" userId="0bcb1583-c1a4-48b5-87e6-2cc074d2d571" providerId="ADAL" clId="{C92DF3DE-23A5-4E98-85FA-AAD4EAE96412}" dt="2023-09-29T13:34:14.952" v="11417" actId="20577"/>
           <ac:spMkLst>
             <pc:docMk/>
             <pc:sldMk cId="2226570163" sldId="271"/>
@@ -950,7 +865,7 @@
         </pc:extLst>
       </pc:sldChg>
       <pc:sldChg chg="addSp delSp modSp mod">
-        <pc:chgData name="Julia Moeller" userId="0bcb1583-c1a4-48b5-87e6-2cc074d2d571" providerId="ADAL" clId="{C92DF3DE-23A5-4E98-85FA-AAD4EAE96412}" dt="2023-09-14T18:39:41.399" v="7665" actId="1076"/>
+        <pc:chgData name="Julia Moeller" userId="0bcb1583-c1a4-48b5-87e6-2cc074d2d571" providerId="ADAL" clId="{C92DF3DE-23A5-4E98-85FA-AAD4EAE96412}" dt="2023-09-29T13:35:40.825" v="11419" actId="1076"/>
         <pc:sldMkLst>
           <pc:docMk/>
           <pc:sldMk cId="1950821850" sldId="272"/>
@@ -988,7 +903,7 @@
           </ac:spMkLst>
         </pc:spChg>
         <pc:spChg chg="add mod">
-          <ac:chgData name="Julia Moeller" userId="0bcb1583-c1a4-48b5-87e6-2cc074d2d571" providerId="ADAL" clId="{C92DF3DE-23A5-4E98-85FA-AAD4EAE96412}" dt="2023-09-13T12:46:13.260" v="3512" actId="164"/>
+          <ac:chgData name="Julia Moeller" userId="0bcb1583-c1a4-48b5-87e6-2cc074d2d571" providerId="ADAL" clId="{C92DF3DE-23A5-4E98-85FA-AAD4EAE96412}" dt="2023-09-29T13:35:40.825" v="11419" actId="1076"/>
           <ac:spMkLst>
             <pc:docMk/>
             <pc:sldMk cId="1950821850" sldId="272"/>
@@ -1004,7 +919,7 @@
           </ac:spMkLst>
         </pc:spChg>
         <pc:spChg chg="add mod">
-          <ac:chgData name="Julia Moeller" userId="0bcb1583-c1a4-48b5-87e6-2cc074d2d571" providerId="ADAL" clId="{C92DF3DE-23A5-4E98-85FA-AAD4EAE96412}" dt="2023-09-13T12:46:13.260" v="3512" actId="164"/>
+          <ac:chgData name="Julia Moeller" userId="0bcb1583-c1a4-48b5-87e6-2cc074d2d571" providerId="ADAL" clId="{C92DF3DE-23A5-4E98-85FA-AAD4EAE96412}" dt="2023-09-29T13:35:32.680" v="11418" actId="1076"/>
           <ac:spMkLst>
             <pc:docMk/>
             <pc:sldMk cId="1950821850" sldId="272"/>
@@ -1395,7 +1310,7 @@
         </pc:picChg>
       </pc:sldChg>
       <pc:sldChg chg="delSp modSp mod modCm">
-        <pc:chgData name="Julia Moeller" userId="0bcb1583-c1a4-48b5-87e6-2cc074d2d571" providerId="ADAL" clId="{C92DF3DE-23A5-4E98-85FA-AAD4EAE96412}" dt="2023-09-14T19:12:03.340" v="8131"/>
+        <pc:chgData name="Julia Moeller" userId="0bcb1583-c1a4-48b5-87e6-2cc074d2d571" providerId="ADAL" clId="{C92DF3DE-23A5-4E98-85FA-AAD4EAE96412}" dt="2023-09-29T13:42:31.338" v="11472" actId="255"/>
         <pc:sldMkLst>
           <pc:docMk/>
           <pc:sldMk cId="2957868102" sldId="279"/>
@@ -1409,7 +1324,7 @@
           </ac:spMkLst>
         </pc:spChg>
         <pc:spChg chg="mod">
-          <ac:chgData name="Julia Moeller" userId="0bcb1583-c1a4-48b5-87e6-2cc074d2d571" providerId="ADAL" clId="{C92DF3DE-23A5-4E98-85FA-AAD4EAE96412}" dt="2023-09-14T11:54:53.324" v="5739" actId="20577"/>
+          <ac:chgData name="Julia Moeller" userId="0bcb1583-c1a4-48b5-87e6-2cc074d2d571" providerId="ADAL" clId="{C92DF3DE-23A5-4E98-85FA-AAD4EAE96412}" dt="2023-09-29T13:42:31.338" v="11472" actId="255"/>
           <ac:spMkLst>
             <pc:docMk/>
             <pc:sldMk cId="2957868102" sldId="279"/>
@@ -1585,7 +1500,7 @@
         </pc:extLst>
       </pc:sldChg>
       <pc:sldChg chg="modSp mod">
-        <pc:chgData name="Julia Moeller" userId="0bcb1583-c1a4-48b5-87e6-2cc074d2d571" providerId="ADAL" clId="{C92DF3DE-23A5-4E98-85FA-AAD4EAE96412}" dt="2023-09-15T09:33:48.880" v="8234" actId="20577"/>
+        <pc:chgData name="Julia Moeller" userId="0bcb1583-c1a4-48b5-87e6-2cc074d2d571" providerId="ADAL" clId="{C92DF3DE-23A5-4E98-85FA-AAD4EAE96412}" dt="2023-09-29T13:45:17.342" v="11474" actId="207"/>
         <pc:sldMkLst>
           <pc:docMk/>
           <pc:sldMk cId="2079531476" sldId="281"/>
@@ -1599,7 +1514,7 @@
           </ac:spMkLst>
         </pc:spChg>
         <pc:spChg chg="mod">
-          <ac:chgData name="Julia Moeller" userId="0bcb1583-c1a4-48b5-87e6-2cc074d2d571" providerId="ADAL" clId="{C92DF3DE-23A5-4E98-85FA-AAD4EAE96412}" dt="2023-09-15T09:33:48.880" v="8234" actId="20577"/>
+          <ac:chgData name="Julia Moeller" userId="0bcb1583-c1a4-48b5-87e6-2cc074d2d571" providerId="ADAL" clId="{C92DF3DE-23A5-4E98-85FA-AAD4EAE96412}" dt="2023-09-29T13:45:17.342" v="11474" actId="207"/>
           <ac:spMkLst>
             <pc:docMk/>
             <pc:sldMk cId="2079531476" sldId="281"/>
@@ -1899,7 +1814,7 @@
         </pc:extLst>
       </pc:sldChg>
       <pc:sldChg chg="modSp mod modCm">
-        <pc:chgData name="Julia Moeller" userId="0bcb1583-c1a4-48b5-87e6-2cc074d2d571" providerId="ADAL" clId="{C92DF3DE-23A5-4E98-85FA-AAD4EAE96412}" dt="2023-09-15T13:44:39.120" v="11359"/>
+        <pc:chgData name="Julia Moeller" userId="0bcb1583-c1a4-48b5-87e6-2cc074d2d571" providerId="ADAL" clId="{C92DF3DE-23A5-4E98-85FA-AAD4EAE96412}" dt="2023-09-29T13:48:23.886" v="11487" actId="20577"/>
         <pc:sldMkLst>
           <pc:docMk/>
           <pc:sldMk cId="523345763" sldId="287"/>
@@ -1913,7 +1828,7 @@
           </ac:spMkLst>
         </pc:spChg>
         <pc:spChg chg="mod">
-          <ac:chgData name="Julia Moeller" userId="0bcb1583-c1a4-48b5-87e6-2cc074d2d571" providerId="ADAL" clId="{C92DF3DE-23A5-4E98-85FA-AAD4EAE96412}" dt="2023-09-15T10:20:17.205" v="8562" actId="20577"/>
+          <ac:chgData name="Julia Moeller" userId="0bcb1583-c1a4-48b5-87e6-2cc074d2d571" providerId="ADAL" clId="{C92DF3DE-23A5-4E98-85FA-AAD4EAE96412}" dt="2023-09-29T13:48:23.886" v="11487" actId="20577"/>
           <ac:spMkLst>
             <pc:docMk/>
             <pc:sldMk cId="523345763" sldId="287"/>
@@ -2499,13 +2414,13 @@
         </pc:sldMkLst>
       </pc:sldChg>
       <pc:sldChg chg="addSp delSp modSp add mod">
-        <pc:chgData name="Julia Moeller" userId="0bcb1583-c1a4-48b5-87e6-2cc074d2d571" providerId="ADAL" clId="{C92DF3DE-23A5-4E98-85FA-AAD4EAE96412}" dt="2023-09-15T14:32:20.056" v="11377" actId="14100"/>
+        <pc:chgData name="Julia Moeller" userId="0bcb1583-c1a4-48b5-87e6-2cc074d2d571" providerId="ADAL" clId="{C92DF3DE-23A5-4E98-85FA-AAD4EAE96412}" dt="2023-09-29T13:32:10.710" v="11412" actId="20577"/>
         <pc:sldMkLst>
           <pc:docMk/>
           <pc:sldMk cId="3454572736" sldId="299"/>
         </pc:sldMkLst>
         <pc:spChg chg="mod">
-          <ac:chgData name="Julia Moeller" userId="0bcb1583-c1a4-48b5-87e6-2cc074d2d571" providerId="ADAL" clId="{C92DF3DE-23A5-4E98-85FA-AAD4EAE96412}" dt="2023-09-13T14:30:32.705" v="3775"/>
+          <ac:chgData name="Julia Moeller" userId="0bcb1583-c1a4-48b5-87e6-2cc074d2d571" providerId="ADAL" clId="{C92DF3DE-23A5-4E98-85FA-AAD4EAE96412}" dt="2023-09-29T13:31:51.351" v="11409" actId="1076"/>
           <ac:spMkLst>
             <pc:docMk/>
             <pc:sldMk cId="3454572736" sldId="299"/>
@@ -2513,7 +2428,7 @@
           </ac:spMkLst>
         </pc:spChg>
         <pc:spChg chg="mod">
-          <ac:chgData name="Julia Moeller" userId="0bcb1583-c1a4-48b5-87e6-2cc074d2d571" providerId="ADAL" clId="{C92DF3DE-23A5-4E98-85FA-AAD4EAE96412}" dt="2023-09-15T14:32:20.056" v="11377" actId="14100"/>
+          <ac:chgData name="Julia Moeller" userId="0bcb1583-c1a4-48b5-87e6-2cc074d2d571" providerId="ADAL" clId="{C92DF3DE-23A5-4E98-85FA-AAD4EAE96412}" dt="2023-09-29T13:32:10.710" v="11412" actId="20577"/>
           <ac:spMkLst>
             <pc:docMk/>
             <pc:sldMk cId="3454572736" sldId="299"/>
@@ -2577,7 +2492,7 @@
           </ac:grpSpMkLst>
         </pc:grpChg>
         <pc:grpChg chg="add mod">
-          <ac:chgData name="Julia Moeller" userId="0bcb1583-c1a4-48b5-87e6-2cc074d2d571" providerId="ADAL" clId="{C92DF3DE-23A5-4E98-85FA-AAD4EAE96412}" dt="2023-09-13T09:56:02.194" v="2922" actId="1076"/>
+          <ac:chgData name="Julia Moeller" userId="0bcb1583-c1a4-48b5-87e6-2cc074d2d571" providerId="ADAL" clId="{C92DF3DE-23A5-4E98-85FA-AAD4EAE96412}" dt="2023-09-29T13:31:41.069" v="11407" actId="1076"/>
           <ac:grpSpMkLst>
             <pc:docMk/>
             <pc:sldMk cId="3454572736" sldId="299"/>
@@ -2601,7 +2516,7 @@
           </ac:picMkLst>
         </pc:picChg>
         <pc:picChg chg="add mod">
-          <ac:chgData name="Julia Moeller" userId="0bcb1583-c1a4-48b5-87e6-2cc074d2d571" providerId="ADAL" clId="{C92DF3DE-23A5-4E98-85FA-AAD4EAE96412}" dt="2023-09-13T07:42:04.342" v="1885" actId="1076"/>
+          <ac:chgData name="Julia Moeller" userId="0bcb1583-c1a4-48b5-87e6-2cc074d2d571" providerId="ADAL" clId="{C92DF3DE-23A5-4E98-85FA-AAD4EAE96412}" dt="2023-09-29T13:31:41.069" v="11407" actId="1076"/>
           <ac:picMkLst>
             <pc:docMk/>
             <pc:sldMk cId="3454572736" sldId="299"/>
@@ -2633,7 +2548,7 @@
           </ac:cxnSpMkLst>
         </pc:cxnChg>
         <pc:cxnChg chg="add mod">
-          <ac:chgData name="Julia Moeller" userId="0bcb1583-c1a4-48b5-87e6-2cc074d2d571" providerId="ADAL" clId="{C92DF3DE-23A5-4E98-85FA-AAD4EAE96412}" dt="2023-09-13T09:56:33.026" v="2928" actId="14100"/>
+          <ac:chgData name="Julia Moeller" userId="0bcb1583-c1a4-48b5-87e6-2cc074d2d571" providerId="ADAL" clId="{C92DF3DE-23A5-4E98-85FA-AAD4EAE96412}" dt="2023-09-29T13:31:41.069" v="11407" actId="1076"/>
           <ac:cxnSpMkLst>
             <pc:docMk/>
             <pc:sldMk cId="3454572736" sldId="299"/>
@@ -2641,7 +2556,7 @@
           </ac:cxnSpMkLst>
         </pc:cxnChg>
         <pc:cxnChg chg="add mod">
-          <ac:chgData name="Julia Moeller" userId="0bcb1583-c1a4-48b5-87e6-2cc074d2d571" providerId="ADAL" clId="{C92DF3DE-23A5-4E98-85FA-AAD4EAE96412}" dt="2023-09-13T09:56:25.513" v="2927" actId="14100"/>
+          <ac:chgData name="Julia Moeller" userId="0bcb1583-c1a4-48b5-87e6-2cc074d2d571" providerId="ADAL" clId="{C92DF3DE-23A5-4E98-85FA-AAD4EAE96412}" dt="2023-09-29T13:31:41.069" v="11407" actId="1076"/>
           <ac:cxnSpMkLst>
             <pc:docMk/>
             <pc:sldMk cId="3454572736" sldId="299"/>
@@ -2649,7 +2564,7 @@
           </ac:cxnSpMkLst>
         </pc:cxnChg>
         <pc:cxnChg chg="add mod">
-          <ac:chgData name="Julia Moeller" userId="0bcb1583-c1a4-48b5-87e6-2cc074d2d571" providerId="ADAL" clId="{C92DF3DE-23A5-4E98-85FA-AAD4EAE96412}" dt="2023-09-13T09:56:22.415" v="2926" actId="14100"/>
+          <ac:chgData name="Julia Moeller" userId="0bcb1583-c1a4-48b5-87e6-2cc074d2d571" providerId="ADAL" clId="{C92DF3DE-23A5-4E98-85FA-AAD4EAE96412}" dt="2023-09-29T13:31:41.069" v="11407" actId="1076"/>
           <ac:cxnSpMkLst>
             <pc:docMk/>
             <pc:sldMk cId="3454572736" sldId="299"/>
@@ -2665,7 +2580,7 @@
           </ac:cxnSpMkLst>
         </pc:cxnChg>
         <pc:cxnChg chg="add mod">
-          <ac:chgData name="Julia Moeller" userId="0bcb1583-c1a4-48b5-87e6-2cc074d2d571" providerId="ADAL" clId="{C92DF3DE-23A5-4E98-85FA-AAD4EAE96412}" dt="2023-09-13T09:57:03.430" v="2931" actId="1582"/>
+          <ac:chgData name="Julia Moeller" userId="0bcb1583-c1a4-48b5-87e6-2cc074d2d571" providerId="ADAL" clId="{C92DF3DE-23A5-4E98-85FA-AAD4EAE96412}" dt="2023-09-29T13:31:41.069" v="11407" actId="1076"/>
           <ac:cxnSpMkLst>
             <pc:docMk/>
             <pc:sldMk cId="3454572736" sldId="299"/>
@@ -2673,7 +2588,7 @@
           </ac:cxnSpMkLst>
         </pc:cxnChg>
         <pc:cxnChg chg="add mod">
-          <ac:chgData name="Julia Moeller" userId="0bcb1583-c1a4-48b5-87e6-2cc074d2d571" providerId="ADAL" clId="{C92DF3DE-23A5-4E98-85FA-AAD4EAE96412}" dt="2023-09-13T09:57:17.935" v="2935" actId="208"/>
+          <ac:chgData name="Julia Moeller" userId="0bcb1583-c1a4-48b5-87e6-2cc074d2d571" providerId="ADAL" clId="{C92DF3DE-23A5-4E98-85FA-AAD4EAE96412}" dt="2023-09-29T13:31:41.069" v="11407" actId="1076"/>
           <ac:cxnSpMkLst>
             <pc:docMk/>
             <pc:sldMk cId="3454572736" sldId="299"/>
@@ -3146,6 +3061,99 @@
             <ac:picMk id="5" creationId="{73409FDC-B862-1C9D-3021-E20FC2A4A6F4}"/>
           </ac:picMkLst>
         </pc:picChg>
+      </pc:sldChg>
+    </pc:docChg>
+  </pc:docChgLst>
+  <pc:docChgLst>
+    <pc:chgData name="Matthew Forbes" userId="89e49754-86d5-48d1-b7fe-89645bb93558" providerId="ADAL" clId="{5B4AF71D-E8A2-44E5-B28F-FFEBF84B54E3}"/>
+    <pc:docChg chg="undo custSel modSld">
+      <pc:chgData name="Matthew Forbes" userId="89e49754-86d5-48d1-b7fe-89645bb93558" providerId="ADAL" clId="{5B4AF71D-E8A2-44E5-B28F-FFEBF84B54E3}" dt="2023-09-19T11:22:55.487" v="4" actId="20577"/>
+      <pc:docMkLst>
+        <pc:docMk/>
+      </pc:docMkLst>
+      <pc:sldChg chg="modSp mod">
+        <pc:chgData name="Matthew Forbes" userId="89e49754-86d5-48d1-b7fe-89645bb93558" providerId="ADAL" clId="{5B4AF71D-E8A2-44E5-B28F-FFEBF84B54E3}" dt="2023-09-19T10:34:32.194" v="0" actId="33524"/>
+        <pc:sldMkLst>
+          <pc:docMk/>
+          <pc:sldMk cId="3345530997" sldId="259"/>
+        </pc:sldMkLst>
+        <pc:spChg chg="mod">
+          <ac:chgData name="Matthew Forbes" userId="89e49754-86d5-48d1-b7fe-89645bb93558" providerId="ADAL" clId="{5B4AF71D-E8A2-44E5-B28F-FFEBF84B54E3}" dt="2023-09-19T10:34:32.194" v="0" actId="33524"/>
+          <ac:spMkLst>
+            <pc:docMk/>
+            <pc:sldMk cId="3345530997" sldId="259"/>
+            <ac:spMk id="3" creationId="{00000000-0000-0000-0000-000000000000}"/>
+          </ac:spMkLst>
+        </pc:spChg>
+      </pc:sldChg>
+      <pc:sldChg chg="modSp mod">
+        <pc:chgData name="Matthew Forbes" userId="89e49754-86d5-48d1-b7fe-89645bb93558" providerId="ADAL" clId="{5B4AF71D-E8A2-44E5-B28F-FFEBF84B54E3}" dt="2023-09-19T10:42:59.312" v="1" actId="20577"/>
+        <pc:sldMkLst>
+          <pc:docMk/>
+          <pc:sldMk cId="1311594560" sldId="269"/>
+        </pc:sldMkLst>
+        <pc:spChg chg="mod">
+          <ac:chgData name="Matthew Forbes" userId="89e49754-86d5-48d1-b7fe-89645bb93558" providerId="ADAL" clId="{5B4AF71D-E8A2-44E5-B28F-FFEBF84B54E3}" dt="2023-09-19T10:42:59.312" v="1" actId="20577"/>
+          <ac:spMkLst>
+            <pc:docMk/>
+            <pc:sldMk cId="1311594560" sldId="269"/>
+            <ac:spMk id="3" creationId="{00000000-0000-0000-0000-000000000000}"/>
+          </ac:spMkLst>
+        </pc:spChg>
+      </pc:sldChg>
+      <pc:sldChg chg="modSp mod">
+        <pc:chgData name="Matthew Forbes" userId="89e49754-86d5-48d1-b7fe-89645bb93558" providerId="ADAL" clId="{5B4AF71D-E8A2-44E5-B28F-FFEBF84B54E3}" dt="2023-09-19T11:22:55.487" v="4" actId="20577"/>
+        <pc:sldMkLst>
+          <pc:docMk/>
+          <pc:sldMk cId="2337627130" sldId="282"/>
+        </pc:sldMkLst>
+        <pc:spChg chg="mod">
+          <ac:chgData name="Matthew Forbes" userId="89e49754-86d5-48d1-b7fe-89645bb93558" providerId="ADAL" clId="{5B4AF71D-E8A2-44E5-B28F-FFEBF84B54E3}" dt="2023-09-19T11:22:55.487" v="4" actId="20577"/>
+          <ac:spMkLst>
+            <pc:docMk/>
+            <pc:sldMk cId="2337627130" sldId="282"/>
+            <ac:spMk id="4" creationId="{7F52414C-28D4-C7DD-E2FB-48994F99345C}"/>
+          </ac:spMkLst>
+        </pc:spChg>
+      </pc:sldChg>
+      <pc:sldChg chg="modSp mod">
+        <pc:chgData name="Matthew Forbes" userId="89e49754-86d5-48d1-b7fe-89645bb93558" providerId="ADAL" clId="{5B4AF71D-E8A2-44E5-B28F-FFEBF84B54E3}" dt="2023-09-19T10:44:28.044" v="3" actId="1076"/>
+        <pc:sldMkLst>
+          <pc:docMk/>
+          <pc:sldMk cId="3454572736" sldId="299"/>
+        </pc:sldMkLst>
+        <pc:cxnChg chg="mod">
+          <ac:chgData name="Matthew Forbes" userId="89e49754-86d5-48d1-b7fe-89645bb93558" providerId="ADAL" clId="{5B4AF71D-E8A2-44E5-B28F-FFEBF84B54E3}" dt="2023-09-19T10:44:28.044" v="3" actId="1076"/>
+          <ac:cxnSpMkLst>
+            <pc:docMk/>
+            <pc:sldMk cId="3454572736" sldId="299"/>
+            <ac:cxnSpMk id="30" creationId="{E90F102F-7ED1-1852-9D68-292315A01050}"/>
+          </ac:cxnSpMkLst>
+        </pc:cxnChg>
+      </pc:sldChg>
+    </pc:docChg>
+  </pc:docChgLst>
+  <pc:docChgLst>
+    <pc:chgData name="Julia Moeller" userId="S::julia.moeller@phs.scot::0bcb1583-c1a4-48b5-87e6-2cc074d2d571" providerId="AD" clId="Web-{7E309218-6D18-4C22-8DBB-CA09B9323150}"/>
+    <pc:docChg chg="modSld">
+      <pc:chgData name="Julia Moeller" userId="S::julia.moeller@phs.scot::0bcb1583-c1a4-48b5-87e6-2cc074d2d571" providerId="AD" clId="Web-{7E309218-6D18-4C22-8DBB-CA09B9323150}" dt="2023-09-15T14:04:34.702" v="29" actId="20577"/>
+      <pc:docMkLst>
+        <pc:docMk/>
+      </pc:docMkLst>
+      <pc:sldChg chg="modSp">
+        <pc:chgData name="Julia Moeller" userId="S::julia.moeller@phs.scot::0bcb1583-c1a4-48b5-87e6-2cc074d2d571" providerId="AD" clId="Web-{7E309218-6D18-4C22-8DBB-CA09B9323150}" dt="2023-09-15T14:04:34.702" v="29" actId="20577"/>
+        <pc:sldMkLst>
+          <pc:docMk/>
+          <pc:sldMk cId="901500868" sldId="291"/>
+        </pc:sldMkLst>
+        <pc:spChg chg="mod">
+          <ac:chgData name="Julia Moeller" userId="S::julia.moeller@phs.scot::0bcb1583-c1a4-48b5-87e6-2cc074d2d571" providerId="AD" clId="Web-{7E309218-6D18-4C22-8DBB-CA09B9323150}" dt="2023-09-15T14:04:34.702" v="29" actId="20577"/>
+          <ac:spMkLst>
+            <pc:docMk/>
+            <pc:sldMk cId="901500868" sldId="291"/>
+            <ac:spMk id="3" creationId="{00000000-0000-0000-0000-000000000000}"/>
+          </ac:spMkLst>
+        </pc:spChg>
       </pc:sldChg>
     </pc:docChg>
   </pc:docChgLst>
@@ -3471,6 +3479,22 @@
         <a:r>
           <a:rPr lang="en-GB"/>
           <a:t>Too much text</a:t>
+        </a:r>
+      </a:p>
+    </p188:txBody>
+  </p188:cm>
+  <p188:cm id="{1AE6ACD6-AB3A-4920-8B05-C36FD966933F}" authorId="{7B0A6FA3-CF82-3BC2-4669-89778CD24ABB}" created="2023-09-29T13:33:30.252">
+    <pc:sldMkLst xmlns:pc="http://schemas.microsoft.com/office/powerpoint/2013/main/command">
+      <pc:docMk/>
+      <pc:sldMk cId="2315915978" sldId="270"/>
+    </pc:sldMkLst>
+    <p188:txBody>
+      <a:bodyPr/>
+      <a:lstStyle/>
+      <a:p>
+        <a:r>
+          <a:rPr lang="en-GB"/>
+          <a:t>Break</a:t>
         </a:r>
       </a:p>
     </p188:txBody>
@@ -4049,7 +4073,7 @@
           <a:p>
             <a:fld id="{C6578090-76F4-463B-B573-B85062C8A08E}" type="datetimeFigureOut">
               <a:rPr lang="en-GB" smtClean="0"/>
-              <a:t>19/09/2023</a:t>
+              <a:t>29/09/2023</a:t>
             </a:fld>
             <a:endParaRPr lang="en-GB"/>
           </a:p>
@@ -4361,7 +4385,7 @@
           <a:bodyPr/>
           <a:lstStyle/>
           <a:p>
-            <a:endParaRPr lang="en-GB"/>
+            <a:endParaRPr lang="en-GB" dirty="0"/>
           </a:p>
         </p:txBody>
       </p:sp>
@@ -4529,7 +4553,7 @@
           <a:bodyPr/>
           <a:lstStyle/>
           <a:p>
-            <a:endParaRPr lang="en-GB"/>
+            <a:endParaRPr lang="en-GB" dirty="0"/>
           </a:p>
         </p:txBody>
       </p:sp>
@@ -4613,7 +4637,7 @@
           <a:bodyPr/>
           <a:lstStyle/>
           <a:p>
-            <a:endParaRPr lang="en-GB"/>
+            <a:endParaRPr lang="en-GB" dirty="0"/>
           </a:p>
         </p:txBody>
       </p:sp>
@@ -4697,7 +4721,7 @@
           <a:bodyPr/>
           <a:lstStyle/>
           <a:p>
-            <a:endParaRPr lang="en-GB"/>
+            <a:endParaRPr lang="en-GB" dirty="0"/>
           </a:p>
         </p:txBody>
       </p:sp>
@@ -4803,10 +4827,10 @@
           </a:lstStyle>
           <a:p>
             <a:r>
-              <a:rPr lang="en-US"/>
+              <a:rPr lang="en-US" dirty="0"/>
               <a:t>Title of presentation goes here</a:t>
             </a:r>
-            <a:endParaRPr lang="en-GB"/>
+            <a:endParaRPr lang="en-GB" dirty="0"/>
           </a:p>
         </p:txBody>
       </p:sp>
@@ -4841,7 +4865,7 @@
           <a:p>
             <a:pPr lvl="0"/>
             <a:r>
-              <a:rPr lang="en-US"/>
+              <a:rPr lang="en-US" dirty="0"/>
               <a:t>Author / date</a:t>
             </a:r>
           </a:p>
@@ -4919,7 +4943,7 @@
           </a:lstStyle>
           <a:p>
             <a:r>
-              <a:rPr lang="en-US"/>
+              <a:rPr lang="en-US" dirty="0"/>
               <a:t>Section title</a:t>
             </a:r>
           </a:p>
@@ -4997,7 +5021,7 @@
           </a:lstStyle>
           <a:p>
             <a:r>
-              <a:rPr lang="en-US"/>
+              <a:rPr lang="en-US" dirty="0"/>
               <a:t>Section title</a:t>
             </a:r>
           </a:p>
@@ -5053,10 +5077,10 @@
           </a:lstStyle>
           <a:p>
             <a:r>
-              <a:rPr lang="en-US"/>
+              <a:rPr lang="en-US" dirty="0"/>
               <a:t>Title</a:t>
             </a:r>
-            <a:endParaRPr lang="en-GB"/>
+            <a:endParaRPr lang="en-GB" dirty="0"/>
           </a:p>
         </p:txBody>
       </p:sp>
@@ -5084,14 +5108,14 @@
           <a:p>
             <a:pPr lvl="0"/>
             <a:r>
-              <a:rPr lang="en-US"/>
+              <a:rPr lang="en-US" dirty="0"/>
               <a:t>Bullet</a:t>
             </a:r>
           </a:p>
           <a:p>
             <a:pPr lvl="1"/>
             <a:r>
-              <a:rPr lang="en-US"/>
+              <a:rPr lang="en-US" dirty="0"/>
               <a:t>Sub bullet</a:t>
             </a:r>
           </a:p>
@@ -5147,10 +5171,10 @@
           </a:lstStyle>
           <a:p>
             <a:r>
-              <a:rPr lang="en-US"/>
+              <a:rPr lang="en-US" dirty="0"/>
               <a:t>Title</a:t>
             </a:r>
-            <a:endParaRPr lang="en-GB"/>
+            <a:endParaRPr lang="en-GB" dirty="0"/>
           </a:p>
         </p:txBody>
       </p:sp>
@@ -5180,14 +5204,14 @@
           <a:p>
             <a:pPr lvl="0"/>
             <a:r>
-              <a:rPr lang="en-US"/>
+              <a:rPr lang="en-US" dirty="0"/>
               <a:t>Text</a:t>
             </a:r>
           </a:p>
           <a:p>
             <a:pPr lvl="1"/>
             <a:r>
-              <a:rPr lang="en-US"/>
+              <a:rPr lang="en-US" dirty="0"/>
               <a:t>Second level</a:t>
             </a:r>
           </a:p>
@@ -5219,14 +5243,14 @@
           <a:p>
             <a:pPr lvl="0"/>
             <a:r>
-              <a:rPr lang="en-US"/>
+              <a:rPr lang="en-US" dirty="0"/>
               <a:t>Text</a:t>
             </a:r>
           </a:p>
           <a:p>
             <a:pPr lvl="1"/>
             <a:r>
-              <a:rPr lang="en-US"/>
+              <a:rPr lang="en-US" dirty="0"/>
               <a:t>Second level</a:t>
             </a:r>
           </a:p>
@@ -5282,10 +5306,10 @@
           </a:lstStyle>
           <a:p>
             <a:r>
-              <a:rPr lang="en-US"/>
+              <a:rPr lang="en-US" dirty="0"/>
               <a:t>Title</a:t>
             </a:r>
-            <a:endParaRPr lang="en-GB"/>
+            <a:endParaRPr lang="en-GB" dirty="0"/>
           </a:p>
         </p:txBody>
       </p:sp>
@@ -5376,10 +5400,10 @@
           </a:lstStyle>
           <a:p>
             <a:r>
-              <a:rPr lang="en-US"/>
+              <a:rPr lang="en-US" dirty="0"/>
               <a:t>Title</a:t>
             </a:r>
-            <a:endParaRPr lang="en-GB"/>
+            <a:endParaRPr lang="en-GB" dirty="0"/>
           </a:p>
         </p:txBody>
       </p:sp>
@@ -5444,7 +5468,7 @@
               <a:rPr lang="en-US"/>
               <a:t>Click icon to add picture</a:t>
             </a:r>
-            <a:endParaRPr lang="en-GB"/>
+            <a:endParaRPr lang="en-GB" dirty="0"/>
           </a:p>
         </p:txBody>
       </p:sp>
@@ -5509,7 +5533,7 @@
           <a:p>
             <a:pPr lvl="0"/>
             <a:r>
-              <a:rPr lang="en-US"/>
+              <a:rPr lang="en-US" dirty="0"/>
               <a:t>Text /caption</a:t>
             </a:r>
           </a:p>
@@ -5572,10 +5596,10 @@
           </a:lstStyle>
           <a:p>
             <a:r>
-              <a:rPr lang="en-US"/>
+              <a:rPr lang="en-US" dirty="0"/>
               <a:t>Title</a:t>
             </a:r>
-            <a:endParaRPr lang="en-GB"/>
+            <a:endParaRPr lang="en-GB" dirty="0"/>
           </a:p>
         </p:txBody>
       </p:sp>
@@ -5640,7 +5664,7 @@
               <a:rPr lang="en-US"/>
               <a:t>Click icon to add picture</a:t>
             </a:r>
-            <a:endParaRPr lang="en-GB"/>
+            <a:endParaRPr lang="en-GB" dirty="0"/>
           </a:p>
         </p:txBody>
       </p:sp>
@@ -5716,7 +5740,7 @@
           </a:lstStyle>
           <a:p>
             <a:r>
-              <a:rPr lang="en-US"/>
+              <a:rPr lang="en-US" dirty="0"/>
               <a:t>Section title</a:t>
             </a:r>
           </a:p>
@@ -5794,7 +5818,7 @@
           </a:lstStyle>
           <a:p>
             <a:r>
-              <a:rPr lang="en-US"/>
+              <a:rPr lang="en-US" dirty="0"/>
               <a:t>Section title</a:t>
             </a:r>
           </a:p>
@@ -5870,10 +5894,10 @@
           <a:lstStyle/>
           <a:p>
             <a:r>
-              <a:rPr lang="en-US"/>
+              <a:rPr lang="en-US" dirty="0"/>
               <a:t>Title</a:t>
             </a:r>
-            <a:endParaRPr lang="en-GB"/>
+            <a:endParaRPr lang="en-GB" dirty="0"/>
           </a:p>
         </p:txBody>
       </p:sp>
@@ -5904,14 +5928,14 @@
           <a:p>
             <a:pPr lvl="0"/>
             <a:r>
-              <a:rPr lang="en-US"/>
+              <a:rPr lang="en-US" dirty="0"/>
               <a:t>Click to edit Master text styles</a:t>
             </a:r>
           </a:p>
           <a:p>
             <a:pPr lvl="1"/>
             <a:r>
-              <a:rPr lang="en-US"/>
+              <a:rPr lang="en-US" dirty="0"/>
               <a:t>Second level</a:t>
             </a:r>
           </a:p>
@@ -6268,23 +6292,23 @@
           <a:lstStyle/>
           <a:p>
             <a:r>
-              <a:rPr lang="en-GB" sz="3600">
+              <a:rPr lang="en-GB" sz="3600" dirty="0">
                 <a:latin typeface="Arial Black" panose="020B0A04020102020204" pitchFamily="34" charset="0"/>
               </a:rPr>
               <a:t>Introduction to R Shiny</a:t>
             </a:r>
             <a:br>
-              <a:rPr lang="en-GB" sz="3600">
+              <a:rPr lang="en-GB" sz="3600" dirty="0">
                 <a:latin typeface="Arial Black" panose="020B0A04020102020204" pitchFamily="34" charset="0"/>
               </a:rPr>
             </a:br>
             <a:r>
-              <a:rPr lang="en-GB" sz="3600">
+              <a:rPr lang="en-GB" sz="3600" dirty="0">
                 <a:latin typeface="Arial Black" panose="020B0A04020102020204" pitchFamily="34" charset="0"/>
               </a:rPr>
               <a:t>Day 1</a:t>
             </a:r>
-            <a:endParaRPr lang="en-GB"/>
+            <a:endParaRPr lang="en-GB" dirty="0"/>
           </a:p>
         </p:txBody>
       </p:sp>
@@ -6304,13 +6328,13 @@
           <a:lstStyle/>
           <a:p>
             <a:r>
-              <a:rPr lang="en-GB"/>
+              <a:rPr lang="en-GB" dirty="0"/>
               <a:t>Posit Implementation Programme</a:t>
             </a:r>
           </a:p>
           <a:p>
             <a:r>
-              <a:rPr lang="en-GB"/>
+              <a:rPr lang="en-GB" dirty="0"/>
               <a:t>11/09/2023</a:t>
             </a:r>
           </a:p>
@@ -6400,7 +6424,7 @@
               </a:buClr>
             </a:pPr>
             <a:r>
-              <a:rPr lang="en-GB"/>
+              <a:rPr lang="en-GB" dirty="0"/>
               <a:t>Open a new session in Posit.</a:t>
             </a:r>
           </a:p>
@@ -6411,8 +6435,8 @@
               </a:buClr>
             </a:pPr>
             <a:r>
-              <a:rPr lang="en-GB"/>
-              <a:t>Set working directory.</a:t>
+              <a:rPr lang="en-GB" dirty="0"/>
+              <a:t>Set working directory in stats drive.</a:t>
             </a:r>
           </a:p>
           <a:p>
@@ -6422,11 +6446,11 @@
               </a:buClr>
             </a:pPr>
             <a:r>
-              <a:rPr lang="en-GB"/>
+              <a:rPr lang="en-GB" dirty="0"/>
               <a:t>Go to </a:t>
             </a:r>
             <a:r>
-              <a:rPr lang="en-GB" b="1">
+              <a:rPr lang="en-GB" b="1" dirty="0">
                 <a:solidFill>
                   <a:srgbClr val="7030A0"/>
                 </a:solidFill>
@@ -6434,7 +6458,7 @@
               <a:t>File</a:t>
             </a:r>
             <a:r>
-              <a:rPr lang="en-GB">
+              <a:rPr lang="en-GB" dirty="0">
                 <a:solidFill>
                   <a:srgbClr val="7030A0"/>
                 </a:solidFill>
@@ -6442,11 +6466,11 @@
               <a:t> </a:t>
             </a:r>
             <a:r>
-              <a:rPr lang="en-GB"/>
+              <a:rPr lang="en-GB" dirty="0"/>
               <a:t>&gt;</a:t>
             </a:r>
             <a:r>
-              <a:rPr lang="en-GB">
+              <a:rPr lang="en-GB" dirty="0">
                 <a:solidFill>
                   <a:srgbClr val="7030A0"/>
                 </a:solidFill>
@@ -6454,7 +6478,7 @@
               <a:t> </a:t>
             </a:r>
             <a:r>
-              <a:rPr lang="en-GB" b="1">
+              <a:rPr lang="en-GB" b="1" dirty="0">
                 <a:solidFill>
                   <a:srgbClr val="7030A0"/>
                 </a:solidFill>
@@ -6462,11 +6486,11 @@
               <a:t>New File </a:t>
             </a:r>
             <a:r>
-              <a:rPr lang="en-GB"/>
+              <a:rPr lang="en-GB" dirty="0"/>
               <a:t>&gt;</a:t>
             </a:r>
             <a:r>
-              <a:rPr lang="en-GB">
+              <a:rPr lang="en-GB" dirty="0">
                 <a:solidFill>
                   <a:srgbClr val="7030A0"/>
                 </a:solidFill>
@@ -6474,7 +6498,7 @@
               <a:t> </a:t>
             </a:r>
             <a:r>
-              <a:rPr lang="en-GB" b="1">
+              <a:rPr lang="en-GB" b="1" dirty="0">
                 <a:solidFill>
                   <a:srgbClr val="7030A0"/>
                 </a:solidFill>
@@ -6482,7 +6506,7 @@
               <a:t>Shiny Web App</a:t>
             </a:r>
             <a:r>
-              <a:rPr lang="en-GB"/>
+              <a:rPr lang="en-GB" dirty="0"/>
               <a:t>.</a:t>
             </a:r>
           </a:p>
@@ -6493,7 +6517,7 @@
               </a:buClr>
             </a:pPr>
             <a:r>
-              <a:rPr lang="en-GB" b="1">
+              <a:rPr lang="en-GB" b="1" dirty="0">
                 <a:solidFill>
                   <a:srgbClr val="7030A0"/>
                 </a:solidFill>
@@ -6501,19 +6525,19 @@
               <a:t>Name</a:t>
             </a:r>
             <a:r>
-              <a:rPr lang="en-GB"/>
+              <a:rPr lang="en-GB" dirty="0"/>
               <a:t> your app (anything you like </a:t>
             </a:r>
             <a:r>
-              <a:rPr lang="en-GB" err="1"/>
+              <a:rPr lang="en-GB" dirty="0" err="1"/>
               <a:t>eg.</a:t>
             </a:r>
             <a:r>
-              <a:rPr lang="en-GB"/>
+              <a:rPr lang="en-GB" dirty="0"/>
               <a:t> “Practice1”) and </a:t>
             </a:r>
             <a:r>
-              <a:rPr lang="en-GB" b="1">
+              <a:rPr lang="en-GB" b="1" dirty="0">
                 <a:solidFill>
                   <a:srgbClr val="7030A0"/>
                 </a:solidFill>
@@ -6521,7 +6545,7 @@
               <a:t>set file path </a:t>
             </a:r>
             <a:r>
-              <a:rPr lang="en-GB"/>
+              <a:rPr lang="en-GB" dirty="0"/>
               <a:t>(where you can save your practice scripts).</a:t>
             </a:r>
           </a:p>
@@ -6532,11 +6556,11 @@
               </a:buClr>
             </a:pPr>
             <a:r>
-              <a:rPr lang="en-GB"/>
+              <a:rPr lang="en-GB" dirty="0"/>
               <a:t>Ensure the Application type is set as </a:t>
             </a:r>
             <a:r>
-              <a:rPr lang="en-GB" b="1">
+              <a:rPr lang="en-GB" b="1" dirty="0">
                 <a:solidFill>
                   <a:srgbClr val="7030A0"/>
                 </a:solidFill>
@@ -6544,7 +6568,7 @@
               <a:t>Single File (</a:t>
             </a:r>
             <a:r>
-              <a:rPr lang="en-GB" b="1" err="1">
+              <a:rPr lang="en-GB" b="1" dirty="0" err="1">
                 <a:solidFill>
                   <a:srgbClr val="7030A0"/>
                 </a:solidFill>
@@ -6552,7 +6576,7 @@
               <a:t>app.R</a:t>
             </a:r>
             <a:r>
-              <a:rPr lang="en-GB" b="1">
+              <a:rPr lang="en-GB" b="1" dirty="0">
                 <a:solidFill>
                   <a:srgbClr val="7030A0"/>
                 </a:solidFill>
@@ -6560,7 +6584,7 @@
               <a:t>)</a:t>
             </a:r>
             <a:r>
-              <a:rPr lang="en-GB"/>
+              <a:rPr lang="en-GB" dirty="0"/>
               <a:t>.</a:t>
             </a:r>
           </a:p>
@@ -6571,11 +6595,11 @@
               </a:buClr>
             </a:pPr>
             <a:r>
-              <a:rPr lang="en-GB"/>
+              <a:rPr lang="en-GB" dirty="0"/>
               <a:t>Click </a:t>
             </a:r>
             <a:r>
-              <a:rPr lang="en-GB" b="1">
+              <a:rPr lang="en-GB" b="1" dirty="0">
                 <a:solidFill>
                   <a:srgbClr val="7030A0"/>
                 </a:solidFill>
@@ -6583,7 +6607,7 @@
               <a:t>Create</a:t>
             </a:r>
             <a:r>
-              <a:rPr lang="en-GB"/>
+              <a:rPr lang="en-GB" dirty="0"/>
               <a:t>. </a:t>
             </a:r>
           </a:p>
@@ -6762,7 +6786,7 @@
               <a:buChar char="•"/>
             </a:pPr>
             <a:r>
-              <a:rPr lang="en-GB" sz="2400"/>
+              <a:rPr lang="en-GB" sz="2400" dirty="0"/>
               <a:t>Upon creating the new Shiny Web App you will see some sample code related to the “Old Faithful Geyser” dataset.</a:t>
             </a:r>
           </a:p>
@@ -6771,7 +6795,7 @@
               <a:buFont typeface="Arial" panose="020B0604020202020204" pitchFamily="34" charset="0"/>
               <a:buChar char="•"/>
             </a:pPr>
-            <a:endParaRPr lang="en-GB" sz="2400"/>
+            <a:endParaRPr lang="en-GB" sz="2400" dirty="0"/>
           </a:p>
           <a:p>
             <a:pPr marL="179388" indent="-179388">
@@ -6779,11 +6803,11 @@
               <a:buChar char="•"/>
             </a:pPr>
             <a:r>
-              <a:rPr lang="en-GB" sz="2400"/>
+              <a:rPr lang="en-GB" sz="2400" dirty="0"/>
               <a:t>Click </a:t>
             </a:r>
             <a:r>
-              <a:rPr lang="en-GB" sz="2400" b="1">
+              <a:rPr lang="en-GB" sz="2400" b="1" dirty="0">
                 <a:solidFill>
                   <a:srgbClr val="7030A0"/>
                 </a:solidFill>
@@ -6791,7 +6815,7 @@
               <a:t>“Run App” </a:t>
             </a:r>
             <a:r>
-              <a:rPr lang="en-GB" sz="2400"/>
+              <a:rPr lang="en-GB" sz="2400" dirty="0"/>
               <a:t>at the top right of the script window.</a:t>
             </a:r>
           </a:p>
@@ -6800,7 +6824,7 @@
               <a:buFont typeface="Arial" panose="020B0604020202020204" pitchFamily="34" charset="0"/>
               <a:buChar char="•"/>
             </a:pPr>
-            <a:endParaRPr lang="en-GB" sz="2400"/>
+            <a:endParaRPr lang="en-GB" sz="2400" dirty="0"/>
           </a:p>
           <a:p>
             <a:pPr marL="179388" indent="-179388">
@@ -6808,7 +6832,7 @@
               <a:buChar char="•"/>
             </a:pPr>
             <a:r>
-              <a:rPr lang="en-GB" sz="2400"/>
+              <a:rPr lang="en-GB" sz="2400" dirty="0"/>
               <a:t>The app may run in a new window, or in the viewer pane (you can change between with the drop-down arrow at “Run App”).</a:t>
             </a:r>
           </a:p>
@@ -6867,12 +6891,12 @@
           <a:lstStyle/>
           <a:p>
             <a:r>
-              <a:rPr lang="en-GB" sz="3200">
+              <a:rPr lang="en-GB" sz="3200" dirty="0">
                 <a:latin typeface="Arial Black" panose="020B0A04020102020204" pitchFamily="34" charset="0"/>
               </a:rPr>
               <a:t>Code Along: Empty Shiny app</a:t>
             </a:r>
-            <a:endParaRPr lang="en-GB" sz="3200"/>
+            <a:endParaRPr lang="en-GB" sz="3200" dirty="0"/>
           </a:p>
         </p:txBody>
       </p:sp>
@@ -6899,29 +6923,29 @@
           <a:lstStyle/>
           <a:p>
             <a:r>
-              <a:rPr lang="en-GB"/>
+              <a:rPr lang="en-GB" dirty="0"/>
               <a:t>Remove all code relating to Old Faithful Geyser, leaving an empty app.</a:t>
             </a:r>
             <a:br>
-              <a:rPr lang="en-GB"/>
+              <a:rPr lang="en-GB" dirty="0"/>
             </a:br>
-            <a:endParaRPr lang="en-GB"/>
-          </a:p>
-          <a:p>
-            <a:r>
-              <a:rPr lang="en-GB"/>
+            <a:endParaRPr lang="en-GB" dirty="0"/>
+          </a:p>
+          <a:p>
+            <a:r>
+              <a:rPr lang="en-GB" dirty="0"/>
               <a:t>The app will run, because it has the three components required; </a:t>
             </a:r>
             <a:r>
-              <a:rPr lang="en-GB" err="1"/>
+              <a:rPr lang="en-GB" dirty="0" err="1"/>
               <a:t>ui</a:t>
             </a:r>
             <a:r>
-              <a:rPr lang="en-GB"/>
+              <a:rPr lang="en-GB" dirty="0"/>
               <a:t>, server and a call to the </a:t>
             </a:r>
             <a:r>
-              <a:rPr lang="en-GB" b="1" err="1">
+              <a:rPr lang="en-GB" b="1" dirty="0" err="1">
                 <a:solidFill>
                   <a:srgbClr val="7030A0"/>
                 </a:solidFill>
@@ -6929,7 +6953,7 @@
               <a:t>shinyApp</a:t>
             </a:r>
             <a:r>
-              <a:rPr lang="en-GB" b="1">
+              <a:rPr lang="en-GB" b="1" dirty="0">
                 <a:solidFill>
                   <a:srgbClr val="7030A0"/>
                 </a:solidFill>
@@ -6937,17 +6961,17 @@
               <a:t>() </a:t>
             </a:r>
             <a:r>
-              <a:rPr lang="en-GB"/>
+              <a:rPr lang="en-GB" dirty="0"/>
               <a:t>function</a:t>
             </a:r>
             <a:br>
-              <a:rPr lang="en-GB"/>
+              <a:rPr lang="en-GB" dirty="0"/>
             </a:br>
-            <a:endParaRPr lang="en-GB"/>
-          </a:p>
-          <a:p>
-            <a:r>
-              <a:rPr lang="en-GB"/>
+            <a:endParaRPr lang="en-GB" dirty="0"/>
+          </a:p>
+          <a:p>
+            <a:r>
+              <a:rPr lang="en-GB" dirty="0"/>
               <a:t>This is a good place to start building a new app.</a:t>
             </a:r>
           </a:p>
@@ -7037,18 +7061,18 @@
           <a:lstStyle/>
           <a:p>
             <a:r>
-              <a:rPr lang="en-GB" sz="3200">
+              <a:rPr lang="en-GB" sz="3200" dirty="0">
                 <a:latin typeface="Arial Black" panose="020B0A04020102020204" pitchFamily="34" charset="0"/>
               </a:rPr>
               <a:t>Code Along: </a:t>
             </a:r>
             <a:r>
-              <a:rPr lang="en-GB" sz="3200" err="1">
+              <a:rPr lang="en-GB" sz="3200" dirty="0" err="1">
                 <a:latin typeface="Arial Black" panose="020B0A04020102020204" pitchFamily="34" charset="0"/>
               </a:rPr>
               <a:t>titlePanel</a:t>
             </a:r>
-            <a:endParaRPr lang="en-GB" sz="3200"/>
+            <a:endParaRPr lang="en-GB" sz="3200" dirty="0"/>
           </a:p>
         </p:txBody>
       </p:sp>
@@ -7075,11 +7099,11 @@
           <a:lstStyle/>
           <a:p>
             <a:r>
-              <a:rPr lang="en-GB"/>
+              <a:rPr lang="en-GB" dirty="0"/>
               <a:t>Add title - Remember: it  should go inside </a:t>
             </a:r>
             <a:r>
-              <a:rPr lang="en-GB" b="1" err="1">
+              <a:rPr lang="en-GB" b="1" dirty="0" err="1">
                 <a:solidFill>
                   <a:srgbClr val="7030A0"/>
                 </a:solidFill>
@@ -7087,7 +7111,7 @@
               <a:t>fluidPage</a:t>
             </a:r>
             <a:r>
-              <a:rPr lang="en-GB" b="1">
+              <a:rPr lang="en-GB" b="1" dirty="0">
                 <a:solidFill>
                   <a:srgbClr val="7030A0"/>
                 </a:solidFill>
@@ -7095,16 +7119,16 @@
               <a:t>()</a:t>
             </a:r>
             <a:r>
-              <a:rPr lang="en-GB"/>
+              <a:rPr lang="en-GB" dirty="0"/>
               <a:t>!</a:t>
             </a:r>
           </a:p>
           <a:p>
-            <a:endParaRPr lang="en-GB"/>
-          </a:p>
-          <a:p>
-            <a:r>
-              <a:rPr lang="en-GB" b="1" err="1">
+            <a:endParaRPr lang="en-GB" dirty="0"/>
+          </a:p>
+          <a:p>
+            <a:r>
+              <a:rPr lang="en-GB" b="1" dirty="0" err="1">
                 <a:solidFill>
                   <a:srgbClr val="7030A0"/>
                 </a:solidFill>
@@ -7112,7 +7136,7 @@
               <a:t>titlePanel</a:t>
             </a:r>
             <a:r>
-              <a:rPr lang="en-GB" b="1">
+              <a:rPr lang="en-GB" b="1" dirty="0">
                 <a:solidFill>
                   <a:srgbClr val="7030A0"/>
                 </a:solidFill>
@@ -7120,17 +7144,17 @@
               <a:t>()</a:t>
             </a:r>
             <a:r>
-              <a:rPr lang="en-GB"/>
+              <a:rPr lang="en-GB" dirty="0"/>
               <a:t> creates text formatted as a title at the top of the app.</a:t>
             </a:r>
             <a:br>
-              <a:rPr lang="en-GB"/>
+              <a:rPr lang="en-GB" dirty="0"/>
             </a:br>
-            <a:endParaRPr lang="en-GB"/>
-          </a:p>
-          <a:p>
-            <a:r>
-              <a:rPr lang="en-GB" b="1">
+            <a:endParaRPr lang="en-GB" dirty="0"/>
+          </a:p>
+          <a:p>
+            <a:r>
+              <a:rPr lang="en-GB" b="1" dirty="0">
                 <a:solidFill>
                   <a:srgbClr val="7030A0"/>
                 </a:solidFill>
@@ -7138,7 +7162,7 @@
               <a:t>“Run App” </a:t>
             </a:r>
             <a:r>
-              <a:rPr lang="en-GB"/>
+              <a:rPr lang="en-GB" dirty="0"/>
               <a:t>to see what happens!</a:t>
             </a:r>
           </a:p>
@@ -7146,7 +7170,7 @@
             <a:pPr marL="0" indent="0">
               <a:buNone/>
             </a:pPr>
-            <a:endParaRPr lang="en-GB"/>
+            <a:endParaRPr lang="en-GB" dirty="0"/>
           </a:p>
         </p:txBody>
       </p:sp>
@@ -7347,18 +7371,18 @@
           <a:lstStyle/>
           <a:p>
             <a:r>
-              <a:rPr lang="en-GB" sz="3200">
+              <a:rPr lang="en-GB" sz="3200" dirty="0">
                 <a:latin typeface="Arial Black" panose="020B0A04020102020204" pitchFamily="34" charset="0"/>
               </a:rPr>
               <a:t>Code Along: </a:t>
             </a:r>
             <a:r>
-              <a:rPr lang="en-GB" sz="3200" err="1">
+              <a:rPr lang="en-GB" sz="3200" dirty="0" err="1">
                 <a:latin typeface="Arial Black" panose="020B0A04020102020204" pitchFamily="34" charset="0"/>
               </a:rPr>
               <a:t>sidebarLayout</a:t>
             </a:r>
-            <a:endParaRPr lang="en-GB" sz="3200"/>
+            <a:endParaRPr lang="en-GB" sz="3200" dirty="0"/>
           </a:p>
         </p:txBody>
       </p:sp>
@@ -7385,11 +7409,11 @@
           <a:lstStyle/>
           <a:p>
             <a:r>
-              <a:rPr lang="en-GB"/>
+              <a:rPr lang="en-GB" dirty="0"/>
               <a:t>Create a </a:t>
             </a:r>
             <a:r>
-              <a:rPr lang="en-GB" b="1" err="1">
+              <a:rPr lang="en-GB" b="1" dirty="0" err="1">
                 <a:solidFill>
                   <a:srgbClr val="7030A0"/>
                 </a:solidFill>
@@ -7397,7 +7421,7 @@
               <a:t>sidebarLayout</a:t>
             </a:r>
             <a:r>
-              <a:rPr lang="en-GB" b="1">
+              <a:rPr lang="en-GB" b="1" dirty="0">
                 <a:solidFill>
                   <a:srgbClr val="7030A0"/>
                 </a:solidFill>
@@ -7405,11 +7429,11 @@
               <a:t>() </a:t>
             </a:r>
             <a:r>
-              <a:rPr lang="en-GB"/>
+              <a:rPr lang="en-GB" dirty="0"/>
               <a:t>and add </a:t>
             </a:r>
             <a:r>
-              <a:rPr lang="en-GB" b="1" err="1">
+              <a:rPr lang="en-GB" b="1" dirty="0" err="1">
                 <a:solidFill>
                   <a:srgbClr val="7030A0"/>
                 </a:solidFill>
@@ -7417,7 +7441,7 @@
               <a:t>sidebarPanel</a:t>
             </a:r>
             <a:r>
-              <a:rPr lang="en-GB" b="1">
+              <a:rPr lang="en-GB" b="1" dirty="0">
                 <a:solidFill>
                   <a:srgbClr val="7030A0"/>
                 </a:solidFill>
@@ -7425,7 +7449,7 @@
               <a:t>()</a:t>
             </a:r>
             <a:r>
-              <a:rPr lang="en-GB"/>
+              <a:rPr lang="en-GB" dirty="0"/>
               <a:t>.</a:t>
             </a:r>
           </a:p>
@@ -7436,10 +7460,10 @@
               </a:buClr>
             </a:pPr>
             <a:r>
-              <a:rPr lang="en-GB"/>
+              <a:rPr lang="en-GB" dirty="0"/>
               <a:t>Add some text to your app.</a:t>
             </a:r>
-            <a:endParaRPr lang="en-GB" b="1">
+            <a:endParaRPr lang="en-GB" b="1" dirty="0">
               <a:solidFill>
                 <a:srgbClr val="7030A0"/>
               </a:solidFill>
@@ -7447,11 +7471,11 @@
           </a:p>
           <a:p>
             <a:r>
-              <a:rPr lang="en-GB"/>
+              <a:rPr lang="en-GB" dirty="0"/>
               <a:t>Use </a:t>
             </a:r>
             <a:r>
-              <a:rPr lang="en-GB" b="1" err="1">
+              <a:rPr lang="en-GB" b="1" dirty="0" err="1">
                 <a:solidFill>
                   <a:srgbClr val="7030A0"/>
                 </a:solidFill>
@@ -7459,7 +7483,7 @@
               <a:t>br</a:t>
             </a:r>
             <a:r>
-              <a:rPr lang="en-GB" b="1">
+              <a:rPr lang="en-GB" b="1" dirty="0">
                 <a:solidFill>
                   <a:srgbClr val="7030A0"/>
                 </a:solidFill>
@@ -7467,13 +7491,13 @@
               <a:t>() </a:t>
             </a:r>
             <a:r>
-              <a:rPr lang="en-GB"/>
+              <a:rPr lang="en-GB" dirty="0"/>
               <a:t>for new line.</a:t>
             </a:r>
           </a:p>
           <a:p>
             <a:r>
-              <a:rPr lang="en-GB" b="1">
+              <a:rPr lang="en-GB" b="1" dirty="0">
                 <a:solidFill>
                   <a:srgbClr val="7030A0"/>
                 </a:solidFill>
@@ -7481,73 +7505,73 @@
               <a:t>“Run App” </a:t>
             </a:r>
             <a:r>
-              <a:rPr lang="en-GB"/>
+              <a:rPr lang="en-GB" dirty="0"/>
               <a:t>–  what happens?</a:t>
             </a:r>
             <a:br>
-              <a:rPr lang="en-GB"/>
+              <a:rPr lang="en-GB" dirty="0"/>
             </a:br>
-            <a:endParaRPr lang="en-GB"/>
+            <a:endParaRPr lang="en-GB" dirty="0"/>
           </a:p>
           <a:p>
             <a:pPr marL="0" indent="0">
               <a:buNone/>
             </a:pPr>
-            <a:endParaRPr lang="en-GB"/>
+            <a:endParaRPr lang="en-GB" dirty="0"/>
           </a:p>
           <a:p>
             <a:pPr marL="0" indent="0">
               <a:buNone/>
             </a:pPr>
-            <a:endParaRPr lang="en-GB"/>
+            <a:endParaRPr lang="en-GB" dirty="0"/>
           </a:p>
           <a:p>
             <a:pPr marL="0" indent="0">
               <a:buNone/>
             </a:pPr>
-            <a:endParaRPr lang="en-GB"/>
+            <a:endParaRPr lang="en-GB" dirty="0"/>
           </a:p>
           <a:p>
             <a:pPr marL="0" indent="0">
               <a:buNone/>
             </a:pPr>
-            <a:endParaRPr lang="en-GB"/>
+            <a:endParaRPr lang="en-GB" dirty="0"/>
           </a:p>
           <a:p>
             <a:pPr marL="0" indent="0">
               <a:buNone/>
             </a:pPr>
-            <a:endParaRPr lang="en-GB"/>
+            <a:endParaRPr lang="en-GB" dirty="0"/>
           </a:p>
           <a:p>
             <a:pPr marL="0" indent="0">
               <a:buNone/>
             </a:pPr>
-            <a:endParaRPr lang="en-GB"/>
+            <a:endParaRPr lang="en-GB" dirty="0"/>
           </a:p>
           <a:p>
             <a:pPr marL="0" indent="0">
               <a:buNone/>
             </a:pPr>
-            <a:endParaRPr lang="en-GB"/>
+            <a:endParaRPr lang="en-GB" dirty="0"/>
           </a:p>
           <a:p>
             <a:pPr marL="0" indent="0">
               <a:buNone/>
             </a:pPr>
-            <a:endParaRPr lang="en-GB"/>
+            <a:endParaRPr lang="en-GB" dirty="0"/>
           </a:p>
           <a:p>
             <a:pPr marL="0" indent="0">
               <a:buNone/>
             </a:pPr>
-            <a:endParaRPr lang="en-GB"/>
+            <a:endParaRPr lang="en-GB" dirty="0"/>
           </a:p>
           <a:p>
             <a:pPr marL="0" indent="0">
               <a:buNone/>
             </a:pPr>
-            <a:endParaRPr lang="en-GB"/>
+            <a:endParaRPr lang="en-GB" dirty="0"/>
           </a:p>
         </p:txBody>
       </p:sp>
@@ -7862,7 +7886,7 @@
           <a:lstStyle/>
           <a:p>
             <a:r>
-              <a:rPr lang="en-GB" b="1"/>
+              <a:rPr lang="en-GB" b="1" dirty="0"/>
               <a:t>TIPS FOR UI: </a:t>
             </a:r>
           </a:p>
@@ -7872,11 +7896,11 @@
               <a:buChar char="•"/>
             </a:pPr>
             <a:r>
-              <a:rPr lang="en-GB"/>
+              <a:rPr lang="en-GB" dirty="0"/>
               <a:t>Use Rainbow parentheses </a:t>
             </a:r>
             <a:r>
-              <a:rPr lang="en-GB" b="1">
+              <a:rPr lang="en-GB" b="1" dirty="0">
                 <a:solidFill>
                   <a:srgbClr val="7030A0"/>
                 </a:solidFill>
@@ -7884,11 +7908,11 @@
               <a:t>Tools</a:t>
             </a:r>
             <a:r>
-              <a:rPr lang="en-GB"/>
+              <a:rPr lang="en-GB" dirty="0"/>
               <a:t>&gt;</a:t>
             </a:r>
             <a:r>
-              <a:rPr lang="en-GB" b="1">
+              <a:rPr lang="en-GB" b="1" dirty="0">
                 <a:solidFill>
                   <a:srgbClr val="7030A0"/>
                 </a:solidFill>
@@ -7896,11 +7920,11 @@
               <a:t>Global</a:t>
             </a:r>
             <a:r>
-              <a:rPr lang="en-GB"/>
+              <a:rPr lang="en-GB" dirty="0"/>
               <a:t>&gt;</a:t>
             </a:r>
             <a:r>
-              <a:rPr lang="en-GB" b="1">
+              <a:rPr lang="en-GB" b="1" dirty="0">
                 <a:solidFill>
                   <a:srgbClr val="7030A0"/>
                 </a:solidFill>
@@ -7908,11 +7932,11 @@
               <a:t>Code</a:t>
             </a:r>
             <a:r>
-              <a:rPr lang="en-GB"/>
+              <a:rPr lang="en-GB" dirty="0"/>
               <a:t>&gt;</a:t>
             </a:r>
             <a:r>
-              <a:rPr lang="en-GB" b="1">
+              <a:rPr lang="en-GB" b="1" dirty="0">
                 <a:solidFill>
                   <a:srgbClr val="7030A0"/>
                 </a:solidFill>
@@ -7920,11 +7944,11 @@
               <a:t>Display</a:t>
             </a:r>
             <a:r>
-              <a:rPr lang="en-GB"/>
+              <a:rPr lang="en-GB" dirty="0"/>
               <a:t>&gt;</a:t>
             </a:r>
             <a:r>
-              <a:rPr lang="en-GB" b="1">
+              <a:rPr lang="en-GB" b="1" dirty="0">
                 <a:solidFill>
                   <a:srgbClr val="7030A0"/>
                 </a:solidFill>
@@ -7938,7 +7962,7 @@
               <a:buChar char="•"/>
             </a:pPr>
             <a:r>
-              <a:rPr lang="en-GB"/>
+              <a:rPr lang="en-GB" dirty="0"/>
               <a:t>Comment end of functions</a:t>
             </a:r>
           </a:p>
@@ -7947,10 +7971,10 @@
               <a:buFont typeface="Arial" panose="020B0604020202020204" pitchFamily="34" charset="0"/>
               <a:buChar char="•"/>
             </a:pPr>
-            <a:endParaRPr lang="en-GB" b="1"/>
-          </a:p>
-          <a:p>
-            <a:endParaRPr lang="en-GB"/>
+            <a:endParaRPr lang="en-GB" b="1" dirty="0"/>
+          </a:p>
+          <a:p>
+            <a:endParaRPr lang="en-GB" dirty="0"/>
           </a:p>
         </p:txBody>
       </p:sp>
@@ -8007,18 +8031,18 @@
           <a:lstStyle/>
           <a:p>
             <a:r>
-              <a:rPr lang="en-GB" sz="3200">
+              <a:rPr lang="en-GB" sz="3200" dirty="0">
                 <a:latin typeface="Arial Black" panose="020B0A04020102020204" pitchFamily="34" charset="0"/>
               </a:rPr>
               <a:t>Code Along: </a:t>
             </a:r>
             <a:r>
-              <a:rPr lang="en-GB" sz="3200" err="1">
+              <a:rPr lang="en-GB" sz="3200" dirty="0" err="1">
                 <a:latin typeface="Arial Black" panose="020B0A04020102020204" pitchFamily="34" charset="0"/>
               </a:rPr>
               <a:t>sidebarLayout</a:t>
             </a:r>
-            <a:endParaRPr lang="en-GB" sz="3200"/>
+            <a:endParaRPr lang="en-GB" sz="3200" dirty="0"/>
           </a:p>
         </p:txBody>
       </p:sp>
@@ -8045,11 +8069,11 @@
           <a:lstStyle/>
           <a:p>
             <a:r>
-              <a:rPr lang="en-GB"/>
+              <a:rPr lang="en-GB" dirty="0"/>
               <a:t>Add </a:t>
             </a:r>
             <a:r>
-              <a:rPr lang="en-GB" b="1" err="1">
+              <a:rPr lang="en-GB" b="1" dirty="0" err="1">
                 <a:solidFill>
                   <a:srgbClr val="7030A0"/>
                 </a:solidFill>
@@ -8057,7 +8081,7 @@
               <a:t>mainPanel</a:t>
             </a:r>
             <a:r>
-              <a:rPr lang="en-GB" b="1">
+              <a:rPr lang="en-GB" b="1" dirty="0">
                 <a:solidFill>
                   <a:srgbClr val="7030A0"/>
                 </a:solidFill>
@@ -8065,11 +8089,11 @@
               <a:t>() </a:t>
             </a:r>
             <a:r>
-              <a:rPr lang="en-GB"/>
+              <a:rPr lang="en-GB" dirty="0"/>
               <a:t>and </a:t>
             </a:r>
             <a:r>
-              <a:rPr lang="en-GB" b="1">
+              <a:rPr lang="en-GB" b="1" dirty="0">
                 <a:solidFill>
                   <a:srgbClr val="7030A0"/>
                 </a:solidFill>
@@ -8077,116 +8101,119 @@
               <a:t>“Run App”</a:t>
             </a:r>
             <a:r>
-              <a:rPr lang="en-GB"/>
+              <a:rPr lang="en-GB" dirty="0"/>
               <a:t>.</a:t>
             </a:r>
           </a:p>
           <a:p>
-            <a:endParaRPr lang="en-GB" b="1">
+            <a:endParaRPr lang="en-GB" b="1" dirty="0">
               <a:solidFill>
                 <a:srgbClr val="7030A0"/>
               </a:solidFill>
             </a:endParaRPr>
           </a:p>
           <a:p>
-            <a:endParaRPr lang="en-GB" b="1">
+            <a:endParaRPr lang="en-GB" b="1" dirty="0">
               <a:solidFill>
                 <a:srgbClr val="7030A0"/>
               </a:solidFill>
             </a:endParaRPr>
           </a:p>
           <a:p>
-            <a:endParaRPr lang="en-GB" b="1">
+            <a:endParaRPr lang="en-GB" b="1" dirty="0">
               <a:solidFill>
                 <a:srgbClr val="7030A0"/>
               </a:solidFill>
             </a:endParaRPr>
           </a:p>
           <a:p>
-            <a:endParaRPr lang="en-GB" b="1">
+            <a:endParaRPr lang="en-GB" b="1" dirty="0">
               <a:solidFill>
                 <a:srgbClr val="7030A0"/>
               </a:solidFill>
             </a:endParaRPr>
           </a:p>
           <a:p>
-            <a:endParaRPr lang="en-GB" b="1">
+            <a:endParaRPr lang="en-GB" b="1" dirty="0">
               <a:solidFill>
                 <a:srgbClr val="7030A0"/>
               </a:solidFill>
             </a:endParaRPr>
           </a:p>
           <a:p>
-            <a:endParaRPr lang="en-GB" b="1">
+            <a:pPr marL="0" indent="0">
+              <a:buNone/>
+            </a:pPr>
+            <a:br>
+              <a:rPr lang="en-GB" b="1" dirty="0">
+                <a:solidFill>
+                  <a:srgbClr val="7030A0"/>
+                </a:solidFill>
+              </a:rPr>
+            </a:br>
+            <a:endParaRPr lang="en-GB" b="1" dirty="0">
               <a:solidFill>
                 <a:srgbClr val="7030A0"/>
               </a:solidFill>
             </a:endParaRPr>
           </a:p>
           <a:p>
-            <a:endParaRPr lang="en-GB" b="1">
-              <a:solidFill>
-                <a:srgbClr val="7030A0"/>
-              </a:solidFill>
-            </a:endParaRPr>
-          </a:p>
-          <a:p>
-            <a:r>
-              <a:rPr lang="en-GB" b="1"/>
+            <a:r>
+              <a:rPr lang="en-GB" b="1" dirty="0"/>
               <a:t>NOTE: </a:t>
             </a:r>
             <a:r>
-              <a:rPr lang="en-GB" err="1"/>
+              <a:rPr lang="en-GB" dirty="0" err="1"/>
               <a:t>sidebarLayout</a:t>
             </a:r>
             <a:r>
-              <a:rPr lang="en-GB"/>
+              <a:rPr lang="en-GB" dirty="0"/>
               <a:t>() requires a </a:t>
             </a:r>
             <a:r>
-              <a:rPr lang="en-GB" err="1"/>
+              <a:rPr lang="en-GB" dirty="0" err="1"/>
               <a:t>sidebarPanel</a:t>
             </a:r>
             <a:r>
-              <a:rPr lang="en-GB"/>
+              <a:rPr lang="en-GB" dirty="0"/>
               <a:t>() and </a:t>
             </a:r>
             <a:r>
-              <a:rPr lang="en-GB" err="1"/>
+              <a:rPr lang="en-GB" dirty="0" err="1"/>
               <a:t>mainPanel</a:t>
             </a:r>
             <a:r>
-              <a:rPr lang="en-GB"/>
+              <a:rPr lang="en-GB" dirty="0"/>
               <a:t>()</a:t>
             </a:r>
           </a:p>
           <a:p>
             <a:pPr lvl="1"/>
             <a:r>
-              <a:rPr lang="en-GB" sz="1800" err="1"/>
+              <a:rPr lang="en-GB" sz="1800" dirty="0" err="1"/>
               <a:t>sidebarPanel</a:t>
             </a:r>
             <a:r>
-              <a:rPr lang="en-GB" sz="1800"/>
+              <a:rPr lang="en-GB" sz="1800" dirty="0"/>
               <a:t> would contain user input controls (e.g. </a:t>
             </a:r>
             <a:r>
-              <a:rPr lang="en-GB" sz="1800" err="1"/>
+              <a:rPr lang="en-GB" sz="1800" dirty="0" err="1"/>
               <a:t>radiobuttons</a:t>
             </a:r>
             <a:r>
-              <a:rPr lang="en-GB" sz="1800"/>
+              <a:rPr lang="en-GB" sz="1800" dirty="0"/>
               <a:t> and drop-downs)</a:t>
             </a:r>
           </a:p>
           <a:p>
             <a:pPr lvl="1"/>
             <a:r>
-              <a:rPr lang="en-GB" sz="1800" err="1"/>
+              <a:rPr lang="en-GB" sz="1800" dirty="0" err="1"/>
               <a:t>mainPanel</a:t>
             </a:r>
             <a:r>
-              <a:rPr lang="en-GB" sz="1800"/>
+              <a:rPr lang="en-GB" sz="1800" dirty="0"/>
               <a:t> would display the output (e.g. plot or table).</a:t>
             </a:r>
           </a:p>
@@ -8194,7 +8221,7 @@
             <a:pPr marL="0" indent="0">
               <a:buNone/>
             </a:pPr>
-            <a:endParaRPr lang="en-GB"/>
+            <a:endParaRPr lang="en-GB" dirty="0"/>
           </a:p>
         </p:txBody>
       </p:sp>
@@ -8212,7 +8239,7 @@
         </p:nvGrpSpPr>
         <p:grpSpPr>
           <a:xfrm>
-            <a:off x="4311766" y="1940293"/>
+            <a:off x="4280016" y="1690691"/>
             <a:ext cx="4350969" cy="2397906"/>
             <a:chOff x="4300006" y="3429000"/>
             <a:chExt cx="4350969" cy="2397906"/>
@@ -8459,7 +8486,7 @@
               <a:lstStyle/>
               <a:p>
                 <a:pPr algn="ctr"/>
-                <a:endParaRPr lang="en-GB"/>
+                <a:endParaRPr lang="en-GB" dirty="0"/>
               </a:p>
             </p:txBody>
           </p:sp>
@@ -8549,7 +8576,7 @@
         </p:blipFill>
         <p:spPr>
           <a:xfrm>
-            <a:off x="1008309" y="1940636"/>
+            <a:off x="976559" y="1691034"/>
             <a:ext cx="2406774" cy="2863997"/>
           </a:xfrm>
           <a:prstGeom prst="rect">
@@ -8573,7 +8600,7 @@
         </p:nvCxnSpPr>
         <p:spPr>
           <a:xfrm>
-            <a:off x="2073582" y="2643144"/>
+            <a:off x="2041832" y="2393542"/>
             <a:ext cx="2360208" cy="337624"/>
           </a:xfrm>
           <a:prstGeom prst="bentConnector3">
@@ -8619,7 +8646,7 @@
         </p:nvCxnSpPr>
         <p:spPr>
           <a:xfrm>
-            <a:off x="1993780" y="2753808"/>
+            <a:off x="1962030" y="2504206"/>
             <a:ext cx="2537184" cy="488311"/>
           </a:xfrm>
           <a:prstGeom prst="bentConnector3">
@@ -8665,7 +8692,7 @@
         </p:nvCxnSpPr>
         <p:spPr>
           <a:xfrm>
-            <a:off x="1992251" y="3366140"/>
+            <a:off x="1960501" y="3116538"/>
             <a:ext cx="4084322" cy="186134"/>
           </a:xfrm>
           <a:prstGeom prst="bentConnector3">
@@ -8709,7 +8736,7 @@
         </p:nvCxnSpPr>
         <p:spPr>
           <a:xfrm>
-            <a:off x="1992251" y="2215662"/>
+            <a:off x="1960501" y="1966060"/>
             <a:ext cx="2375767" cy="0"/>
           </a:xfrm>
           <a:prstGeom prst="straightConnector1">
@@ -8753,7 +8780,7 @@
         </p:nvCxnSpPr>
         <p:spPr>
           <a:xfrm>
-            <a:off x="3002799" y="2438400"/>
+            <a:off x="2971049" y="2188798"/>
             <a:ext cx="1430991" cy="0"/>
           </a:xfrm>
           <a:prstGeom prst="straightConnector1">
@@ -8829,7 +8856,7 @@
           <a:lstStyle/>
           <a:p>
             <a:r>
-              <a:rPr lang="en-GB" sz="3200">
+              <a:rPr lang="en-GB" sz="3200" dirty="0">
                 <a:latin typeface="Arial Black" panose="020B0A04020102020204" pitchFamily="34" charset="0"/>
               </a:rPr>
               <a:t>Recap</a:t>
@@ -8860,58 +8887,50 @@
           <a:lstStyle/>
           <a:p>
             <a:r>
-              <a:rPr lang="en-GB"/>
-              <a:t>Shiny apps need two components; </a:t>
-            </a:r>
-            <a:r>
-              <a:rPr lang="en-GB" err="1"/>
-              <a:t>ui</a:t>
-            </a:r>
-            <a:r>
-              <a:rPr lang="en-GB"/>
-              <a:t> (controls how the app looks), and server (controls what the app does).</a:t>
+              <a:rPr lang="en-GB" dirty="0"/>
+              <a:t>Shiny apps need two components; UI (controls how the app looks), and server (controls what the app does).</a:t>
             </a:r>
             <a:br>
-              <a:rPr lang="en-GB"/>
+              <a:rPr lang="en-GB" dirty="0"/>
             </a:br>
-            <a:endParaRPr lang="en-GB"/>
-          </a:p>
-          <a:p>
-            <a:r>
-              <a:rPr lang="en-GB" err="1"/>
+            <a:endParaRPr lang="en-GB" dirty="0"/>
+          </a:p>
+          <a:p>
+            <a:r>
+              <a:rPr lang="en-GB" dirty="0" err="1"/>
               <a:t>sidebarPanel</a:t>
             </a:r>
             <a:r>
-              <a:rPr lang="en-GB"/>
+              <a:rPr lang="en-GB" dirty="0"/>
               <a:t>() and </a:t>
             </a:r>
             <a:r>
-              <a:rPr lang="en-GB" err="1"/>
+              <a:rPr lang="en-GB" dirty="0" err="1"/>
               <a:t>mainPanel</a:t>
             </a:r>
             <a:r>
-              <a:rPr lang="en-GB"/>
+              <a:rPr lang="en-GB" dirty="0"/>
               <a:t>() functions work within </a:t>
             </a:r>
             <a:r>
-              <a:rPr lang="en-GB" err="1"/>
+              <a:rPr lang="en-GB" dirty="0" err="1"/>
               <a:t>sidebarLayout</a:t>
             </a:r>
             <a:r>
-              <a:rPr lang="en-GB"/>
+              <a:rPr lang="en-GB" dirty="0"/>
               <a:t>() and </a:t>
             </a:r>
             <a:r>
-              <a:rPr lang="en-GB" err="1"/>
+              <a:rPr lang="en-GB" dirty="0" err="1"/>
               <a:t>fluidPage</a:t>
             </a:r>
             <a:r>
-              <a:rPr lang="en-GB"/>
+              <a:rPr lang="en-GB" dirty="0"/>
               <a:t>() to create different sections of the app, and we can change the code in order to change what appears in these sections.</a:t>
             </a:r>
           </a:p>
           <a:p>
-            <a:endParaRPr lang="en-GB"/>
+            <a:endParaRPr lang="en-GB" dirty="0"/>
           </a:p>
         </p:txBody>
       </p:sp>
@@ -8963,7 +8982,7 @@
           </a:lstStyle>
           <a:p>
             <a:r>
-              <a:rPr lang="en-GB" sz="3200">
+              <a:rPr lang="en-GB" sz="3200" dirty="0">
                 <a:latin typeface="Arial Black" panose="020B0A04020102020204" pitchFamily="34" charset="0"/>
               </a:rPr>
               <a:t>Next</a:t>
@@ -9168,15 +9187,15 @@
               <a:buChar char="•"/>
             </a:pPr>
             <a:r>
-              <a:rPr lang="en-GB" sz="2400"/>
+              <a:rPr lang="en-GB" sz="2400" dirty="0"/>
               <a:t>Using sample data we will build our own </a:t>
             </a:r>
             <a:r>
-              <a:rPr lang="en-GB" sz="2400" err="1"/>
+              <a:rPr lang="en-GB" sz="2400" dirty="0" err="1"/>
               <a:t>multitab</a:t>
             </a:r>
             <a:r>
-              <a:rPr lang="en-GB" sz="2400"/>
+              <a:rPr lang="en-GB" sz="2400" dirty="0"/>
               <a:t> app which will include titles, radio buttons, drop-down menus, charts, tables and text. </a:t>
             </a:r>
           </a:p>
@@ -9185,7 +9204,7 @@
               <a:buFont typeface="Arial" panose="020B0604020202020204" pitchFamily="34" charset="0"/>
               <a:buChar char="•"/>
             </a:pPr>
-            <a:endParaRPr lang="en-GB" sz="2400"/>
+            <a:endParaRPr lang="en-GB" sz="2400" dirty="0"/>
           </a:p>
           <a:p>
             <a:pPr marL="177800" indent="-177800">
@@ -9193,18 +9212,18 @@
               <a:buChar char="•"/>
             </a:pPr>
             <a:r>
-              <a:rPr lang="en-GB" sz="2400"/>
+              <a:rPr lang="en-GB" sz="2400" dirty="0"/>
               <a:t>We’ll be using the </a:t>
             </a:r>
             <a:r>
-              <a:rPr lang="en-GB" sz="2400" err="1"/>
+              <a:rPr lang="en-GB" sz="2400" dirty="0" err="1"/>
               <a:t>nyc_dogs</a:t>
             </a:r>
             <a:r>
-              <a:rPr lang="en-GB" sz="2400"/>
+              <a:rPr lang="en-GB" sz="2400" dirty="0"/>
               <a:t> dataset from the NYC</a:t>
             </a:r>
-            <a:endParaRPr lang="en-GB"/>
+            <a:endParaRPr lang="en-GB" dirty="0"/>
           </a:p>
         </p:txBody>
       </p:sp>
@@ -9261,12 +9280,12 @@
           <a:lstStyle/>
           <a:p>
             <a:r>
-              <a:rPr lang="en-GB" sz="3200">
+              <a:rPr lang="en-GB" sz="3200" dirty="0">
                 <a:latin typeface="Arial Black" panose="020B0A04020102020204" pitchFamily="34" charset="0"/>
               </a:rPr>
               <a:t>Code Along: Radio buttons</a:t>
             </a:r>
-            <a:endParaRPr lang="en-GB" sz="3200"/>
+            <a:endParaRPr lang="en-GB" sz="3200" dirty="0"/>
           </a:p>
         </p:txBody>
       </p:sp>
@@ -9546,28 +9565,12 @@
               <a:buChar char="•"/>
             </a:pPr>
             <a:r>
-              <a:rPr lang="en-GB" sz="2400">
+              <a:rPr lang="en-GB" sz="2400" dirty="0">
                 <a:solidFill>
                   <a:schemeClr val="tx1"/>
                 </a:solidFill>
               </a:rPr>
-              <a:t>Clear content of app so you have an empty app with </a:t>
-            </a:r>
-            <a:r>
-              <a:rPr lang="en-GB" sz="2400" err="1">
-                <a:solidFill>
-                  <a:schemeClr val="tx1"/>
-                </a:solidFill>
-              </a:rPr>
-              <a:t>ui</a:t>
-            </a:r>
-            <a:r>
-              <a:rPr lang="en-GB" sz="2400">
-                <a:solidFill>
-                  <a:schemeClr val="tx1"/>
-                </a:solidFill>
-              </a:rPr>
-              <a:t> and server.</a:t>
+              <a:t>Clear content of app so you have an empty app with UI and server.</a:t>
             </a:r>
           </a:p>
           <a:p>
@@ -9577,7 +9580,7 @@
               <a:buChar char="•"/>
             </a:pPr>
             <a:r>
-              <a:rPr lang="en-GB" sz="2400">
+              <a:rPr lang="en-GB" sz="2400" dirty="0">
                 <a:solidFill>
                   <a:schemeClr val="tx1"/>
                 </a:solidFill>
@@ -9592,7 +9595,7 @@
               <a:buChar char="•"/>
             </a:pPr>
             <a:r>
-              <a:rPr lang="en-GB" sz="2400">
+              <a:rPr lang="en-GB" sz="2400" dirty="0">
                 <a:solidFill>
                   <a:schemeClr val="tx1"/>
                 </a:solidFill>
@@ -9600,7 +9603,7 @@
               <a:t>Add </a:t>
             </a:r>
             <a:r>
-              <a:rPr lang="en-GB" sz="2400" b="1" err="1">
+              <a:rPr lang="en-GB" sz="2400" b="1" dirty="0" err="1">
                 <a:solidFill>
                   <a:srgbClr val="7030A0"/>
                 </a:solidFill>
@@ -9608,7 +9611,7 @@
               <a:t>radioButtons</a:t>
             </a:r>
             <a:r>
-              <a:rPr lang="en-GB" sz="2400" b="1">
+              <a:rPr lang="en-GB" sz="2400" b="1" dirty="0">
                 <a:solidFill>
                   <a:srgbClr val="7030A0"/>
                 </a:solidFill>
@@ -9616,7 +9619,7 @@
               <a:t>() </a:t>
             </a:r>
             <a:r>
-              <a:rPr lang="en-GB" sz="2400">
+              <a:rPr lang="en-GB" sz="2400" dirty="0">
                 <a:solidFill>
                   <a:schemeClr val="tx1"/>
                 </a:solidFill>
@@ -9624,7 +9627,7 @@
               <a:t>to UI: </a:t>
             </a:r>
             <a:r>
-              <a:rPr lang="en-GB" sz="2400" b="1" err="1">
+              <a:rPr lang="en-GB" sz="2400" b="1" dirty="0" err="1">
                 <a:solidFill>
                   <a:schemeClr val="tx1"/>
                 </a:solidFill>
@@ -9632,7 +9635,7 @@
               <a:t>radioButtons</a:t>
             </a:r>
             <a:r>
-              <a:rPr lang="en-GB" sz="2400" b="1">
+              <a:rPr lang="en-GB" sz="2400" b="1" dirty="0">
                 <a:solidFill>
                   <a:schemeClr val="tx1"/>
                 </a:solidFill>
@@ -9640,7 +9643,7 @@
               <a:t>(</a:t>
             </a:r>
             <a:r>
-              <a:rPr lang="en-GB" sz="2400" b="1" err="1">
+              <a:rPr lang="en-GB" sz="2400" b="1" dirty="0" err="1">
                 <a:solidFill>
                   <a:schemeClr val="tx1"/>
                 </a:solidFill>
@@ -9648,7 +9651,7 @@
               <a:t>inputId</a:t>
             </a:r>
             <a:r>
-              <a:rPr lang="en-GB" sz="2400" b="1">
+              <a:rPr lang="en-GB" sz="2400" b="1" dirty="0">
                 <a:solidFill>
                   <a:schemeClr val="tx1"/>
                 </a:solidFill>
@@ -9663,7 +9666,7 @@
               <a:buChar char="•"/>
             </a:pPr>
             <a:r>
-              <a:rPr lang="en-GB" b="1" err="1">
+              <a:rPr lang="en-GB" b="1" dirty="0" err="1">
                 <a:solidFill>
                   <a:schemeClr val="tx1"/>
                 </a:solidFill>
@@ -9671,7 +9674,7 @@
               <a:t>inputId</a:t>
             </a:r>
             <a:r>
-              <a:rPr lang="en-GB">
+              <a:rPr lang="en-GB" dirty="0">
                 <a:solidFill>
                   <a:schemeClr val="tx1"/>
                 </a:solidFill>
@@ -9686,7 +9689,7 @@
               <a:buChar char="•"/>
             </a:pPr>
             <a:r>
-              <a:rPr lang="en-GB" b="1">
+              <a:rPr lang="en-GB" b="1" dirty="0">
                 <a:solidFill>
                   <a:schemeClr val="tx1"/>
                 </a:solidFill>
@@ -9694,7 +9697,7 @@
               <a:t>label</a:t>
             </a:r>
             <a:r>
-              <a:rPr lang="en-GB">
+              <a:rPr lang="en-GB" dirty="0">
                 <a:solidFill>
                   <a:schemeClr val="tx1"/>
                 </a:solidFill>
@@ -9702,7 +9705,7 @@
               <a:t> names the </a:t>
             </a:r>
             <a:r>
-              <a:rPr lang="en-GB" err="1">
+              <a:rPr lang="en-GB" dirty="0" err="1">
                 <a:solidFill>
                   <a:schemeClr val="tx1"/>
                 </a:solidFill>
@@ -9710,7 +9713,7 @@
               <a:t>radioButtons</a:t>
             </a:r>
             <a:r>
-              <a:rPr lang="en-GB">
+              <a:rPr lang="en-GB" dirty="0">
                 <a:solidFill>
                   <a:schemeClr val="tx1"/>
                 </a:solidFill>
@@ -9725,7 +9728,7 @@
               <a:buChar char="•"/>
             </a:pPr>
             <a:r>
-              <a:rPr lang="en-GB" b="1">
+              <a:rPr lang="en-GB" b="1" dirty="0">
                 <a:solidFill>
                   <a:schemeClr val="tx1"/>
                 </a:solidFill>
@@ -9733,7 +9736,7 @@
               <a:t>choices</a:t>
             </a:r>
             <a:r>
-              <a:rPr lang="en-GB">
+              <a:rPr lang="en-GB" dirty="0">
                 <a:solidFill>
                   <a:schemeClr val="tx1"/>
                 </a:solidFill>
@@ -9748,7 +9751,7 @@
               <a:buChar char="•"/>
             </a:pPr>
             <a:r>
-              <a:rPr lang="en-GB" sz="2400">
+              <a:rPr lang="en-GB" sz="2400" dirty="0">
                 <a:solidFill>
                   <a:schemeClr val="tx1"/>
                 </a:solidFill>
@@ -9756,7 +9759,7 @@
               <a:t>Add </a:t>
             </a:r>
             <a:r>
-              <a:rPr lang="en-GB" sz="2400" b="1" err="1">
+              <a:rPr lang="en-GB" sz="2400" b="1" dirty="0" err="1">
                 <a:solidFill>
                   <a:srgbClr val="7030A0"/>
                 </a:solidFill>
@@ -9764,7 +9767,7 @@
               <a:t>tableOutput</a:t>
             </a:r>
             <a:r>
-              <a:rPr lang="en-GB" sz="2400" b="1">
+              <a:rPr lang="en-GB" sz="2400" b="1" dirty="0">
                 <a:solidFill>
                   <a:srgbClr val="7030A0"/>
                 </a:solidFill>
@@ -9772,7 +9775,7 @@
               <a:t>()</a:t>
             </a:r>
             <a:r>
-              <a:rPr lang="en-GB" sz="2400">
+              <a:rPr lang="en-GB" sz="2400" dirty="0">
                 <a:solidFill>
                   <a:schemeClr val="tx1"/>
                 </a:solidFill>
@@ -9780,7 +9783,7 @@
               <a:t>. The presence of the table is defined in </a:t>
             </a:r>
             <a:r>
-              <a:rPr lang="en-GB" sz="2400" i="1">
+              <a:rPr lang="en-GB" sz="2400" i="1" dirty="0">
                 <a:solidFill>
                   <a:schemeClr val="tx1"/>
                 </a:solidFill>
@@ -9788,7 +9791,7 @@
               <a:t>UI</a:t>
             </a:r>
             <a:r>
-              <a:rPr lang="en-GB" sz="2400">
+              <a:rPr lang="en-GB" sz="2400" dirty="0">
                 <a:solidFill>
                   <a:schemeClr val="tx1"/>
                 </a:solidFill>
@@ -9796,7 +9799,7 @@
               <a:t> but the table itself is created in </a:t>
             </a:r>
             <a:r>
-              <a:rPr lang="en-GB" sz="2400" i="1">
+              <a:rPr lang="en-GB" sz="2400" i="1" dirty="0">
                 <a:solidFill>
                   <a:schemeClr val="tx1"/>
                 </a:solidFill>
@@ -9950,12 +9953,12 @@
           <a:lstStyle/>
           <a:p>
             <a:r>
-              <a:rPr lang="en-GB" sz="3200">
+              <a:rPr lang="en-GB" sz="3200" dirty="0">
                 <a:latin typeface="Arial Black" panose="020B0A04020102020204" pitchFamily="34" charset="0"/>
               </a:rPr>
               <a:t>Code Along: Table output</a:t>
             </a:r>
-            <a:endParaRPr lang="en-GB" sz="3200"/>
+            <a:endParaRPr lang="en-GB" sz="3200" dirty="0"/>
           </a:p>
         </p:txBody>
       </p:sp>
@@ -9982,22 +9985,22 @@
           <a:lstStyle/>
           <a:p>
             <a:r>
-              <a:rPr lang="en-GB"/>
+              <a:rPr lang="en-GB" dirty="0"/>
               <a:t>Add the table output to the server by creating a table output object: </a:t>
             </a:r>
             <a:r>
-              <a:rPr lang="en-GB" err="1"/>
+              <a:rPr lang="en-GB" dirty="0" err="1"/>
               <a:t>table_output</a:t>
             </a:r>
-            <a:endParaRPr lang="en-GB"/>
-          </a:p>
-          <a:p>
-            <a:r>
-              <a:rPr lang="en-GB"/>
+            <a:endParaRPr lang="en-GB" dirty="0"/>
+          </a:p>
+          <a:p>
+            <a:r>
+              <a:rPr lang="en-GB" dirty="0"/>
               <a:t>Use </a:t>
             </a:r>
             <a:r>
-              <a:rPr lang="en-GB" b="1" err="1">
+              <a:rPr lang="en-GB" b="1" dirty="0" err="1">
                 <a:solidFill>
                   <a:srgbClr val="7030A0"/>
                 </a:solidFill>
@@ -10005,7 +10008,7 @@
               <a:t>renderTable</a:t>
             </a:r>
             <a:r>
-              <a:rPr lang="en-GB" b="1">
+              <a:rPr lang="en-GB" b="1" dirty="0">
                 <a:solidFill>
                   <a:srgbClr val="7030A0"/>
                 </a:solidFill>
@@ -10013,15 +10016,15 @@
               <a:t>({}) </a:t>
             </a:r>
             <a:r>
-              <a:rPr lang="en-GB"/>
+              <a:rPr lang="en-GB" dirty="0"/>
               <a:t>to select dataset, and filter the data based on the user input, in our case, gender:</a:t>
             </a:r>
             <a:r>
-              <a:rPr lang="en-GB" sz="2400" b="1"/>
+              <a:rPr lang="en-GB" sz="2400" b="1" dirty="0"/>
               <a:t> </a:t>
             </a:r>
             <a:r>
-              <a:rPr lang="en-GB" sz="2400" b="1">
+              <a:rPr lang="en-GB" sz="2400" b="1" dirty="0">
                 <a:solidFill>
                   <a:srgbClr val="7030A0"/>
                 </a:solidFill>
@@ -10029,7 +10032,7 @@
               <a:t>gender == “</a:t>
             </a:r>
             <a:r>
-              <a:rPr lang="en-GB" sz="2400" b="1" err="1">
+              <a:rPr lang="en-GB" sz="2400" b="1" dirty="0" err="1">
                 <a:solidFill>
                   <a:srgbClr val="7030A0"/>
                 </a:solidFill>
@@ -10037,7 +10040,7 @@
               <a:t>input$gender</a:t>
             </a:r>
             <a:r>
-              <a:rPr lang="en-GB" sz="2400" b="1">
+              <a:rPr lang="en-GB" sz="2400" b="1" dirty="0">
                 <a:solidFill>
                   <a:srgbClr val="7030A0"/>
                 </a:solidFill>
@@ -10045,69 +10048,69 @@
               <a:t>”</a:t>
             </a:r>
             <a:r>
-              <a:rPr lang="en-GB" sz="2400"/>
+              <a:rPr lang="en-GB" sz="2400" dirty="0"/>
               <a:t>.</a:t>
             </a:r>
           </a:p>
           <a:p>
             <a:pPr lvl="1"/>
             <a:r>
-              <a:rPr lang="en-GB" sz="1800"/>
+              <a:rPr lang="en-GB" sz="1800" dirty="0"/>
               <a:t>The </a:t>
             </a:r>
             <a:r>
-              <a:rPr lang="en-GB" sz="1800" err="1"/>
+              <a:rPr lang="en-GB" sz="1800" dirty="0" err="1"/>
               <a:t>input$gender</a:t>
             </a:r>
             <a:r>
-              <a:rPr lang="en-GB" sz="1800"/>
+              <a:rPr lang="en-GB" sz="1800" dirty="0"/>
               <a:t> should match the </a:t>
             </a:r>
             <a:r>
-              <a:rPr lang="en-GB" sz="1800" err="1"/>
+              <a:rPr lang="en-GB" sz="1800" dirty="0" err="1"/>
               <a:t>radioButtons</a:t>
             </a:r>
             <a:r>
-              <a:rPr lang="en-GB" sz="1800"/>
+              <a:rPr lang="en-GB" sz="1800" dirty="0"/>
               <a:t>’ </a:t>
             </a:r>
             <a:r>
-              <a:rPr lang="en-GB" sz="1800" err="1"/>
+              <a:rPr lang="en-GB" sz="1800" dirty="0" err="1"/>
               <a:t>inputId</a:t>
             </a:r>
             <a:r>
-              <a:rPr lang="en-GB" sz="1800"/>
+              <a:rPr lang="en-GB" sz="1800" dirty="0"/>
               <a:t> in the UI and the </a:t>
             </a:r>
             <a:r>
-              <a:rPr lang="en-GB" sz="1800" err="1"/>
+              <a:rPr lang="en-GB" sz="1800" dirty="0" err="1"/>
               <a:t>output$table_output</a:t>
             </a:r>
             <a:r>
-              <a:rPr lang="en-GB" sz="1800"/>
+              <a:rPr lang="en-GB" sz="1800" dirty="0"/>
               <a:t> should match the </a:t>
             </a:r>
             <a:r>
-              <a:rPr lang="en-GB" sz="1800" err="1"/>
+              <a:rPr lang="en-GB" sz="1800" dirty="0" err="1"/>
               <a:t>outputId</a:t>
             </a:r>
             <a:r>
-              <a:rPr lang="en-GB" sz="1800"/>
+              <a:rPr lang="en-GB" sz="1800" dirty="0"/>
               <a:t> in the UI</a:t>
             </a:r>
           </a:p>
           <a:p>
             <a:pPr lvl="1"/>
             <a:r>
-              <a:rPr lang="en-GB" sz="1800"/>
+              <a:rPr lang="en-GB" sz="1800" dirty="0"/>
               <a:t>Use</a:t>
             </a:r>
             <a:r>
-              <a:rPr lang="en-GB" sz="1800" b="1"/>
+              <a:rPr lang="en-GB" sz="1800" b="1" dirty="0"/>
               <a:t> slice(1:10)</a:t>
             </a:r>
             <a:r>
-              <a:rPr lang="en-GB" sz="1800"/>
+              <a:rPr lang="en-GB" sz="1800" dirty="0"/>
               <a:t> to only show the first 10 rows of the data.</a:t>
             </a:r>
           </a:p>
@@ -10127,10 +10130,10 @@
         </p:nvGrpSpPr>
         <p:grpSpPr>
           <a:xfrm>
-            <a:off x="5679743" y="4490681"/>
-            <a:ext cx="3756393" cy="898998"/>
-            <a:chOff x="5679743" y="4362285"/>
-            <a:chExt cx="3756393" cy="898998"/>
+            <a:off x="5679743" y="4528781"/>
+            <a:ext cx="3756393" cy="879062"/>
+            <a:chOff x="5679743" y="4400385"/>
+            <a:chExt cx="3756393" cy="879062"/>
           </a:xfrm>
         </p:grpSpPr>
         <p:pic>
@@ -10182,7 +10185,7 @@
           </p:nvSpPr>
           <p:spPr>
             <a:xfrm>
-              <a:off x="7645021" y="4901820"/>
+              <a:off x="7759321" y="4971670"/>
               <a:ext cx="143732" cy="307777"/>
             </a:xfrm>
             <a:prstGeom prst="rect">
@@ -10197,7 +10200,7 @@
             <a:lstStyle/>
             <a:p>
               <a:r>
-                <a:rPr lang="en-GB" sz="1400" b="1">
+                <a:rPr lang="en-GB" sz="1400" b="1" dirty="0">
                   <a:solidFill>
                     <a:schemeClr val="bg1"/>
                   </a:solidFill>
@@ -10221,7 +10224,7 @@
           </p:nvSpPr>
           <p:spPr>
             <a:xfrm>
-              <a:off x="8039588" y="4362285"/>
+              <a:off x="8115788" y="4400385"/>
               <a:ext cx="143732" cy="307777"/>
             </a:xfrm>
             <a:prstGeom prst="rect">
@@ -10236,7 +10239,7 @@
             <a:lstStyle/>
             <a:p>
               <a:r>
-                <a:rPr lang="en-GB" sz="1400" b="1">
+                <a:rPr lang="en-GB" sz="1400" b="1" dirty="0">
                   <a:solidFill>
                     <a:schemeClr val="bg1"/>
                   </a:solidFill>
@@ -10331,7 +10334,7 @@
             <a:lstStyle/>
             <a:p>
               <a:r>
-                <a:rPr lang="en-GB" sz="1400" b="1">
+                <a:rPr lang="en-GB" sz="1400" b="1" dirty="0">
                   <a:solidFill>
                     <a:schemeClr val="bg1"/>
                   </a:solidFill>
@@ -10370,7 +10373,7 @@
             <a:lstStyle/>
             <a:p>
               <a:r>
-                <a:rPr lang="en-GB" sz="1400" b="1">
+                <a:rPr lang="en-GB" sz="1400" b="1" dirty="0">
                   <a:solidFill>
                     <a:schemeClr val="bg1"/>
                   </a:solidFill>
@@ -10410,7 +10413,7 @@
           <a:lstStyle/>
           <a:p>
             <a:r>
-              <a:rPr lang="en-GB" b="1"/>
+              <a:rPr lang="en-GB" b="1" dirty="0"/>
               <a:t>UI</a:t>
             </a:r>
           </a:p>
@@ -10464,12 +10467,12 @@
           <a:lstStyle/>
           <a:p>
             <a:r>
-              <a:rPr lang="en-GB" sz="3200">
+              <a:rPr lang="en-GB" sz="3200" dirty="0">
                 <a:latin typeface="Arial Black" panose="020B0A04020102020204" pitchFamily="34" charset="0"/>
               </a:rPr>
               <a:t>Code Along: Table output</a:t>
             </a:r>
-            <a:endParaRPr lang="en-GB" sz="3200"/>
+            <a:endParaRPr lang="en-GB" sz="3200" dirty="0"/>
           </a:p>
         </p:txBody>
       </p:sp>
@@ -10496,29 +10499,29 @@
           <a:lstStyle/>
           <a:p>
             <a:r>
-              <a:rPr lang="en-GB"/>
+              <a:rPr lang="en-GB" dirty="0"/>
               <a:t>Running your app will result in a table that looks like this, where you can select the first 10 male or female dogs using the </a:t>
             </a:r>
             <a:r>
-              <a:rPr lang="en-GB" err="1"/>
+              <a:rPr lang="en-GB" dirty="0" err="1"/>
               <a:t>radioButtons</a:t>
             </a:r>
             <a:r>
-              <a:rPr lang="en-GB"/>
+              <a:rPr lang="en-GB" dirty="0"/>
               <a:t>.</a:t>
             </a:r>
             <a:br>
-              <a:rPr lang="en-GB"/>
+              <a:rPr lang="en-GB" dirty="0"/>
             </a:br>
-            <a:endParaRPr lang="en-GB"/>
-          </a:p>
-          <a:p>
-            <a:r>
-              <a:rPr lang="en-GB"/>
+            <a:endParaRPr lang="en-GB" dirty="0"/>
+          </a:p>
+          <a:p>
+            <a:r>
+              <a:rPr lang="en-GB" dirty="0"/>
               <a:t>We can make the table more interesting using the DT package and the </a:t>
             </a:r>
             <a:r>
-              <a:rPr lang="en-GB" b="1" err="1">
+              <a:rPr lang="en-GB" b="1" dirty="0" err="1">
                 <a:solidFill>
                   <a:srgbClr val="7030A0"/>
                 </a:solidFill>
@@ -10526,7 +10529,7 @@
               <a:t>dataTableOutput</a:t>
             </a:r>
             <a:r>
-              <a:rPr lang="en-GB" b="1">
+              <a:rPr lang="en-GB" b="1" dirty="0">
                 <a:solidFill>
                   <a:srgbClr val="7030A0"/>
                 </a:solidFill>
@@ -10534,7 +10537,7 @@
               <a:t>()</a:t>
             </a:r>
             <a:r>
-              <a:rPr lang="en-GB">
+              <a:rPr lang="en-GB" dirty="0">
                 <a:solidFill>
                   <a:srgbClr val="7030A0"/>
                 </a:solidFill>
@@ -10542,11 +10545,11 @@
               <a:t> </a:t>
             </a:r>
             <a:r>
-              <a:rPr lang="en-GB"/>
+              <a:rPr lang="en-GB" dirty="0"/>
               <a:t>and </a:t>
             </a:r>
             <a:r>
-              <a:rPr lang="en-GB" b="1" err="1">
+              <a:rPr lang="en-GB" b="1" dirty="0" err="1">
                 <a:solidFill>
                   <a:srgbClr val="7030A0"/>
                 </a:solidFill>
@@ -10554,7 +10557,7 @@
               <a:t>renderDataTable</a:t>
             </a:r>
             <a:r>
-              <a:rPr lang="en-GB" b="1">
+              <a:rPr lang="en-GB" b="1" dirty="0">
                 <a:solidFill>
                   <a:srgbClr val="7030A0"/>
                 </a:solidFill>
@@ -10562,7 +10565,7 @@
               <a:t>()</a:t>
             </a:r>
             <a:r>
-              <a:rPr lang="en-GB">
+              <a:rPr lang="en-GB" dirty="0">
                 <a:solidFill>
                   <a:srgbClr val="7030A0"/>
                 </a:solidFill>
@@ -10570,25 +10573,25 @@
               <a:t> </a:t>
             </a:r>
             <a:r>
-              <a:rPr lang="en-GB"/>
+              <a:rPr lang="en-GB" dirty="0"/>
               <a:t>functions.</a:t>
             </a:r>
           </a:p>
           <a:p>
-            <a:endParaRPr lang="en-GB" b="1"/>
-          </a:p>
-          <a:p>
-            <a:r>
-              <a:rPr lang="en-GB"/>
+            <a:endParaRPr lang="en-GB" b="1" dirty="0"/>
+          </a:p>
+          <a:p>
+            <a:r>
+              <a:rPr lang="en-GB" dirty="0"/>
               <a:t>For more info on the DT package: </a:t>
             </a:r>
             <a:r>
-              <a:rPr lang="en-GB">
+              <a:rPr lang="en-GB" dirty="0">
                 <a:hlinkClick r:id="rId3"/>
               </a:rPr>
               <a:t>https://rstudio.github.io/DT/</a:t>
             </a:r>
-            <a:endParaRPr lang="en-GB"/>
+            <a:endParaRPr lang="en-GB" dirty="0"/>
           </a:p>
         </p:txBody>
       </p:sp>
@@ -10699,7 +10702,7 @@
               <a:buAutoNum type="arabicPeriod"/>
             </a:pPr>
             <a:r>
-              <a:rPr lang="en-GB"/>
+              <a:rPr lang="en-GB" dirty="0"/>
               <a:t>Introduction: what is R Shiny? </a:t>
             </a:r>
           </a:p>
@@ -10709,7 +10712,7 @@
               <a:buAutoNum type="arabicPeriod"/>
             </a:pPr>
             <a:r>
-              <a:rPr lang="en-GB"/>
+              <a:rPr lang="en-GB" dirty="0"/>
               <a:t>Knowledge of packages relevant to R Shiny work</a:t>
             </a:r>
           </a:p>
@@ -10719,7 +10722,7 @@
               <a:buAutoNum type="arabicPeriod"/>
             </a:pPr>
             <a:r>
-              <a:rPr lang="en-GB"/>
+              <a:rPr lang="en-GB" dirty="0"/>
               <a:t>Shiny app breakdown: UI, Server</a:t>
             </a:r>
           </a:p>
@@ -10729,63 +10732,63 @@
               <a:buAutoNum type="arabicPeriod"/>
             </a:pPr>
             <a:r>
-              <a:rPr lang="en-GB"/>
+              <a:rPr lang="en-GB" dirty="0"/>
               <a:t>Overall layouts – </a:t>
             </a:r>
             <a:r>
-              <a:rPr lang="en-GB" err="1"/>
+              <a:rPr lang="en-GB" dirty="0" err="1"/>
               <a:t>eg.</a:t>
             </a:r>
             <a:r>
-              <a:rPr lang="en-GB"/>
+              <a:rPr lang="en-GB" dirty="0"/>
               <a:t> </a:t>
             </a:r>
             <a:r>
-              <a:rPr lang="en-GB" err="1"/>
+              <a:rPr lang="en-GB" dirty="0" err="1"/>
               <a:t>sidebarLayout</a:t>
             </a:r>
             <a:r>
-              <a:rPr lang="en-GB"/>
+              <a:rPr lang="en-GB" dirty="0"/>
               <a:t> (</a:t>
             </a:r>
             <a:r>
-              <a:rPr lang="en-GB" err="1"/>
+              <a:rPr lang="en-GB" dirty="0" err="1"/>
               <a:t>sidebarPanel</a:t>
             </a:r>
             <a:r>
-              <a:rPr lang="en-GB"/>
+              <a:rPr lang="en-GB" dirty="0"/>
               <a:t>, </a:t>
             </a:r>
             <a:r>
-              <a:rPr lang="en-GB" err="1"/>
+              <a:rPr lang="en-GB" dirty="0" err="1"/>
               <a:t>mainPanel</a:t>
             </a:r>
             <a:r>
-              <a:rPr lang="en-GB"/>
+              <a:rPr lang="en-GB" dirty="0"/>
               <a:t>), </a:t>
             </a:r>
             <a:r>
-              <a:rPr lang="en-GB" err="1"/>
+              <a:rPr lang="en-GB" dirty="0" err="1"/>
               <a:t>navbarPage</a:t>
             </a:r>
             <a:r>
-              <a:rPr lang="en-GB"/>
+              <a:rPr lang="en-GB" dirty="0"/>
               <a:t>, </a:t>
             </a:r>
             <a:r>
-              <a:rPr lang="en-GB" err="1"/>
+              <a:rPr lang="en-GB" dirty="0" err="1"/>
               <a:t>tabPanel</a:t>
             </a:r>
             <a:r>
-              <a:rPr lang="en-GB"/>
+              <a:rPr lang="en-GB" dirty="0"/>
               <a:t>, </a:t>
             </a:r>
             <a:r>
-              <a:rPr lang="en-GB" err="1"/>
+              <a:rPr lang="en-GB" dirty="0" err="1"/>
               <a:t>fluidRow</a:t>
             </a:r>
             <a:r>
-              <a:rPr lang="en-GB"/>
+              <a:rPr lang="en-GB" dirty="0"/>
               <a:t>, column</a:t>
             </a:r>
           </a:p>
@@ -10795,7 +10798,7 @@
               <a:buAutoNum type="arabicPeriod"/>
             </a:pPr>
             <a:r>
-              <a:rPr lang="en-GB"/>
+              <a:rPr lang="en-GB" dirty="0"/>
               <a:t>Reading in prepared data</a:t>
             </a:r>
           </a:p>
@@ -10805,15 +10808,15 @@
               <a:buAutoNum type="arabicPeriod"/>
             </a:pPr>
             <a:r>
-              <a:rPr lang="en-GB"/>
+              <a:rPr lang="en-GB" dirty="0"/>
               <a:t>Creating charts and tables – </a:t>
             </a:r>
             <a:r>
-              <a:rPr lang="en-GB" err="1"/>
+              <a:rPr lang="en-GB" dirty="0" err="1"/>
               <a:t>ggplot</a:t>
             </a:r>
             <a:r>
-              <a:rPr lang="en-GB"/>
+              <a:rPr lang="en-GB" dirty="0"/>
               <a:t>, DT</a:t>
             </a:r>
           </a:p>
@@ -10823,23 +10826,23 @@
               <a:buAutoNum type="arabicPeriod"/>
             </a:pPr>
             <a:r>
-              <a:rPr lang="en-GB"/>
+              <a:rPr lang="en-GB" dirty="0"/>
               <a:t>Accessible </a:t>
             </a:r>
             <a:r>
-              <a:rPr lang="en-GB" err="1"/>
+              <a:rPr lang="en-GB" dirty="0" err="1"/>
               <a:t>shinyWidgets</a:t>
             </a:r>
             <a:r>
-              <a:rPr lang="en-GB"/>
+              <a:rPr lang="en-GB" dirty="0"/>
               <a:t> and Reactivity: </a:t>
             </a:r>
             <a:r>
-              <a:rPr lang="en-GB" err="1"/>
+              <a:rPr lang="en-GB" dirty="0" err="1"/>
               <a:t>radioButtons</a:t>
             </a:r>
             <a:r>
-              <a:rPr lang="en-GB"/>
+              <a:rPr lang="en-GB" dirty="0"/>
               <a:t> and drop-down menus</a:t>
             </a:r>
           </a:p>
@@ -10849,7 +10852,7 @@
               <a:buAutoNum type="arabicPeriod"/>
             </a:pPr>
             <a:r>
-              <a:rPr lang="en-GB"/>
+              <a:rPr lang="en-GB" dirty="0"/>
               <a:t>Multi-tab dashboards</a:t>
             </a:r>
           </a:p>
@@ -10858,7 +10861,7 @@
               <a:buFont typeface="+mj-lt"/>
               <a:buAutoNum type="arabicPeriod"/>
             </a:pPr>
-            <a:endParaRPr lang="en-GB"/>
+            <a:endParaRPr lang="en-GB" dirty="0"/>
           </a:p>
         </p:txBody>
       </p:sp>
@@ -10915,12 +10918,12 @@
           <a:lstStyle/>
           <a:p>
             <a:r>
-              <a:rPr lang="en-GB" sz="3200">
+              <a:rPr lang="en-GB" sz="3200" dirty="0">
                 <a:latin typeface="Arial Black" panose="020B0A04020102020204" pitchFamily="34" charset="0"/>
               </a:rPr>
               <a:t>Code Along: DT table</a:t>
             </a:r>
-            <a:endParaRPr lang="en-GB" sz="3200"/>
+            <a:endParaRPr lang="en-GB" sz="3200" dirty="0"/>
           </a:p>
         </p:txBody>
       </p:sp>
@@ -10947,20 +10950,20 @@
           <a:lstStyle/>
           <a:p>
             <a:r>
-              <a:rPr lang="en-GB"/>
+              <a:rPr lang="en-GB" dirty="0"/>
               <a:t>Our code is very similar. </a:t>
             </a:r>
           </a:p>
           <a:p>
             <a:r>
-              <a:rPr lang="en-GB" b="1"/>
+              <a:rPr lang="en-GB" b="1" dirty="0"/>
               <a:t>UI</a:t>
             </a:r>
           </a:p>
           <a:p>
             <a:pPr lvl="1"/>
             <a:r>
-              <a:rPr lang="en-GB" sz="1800" b="1">
+              <a:rPr lang="en-GB" sz="1800" b="1" dirty="0">
                 <a:solidFill>
                   <a:srgbClr val="7030A0"/>
                 </a:solidFill>
@@ -10968,7 +10971,7 @@
               <a:t>DT::</a:t>
             </a:r>
             <a:r>
-              <a:rPr lang="en-GB" sz="1800" b="1" err="1">
+              <a:rPr lang="en-GB" sz="1800" b="1" dirty="0" err="1">
                 <a:solidFill>
                   <a:srgbClr val="7030A0"/>
                 </a:solidFill>
@@ -10976,7 +10979,7 @@
               <a:t>dataTableOutput</a:t>
             </a:r>
             <a:r>
-              <a:rPr lang="en-GB" sz="1800" b="1">
+              <a:rPr lang="en-GB" sz="1800" b="1" dirty="0">
                 <a:solidFill>
                   <a:srgbClr val="7030A0"/>
                 </a:solidFill>
@@ -10984,7 +10987,7 @@
               <a:t>(“</a:t>
             </a:r>
             <a:r>
-              <a:rPr lang="en-GB" sz="1800" b="1" err="1">
+              <a:rPr lang="en-GB" sz="1800" b="1" dirty="0" err="1">
                 <a:solidFill>
                   <a:srgbClr val="7030A0"/>
                 </a:solidFill>
@@ -10992,7 +10995,7 @@
               <a:t>table_output</a:t>
             </a:r>
             <a:r>
-              <a:rPr lang="en-GB" sz="1800" b="1">
+              <a:rPr lang="en-GB" sz="1800" b="1" dirty="0">
                 <a:solidFill>
                   <a:srgbClr val="7030A0"/>
                 </a:solidFill>
@@ -11000,46 +11003,46 @@
               <a:t>”)</a:t>
             </a:r>
             <a:br>
-              <a:rPr lang="en-GB" sz="1800"/>
+              <a:rPr lang="en-GB" sz="1800" dirty="0"/>
             </a:br>
             <a:r>
-              <a:rPr lang="en-GB" sz="1800"/>
+              <a:rPr lang="en-GB" sz="1800" dirty="0"/>
               <a:t>instead of</a:t>
             </a:r>
             <a:br>
-              <a:rPr lang="en-GB" sz="1800"/>
+              <a:rPr lang="en-GB" sz="1800" dirty="0"/>
             </a:br>
             <a:r>
-              <a:rPr lang="en-GB" sz="1800" b="1" err="1"/>
+              <a:rPr lang="en-GB" sz="1800" b="1" dirty="0" err="1"/>
               <a:t>tableOutput</a:t>
             </a:r>
             <a:r>
-              <a:rPr lang="en-GB" sz="1800" b="1"/>
+              <a:rPr lang="en-GB" sz="1800" b="1" dirty="0"/>
               <a:t>(“</a:t>
             </a:r>
             <a:r>
-              <a:rPr lang="en-GB" sz="1800" b="1" err="1"/>
+              <a:rPr lang="en-GB" sz="1800" b="1" dirty="0" err="1"/>
               <a:t>table_output</a:t>
             </a:r>
             <a:r>
-              <a:rPr lang="en-GB" sz="1800" b="1"/>
+              <a:rPr lang="en-GB" sz="1800" b="1" dirty="0"/>
               <a:t>”)</a:t>
             </a:r>
           </a:p>
           <a:p>
             <a:pPr lvl="1"/>
-            <a:endParaRPr lang="en-GB" sz="1800" b="1"/>
-          </a:p>
-          <a:p>
-            <a:r>
-              <a:rPr lang="en-GB" b="1"/>
+            <a:endParaRPr lang="en-GB" sz="1800" b="1" dirty="0"/>
+          </a:p>
+          <a:p>
+            <a:r>
+              <a:rPr lang="en-GB" b="1" dirty="0"/>
               <a:t>Server</a:t>
             </a:r>
           </a:p>
           <a:p>
             <a:pPr lvl="1"/>
             <a:r>
-              <a:rPr lang="en-GB" sz="1800" b="1">
+              <a:rPr lang="en-GB" sz="1800" b="1" dirty="0">
                 <a:solidFill>
                   <a:srgbClr val="7030A0"/>
                 </a:solidFill>
@@ -11047,7 +11050,7 @@
               <a:t>DT::</a:t>
             </a:r>
             <a:r>
-              <a:rPr lang="en-GB" sz="1800" b="1" err="1">
+              <a:rPr lang="en-GB" sz="1800" b="1" dirty="0" err="1">
                 <a:solidFill>
                   <a:srgbClr val="7030A0"/>
                 </a:solidFill>
@@ -11055,7 +11058,7 @@
               <a:t>renderDataTable</a:t>
             </a:r>
             <a:r>
-              <a:rPr lang="en-GB" sz="1800" b="1">
+              <a:rPr lang="en-GB" sz="1800" b="1" dirty="0">
                 <a:solidFill>
                   <a:srgbClr val="7030A0"/>
                 </a:solidFill>
@@ -11063,39 +11066,39 @@
               <a:t>({…})</a:t>
             </a:r>
             <a:br>
-              <a:rPr lang="en-GB" sz="1800" b="1"/>
+              <a:rPr lang="en-GB" sz="1800" b="1" dirty="0"/>
             </a:br>
             <a:r>
-              <a:rPr lang="en-GB" sz="1800"/>
+              <a:rPr lang="en-GB" sz="1800" dirty="0"/>
               <a:t>instead of</a:t>
             </a:r>
             <a:br>
-              <a:rPr lang="en-GB" sz="1800"/>
+              <a:rPr lang="en-GB" sz="1800" dirty="0"/>
             </a:br>
             <a:r>
-              <a:rPr lang="en-GB" sz="1800" b="1" err="1"/>
+              <a:rPr lang="en-GB" sz="1800" b="1" dirty="0" err="1"/>
               <a:t>renderTable</a:t>
             </a:r>
             <a:r>
-              <a:rPr lang="en-GB" sz="1800" b="1"/>
+              <a:rPr lang="en-GB" sz="1800" b="1" dirty="0"/>
               <a:t>({…})</a:t>
             </a:r>
           </a:p>
           <a:p>
             <a:pPr lvl="1"/>
-            <a:endParaRPr lang="en-GB" sz="1800" b="1"/>
-          </a:p>
-          <a:p>
-            <a:r>
-              <a:rPr lang="en-GB"/>
+            <a:endParaRPr lang="en-GB" sz="1800" b="1" dirty="0"/>
+          </a:p>
+          <a:p>
+            <a:r>
+              <a:rPr lang="en-GB" dirty="0"/>
               <a:t>Using DT to sort and search our data also means we no longer need the </a:t>
             </a:r>
             <a:r>
-              <a:rPr lang="en-GB" b="1"/>
+              <a:rPr lang="en-GB" b="1" dirty="0"/>
               <a:t>slice(1:10) </a:t>
             </a:r>
             <a:r>
-              <a:rPr lang="en-GB"/>
+              <a:rPr lang="en-GB" dirty="0"/>
               <a:t>function in the server.</a:t>
             </a:r>
           </a:p>
@@ -11380,12 +11383,12 @@
           <a:lstStyle/>
           <a:p>
             <a:r>
-              <a:rPr lang="en-GB" sz="3200">
+              <a:rPr lang="en-GB" sz="3200" dirty="0">
                 <a:latin typeface="Arial Black" panose="020B0A04020102020204" pitchFamily="34" charset="0"/>
               </a:rPr>
               <a:t>Code Along: DT table</a:t>
             </a:r>
-            <a:endParaRPr lang="en-GB" sz="3200"/>
+            <a:endParaRPr lang="en-GB" sz="3200" dirty="0"/>
           </a:p>
         </p:txBody>
       </p:sp>
@@ -11412,51 +11415,51 @@
           <a:lstStyle/>
           <a:p>
             <a:r>
-              <a:rPr lang="en-GB"/>
+              <a:rPr lang="en-GB" dirty="0"/>
               <a:t>Your app will now look something like this, where you can sort the data in the table and search through it.</a:t>
             </a:r>
             <a:br>
-              <a:rPr lang="en-GB"/>
+              <a:rPr lang="en-GB" dirty="0"/>
             </a:br>
-            <a:endParaRPr lang="en-GB"/>
-          </a:p>
-          <a:p>
-            <a:r>
-              <a:rPr lang="en-GB"/>
+            <a:endParaRPr lang="en-GB" dirty="0"/>
+          </a:p>
+          <a:p>
+            <a:r>
+              <a:rPr lang="en-GB" dirty="0"/>
               <a:t>Other DT features</a:t>
             </a:r>
           </a:p>
           <a:p>
             <a:pPr lvl="1"/>
             <a:r>
-              <a:rPr lang="en-GB"/>
+              <a:rPr lang="en-GB" dirty="0"/>
               <a:t>Filter columns</a:t>
             </a:r>
           </a:p>
           <a:p>
             <a:pPr lvl="1"/>
             <a:r>
-              <a:rPr lang="en-GB"/>
+              <a:rPr lang="en-GB" dirty="0"/>
               <a:t>Data formatting (e.g. £ and %)</a:t>
             </a:r>
           </a:p>
           <a:p>
             <a:pPr lvl="1"/>
             <a:r>
-              <a:rPr lang="en-GB"/>
+              <a:rPr lang="en-GB" dirty="0"/>
               <a:t>Extensive styling options</a:t>
             </a:r>
           </a:p>
           <a:p>
             <a:pPr lvl="1"/>
             <a:r>
-              <a:rPr lang="en-GB"/>
+              <a:rPr lang="en-GB" dirty="0"/>
               <a:t>Data download buttons</a:t>
             </a:r>
           </a:p>
           <a:p>
             <a:r>
-              <a:rPr lang="en-GB"/>
+              <a:rPr lang="en-GB" dirty="0"/>
               <a:t>We will use the standard table output for the rest of the session.</a:t>
             </a:r>
           </a:p>
@@ -11539,24 +11542,24 @@
           <a:lstStyle/>
           <a:p>
             <a:r>
-              <a:rPr lang="en-GB" sz="3200">
+              <a:rPr lang="en-GB" sz="3200" dirty="0">
                 <a:latin typeface="Arial Black" panose="020B0A04020102020204" pitchFamily="34" charset="0"/>
               </a:rPr>
               <a:t>Code Along: </a:t>
             </a:r>
             <a:r>
-              <a:rPr lang="en-GB" sz="3200" err="1">
+              <a:rPr lang="en-GB" sz="3200" dirty="0" err="1">
                 <a:latin typeface="Arial Black" panose="020B0A04020102020204" pitchFamily="34" charset="0"/>
               </a:rPr>
               <a:t>fluidRow</a:t>
             </a:r>
             <a:r>
-              <a:rPr lang="en-GB" sz="3200">
+              <a:rPr lang="en-GB" sz="3200" dirty="0">
                 <a:latin typeface="Arial Black" panose="020B0A04020102020204" pitchFamily="34" charset="0"/>
               </a:rPr>
               <a:t>() and multiple filters</a:t>
             </a:r>
-            <a:endParaRPr lang="en-GB" sz="3200"/>
+            <a:endParaRPr lang="en-GB" sz="3200" dirty="0"/>
           </a:p>
         </p:txBody>
       </p:sp>
@@ -11583,7 +11586,7 @@
           <a:lstStyle/>
           <a:p>
             <a:r>
-              <a:rPr lang="en-GB" b="1" err="1">
+              <a:rPr lang="en-GB" b="1" dirty="0" err="1">
                 <a:solidFill>
                   <a:srgbClr val="7030A0"/>
                 </a:solidFill>
@@ -11591,7 +11594,7 @@
               <a:t>fluidRow</a:t>
             </a:r>
             <a:r>
-              <a:rPr lang="en-GB" b="1">
+              <a:rPr lang="en-GB" b="1" dirty="0">
                 <a:solidFill>
                   <a:srgbClr val="7030A0"/>
                 </a:solidFill>
@@ -11599,19 +11602,19 @@
               <a:t>() </a:t>
             </a:r>
             <a:r>
-              <a:rPr lang="en-GB"/>
+              <a:rPr lang="en-GB" dirty="0"/>
               <a:t>is another layout option to </a:t>
             </a:r>
             <a:r>
-              <a:rPr lang="en-GB" err="1"/>
+              <a:rPr lang="en-GB" dirty="0" err="1"/>
               <a:t>sidebarLayout</a:t>
             </a:r>
             <a:r>
-              <a:rPr lang="en-GB"/>
+              <a:rPr lang="en-GB" dirty="0"/>
               <a:t>() and works with the </a:t>
             </a:r>
             <a:r>
-              <a:rPr lang="en-GB" b="1">
+              <a:rPr lang="en-GB" b="1" dirty="0">
                 <a:solidFill>
                   <a:srgbClr val="7030A0"/>
                 </a:solidFill>
@@ -11619,47 +11622,47 @@
               <a:t>column() </a:t>
             </a:r>
             <a:r>
-              <a:rPr lang="en-GB"/>
+              <a:rPr lang="en-GB" dirty="0"/>
               <a:t>function</a:t>
             </a:r>
           </a:p>
           <a:p>
             <a:pPr lvl="1"/>
             <a:r>
-              <a:rPr lang="en-GB" sz="1800" err="1"/>
+              <a:rPr lang="en-GB" sz="1800" dirty="0" err="1"/>
               <a:t>fluidRow</a:t>
             </a:r>
             <a:r>
-              <a:rPr lang="en-GB" sz="1800"/>
+              <a:rPr lang="en-GB" sz="1800" dirty="0"/>
               <a:t>: Divides the screen into a horizontal grid</a:t>
             </a:r>
           </a:p>
           <a:p>
             <a:pPr lvl="1"/>
             <a:r>
-              <a:rPr lang="en-GB" sz="1800"/>
+              <a:rPr lang="en-GB" sz="1800" dirty="0"/>
               <a:t>column: Divides the </a:t>
             </a:r>
             <a:r>
-              <a:rPr lang="en-GB" sz="1800" err="1"/>
+              <a:rPr lang="en-GB" sz="1800" dirty="0" err="1"/>
               <a:t>fluidRow</a:t>
             </a:r>
             <a:r>
-              <a:rPr lang="en-GB" sz="1800"/>
+              <a:rPr lang="en-GB" sz="1800" dirty="0"/>
               <a:t> into columns, max 12</a:t>
             </a:r>
             <a:br>
-              <a:rPr lang="en-GB" sz="1800"/>
+              <a:rPr lang="en-GB" sz="1800" dirty="0"/>
             </a:br>
-            <a:endParaRPr lang="en-GB"/>
-          </a:p>
-          <a:p>
-            <a:r>
-              <a:rPr lang="en-GB"/>
+            <a:endParaRPr lang="en-GB" dirty="0"/>
+          </a:p>
+          <a:p>
+            <a:r>
+              <a:rPr lang="en-GB" dirty="0"/>
               <a:t>Drop down filters are created using </a:t>
             </a:r>
             <a:r>
-              <a:rPr lang="en-GB" b="1" err="1">
+              <a:rPr lang="en-GB" b="1" dirty="0" err="1">
                 <a:solidFill>
                   <a:srgbClr val="7030A0"/>
                 </a:solidFill>
@@ -11667,7 +11670,7 @@
               <a:t>selectInput</a:t>
             </a:r>
             <a:r>
-              <a:rPr lang="en-GB" b="1">
+              <a:rPr lang="en-GB" b="1" dirty="0">
                 <a:solidFill>
                   <a:srgbClr val="7030A0"/>
                 </a:solidFill>
@@ -11675,7 +11678,7 @@
               <a:t>(</a:t>
             </a:r>
             <a:r>
-              <a:rPr lang="en-GB" b="1" err="1">
+              <a:rPr lang="en-GB" b="1" dirty="0" err="1">
                 <a:solidFill>
                   <a:srgbClr val="7030A0"/>
                 </a:solidFill>
@@ -11683,7 +11686,7 @@
               <a:t>inputId</a:t>
             </a:r>
             <a:r>
-              <a:rPr lang="en-GB" b="1">
+              <a:rPr lang="en-GB" b="1" dirty="0">
                 <a:solidFill>
                   <a:srgbClr val="7030A0"/>
                 </a:solidFill>
@@ -11698,7 +11701,7 @@
               <a:buChar char="•"/>
             </a:pPr>
             <a:r>
-              <a:rPr lang="en-GB" sz="1800" b="1" err="1">
+              <a:rPr lang="en-GB" sz="1800" b="1" dirty="0" err="1">
                 <a:solidFill>
                   <a:schemeClr val="tx1"/>
                 </a:solidFill>
@@ -11706,7 +11709,7 @@
               <a:t>inputId</a:t>
             </a:r>
             <a:r>
-              <a:rPr lang="en-GB" sz="1800">
+              <a:rPr lang="en-GB" sz="1800" dirty="0">
                 <a:solidFill>
                   <a:schemeClr val="tx1"/>
                 </a:solidFill>
@@ -11721,7 +11724,7 @@
               <a:buChar char="•"/>
             </a:pPr>
             <a:r>
-              <a:rPr lang="en-GB" sz="1800" b="1">
+              <a:rPr lang="en-GB" sz="1800" b="1" dirty="0">
                 <a:solidFill>
                   <a:schemeClr val="tx1"/>
                 </a:solidFill>
@@ -11729,7 +11732,7 @@
               <a:t>label</a:t>
             </a:r>
             <a:r>
-              <a:rPr lang="en-GB" sz="1800">
+              <a:rPr lang="en-GB" sz="1800" dirty="0">
                 <a:solidFill>
                   <a:schemeClr val="tx1"/>
                 </a:solidFill>
@@ -11744,7 +11747,7 @@
               <a:buChar char="•"/>
             </a:pPr>
             <a:r>
-              <a:rPr lang="en-GB" sz="1800" b="1">
+              <a:rPr lang="en-GB" sz="1800" b="1" dirty="0">
                 <a:solidFill>
                   <a:schemeClr val="tx1"/>
                 </a:solidFill>
@@ -11752,49 +11755,49 @@
               <a:t>choices</a:t>
             </a:r>
             <a:r>
-              <a:rPr lang="en-GB" sz="1800">
+              <a:rPr lang="en-GB" sz="1800" dirty="0">
                 <a:solidFill>
                   <a:schemeClr val="tx1"/>
                 </a:solidFill>
               </a:rPr>
               <a:t> argument is a list of values to select from within the column we have chosen as the input.</a:t>
             </a:r>
-            <a:endParaRPr lang="en-GB"/>
-          </a:p>
-          <a:p>
-            <a:r>
-              <a:rPr lang="en-GB"/>
+            <a:endParaRPr lang="en-GB" dirty="0"/>
+          </a:p>
+          <a:p>
+            <a:r>
+              <a:rPr lang="en-GB" dirty="0"/>
               <a:t>Full widget/filter selection can be found </a:t>
             </a:r>
             <a:r>
-              <a:rPr lang="en-GB" err="1"/>
+              <a:rPr lang="en-GB" dirty="0" err="1"/>
               <a:t>here:</a:t>
             </a:r>
             <a:r>
-              <a:rPr lang="en-GB" err="1">
+              <a:rPr lang="en-GB" dirty="0" err="1">
                 <a:hlinkClick r:id="rId3"/>
               </a:rPr>
               <a:t>https</a:t>
             </a:r>
             <a:r>
-              <a:rPr lang="en-GB">
+              <a:rPr lang="en-GB" dirty="0">
                 <a:hlinkClick r:id="rId3"/>
               </a:rPr>
               <a:t>://shiny.posit.co/r/gallery/widgets/widget-gallery/</a:t>
             </a:r>
             <a:r>
-              <a:rPr lang="en-GB"/>
+              <a:rPr lang="en-GB" dirty="0"/>
               <a:t>. </a:t>
             </a:r>
             <a:br>
-              <a:rPr lang="en-GB"/>
+              <a:rPr lang="en-GB" dirty="0"/>
             </a:br>
             <a:r>
-              <a:rPr lang="en-GB" b="1"/>
+              <a:rPr lang="en-GB" b="1" dirty="0"/>
               <a:t>NOTE: </a:t>
             </a:r>
             <a:r>
-              <a:rPr lang="en-GB"/>
+              <a:rPr lang="en-GB" dirty="0"/>
               <a:t>some widgets are not accessible e.g. sliders.</a:t>
             </a:r>
           </a:p>
@@ -11802,22 +11805,22 @@
             <a:pPr marL="0" indent="0">
               <a:buNone/>
             </a:pPr>
-            <a:endParaRPr lang="en-GB"/>
-          </a:p>
-          <a:p>
-            <a:endParaRPr lang="en-GB"/>
+            <a:endParaRPr lang="en-GB" dirty="0"/>
+          </a:p>
+          <a:p>
+            <a:endParaRPr lang="en-GB" dirty="0"/>
           </a:p>
           <a:p>
             <a:pPr marL="0" indent="0">
               <a:buNone/>
             </a:pPr>
-            <a:endParaRPr lang="en-GB" sz="1800"/>
+            <a:endParaRPr lang="en-GB" sz="1800" dirty="0"/>
           </a:p>
           <a:p>
             <a:pPr marL="0" indent="0">
               <a:buNone/>
             </a:pPr>
-            <a:endParaRPr lang="en-GB" sz="1800"/>
+            <a:endParaRPr lang="en-GB" sz="1800" dirty="0"/>
           </a:p>
         </p:txBody>
       </p:sp>
@@ -11966,24 +11969,24 @@
           <a:lstStyle/>
           <a:p>
             <a:r>
-              <a:rPr lang="en-GB" sz="3200">
+              <a:rPr lang="en-GB" sz="3200" dirty="0">
                 <a:latin typeface="Arial Black" panose="020B0A04020102020204" pitchFamily="34" charset="0"/>
               </a:rPr>
               <a:t>Code Along: </a:t>
             </a:r>
             <a:r>
-              <a:rPr lang="en-GB" sz="3200" err="1">
+              <a:rPr lang="en-GB" sz="3200" dirty="0" err="1">
                 <a:latin typeface="Arial Black" panose="020B0A04020102020204" pitchFamily="34" charset="0"/>
               </a:rPr>
               <a:t>fluidRow</a:t>
             </a:r>
             <a:r>
-              <a:rPr lang="en-GB" sz="3200">
+              <a:rPr lang="en-GB" sz="3200" dirty="0">
                 <a:latin typeface="Arial Black" panose="020B0A04020102020204" pitchFamily="34" charset="0"/>
               </a:rPr>
               <a:t>() and multiple filters</a:t>
             </a:r>
-            <a:endParaRPr lang="en-GB" sz="3200"/>
+            <a:endParaRPr lang="en-GB" sz="3200" dirty="0"/>
           </a:p>
         </p:txBody>
       </p:sp>
@@ -12010,11 +12013,11 @@
           <a:lstStyle/>
           <a:p>
             <a:r>
-              <a:rPr lang="en-GB"/>
+              <a:rPr lang="en-GB" dirty="0"/>
               <a:t>Add </a:t>
             </a:r>
             <a:r>
-              <a:rPr lang="en-GB" b="1" err="1">
+              <a:rPr lang="en-GB" b="1" dirty="0" err="1">
                 <a:solidFill>
                   <a:srgbClr val="7030A0"/>
                 </a:solidFill>
@@ -12022,7 +12025,7 @@
               <a:t>fluidRow</a:t>
             </a:r>
             <a:r>
-              <a:rPr lang="en-GB" b="1">
+              <a:rPr lang="en-GB" b="1" dirty="0">
                 <a:solidFill>
                   <a:srgbClr val="7030A0"/>
                 </a:solidFill>
@@ -12032,11 +12035,11 @@
           </a:p>
           <a:p>
             <a:r>
-              <a:rPr lang="en-GB"/>
+              <a:rPr lang="en-GB" dirty="0"/>
               <a:t>Add your </a:t>
             </a:r>
             <a:r>
-              <a:rPr lang="en-GB" b="1" err="1">
+              <a:rPr lang="en-GB" b="1" dirty="0" err="1">
                 <a:solidFill>
                   <a:srgbClr val="7030A0"/>
                 </a:solidFill>
@@ -12044,7 +12047,7 @@
               <a:t>radioButtons</a:t>
             </a:r>
             <a:r>
-              <a:rPr lang="en-GB" b="1">
+              <a:rPr lang="en-GB" b="1" dirty="0">
                 <a:solidFill>
                   <a:srgbClr val="7030A0"/>
                 </a:solidFill>
@@ -12052,11 +12055,11 @@
               <a:t>() </a:t>
             </a:r>
             <a:r>
-              <a:rPr lang="en-GB"/>
+              <a:rPr lang="en-GB" dirty="0"/>
               <a:t>for gender into a column(3) and a </a:t>
             </a:r>
             <a:r>
-              <a:rPr lang="en-GB" b="1" err="1">
+              <a:rPr lang="en-GB" b="1" dirty="0" err="1">
                 <a:solidFill>
                   <a:srgbClr val="7030A0"/>
                 </a:solidFill>
@@ -12064,7 +12067,7 @@
               <a:t>selectInput</a:t>
             </a:r>
             <a:r>
-              <a:rPr lang="en-GB" b="1">
+              <a:rPr lang="en-GB" b="1" dirty="0">
                 <a:solidFill>
                   <a:srgbClr val="7030A0"/>
                 </a:solidFill>
@@ -12072,48 +12075,48 @@
               <a:t>() </a:t>
             </a:r>
             <a:r>
-              <a:rPr lang="en-GB"/>
+              <a:rPr lang="en-GB" dirty="0"/>
               <a:t>for breed into a column(3).</a:t>
             </a:r>
           </a:p>
           <a:p>
             <a:pPr lvl="1"/>
             <a:r>
-              <a:rPr lang="en-GB" sz="1800"/>
+              <a:rPr lang="en-GB" sz="1800" dirty="0"/>
               <a:t>Get breed choices from </a:t>
             </a:r>
             <a:r>
-              <a:rPr lang="en-GB" sz="1800" err="1"/>
+              <a:rPr lang="en-GB" sz="1800" dirty="0" err="1"/>
               <a:t>nyc_dogs</a:t>
             </a:r>
             <a:r>
-              <a:rPr lang="en-GB" sz="1800"/>
+              <a:rPr lang="en-GB" sz="1800" dirty="0"/>
               <a:t> data with </a:t>
             </a:r>
             <a:r>
-              <a:rPr lang="en-GB" sz="1800" b="1"/>
+              <a:rPr lang="en-GB" sz="1800" b="1" dirty="0"/>
               <a:t>choices = unique(</a:t>
             </a:r>
             <a:r>
-              <a:rPr lang="en-GB" sz="1800" b="1" err="1"/>
+              <a:rPr lang="en-GB" sz="1800" b="1" dirty="0" err="1"/>
               <a:t>nyc_dogs$breed</a:t>
             </a:r>
             <a:r>
-              <a:rPr lang="en-GB" sz="1800" b="1"/>
+              <a:rPr lang="en-GB" sz="1800" b="1" dirty="0"/>
               <a:t>)</a:t>
             </a:r>
           </a:p>
           <a:p>
             <a:r>
-              <a:rPr lang="en-GB" b="1"/>
+              <a:rPr lang="en-GB" b="1" dirty="0"/>
               <a:t>NOTE: </a:t>
             </a:r>
             <a:r>
-              <a:rPr lang="en-GB"/>
+              <a:rPr lang="en-GB" dirty="0"/>
               <a:t>Change back to standard </a:t>
             </a:r>
             <a:r>
-              <a:rPr lang="en-GB" b="1" err="1">
+              <a:rPr lang="en-GB" b="1" dirty="0" err="1">
                 <a:solidFill>
                   <a:srgbClr val="7030A0"/>
                 </a:solidFill>
@@ -12121,7 +12124,7 @@
               <a:t>tableOutput</a:t>
             </a:r>
             <a:r>
-              <a:rPr lang="en-GB" b="1">
+              <a:rPr lang="en-GB" b="1" dirty="0">
                 <a:solidFill>
                   <a:srgbClr val="7030A0"/>
                 </a:solidFill>
@@ -12136,7 +12139,7 @@
               </a:buClr>
             </a:pPr>
             <a:r>
-              <a:rPr lang="en-GB" b="1">
+              <a:rPr lang="en-GB" b="1" dirty="0">
                 <a:solidFill>
                   <a:srgbClr val="7030A0"/>
                 </a:solidFill>
@@ -12144,10 +12147,10 @@
               <a:t>“Run App” </a:t>
             </a:r>
             <a:r>
-              <a:rPr lang="en-GB"/>
+              <a:rPr lang="en-GB" dirty="0"/>
               <a:t>and try your filters. What happens?</a:t>
             </a:r>
-            <a:endParaRPr lang="en-GB" b="1">
+            <a:endParaRPr lang="en-GB" b="1" dirty="0">
               <a:solidFill>
                 <a:srgbClr val="7030A0"/>
               </a:solidFill>
@@ -12339,7 +12342,7 @@
               <a:lstStyle/>
               <a:p>
                 <a:pPr algn="ctr"/>
-                <a:endParaRPr lang="en-GB"/>
+                <a:endParaRPr lang="en-GB" dirty="0"/>
               </a:p>
             </p:txBody>
           </p:sp>
@@ -12634,24 +12637,24 @@
           <a:lstStyle/>
           <a:p>
             <a:r>
-              <a:rPr lang="en-GB" sz="3200">
+              <a:rPr lang="en-GB" sz="3200" dirty="0">
                 <a:latin typeface="Arial Black" panose="020B0A04020102020204" pitchFamily="34" charset="0"/>
               </a:rPr>
               <a:t>Code Along: </a:t>
             </a:r>
             <a:r>
-              <a:rPr lang="en-GB" sz="3200" err="1">
+              <a:rPr lang="en-GB" sz="3200" dirty="0" err="1">
                 <a:latin typeface="Arial Black" panose="020B0A04020102020204" pitchFamily="34" charset="0"/>
               </a:rPr>
               <a:t>fluidRow</a:t>
             </a:r>
             <a:r>
-              <a:rPr lang="en-GB" sz="3200">
+              <a:rPr lang="en-GB" sz="3200" dirty="0">
                 <a:latin typeface="Arial Black" panose="020B0A04020102020204" pitchFamily="34" charset="0"/>
               </a:rPr>
               <a:t>() and multiple filters</a:t>
             </a:r>
-            <a:endParaRPr lang="en-GB" sz="3200"/>
+            <a:endParaRPr lang="en-GB" sz="3200" dirty="0"/>
           </a:p>
         </p:txBody>
       </p:sp>
@@ -12681,15 +12684,15 @@
               <a:buNone/>
             </a:pPr>
             <a:r>
-              <a:rPr lang="en-GB"/>
+              <a:rPr lang="en-GB" dirty="0"/>
               <a:t>We must add the </a:t>
             </a:r>
             <a:r>
-              <a:rPr lang="en-GB" b="1"/>
+              <a:rPr lang="en-GB" b="1" dirty="0"/>
               <a:t>server</a:t>
             </a:r>
             <a:r>
-              <a:rPr lang="en-GB"/>
+              <a:rPr lang="en-GB" dirty="0"/>
               <a:t> component for the new breed filter!</a:t>
             </a:r>
           </a:p>
@@ -12697,34 +12700,34 @@
             <a:pPr marL="0" indent="0">
               <a:buNone/>
             </a:pPr>
-            <a:endParaRPr lang="en-GB"/>
-          </a:p>
-          <a:p>
-            <a:r>
-              <a:rPr lang="en-GB"/>
+            <a:endParaRPr lang="en-GB" dirty="0"/>
+          </a:p>
+          <a:p>
+            <a:r>
+              <a:rPr lang="en-GB" dirty="0"/>
               <a:t>Add a filter for breed in the </a:t>
             </a:r>
             <a:r>
-              <a:rPr lang="en-GB" err="1"/>
+              <a:rPr lang="en-GB" dirty="0" err="1"/>
               <a:t>table_output</a:t>
             </a:r>
             <a:r>
-              <a:rPr lang="en-GB"/>
+              <a:rPr lang="en-GB" dirty="0"/>
               <a:t>.</a:t>
             </a:r>
           </a:p>
           <a:p>
             <a:pPr lvl="1"/>
             <a:r>
-              <a:rPr lang="en-GB" sz="1800"/>
+              <a:rPr lang="en-GB" sz="1800" dirty="0"/>
               <a:t>Remember to use the correct </a:t>
             </a:r>
             <a:r>
-              <a:rPr lang="en-GB" sz="1800" b="1" err="1"/>
+              <a:rPr lang="en-GB" sz="1800" b="1" dirty="0" err="1"/>
               <a:t>inputId</a:t>
             </a:r>
             <a:r>
-              <a:rPr lang="en-GB" sz="1800"/>
+              <a:rPr lang="en-GB" sz="1800" dirty="0"/>
               <a:t> from UI</a:t>
             </a:r>
           </a:p>
@@ -12735,7 +12738,7 @@
               </a:buClr>
             </a:pPr>
             <a:r>
-              <a:rPr lang="en-GB" b="1">
+              <a:rPr lang="en-GB" b="1" dirty="0">
                 <a:solidFill>
                   <a:srgbClr val="7030A0"/>
                 </a:solidFill>
@@ -12744,13 +12747,13 @@
             </a:r>
           </a:p>
           <a:p>
-            <a:endParaRPr lang="en-GB"/>
+            <a:endParaRPr lang="en-GB" dirty="0"/>
           </a:p>
           <a:p>
             <a:pPr marL="0" indent="0">
               <a:buNone/>
             </a:pPr>
-            <a:endParaRPr lang="en-GB"/>
+            <a:endParaRPr lang="en-GB" dirty="0"/>
           </a:p>
         </p:txBody>
       </p:sp>
@@ -12924,12 +12927,12 @@
           <a:lstStyle/>
           <a:p>
             <a:r>
-              <a:rPr lang="en-GB" sz="3200">
+              <a:rPr lang="en-GB" sz="3200" dirty="0">
                 <a:latin typeface="Arial Black" panose="020B0A04020102020204" pitchFamily="34" charset="0"/>
               </a:rPr>
               <a:t>Exercise</a:t>
             </a:r>
-            <a:endParaRPr lang="en-GB" sz="3200"/>
+            <a:endParaRPr lang="en-GB" sz="3200" dirty="0"/>
           </a:p>
         </p:txBody>
       </p:sp>
@@ -12956,43 +12959,59 @@
           <a:lstStyle/>
           <a:p>
             <a:r>
-              <a:rPr lang="en-GB"/>
+              <a:rPr lang="en-GB" dirty="0"/>
               <a:t>Add two more drop-downs to the app we have which allow you to filter for:</a:t>
             </a:r>
           </a:p>
           <a:p>
             <a:pPr lvl="1"/>
             <a:r>
-              <a:rPr lang="en-GB" sz="1800"/>
-              <a:t>Borough</a:t>
+              <a:rPr lang="en-GB" sz="1800" dirty="0"/>
+              <a:t>Borough, </a:t>
+            </a:r>
+            <a:r>
+              <a:rPr lang="en-GB" sz="1800" dirty="0" err="1"/>
+              <a:t>inputId</a:t>
+            </a:r>
+            <a:r>
+              <a:rPr lang="en-GB" sz="1800" dirty="0"/>
+              <a:t> = “borough”</a:t>
             </a:r>
           </a:p>
           <a:p>
             <a:pPr lvl="1"/>
             <a:r>
-              <a:rPr lang="en-GB" sz="1800"/>
-              <a:t>Dog colour</a:t>
+              <a:rPr lang="en-GB" sz="1800" dirty="0"/>
+              <a:t>Dog colour, </a:t>
+            </a:r>
+            <a:r>
+              <a:rPr lang="en-GB" sz="1800" dirty="0" err="1"/>
+              <a:t>inputId</a:t>
+            </a:r>
+            <a:r>
+              <a:rPr lang="en-GB" sz="1800" dirty="0"/>
+              <a:t> = “colour”</a:t>
             </a:r>
             <a:br>
-              <a:rPr lang="en-GB" sz="1600"/>
+              <a:rPr lang="en-GB" sz="1600" dirty="0"/>
             </a:br>
-            <a:endParaRPr lang="en-GB" sz="1600"/>
-          </a:p>
-          <a:p>
-            <a:r>
-              <a:rPr lang="en-GB" b="1"/>
+            <a:endParaRPr lang="en-GB" sz="1600" dirty="0"/>
+          </a:p>
+          <a:p>
+            <a:r>
+              <a:rPr lang="en-GB" b="1" dirty="0"/>
               <a:t>HINT</a:t>
             </a:r>
             <a:r>
-              <a:rPr lang="en-GB"/>
+              <a:rPr lang="en-GB" dirty="0"/>
               <a:t>: unique </a:t>
             </a:r>
             <a:r>
-              <a:rPr lang="en-GB" err="1"/>
+              <a:rPr lang="en-GB" dirty="0" err="1"/>
               <a:t>inputId</a:t>
             </a:r>
             <a:r>
-              <a:rPr lang="en-GB"/>
+              <a:rPr lang="en-GB" dirty="0"/>
               <a:t>, UI + server, max column width is 12</a:t>
             </a:r>
           </a:p>
@@ -13051,12 +13070,12 @@
           <a:lstStyle/>
           <a:p>
             <a:r>
-              <a:rPr lang="en-GB" sz="3200">
+              <a:rPr lang="en-GB" sz="3200" dirty="0">
                 <a:latin typeface="Arial Black" panose="020B0A04020102020204" pitchFamily="34" charset="0"/>
               </a:rPr>
               <a:t>Answer</a:t>
             </a:r>
-            <a:endParaRPr lang="en-GB" sz="3200"/>
+            <a:endParaRPr lang="en-GB" sz="3200" dirty="0"/>
           </a:p>
         </p:txBody>
       </p:sp>
@@ -13144,7 +13163,7 @@
           </a:lstStyle>
           <a:p>
             <a:r>
-              <a:rPr lang="en-GB" sz="3200">
+              <a:rPr lang="en-GB" sz="3200" dirty="0">
                 <a:solidFill>
                   <a:srgbClr val="7030A0"/>
                 </a:solidFill>
@@ -13152,7 +13171,7 @@
               </a:rPr>
               <a:t>UI</a:t>
             </a:r>
-            <a:endParaRPr lang="en-GB" sz="3200">
+            <a:endParaRPr lang="en-GB" sz="3200" dirty="0">
               <a:solidFill>
                 <a:srgbClr val="7030A0"/>
               </a:solidFill>
@@ -13208,7 +13227,7 @@
           </a:lstStyle>
           <a:p>
             <a:r>
-              <a:rPr lang="en-GB" sz="3200">
+              <a:rPr lang="en-GB" sz="3200" dirty="0">
                 <a:solidFill>
                   <a:srgbClr val="7030A0"/>
                 </a:solidFill>
@@ -13216,7 +13235,7 @@
               </a:rPr>
               <a:t>Server</a:t>
             </a:r>
-            <a:endParaRPr lang="en-GB" sz="3200">
+            <a:endParaRPr lang="en-GB" sz="3200" dirty="0">
               <a:solidFill>
                 <a:srgbClr val="7030A0"/>
               </a:solidFill>
@@ -13345,7 +13364,7 @@
           <a:lstStyle/>
           <a:p>
             <a:r>
-              <a:rPr lang="en-GB" sz="2400" b="1"/>
+              <a:rPr lang="en-GB" sz="2400" b="1" dirty="0"/>
               <a:t>Next we will add charts!</a:t>
             </a:r>
           </a:p>
@@ -13404,12 +13423,12 @@
           <a:lstStyle/>
           <a:p>
             <a:r>
-              <a:rPr lang="en-GB" sz="3200">
+              <a:rPr lang="en-GB" sz="3200" dirty="0">
                 <a:latin typeface="Arial Black" panose="020B0A04020102020204" pitchFamily="34" charset="0"/>
               </a:rPr>
               <a:t>Code Along: Charts</a:t>
             </a:r>
-            <a:endParaRPr lang="en-GB" sz="3200"/>
+            <a:endParaRPr lang="en-GB" sz="3200" dirty="0"/>
           </a:p>
         </p:txBody>
       </p:sp>
@@ -13436,11 +13455,11 @@
           <a:lstStyle/>
           <a:p>
             <a:r>
-              <a:rPr lang="en-GB"/>
+              <a:rPr lang="en-GB" dirty="0"/>
               <a:t>Plots are displayed using </a:t>
             </a:r>
             <a:r>
-              <a:rPr lang="en-GB" b="1" err="1">
+              <a:rPr lang="en-GB" b="1" dirty="0" err="1">
                 <a:solidFill>
                   <a:srgbClr val="7030A0"/>
                 </a:solidFill>
@@ -13448,7 +13467,7 @@
               <a:t>plotOutput</a:t>
             </a:r>
             <a:r>
-              <a:rPr lang="en-GB" b="1">
+              <a:rPr lang="en-GB" b="1" dirty="0">
                 <a:solidFill>
                   <a:srgbClr val="7030A0"/>
                 </a:solidFill>
@@ -13456,40 +13475,40 @@
               <a:t>() </a:t>
             </a:r>
             <a:r>
-              <a:rPr lang="en-GB"/>
+              <a:rPr lang="en-GB" dirty="0"/>
               <a:t>in the UI</a:t>
             </a:r>
           </a:p>
           <a:p>
-            <a:endParaRPr lang="en-GB"/>
-          </a:p>
-          <a:p>
-            <a:r>
-              <a:rPr lang="en-GB"/>
+            <a:endParaRPr lang="en-GB" dirty="0"/>
+          </a:p>
+          <a:p>
+            <a:r>
+              <a:rPr lang="en-GB" dirty="0"/>
               <a:t>In server, instead of </a:t>
             </a:r>
             <a:r>
-              <a:rPr lang="en-GB" b="1" err="1"/>
+              <a:rPr lang="en-GB" b="1" dirty="0" err="1"/>
               <a:t>renderTable</a:t>
             </a:r>
             <a:r>
-              <a:rPr lang="en-GB" b="1"/>
+              <a:rPr lang="en-GB" b="1" dirty="0"/>
               <a:t>({})</a:t>
             </a:r>
             <a:r>
-              <a:rPr lang="en-GB"/>
-              <a:t>, we </a:t>
-            </a:r>
-            <a:r>
-              <a:rPr lang="en-GB" b="1">
+              <a:rPr lang="en-GB" dirty="0"/>
+              <a:t>, we use</a:t>
+            </a:r>
+            <a:r>
+              <a:rPr lang="en-GB" b="1" dirty="0">
                 <a:solidFill>
                   <a:srgbClr val="7030A0"/>
                 </a:solidFill>
               </a:rPr>
-              <a:t>use </a:t>
-            </a:r>
-            <a:r>
-              <a:rPr lang="en-GB" b="1" err="1">
+              <a:t> </a:t>
+            </a:r>
+            <a:r>
+              <a:rPr lang="en-GB" b="1" dirty="0" err="1">
                 <a:solidFill>
                   <a:srgbClr val="7030A0"/>
                 </a:solidFill>
@@ -13497,7 +13516,7 @@
               <a:t>renderPlot</a:t>
             </a:r>
             <a:r>
-              <a:rPr lang="en-GB" b="1">
+              <a:rPr lang="en-GB" b="1" dirty="0">
                 <a:solidFill>
                   <a:srgbClr val="7030A0"/>
                 </a:solidFill>
@@ -13506,97 +13525,97 @@
             </a:r>
           </a:p>
           <a:p>
-            <a:endParaRPr lang="en-GB"/>
-          </a:p>
-          <a:p>
-            <a:r>
-              <a:rPr lang="en-GB"/>
+            <a:endParaRPr lang="en-GB" dirty="0"/>
+          </a:p>
+          <a:p>
+            <a:r>
+              <a:rPr lang="en-GB" dirty="0"/>
               <a:t>Plots are created using </a:t>
             </a:r>
             <a:r>
-              <a:rPr lang="en-GB" err="1"/>
+              <a:rPr lang="en-GB" dirty="0" err="1"/>
               <a:t>ggplot</a:t>
             </a:r>
             <a:r>
-              <a:rPr lang="en-GB"/>
+              <a:rPr lang="en-GB" dirty="0"/>
               <a:t>() and/or </a:t>
             </a:r>
             <a:r>
-              <a:rPr lang="en-GB" err="1"/>
+              <a:rPr lang="en-GB" dirty="0" err="1"/>
               <a:t>plotly</a:t>
             </a:r>
             <a:r>
-              <a:rPr lang="en-GB"/>
+              <a:rPr lang="en-GB" dirty="0"/>
               <a:t>() (a package for adding interactivity to charts).</a:t>
             </a:r>
           </a:p>
           <a:p>
-            <a:endParaRPr lang="en-GB"/>
-          </a:p>
-          <a:p>
-            <a:r>
-              <a:rPr lang="en-GB"/>
+            <a:endParaRPr lang="en-GB" dirty="0"/>
+          </a:p>
+          <a:p>
+            <a:r>
+              <a:rPr lang="en-GB" dirty="0"/>
               <a:t>You can create the plots in </a:t>
             </a:r>
             <a:r>
-              <a:rPr lang="en-GB" err="1"/>
+              <a:rPr lang="en-GB" dirty="0" err="1"/>
               <a:t>Plotly</a:t>
             </a:r>
             <a:r>
-              <a:rPr lang="en-GB"/>
+              <a:rPr lang="en-GB" dirty="0"/>
               <a:t> directly or pass a </a:t>
             </a:r>
             <a:r>
-              <a:rPr lang="en-GB" err="1"/>
+              <a:rPr lang="en-GB" dirty="0" err="1"/>
               <a:t>ggplot</a:t>
             </a:r>
             <a:r>
-              <a:rPr lang="en-GB"/>
+              <a:rPr lang="en-GB" dirty="0"/>
               <a:t> object to </a:t>
             </a:r>
             <a:r>
-              <a:rPr lang="en-GB" err="1"/>
+              <a:rPr lang="en-GB" dirty="0" err="1"/>
               <a:t>ggplotly</a:t>
             </a:r>
             <a:r>
-              <a:rPr lang="en-GB"/>
+              <a:rPr lang="en-GB" dirty="0"/>
               <a:t>(), turning your </a:t>
             </a:r>
             <a:r>
-              <a:rPr lang="en-GB" err="1"/>
+              <a:rPr lang="en-GB" dirty="0" err="1"/>
               <a:t>ggplot</a:t>
             </a:r>
             <a:r>
-              <a:rPr lang="en-GB"/>
+              <a:rPr lang="en-GB" dirty="0"/>
               <a:t> into an interactive </a:t>
             </a:r>
             <a:r>
-              <a:rPr lang="en-GB" err="1"/>
+              <a:rPr lang="en-GB" dirty="0" err="1"/>
               <a:t>plotly</a:t>
             </a:r>
             <a:r>
-              <a:rPr lang="en-GB"/>
+              <a:rPr lang="en-GB" dirty="0"/>
               <a:t> object. See here for more info on </a:t>
             </a:r>
             <a:r>
-              <a:rPr lang="en-GB" err="1"/>
+              <a:rPr lang="en-GB" dirty="0" err="1"/>
               <a:t>plotly</a:t>
             </a:r>
             <a:r>
-              <a:rPr lang="en-GB"/>
+              <a:rPr lang="en-GB" dirty="0"/>
               <a:t>: </a:t>
             </a:r>
             <a:r>
-              <a:rPr lang="en-GB">
+              <a:rPr lang="en-GB" dirty="0">
                 <a:hlinkClick r:id="rId2"/>
               </a:rPr>
               <a:t>https://plotly.com/r/</a:t>
             </a:r>
-            <a:endParaRPr lang="en-GB"/>
+            <a:endParaRPr lang="en-GB" dirty="0"/>
           </a:p>
           <a:p>
             <a:pPr lvl="1"/>
-            <a:endParaRPr lang="en-GB"/>
+            <a:endParaRPr lang="en-GB" dirty="0"/>
           </a:p>
         </p:txBody>
       </p:sp>
@@ -13648,12 +13667,12 @@
           <a:lstStyle/>
           <a:p>
             <a:r>
-              <a:rPr lang="en-GB" sz="3200">
+              <a:rPr lang="en-GB" sz="3200" dirty="0">
                 <a:latin typeface="Arial Black" panose="020B0A04020102020204" pitchFamily="34" charset="0"/>
               </a:rPr>
               <a:t>Code Along: Charts UI</a:t>
             </a:r>
-            <a:endParaRPr lang="en-GB" sz="3200"/>
+            <a:endParaRPr lang="en-GB" sz="3200" dirty="0"/>
           </a:p>
         </p:txBody>
       </p:sp>
@@ -13693,8 +13712,16 @@
               </a:tabLst>
             </a:pPr>
             <a:r>
+              <a:rPr lang="en-GB" sz="2400" dirty="0"/>
+              <a:t>Next</a:t>
+            </a:r>
+            <a:r>
               <a:rPr lang="en-GB" sz="2400"/>
-              <a:t>Next, we will add two bar charts; one for colour and one for borough.</a:t>
+              <a:t>,</a:t>
+            </a:r>
+            <a:r>
+              <a:rPr lang="en-GB" sz="2400" dirty="0"/>
+              <a:t> we will add two bar charts; one for colour and one for borough.</a:t>
             </a:r>
           </a:p>
           <a:p>
@@ -13703,7 +13730,7 @@
                 <a:tab pos="88900" algn="l"/>
               </a:tabLst>
             </a:pPr>
-            <a:endParaRPr lang="en-GB" sz="2400"/>
+            <a:endParaRPr lang="en-GB" sz="2400" dirty="0"/>
           </a:p>
           <a:p>
             <a:pPr marL="176213" indent="-176213">
@@ -13714,7 +13741,7 @@
               </a:tabLst>
             </a:pPr>
             <a:r>
-              <a:rPr lang="en-GB" sz="2400"/>
+              <a:rPr lang="en-GB" sz="2400" dirty="0"/>
               <a:t>Keep the radio buttons for selecting gender, and the drop-down menu for selecting breed. Comment out the other filters.</a:t>
             </a:r>
           </a:p>
@@ -13724,7 +13751,7 @@
                 <a:tab pos="88900" algn="l"/>
               </a:tabLst>
             </a:pPr>
-            <a:endParaRPr lang="en-GB" sz="2400"/>
+            <a:endParaRPr lang="en-GB" sz="2400" dirty="0"/>
           </a:p>
           <a:p>
             <a:pPr marL="176213" indent="-176213">
@@ -13735,11 +13762,11 @@
               </a:tabLst>
             </a:pPr>
             <a:r>
-              <a:rPr lang="en-GB" sz="2400"/>
+              <a:rPr lang="en-GB" sz="2400" dirty="0"/>
               <a:t>Add new </a:t>
             </a:r>
             <a:r>
-              <a:rPr lang="en-GB" sz="2400" b="1" err="1">
+              <a:rPr lang="en-GB" sz="2400" b="1" dirty="0" err="1">
                 <a:solidFill>
                   <a:srgbClr val="7030A0"/>
                 </a:solidFill>
@@ -13747,7 +13774,7 @@
               <a:t>fluidRow</a:t>
             </a:r>
             <a:r>
-              <a:rPr lang="en-GB" sz="2400" b="1">
+              <a:rPr lang="en-GB" sz="2400" b="1" dirty="0">
                 <a:solidFill>
                   <a:srgbClr val="7030A0"/>
                 </a:solidFill>
@@ -13755,11 +13782,11 @@
               <a:t>()</a:t>
             </a:r>
             <a:r>
-              <a:rPr lang="en-GB" sz="2400"/>
+              <a:rPr lang="en-GB" sz="2400" dirty="0"/>
               <a:t> with two</a:t>
             </a:r>
             <a:r>
-              <a:rPr lang="en-GB" sz="2400" b="1">
+              <a:rPr lang="en-GB" sz="2400" b="1" dirty="0">
                 <a:solidFill>
                   <a:srgbClr val="7030A0"/>
                 </a:solidFill>
@@ -13767,23 +13794,23 @@
               <a:t> columns()</a:t>
             </a:r>
             <a:r>
-              <a:rPr lang="en-GB" sz="2400"/>
+              <a:rPr lang="en-GB" sz="2400" dirty="0"/>
               <a:t> and add one chart in each; “</a:t>
             </a:r>
             <a:r>
-              <a:rPr lang="en-GB" sz="2400" err="1"/>
+              <a:rPr lang="en-GB" sz="2400" dirty="0" err="1"/>
               <a:t>colour_barchart</a:t>
             </a:r>
             <a:r>
-              <a:rPr lang="en-GB" sz="2400"/>
+              <a:rPr lang="en-GB" sz="2400" dirty="0"/>
               <a:t>” and “</a:t>
             </a:r>
             <a:r>
-              <a:rPr lang="en-GB" sz="2400" err="1"/>
+              <a:rPr lang="en-GB" sz="2400" dirty="0" err="1"/>
               <a:t>borough_barchart</a:t>
             </a:r>
             <a:r>
-              <a:rPr lang="en-GB" sz="2400"/>
+              <a:rPr lang="en-GB" sz="2400" dirty="0"/>
               <a:t>”.</a:t>
             </a:r>
           </a:p>
@@ -13796,11 +13823,11 @@
               </a:tabLst>
             </a:pPr>
             <a:r>
-              <a:rPr lang="en-GB" sz="2400"/>
+              <a:rPr lang="en-GB" sz="2400" dirty="0"/>
               <a:t>Remember to use </a:t>
             </a:r>
             <a:r>
-              <a:rPr lang="en-GB" sz="2400" b="1" err="1">
+              <a:rPr lang="en-GB" sz="2400" b="1" dirty="0" err="1">
                 <a:solidFill>
                   <a:srgbClr val="7030A0"/>
                 </a:solidFill>
@@ -13808,7 +13835,7 @@
               <a:t>plotOutput</a:t>
             </a:r>
             <a:r>
-              <a:rPr lang="en-GB" sz="2400" b="1">
+              <a:rPr lang="en-GB" sz="2400" b="1" dirty="0">
                 <a:solidFill>
                   <a:srgbClr val="7030A0"/>
                 </a:solidFill>
@@ -13907,12 +13934,12 @@
           <a:lstStyle/>
           <a:p>
             <a:r>
-              <a:rPr lang="en-GB" sz="3200">
+              <a:rPr lang="en-GB" sz="3200" dirty="0">
                 <a:latin typeface="Arial Black" panose="020B0A04020102020204" pitchFamily="34" charset="0"/>
               </a:rPr>
               <a:t>Code Along: Charts Server</a:t>
             </a:r>
-            <a:endParaRPr lang="en-GB" sz="3200"/>
+            <a:endParaRPr lang="en-GB" sz="3200" dirty="0"/>
           </a:p>
         </p:txBody>
       </p:sp>
@@ -13949,15 +13976,15 @@
               <a:buChar char="•"/>
             </a:pPr>
             <a:r>
-              <a:rPr lang="en-GB" sz="2400"/>
+              <a:rPr lang="en-GB" sz="2400" dirty="0"/>
               <a:t>Create a dataset called </a:t>
             </a:r>
             <a:r>
-              <a:rPr lang="en-GB" sz="2400" err="1"/>
+              <a:rPr lang="en-GB" sz="2400" dirty="0" err="1"/>
               <a:t>filtered_data</a:t>
             </a:r>
             <a:r>
-              <a:rPr lang="en-GB" sz="2400"/>
+              <a:rPr lang="en-GB" sz="2400" dirty="0"/>
               <a:t> that filters based on user input for gender and breed</a:t>
             </a:r>
           </a:p>
@@ -13967,7 +13994,7 @@
               <a:buChar char="•"/>
             </a:pPr>
             <a:r>
-              <a:rPr lang="en-GB"/>
+              <a:rPr lang="en-GB" dirty="0"/>
               <a:t>Creating a separate dataset prevents us from repeating the data code for each plot</a:t>
             </a:r>
           </a:p>
@@ -13976,7 +14003,7 @@
               <a:buFont typeface="Arial" panose="020B0604020202020204" pitchFamily="34" charset="0"/>
               <a:buChar char="•"/>
             </a:pPr>
-            <a:endParaRPr lang="en-GB"/>
+            <a:endParaRPr lang="en-GB" dirty="0"/>
           </a:p>
           <a:p>
             <a:pPr marL="176213" indent="-176213">
@@ -13984,11 +14011,11 @@
               <a:buChar char="•"/>
             </a:pPr>
             <a:r>
-              <a:rPr lang="en-GB" sz="2400"/>
+              <a:rPr lang="en-GB" sz="2400" dirty="0"/>
               <a:t>Create two bar charts using </a:t>
             </a:r>
             <a:r>
-              <a:rPr lang="en-GB" sz="2400" b="1" err="1">
+              <a:rPr lang="en-GB" sz="2400" b="1" dirty="0" err="1">
                 <a:solidFill>
                   <a:srgbClr val="7030A0"/>
                 </a:solidFill>
@@ -13996,7 +14023,7 @@
               <a:t>ggplot</a:t>
             </a:r>
             <a:r>
-              <a:rPr lang="en-GB" sz="2400" b="1">
+              <a:rPr lang="en-GB" sz="2400" b="1" dirty="0">
                 <a:solidFill>
                   <a:srgbClr val="7030A0"/>
                 </a:solidFill>
@@ -14004,31 +14031,31 @@
               <a:t>()</a:t>
             </a:r>
             <a:r>
-              <a:rPr lang="en-GB" sz="2400"/>
+              <a:rPr lang="en-GB" sz="2400" dirty="0"/>
               <a:t>; </a:t>
             </a:r>
             <a:r>
-              <a:rPr lang="en-GB" sz="2400" err="1"/>
+              <a:rPr lang="en-GB" sz="2400" dirty="0" err="1"/>
               <a:t>colour_barchart</a:t>
             </a:r>
             <a:r>
-              <a:rPr lang="en-GB" sz="2400"/>
+              <a:rPr lang="en-GB" sz="2400" dirty="0"/>
               <a:t> and </a:t>
             </a:r>
             <a:r>
-              <a:rPr lang="en-GB" sz="2400" err="1"/>
+              <a:rPr lang="en-GB" sz="2400" dirty="0" err="1"/>
               <a:t>borough_barchart</a:t>
             </a:r>
             <a:r>
-              <a:rPr lang="en-GB" sz="2400"/>
+              <a:rPr lang="en-GB" sz="2400" dirty="0"/>
               <a:t>. The names must match the </a:t>
             </a:r>
             <a:r>
-              <a:rPr lang="en-GB" sz="2400" b="1" err="1"/>
+              <a:rPr lang="en-GB" sz="2400" b="1" dirty="0" err="1"/>
               <a:t>outputId</a:t>
             </a:r>
             <a:r>
-              <a:rPr lang="en-GB" sz="2400"/>
+              <a:rPr lang="en-GB" sz="2400" dirty="0"/>
               <a:t> in the UI</a:t>
             </a:r>
           </a:p>
@@ -14037,7 +14064,7 @@
               <a:buFont typeface="Arial" panose="020B0604020202020204" pitchFamily="34" charset="0"/>
               <a:buChar char="•"/>
             </a:pPr>
-            <a:endParaRPr lang="en-GB" sz="2400"/>
+            <a:endParaRPr lang="en-GB" sz="2400" dirty="0"/>
           </a:p>
           <a:p>
             <a:pPr marL="176213" indent="-176213">
@@ -14045,11 +14072,11 @@
               <a:buChar char="•"/>
             </a:pPr>
             <a:r>
-              <a:rPr lang="en-GB" sz="2400"/>
+              <a:rPr lang="en-GB" sz="2400" dirty="0"/>
               <a:t>Remember to use </a:t>
             </a:r>
             <a:r>
-              <a:rPr lang="en-GB" sz="2400" b="1" err="1">
+              <a:rPr lang="en-GB" sz="2400" b="1" dirty="0" err="1">
                 <a:solidFill>
                   <a:srgbClr val="7030A0"/>
                 </a:solidFill>
@@ -14057,7 +14084,7 @@
               <a:t>renderPlot</a:t>
             </a:r>
             <a:r>
-              <a:rPr lang="en-GB" sz="2400" b="1">
+              <a:rPr lang="en-GB" sz="2400" b="1" dirty="0">
                 <a:solidFill>
                   <a:srgbClr val="7030A0"/>
                 </a:solidFill>
@@ -14070,7 +14097,7 @@
               <a:buFont typeface="Arial" panose="020B0604020202020204" pitchFamily="34" charset="0"/>
               <a:buChar char="•"/>
             </a:pPr>
-            <a:endParaRPr lang="en-GB" sz="2400" b="1">
+            <a:endParaRPr lang="en-GB" sz="2400" b="1" dirty="0">
               <a:solidFill>
                 <a:srgbClr val="7030A0"/>
               </a:solidFill>
@@ -14082,7 +14109,7 @@
               <a:buChar char="•"/>
             </a:pPr>
             <a:r>
-              <a:rPr lang="en-GB" sz="2400" b="1">
+              <a:rPr lang="en-GB" sz="2400" b="1" dirty="0">
                 <a:solidFill>
                   <a:srgbClr val="7030A0"/>
                 </a:solidFill>
@@ -14090,10 +14117,10 @@
               <a:t>“Run App” </a:t>
             </a:r>
             <a:r>
-              <a:rPr lang="en-GB" sz="2400"/>
+              <a:rPr lang="en-GB" sz="2400" dirty="0"/>
               <a:t>– what happens?</a:t>
             </a:r>
-            <a:endParaRPr lang="en-GB" sz="2400" b="1"/>
+            <a:endParaRPr lang="en-GB" sz="2400" b="1" dirty="0"/>
           </a:p>
         </p:txBody>
       </p:sp>
@@ -14181,7 +14208,7 @@
           <a:lstStyle/>
           <a:p>
             <a:r>
-              <a:rPr lang="en-GB" sz="3200">
+              <a:rPr lang="en-GB" sz="3200" dirty="0">
                 <a:latin typeface="Arial Black" panose="020B0A04020102020204" pitchFamily="34" charset="0"/>
               </a:rPr>
               <a:t>What is R Shiny?</a:t>
@@ -14212,17 +14239,17 @@
           <a:lstStyle/>
           <a:p>
             <a:r>
-              <a:rPr lang="en-GB"/>
+              <a:rPr lang="en-GB" dirty="0"/>
               <a:t>Shiny is an open-source R package where you can create interactive web applications using Posit and R code</a:t>
             </a:r>
           </a:p>
           <a:p>
             <a:r>
-              <a:rPr lang="en-GB"/>
+              <a:rPr lang="en-GB" dirty="0"/>
               <a:t>Shiny doesn’t require HTML, CSS or JavaScript knowledge, but </a:t>
             </a:r>
             <a:r>
-              <a:rPr lang="en-GB">
+              <a:rPr lang="en-GB" dirty="0">
                 <a:latin typeface="Arial" panose="020B0604020202020204" pitchFamily="34" charset="0"/>
                 <a:cs typeface="Arial" panose="020B0604020202020204" pitchFamily="34" charset="0"/>
               </a:rPr>
@@ -14231,32 +14258,32 @@
           </a:p>
           <a:p>
             <a:r>
-              <a:rPr lang="en-GB"/>
+              <a:rPr lang="en-GB" dirty="0"/>
               <a:t>Shiny works in any R environment and comes with pre-built and customizable output widgets for displaying plots, tables, and printed output of R objects</a:t>
             </a:r>
           </a:p>
           <a:p>
             <a:r>
-              <a:rPr lang="en-GB" b="1"/>
+              <a:rPr lang="en-GB" b="1" dirty="0"/>
               <a:t>NOTE: </a:t>
             </a:r>
             <a:r>
-              <a:rPr lang="en-GB"/>
+              <a:rPr lang="en-GB" dirty="0"/>
               <a:t>functions associated with Shiny are generally written in CamelCase </a:t>
             </a:r>
           </a:p>
           <a:p>
             <a:r>
-              <a:rPr lang="en-GB"/>
-              <a:t>Shiny power - check out some accessible PHS Shiny dashboards: </a:t>
-            </a:r>
-            <a:r>
-              <a:rPr lang="en-GB">
+              <a:rPr lang="en-GB" dirty="0"/>
+              <a:t>Shiny power - check out an accessible PHS Shiny dashboard: </a:t>
+            </a:r>
+            <a:r>
+              <a:rPr lang="en-GB" dirty="0">
                 <a:hlinkClick r:id="rId3"/>
               </a:rPr>
               <a:t>National Therapeutic Indicators</a:t>
             </a:r>
-            <a:endParaRPr lang="en-GB" sz="1800"/>
+            <a:endParaRPr lang="en-GB" sz="1800" dirty="0"/>
           </a:p>
         </p:txBody>
       </p:sp>
@@ -14308,7 +14335,7 @@
           <a:lstStyle/>
           <a:p>
             <a:r>
-              <a:rPr lang="en-GB" sz="3200">
+              <a:rPr lang="en-GB" sz="3200" dirty="0">
                 <a:latin typeface="Arial Black" panose="020B0A04020102020204" pitchFamily="34" charset="0"/>
               </a:rPr>
               <a:t>Code along: Reactivity</a:t>
@@ -14342,12 +14369,12 @@
               <a:buNone/>
             </a:pPr>
             <a:r>
-              <a:rPr lang="en-GB"/>
+              <a:rPr lang="en-GB" dirty="0"/>
               <a:t>When we run the previous code, we get an error.</a:t>
             </a:r>
           </a:p>
           <a:p>
-            <a:endParaRPr lang="en-GB"/>
+            <a:endParaRPr lang="en-GB" dirty="0"/>
           </a:p>
         </p:txBody>
       </p:sp>
@@ -14422,7 +14449,7 @@
               <a:tabLst/>
             </a:pPr>
             <a:r>
-              <a:rPr kumimoji="0" lang="en-US" altLang="en-US" sz="1600" b="0" i="0" u="none" strike="noStrike" cap="none" normalizeH="0" baseline="0">
+              <a:rPr kumimoji="0" lang="en-US" altLang="en-US" sz="1600" b="0" i="0" u="none" strike="noStrike" cap="none" normalizeH="0" baseline="0" dirty="0">
                 <a:ln>
                   <a:noFill/>
                 </a:ln>
@@ -14435,7 +14462,7 @@
               <a:t>Do you need to wrap inside reactive() or observer()?</a:t>
             </a:r>
             <a:r>
-              <a:rPr kumimoji="0" lang="en-US" altLang="en-US" sz="1600" b="0" i="0" u="none" strike="noStrike" cap="none" normalizeH="0" baseline="0">
+              <a:rPr kumimoji="0" lang="en-US" altLang="en-US" sz="1600" b="0" i="0" u="none" strike="noStrike" cap="none" normalizeH="0" baseline="0" dirty="0">
                 <a:ln>
                   <a:noFill/>
                 </a:ln>
@@ -14446,7 +14473,7 @@
               </a:rPr>
               <a:t> </a:t>
             </a:r>
-            <a:endParaRPr kumimoji="0" lang="en-US" altLang="en-US" sz="1600" b="0" i="0" u="none" strike="noStrike" cap="none" normalizeH="0" baseline="0">
+            <a:endParaRPr kumimoji="0" lang="en-US" altLang="en-US" sz="1600" b="0" i="0" u="none" strike="noStrike" cap="none" normalizeH="0" baseline="0" dirty="0">
               <a:ln>
                 <a:noFill/>
               </a:ln>
@@ -14735,7 +14762,7 @@
               <a:buChar char="•"/>
             </a:pPr>
             <a:r>
-              <a:rPr lang="en-GB" sz="2400">
+              <a:rPr lang="en-GB" sz="2400" dirty="0">
                 <a:solidFill>
                   <a:schemeClr val="tx1"/>
                 </a:solidFill>
@@ -14752,7 +14779,7 @@
               <a:buChar char="•"/>
             </a:pPr>
             <a:r>
-              <a:rPr lang="en-GB" sz="2400">
+              <a:rPr lang="en-GB" sz="2400" dirty="0">
                 <a:solidFill>
                   <a:schemeClr val="tx1"/>
                 </a:solidFill>
@@ -14760,7 +14787,7 @@
               <a:t>A reactive object can change during the running of the app, in our case, </a:t>
             </a:r>
             <a:r>
-              <a:rPr lang="en-GB" sz="2400" err="1">
+              <a:rPr lang="en-GB" sz="2400" dirty="0" err="1">
                 <a:solidFill>
                   <a:schemeClr val="tx1"/>
                 </a:solidFill>
@@ -14768,7 +14795,7 @@
               <a:t>filtered_data</a:t>
             </a:r>
             <a:r>
-              <a:rPr lang="en-GB" sz="2400">
+              <a:rPr lang="en-GB" sz="2400" dirty="0">
                 <a:solidFill>
                   <a:schemeClr val="tx1"/>
                 </a:solidFill>
@@ -14785,7 +14812,7 @@
               <a:buChar char="•"/>
             </a:pPr>
             <a:r>
-              <a:rPr lang="en-GB" sz="2400">
+              <a:rPr lang="en-GB" sz="2400" dirty="0">
                 <a:solidFill>
                   <a:schemeClr val="tx1"/>
                 </a:solidFill>
@@ -14793,7 +14820,7 @@
               <a:t>Wrap </a:t>
             </a:r>
             <a:r>
-              <a:rPr lang="en-GB" sz="2400" err="1">
+              <a:rPr lang="en-GB" sz="2400" dirty="0" err="1">
                 <a:solidFill>
                   <a:schemeClr val="tx1"/>
                 </a:solidFill>
@@ -14801,7 +14828,7 @@
               <a:t>filtered_data</a:t>
             </a:r>
             <a:r>
-              <a:rPr lang="en-GB" sz="2400">
+              <a:rPr lang="en-GB" sz="2400" dirty="0">
                 <a:solidFill>
                   <a:schemeClr val="tx1"/>
                 </a:solidFill>
@@ -14809,7 +14836,7 @@
               <a:t> in the </a:t>
             </a:r>
             <a:r>
-              <a:rPr lang="en-GB" sz="2400" b="1">
+              <a:rPr lang="en-GB" sz="2400" b="1" dirty="0">
                 <a:solidFill>
                   <a:srgbClr val="7030A0"/>
                 </a:solidFill>
@@ -14817,7 +14844,7 @@
               <a:t>reactive({}) </a:t>
             </a:r>
             <a:r>
-              <a:rPr lang="en-GB" sz="2400">
+              <a:rPr lang="en-GB" sz="2400" dirty="0">
                 <a:solidFill>
                   <a:schemeClr val="tx1"/>
                 </a:solidFill>
@@ -14834,7 +14861,7 @@
               <a:buChar char="•"/>
             </a:pPr>
             <a:r>
-              <a:rPr lang="en-GB" sz="2200">
+              <a:rPr lang="en-GB" sz="2200" dirty="0">
                 <a:solidFill>
                   <a:schemeClr val="tx1"/>
                 </a:solidFill>
@@ -14842,7 +14869,7 @@
               <a:t>This defines the data as having a reactive value and must therefore be followed by brackets when used; </a:t>
             </a:r>
             <a:r>
-              <a:rPr lang="en-GB" sz="2200" b="1" err="1">
+              <a:rPr lang="en-GB" sz="2200" b="1" dirty="0" err="1">
                 <a:solidFill>
                   <a:srgbClr val="7030A0"/>
                 </a:solidFill>
@@ -14850,7 +14877,7 @@
               <a:t>filtered_data</a:t>
             </a:r>
             <a:r>
-              <a:rPr lang="en-GB" sz="2200" b="1">
+              <a:rPr lang="en-GB" sz="2200" b="1" dirty="0">
                 <a:solidFill>
                   <a:srgbClr val="7030A0"/>
                 </a:solidFill>
@@ -14867,7 +14894,7 @@
               <a:buChar char="•"/>
             </a:pPr>
             <a:r>
-              <a:rPr lang="en-GB" sz="2400" b="1">
+              <a:rPr lang="en-GB" sz="2400" b="1" dirty="0">
                 <a:solidFill>
                   <a:srgbClr val="7030A0"/>
                 </a:solidFill>
@@ -14882,7 +14909,7 @@
               </a:buClr>
               <a:buNone/>
             </a:pPr>
-            <a:endParaRPr lang="en-GB" sz="2400">
+            <a:endParaRPr lang="en-GB" sz="2400" dirty="0">
               <a:solidFill>
                 <a:schemeClr val="tx1"/>
               </a:solidFill>
@@ -14896,7 +14923,7 @@
               <a:buFont typeface="Arial" panose="020B0604020202020204" pitchFamily="34" charset="0"/>
               <a:buChar char="•"/>
             </a:pPr>
-            <a:endParaRPr lang="en-GB" sz="2400">
+            <a:endParaRPr lang="en-GB" sz="2400" dirty="0">
               <a:solidFill>
                 <a:schemeClr val="tx1"/>
               </a:solidFill>
@@ -14910,7 +14937,7 @@
               <a:buFont typeface="Arial" panose="020B0604020202020204" pitchFamily="34" charset="0"/>
               <a:buChar char="•"/>
             </a:pPr>
-            <a:endParaRPr lang="en-GB" sz="2400">
+            <a:endParaRPr lang="en-GB" sz="2400" dirty="0">
               <a:solidFill>
                 <a:schemeClr val="tx1"/>
               </a:solidFill>
@@ -14924,7 +14951,7 @@
               <a:buFont typeface="Arial" panose="020B0604020202020204" pitchFamily="34" charset="0"/>
               <a:buChar char="•"/>
             </a:pPr>
-            <a:endParaRPr lang="en-GB" sz="1800"/>
+            <a:endParaRPr lang="en-GB" sz="1800" dirty="0"/>
           </a:p>
           <a:p>
             <a:pPr>
@@ -14934,7 +14961,7 @@
               <a:buFont typeface="Arial" panose="020B0604020202020204" pitchFamily="34" charset="0"/>
               <a:buChar char="•"/>
             </a:pPr>
-            <a:endParaRPr lang="en-GB" sz="1800"/>
+            <a:endParaRPr lang="en-GB" sz="1800" dirty="0"/>
           </a:p>
         </p:txBody>
       </p:sp>
@@ -15152,12 +15179,12 @@
           <a:lstStyle/>
           <a:p>
             <a:r>
-              <a:rPr lang="en-GB" sz="3200">
+              <a:rPr lang="en-GB" sz="3200" dirty="0">
                 <a:latin typeface="Arial Black" panose="020B0A04020102020204" pitchFamily="34" charset="0"/>
               </a:rPr>
               <a:t>Code Along: Charts</a:t>
             </a:r>
-            <a:endParaRPr lang="en-GB" sz="3200"/>
+            <a:endParaRPr lang="en-GB" sz="3200" dirty="0"/>
           </a:p>
         </p:txBody>
       </p:sp>
@@ -15208,15 +15235,15 @@
           <a:lstStyle/>
           <a:p>
             <a:r>
-              <a:rPr lang="en-GB" sz="2400"/>
+              <a:rPr lang="en-GB" sz="2400" dirty="0"/>
               <a:t>Our app should now look like this, where the bar charts are reactive to selections made by the user either by the </a:t>
             </a:r>
             <a:r>
-              <a:rPr lang="en-GB" sz="2400" err="1"/>
+              <a:rPr lang="en-GB" sz="2400" dirty="0" err="1"/>
               <a:t>radioButton</a:t>
             </a:r>
             <a:r>
-              <a:rPr lang="en-GB" sz="2400"/>
+              <a:rPr lang="en-GB" sz="2400" dirty="0"/>
               <a:t> or the drop-down menu.</a:t>
             </a:r>
           </a:p>
@@ -15275,12 +15302,12 @@
           <a:lstStyle/>
           <a:p>
             <a:r>
-              <a:rPr lang="en-GB" sz="3200">
+              <a:rPr lang="en-GB" sz="3200" dirty="0">
                 <a:latin typeface="Arial Black" panose="020B0A04020102020204" pitchFamily="34" charset="0"/>
               </a:rPr>
               <a:t>Recap</a:t>
             </a:r>
-            <a:endParaRPr lang="en-GB" sz="3200"/>
+            <a:endParaRPr lang="en-GB" sz="3200" dirty="0"/>
           </a:p>
         </p:txBody>
       </p:sp>
@@ -15307,50 +15334,50 @@
           <a:lstStyle/>
           <a:p>
             <a:r>
-              <a:rPr lang="en-GB"/>
+              <a:rPr lang="en-GB" dirty="0"/>
               <a:t>We have created an app which displays our NYC dogs data in a table which can be filtered using </a:t>
             </a:r>
             <a:r>
-              <a:rPr lang="en-GB" err="1"/>
+              <a:rPr lang="en-GB" dirty="0" err="1"/>
               <a:t>radioButtons</a:t>
             </a:r>
             <a:r>
-              <a:rPr lang="en-GB"/>
+              <a:rPr lang="en-GB" dirty="0"/>
               <a:t> and drop-down menus.</a:t>
             </a:r>
             <a:br>
-              <a:rPr lang="en-GB"/>
+              <a:rPr lang="en-GB" dirty="0"/>
             </a:br>
-            <a:endParaRPr lang="en-GB"/>
-          </a:p>
-          <a:p>
-            <a:r>
-              <a:rPr lang="en-GB"/>
+            <a:endParaRPr lang="en-GB" dirty="0"/>
+          </a:p>
+          <a:p>
+            <a:r>
+              <a:rPr lang="en-GB" dirty="0"/>
               <a:t>We have also created an app which displays our NYC dogs data in bar charts which are reactive to </a:t>
             </a:r>
             <a:r>
-              <a:rPr lang="en-GB" err="1"/>
+              <a:rPr lang="en-GB" dirty="0" err="1"/>
               <a:t>radioButtons</a:t>
             </a:r>
             <a:r>
-              <a:rPr lang="en-GB"/>
+              <a:rPr lang="en-GB" dirty="0"/>
               <a:t> and drop-down menus.</a:t>
             </a:r>
           </a:p>
           <a:p>
-            <a:endParaRPr lang="en-GB"/>
+            <a:endParaRPr lang="en-GB" dirty="0"/>
           </a:p>
           <a:p>
             <a:pPr marL="0" indent="0">
               <a:buNone/>
             </a:pPr>
-            <a:endParaRPr lang="en-GB"/>
+            <a:endParaRPr lang="en-GB" dirty="0"/>
           </a:p>
           <a:p>
             <a:pPr marL="0" indent="0">
               <a:buNone/>
             </a:pPr>
-            <a:endParaRPr lang="en-GB"/>
+            <a:endParaRPr lang="en-GB" dirty="0"/>
           </a:p>
         </p:txBody>
       </p:sp>
@@ -15387,13 +15414,13 @@
               <a:buChar char="•"/>
             </a:pPr>
             <a:r>
-              <a:rPr lang="en-GB" sz="2400"/>
+              <a:rPr lang="en-GB" sz="2400" dirty="0"/>
               <a:t>A multi-tab dashboard where we can display both tables and charts</a:t>
             </a:r>
             <a:br>
-              <a:rPr lang="en-GB" sz="2400"/>
+              <a:rPr lang="en-GB" sz="2400" dirty="0"/>
             </a:br>
-            <a:endParaRPr lang="en-GB" sz="2400"/>
+            <a:endParaRPr lang="en-GB" sz="2400" dirty="0"/>
           </a:p>
           <a:p>
             <a:pPr marL="176213" indent="-176213">
@@ -15401,11 +15428,11 @@
               <a:buChar char="•"/>
             </a:pPr>
             <a:r>
-              <a:rPr lang="en-GB" sz="2400"/>
+              <a:rPr lang="en-GB" sz="2400" dirty="0"/>
               <a:t>An introduction to </a:t>
             </a:r>
             <a:r>
-              <a:rPr lang="en-GB" sz="2400" b="1" err="1">
+              <a:rPr lang="en-GB" sz="2400" b="1" dirty="0" err="1">
                 <a:solidFill>
                   <a:srgbClr val="7030A0"/>
                 </a:solidFill>
@@ -15413,7 +15440,7 @@
               <a:t>navbarPage</a:t>
             </a:r>
             <a:r>
-              <a:rPr lang="en-GB" sz="2400" b="1">
+              <a:rPr lang="en-GB" sz="2400" b="1" dirty="0">
                 <a:solidFill>
                   <a:srgbClr val="7030A0"/>
                 </a:solidFill>
@@ -15421,11 +15448,11 @@
               <a:t>() </a:t>
             </a:r>
             <a:r>
-              <a:rPr lang="en-GB" sz="2400"/>
+              <a:rPr lang="en-GB" sz="2400" dirty="0"/>
               <a:t>which creates a navigation bar along the top of the app, and </a:t>
             </a:r>
             <a:r>
-              <a:rPr lang="en-GB" sz="2400" b="1" err="1">
+              <a:rPr lang="en-GB" sz="2400" b="1" dirty="0" err="1">
                 <a:solidFill>
                   <a:srgbClr val="7030A0"/>
                 </a:solidFill>
@@ -15433,7 +15460,7 @@
               <a:t>tabPanel</a:t>
             </a:r>
             <a:r>
-              <a:rPr lang="en-GB" sz="2400" b="1">
+              <a:rPr lang="en-GB" sz="2400" b="1" dirty="0">
                 <a:solidFill>
                   <a:srgbClr val="7030A0"/>
                 </a:solidFill>
@@ -15441,12 +15468,12 @@
               <a:t>() </a:t>
             </a:r>
             <a:r>
-              <a:rPr lang="en-GB" sz="2400"/>
+              <a:rPr lang="en-GB" sz="2400" dirty="0"/>
               <a:t>which is used to create different tabs within the navigation bar.</a:t>
             </a:r>
           </a:p>
           <a:p>
-            <a:endParaRPr lang="en-GB"/>
+            <a:endParaRPr lang="en-GB" dirty="0"/>
           </a:p>
         </p:txBody>
       </p:sp>
@@ -15498,12 +15525,12 @@
           </a:lstStyle>
           <a:p>
             <a:r>
-              <a:rPr lang="en-GB" sz="3200">
+              <a:rPr lang="en-GB" sz="3200" dirty="0">
                 <a:latin typeface="Arial Black" panose="020B0A04020102020204" pitchFamily="34" charset="0"/>
               </a:rPr>
               <a:t>Next</a:t>
             </a:r>
-            <a:endParaRPr lang="en-GB" sz="3200"/>
+            <a:endParaRPr lang="en-GB" sz="3200" dirty="0"/>
           </a:p>
         </p:txBody>
       </p:sp>
@@ -15560,7 +15587,7 @@
           <a:lstStyle/>
           <a:p>
             <a:r>
-              <a:rPr lang="en-GB" sz="3200">
+              <a:rPr lang="en-GB" sz="3200" dirty="0">
                 <a:latin typeface="Arial Black" panose="020B0A04020102020204" pitchFamily="34" charset="0"/>
               </a:rPr>
               <a:t>Including multiple tabs</a:t>
@@ -15589,27 +15616,35 @@
           <a:lstStyle/>
           <a:p>
             <a:r>
+              <a:rPr lang="en-GB" dirty="0"/>
+              <a:t>Multi-tab dashboards require a lot of nesting of functions within other functions. </a:t>
+            </a:r>
+          </a:p>
+          <a:p>
+            <a:pPr lvl="1"/>
+            <a:r>
+              <a:rPr lang="en-GB" dirty="0"/>
+              <a:t>Having Rainbow Brackets activated is really helpful </a:t>
+            </a:r>
+            <a:r>
               <a:rPr lang="en-GB"/>
-              <a:t>Multi-tab dashboards require a lot of nesting of functions within other functions. </a:t>
-            </a:r>
-          </a:p>
-          <a:p>
-            <a:pPr lvl="1"/>
-            <a:r>
-              <a:rPr lang="en-GB"/>
-              <a:t>Having Rainbow Brackets activated is really helpful for this!</a:t>
-            </a:r>
-          </a:p>
-          <a:p>
-            <a:endParaRPr lang="en-GB"/>
-          </a:p>
-          <a:p>
-            <a:r>
-              <a:rPr lang="en-GB"/>
+              <a:t>(compulsory) for </a:t>
+            </a:r>
+            <a:r>
+              <a:rPr lang="en-GB" dirty="0"/>
+              <a:t>this!</a:t>
+            </a:r>
+          </a:p>
+          <a:p>
+            <a:endParaRPr lang="en-GB" dirty="0"/>
+          </a:p>
+          <a:p>
+            <a:r>
+              <a:rPr lang="en-GB" dirty="0"/>
               <a:t>To have, for example, charts in one tab and the table in another, we need to wrap each code block (one for charts and one for tables) inside its own </a:t>
             </a:r>
             <a:r>
-              <a:rPr lang="en-GB" b="1" err="1">
+              <a:rPr lang="en-GB" b="1" dirty="0" err="1">
                 <a:solidFill>
                   <a:srgbClr val="7030A0"/>
                 </a:solidFill>
@@ -15617,7 +15652,7 @@
               <a:t>tabPanel</a:t>
             </a:r>
             <a:r>
-              <a:rPr lang="en-GB" b="1">
+              <a:rPr lang="en-GB" b="1" dirty="0">
                 <a:solidFill>
                   <a:srgbClr val="7030A0"/>
                 </a:solidFill>
@@ -15625,21 +15660,21 @@
               <a:t>() </a:t>
             </a:r>
             <a:r>
-              <a:rPr lang="en-GB"/>
+              <a:rPr lang="en-GB" dirty="0"/>
               <a:t>function.</a:t>
             </a:r>
             <a:br>
-              <a:rPr lang="en-GB"/>
+              <a:rPr lang="en-GB" dirty="0"/>
             </a:br>
-            <a:endParaRPr lang="en-GB"/>
-          </a:p>
-          <a:p>
-            <a:r>
-              <a:rPr lang="en-GB"/>
+            <a:endParaRPr lang="en-GB" dirty="0"/>
+          </a:p>
+          <a:p>
+            <a:r>
+              <a:rPr lang="en-GB" dirty="0"/>
               <a:t>These </a:t>
             </a:r>
             <a:r>
-              <a:rPr lang="en-GB" b="1" err="1">
+              <a:rPr lang="en-GB" b="1" dirty="0" err="1">
                 <a:solidFill>
                   <a:srgbClr val="7030A0"/>
                 </a:solidFill>
@@ -15647,7 +15682,7 @@
               <a:t>tabPanel</a:t>
             </a:r>
             <a:r>
-              <a:rPr lang="en-GB" b="1">
+              <a:rPr lang="en-GB" b="1" dirty="0">
                 <a:solidFill>
                   <a:srgbClr val="7030A0"/>
                 </a:solidFill>
@@ -15655,11 +15690,11 @@
               <a:t>()s </a:t>
             </a:r>
             <a:r>
-              <a:rPr lang="en-GB"/>
+              <a:rPr lang="en-GB" dirty="0"/>
               <a:t>then need to be nested inside the </a:t>
             </a:r>
             <a:r>
-              <a:rPr lang="en-GB" b="1" err="1">
+              <a:rPr lang="en-GB" b="1" dirty="0" err="1">
                 <a:solidFill>
                   <a:srgbClr val="7030A0"/>
                 </a:solidFill>
@@ -15667,7 +15702,7 @@
               <a:t>navbarPage</a:t>
             </a:r>
             <a:r>
-              <a:rPr lang="en-GB" b="1">
+              <a:rPr lang="en-GB" b="1" dirty="0">
                 <a:solidFill>
                   <a:srgbClr val="7030A0"/>
                 </a:solidFill>
@@ -15675,12 +15710,12 @@
               <a:t>() </a:t>
             </a:r>
             <a:r>
-              <a:rPr lang="en-GB"/>
+              <a:rPr lang="en-GB" dirty="0"/>
               <a:t>function which creates the overarching navigation bar along the top of the app.</a:t>
             </a:r>
           </a:p>
           <a:p>
-            <a:endParaRPr lang="en-GB"/>
+            <a:endParaRPr lang="en-GB" dirty="0"/>
           </a:p>
         </p:txBody>
       </p:sp>
@@ -15737,18 +15772,18 @@
           <a:lstStyle/>
           <a:p>
             <a:r>
-              <a:rPr lang="en-GB" sz="3200">
+              <a:rPr lang="en-GB" sz="3200" dirty="0">
                 <a:latin typeface="Arial Black" panose="020B0A04020102020204" pitchFamily="34" charset="0"/>
               </a:rPr>
               <a:t>Code Along: Multiple tabs – Tab 1 (Table) </a:t>
             </a:r>
             <a:br>
-              <a:rPr lang="en-GB" sz="3200">
+              <a:rPr lang="en-GB" sz="3200" dirty="0">
                 <a:latin typeface="Arial Black" panose="020B0A04020102020204" pitchFamily="34" charset="0"/>
               </a:rPr>
             </a:br>
             <a:r>
-              <a:rPr lang="en-GB" sz="3200">
+              <a:rPr lang="en-GB" sz="3200" dirty="0">
                 <a:latin typeface="Arial Black" panose="020B0A04020102020204" pitchFamily="34" charset="0"/>
               </a:rPr>
               <a:t>UI</a:t>
@@ -15783,11 +15818,11 @@
               <a:buChar char="•"/>
             </a:pPr>
             <a:r>
-              <a:rPr lang="en-GB" sz="2400"/>
+              <a:rPr lang="en-GB" sz="2400" dirty="0"/>
               <a:t>Create and name a </a:t>
             </a:r>
             <a:r>
-              <a:rPr lang="en-GB" sz="2400" b="1" err="1">
+              <a:rPr lang="en-GB" sz="2400" b="1" dirty="0" err="1">
                 <a:solidFill>
                   <a:srgbClr val="7030A0"/>
                 </a:solidFill>
@@ -15795,7 +15830,7 @@
               <a:t>navbarPage</a:t>
             </a:r>
             <a:r>
-              <a:rPr lang="en-GB" sz="2400" b="1">
+              <a:rPr lang="en-GB" sz="2400" b="1" dirty="0">
                 <a:solidFill>
                   <a:srgbClr val="7030A0"/>
                 </a:solidFill>
@@ -15803,11 +15838,11 @@
               <a:t>() </a:t>
             </a:r>
             <a:r>
-              <a:rPr lang="en-GB" sz="2400"/>
+              <a:rPr lang="en-GB" sz="2400" dirty="0"/>
               <a:t>with a nested and named </a:t>
             </a:r>
             <a:r>
-              <a:rPr lang="en-GB" sz="2400" b="1" err="1">
+              <a:rPr lang="en-GB" sz="2400" b="1" dirty="0" err="1">
                 <a:solidFill>
                   <a:srgbClr val="7030A0"/>
                 </a:solidFill>
@@ -15815,7 +15850,7 @@
               <a:t>tabPanel</a:t>
             </a:r>
             <a:r>
-              <a:rPr lang="en-GB" sz="2400" b="1">
+              <a:rPr lang="en-GB" sz="2400" b="1" dirty="0">
                 <a:solidFill>
                   <a:srgbClr val="7030A0"/>
                 </a:solidFill>
@@ -15823,13 +15858,13 @@
               <a:t>(title = “”)</a:t>
             </a:r>
             <a:r>
-              <a:rPr lang="en-GB" sz="2400"/>
+              <a:rPr lang="en-GB" sz="2400" dirty="0"/>
               <a:t>.</a:t>
             </a:r>
             <a:br>
-              <a:rPr lang="en-GB" sz="2400"/>
+              <a:rPr lang="en-GB" sz="2400" dirty="0"/>
             </a:br>
-            <a:endParaRPr lang="en-GB" sz="2400"/>
+            <a:endParaRPr lang="en-GB" sz="2400" dirty="0"/>
           </a:p>
           <a:p>
             <a:pPr marL="176213" indent="-176213">
@@ -15837,11 +15872,11 @@
               <a:buChar char="•"/>
             </a:pPr>
             <a:r>
-              <a:rPr lang="en-GB" sz="2400"/>
+              <a:rPr lang="en-GB" sz="2400" dirty="0"/>
               <a:t>Add your </a:t>
             </a:r>
             <a:r>
-              <a:rPr lang="en-GB" sz="2400" b="1" err="1">
+              <a:rPr lang="en-GB" sz="2400" b="1" dirty="0" err="1">
                 <a:solidFill>
                   <a:srgbClr val="7030A0"/>
                 </a:solidFill>
@@ -15849,7 +15884,7 @@
               <a:t>fluidRow</a:t>
             </a:r>
             <a:r>
-              <a:rPr lang="en-GB" sz="2400" b="1">
+              <a:rPr lang="en-GB" sz="2400" b="1" dirty="0">
                 <a:solidFill>
                   <a:srgbClr val="7030A0"/>
                 </a:solidFill>
@@ -15857,11 +15892,11 @@
               <a:t>() </a:t>
             </a:r>
             <a:r>
-              <a:rPr lang="en-GB" sz="2400"/>
+              <a:rPr lang="en-GB" sz="2400" dirty="0"/>
               <a:t>with your four filters (uncomment the borough and breed drop-downs) to the </a:t>
             </a:r>
             <a:r>
-              <a:rPr lang="en-GB" sz="2400" b="1" err="1">
+              <a:rPr lang="en-GB" sz="2400" b="1" dirty="0" err="1">
                 <a:solidFill>
                   <a:srgbClr val="7030A0"/>
                 </a:solidFill>
@@ -15869,7 +15904,7 @@
               <a:t>tabPanel</a:t>
             </a:r>
             <a:r>
-              <a:rPr lang="en-GB" sz="2400" b="1">
+              <a:rPr lang="en-GB" sz="2400" b="1" dirty="0">
                 <a:solidFill>
                   <a:srgbClr val="7030A0"/>
                 </a:solidFill>
@@ -15877,13 +15912,13 @@
               <a:t>()</a:t>
             </a:r>
             <a:r>
-              <a:rPr lang="en-GB" sz="2400"/>
+              <a:rPr lang="en-GB" sz="2400" dirty="0"/>
               <a:t>.</a:t>
             </a:r>
             <a:br>
-              <a:rPr lang="en-GB" sz="2400"/>
+              <a:rPr lang="en-GB" sz="2400" dirty="0"/>
             </a:br>
-            <a:endParaRPr lang="en-GB" sz="2400"/>
+            <a:endParaRPr lang="en-GB" sz="2400" dirty="0"/>
           </a:p>
           <a:p>
             <a:pPr marL="176213" indent="-176213">
@@ -15891,31 +15926,31 @@
               <a:buChar char="•"/>
             </a:pPr>
             <a:r>
-              <a:rPr lang="en-GB" sz="2400"/>
+              <a:rPr lang="en-GB" sz="2400" dirty="0"/>
               <a:t>Only keep the </a:t>
             </a:r>
             <a:r>
-              <a:rPr lang="en-GB" sz="2400" b="1" err="1"/>
+              <a:rPr lang="en-GB" sz="2400" b="1" dirty="0" err="1"/>
               <a:t>tableOutput</a:t>
             </a:r>
             <a:r>
-              <a:rPr lang="en-GB" sz="2400" b="1"/>
+              <a:rPr lang="en-GB" sz="2400" b="1" dirty="0"/>
               <a:t>(“</a:t>
             </a:r>
             <a:r>
-              <a:rPr lang="en-GB" sz="2400" b="1" err="1"/>
+              <a:rPr lang="en-GB" sz="2400" b="1" dirty="0" err="1"/>
               <a:t>table_output</a:t>
             </a:r>
             <a:r>
-              <a:rPr lang="en-GB" sz="2400" b="1"/>
+              <a:rPr lang="en-GB" sz="2400" b="1" dirty="0"/>
               <a:t>”) </a:t>
             </a:r>
             <a:r>
-              <a:rPr lang="en-GB" sz="2400"/>
+              <a:rPr lang="en-GB" sz="2400" dirty="0"/>
               <a:t>– remember to keep it in the </a:t>
             </a:r>
             <a:r>
-              <a:rPr lang="en-GB" sz="2400" b="1" err="1">
+              <a:rPr lang="en-GB" sz="2400" b="1" dirty="0" err="1">
                 <a:solidFill>
                   <a:srgbClr val="7030A0"/>
                 </a:solidFill>
@@ -15923,7 +15958,7 @@
               <a:t>tabPanel</a:t>
             </a:r>
             <a:r>
-              <a:rPr lang="en-GB" sz="2400" b="1">
+              <a:rPr lang="en-GB" sz="2400" b="1" dirty="0">
                 <a:solidFill>
                   <a:srgbClr val="7030A0"/>
                 </a:solidFill>
@@ -15931,13 +15966,13 @@
               <a:t>()</a:t>
             </a:r>
             <a:br>
-              <a:rPr lang="en-GB" sz="2400" b="1">
+              <a:rPr lang="en-GB" sz="2400" b="1" dirty="0">
                 <a:solidFill>
                   <a:srgbClr val="7030A0"/>
                 </a:solidFill>
               </a:rPr>
             </a:br>
-            <a:endParaRPr lang="en-GB" sz="2400" b="1">
+            <a:endParaRPr lang="en-GB" sz="2400" b="1" dirty="0">
               <a:solidFill>
                 <a:srgbClr val="7030A0"/>
               </a:solidFill>
@@ -16034,7 +16069,7 @@
           <a:lstStyle/>
           <a:p>
             <a:r>
-              <a:rPr lang="en-GB" sz="3200">
+              <a:rPr lang="en-GB" sz="3200" dirty="0">
                 <a:latin typeface="Arial Black" panose="020B0A04020102020204" pitchFamily="34" charset="0"/>
               </a:rPr>
               <a:t>Code Along: Multiple tabs – Tab 1 (Table) Server</a:t>
@@ -16069,17 +16104,17 @@
               <a:buChar char="•"/>
             </a:pPr>
             <a:r>
-              <a:rPr lang="en-GB" sz="2400"/>
+              <a:rPr lang="en-GB" sz="2400" dirty="0"/>
               <a:t>Create a new reactive dataset, </a:t>
             </a:r>
             <a:r>
-              <a:rPr lang="en-GB" sz="2400" b="1" err="1"/>
+              <a:rPr lang="en-GB" sz="2400" b="1" dirty="0" err="1"/>
               <a:t>table_data</a:t>
             </a:r>
             <a:br>
-              <a:rPr lang="en-GB" sz="2400"/>
+              <a:rPr lang="en-GB" sz="2400" dirty="0"/>
             </a:br>
-            <a:endParaRPr lang="en-GB" sz="2400"/>
+            <a:endParaRPr lang="en-GB" sz="2400" dirty="0"/>
           </a:p>
           <a:p>
             <a:pPr marL="176213" indent="-176213">
@@ -16087,17 +16122,17 @@
               <a:buChar char="•"/>
             </a:pPr>
             <a:r>
-              <a:rPr lang="en-GB" sz="2400"/>
+              <a:rPr lang="en-GB" sz="2400" dirty="0"/>
               <a:t>Remember to add your four filter inputs</a:t>
             </a:r>
             <a:br>
-              <a:rPr lang="en-GB" sz="2400" b="1">
+              <a:rPr lang="en-GB" sz="2400" b="1" dirty="0">
                 <a:solidFill>
                   <a:srgbClr val="7030A0"/>
                 </a:solidFill>
               </a:rPr>
             </a:br>
-            <a:endParaRPr lang="en-GB" sz="2400" b="1">
+            <a:endParaRPr lang="en-GB" sz="2400" b="1" dirty="0">
               <a:solidFill>
                 <a:srgbClr val="7030A0"/>
               </a:solidFill>
@@ -16112,7 +16147,7 @@
               <a:buChar char="•"/>
             </a:pPr>
             <a:r>
-              <a:rPr lang="en-GB" sz="2400" b="1">
+              <a:rPr lang="en-GB" sz="2400" b="1" dirty="0">
                 <a:solidFill>
                   <a:srgbClr val="7030A0"/>
                 </a:solidFill>
@@ -16261,18 +16296,18 @@
           <a:lstStyle/>
           <a:p>
             <a:r>
-              <a:rPr lang="en-GB" sz="3200">
+              <a:rPr lang="en-GB" sz="3200" dirty="0">
                 <a:latin typeface="Arial Black" panose="020B0A04020102020204" pitchFamily="34" charset="0"/>
               </a:rPr>
               <a:t>Code Along: Multiple tabs – Tab 2 (Chart) </a:t>
             </a:r>
             <a:br>
-              <a:rPr lang="en-GB" sz="3200">
+              <a:rPr lang="en-GB" sz="3200" dirty="0">
                 <a:latin typeface="Arial Black" panose="020B0A04020102020204" pitchFamily="34" charset="0"/>
               </a:rPr>
             </a:br>
             <a:r>
-              <a:rPr lang="en-GB" sz="3200">
+              <a:rPr lang="en-GB" sz="3200" dirty="0">
                 <a:latin typeface="Arial Black" panose="020B0A04020102020204" pitchFamily="34" charset="0"/>
               </a:rPr>
               <a:t>UI</a:t>
@@ -16307,11 +16342,11 @@
               <a:buChar char="•"/>
             </a:pPr>
             <a:r>
-              <a:rPr lang="en-GB" sz="2400"/>
+              <a:rPr lang="en-GB" sz="2400" dirty="0"/>
               <a:t>Create and name a second </a:t>
             </a:r>
             <a:r>
-              <a:rPr lang="en-GB" sz="2400" b="1" err="1">
+              <a:rPr lang="en-GB" sz="2400" b="1" dirty="0" err="1">
                 <a:solidFill>
                   <a:srgbClr val="7030A0"/>
                 </a:solidFill>
@@ -16319,7 +16354,7 @@
               <a:t>tabPanel</a:t>
             </a:r>
             <a:r>
-              <a:rPr lang="en-GB" sz="2400" b="1">
+              <a:rPr lang="en-GB" sz="2400" b="1" dirty="0">
                 <a:solidFill>
                   <a:srgbClr val="7030A0"/>
                 </a:solidFill>
@@ -16327,13 +16362,13 @@
               <a:t>()</a:t>
             </a:r>
             <a:r>
-              <a:rPr lang="en-GB" sz="2400"/>
+              <a:rPr lang="en-GB" sz="2400" dirty="0"/>
               <a:t>.</a:t>
             </a:r>
             <a:br>
-              <a:rPr lang="en-GB" sz="2400"/>
+              <a:rPr lang="en-GB" sz="2400" dirty="0"/>
             </a:br>
-            <a:endParaRPr lang="en-GB" sz="2400"/>
+            <a:endParaRPr lang="en-GB" sz="2400" dirty="0"/>
           </a:p>
           <a:p>
             <a:pPr marL="176213" indent="-176213">
@@ -16341,11 +16376,11 @@
               <a:buChar char="•"/>
             </a:pPr>
             <a:r>
-              <a:rPr lang="en-GB" sz="2400"/>
+              <a:rPr lang="en-GB" sz="2400" dirty="0"/>
               <a:t>Add your </a:t>
             </a:r>
             <a:r>
-              <a:rPr lang="en-GB" sz="2400" b="1" err="1">
+              <a:rPr lang="en-GB" sz="2400" b="1" dirty="0" err="1">
                 <a:solidFill>
                   <a:srgbClr val="7030A0"/>
                 </a:solidFill>
@@ -16353,7 +16388,7 @@
               <a:t>fluidRow</a:t>
             </a:r>
             <a:r>
-              <a:rPr lang="en-GB" sz="2400" b="1">
+              <a:rPr lang="en-GB" sz="2400" b="1" dirty="0">
                 <a:solidFill>
                   <a:srgbClr val="7030A0"/>
                 </a:solidFill>
@@ -16361,25 +16396,25 @@
               <a:t>() </a:t>
             </a:r>
             <a:r>
-              <a:rPr lang="en-GB" sz="2400"/>
+              <a:rPr lang="en-GB" sz="2400" dirty="0"/>
               <a:t>with two new filters; gender and breed. They need new </a:t>
             </a:r>
             <a:r>
-              <a:rPr lang="en-GB" sz="2400" b="1" err="1"/>
+              <a:rPr lang="en-GB" sz="2400" b="1" dirty="0" err="1"/>
               <a:t>inputIds</a:t>
             </a:r>
             <a:r>
-              <a:rPr lang="en-GB" sz="2400" b="1"/>
+              <a:rPr lang="en-GB" sz="2400" b="1" dirty="0"/>
               <a:t> </a:t>
             </a:r>
             <a:r>
-              <a:rPr lang="en-GB" sz="2400"/>
+              <a:rPr lang="en-GB" sz="2400" dirty="0"/>
               <a:t>as every filter needs a unique id.</a:t>
             </a:r>
             <a:br>
-              <a:rPr lang="en-GB" sz="2400"/>
+              <a:rPr lang="en-GB" sz="2400" dirty="0"/>
             </a:br>
-            <a:endParaRPr lang="en-GB" sz="2400"/>
+            <a:endParaRPr lang="en-GB" sz="2400" dirty="0"/>
           </a:p>
           <a:p>
             <a:pPr marL="176213" indent="-176213">
@@ -16387,11 +16422,11 @@
               <a:buChar char="•"/>
             </a:pPr>
             <a:r>
-              <a:rPr lang="en-GB" sz="2400"/>
+              <a:rPr lang="en-GB" sz="2400" dirty="0"/>
               <a:t>Add another </a:t>
             </a:r>
             <a:r>
-              <a:rPr lang="en-GB" sz="2400" b="1" err="1">
+              <a:rPr lang="en-GB" sz="2400" b="1" dirty="0" err="1">
                 <a:solidFill>
                   <a:srgbClr val="7030A0"/>
                 </a:solidFill>
@@ -16399,7 +16434,7 @@
               <a:t>fluidRow</a:t>
             </a:r>
             <a:r>
-              <a:rPr lang="en-GB" sz="2400" b="1">
+              <a:rPr lang="en-GB" sz="2400" b="1" dirty="0">
                 <a:solidFill>
                   <a:srgbClr val="7030A0"/>
                 </a:solidFill>
@@ -16407,7 +16442,7 @@
               <a:t>() </a:t>
             </a:r>
             <a:r>
-              <a:rPr lang="en-GB" sz="2400"/>
+              <a:rPr lang="en-GB" sz="2400" dirty="0"/>
               <a:t>with the two bar charts we made earlier.  </a:t>
             </a:r>
           </a:p>
@@ -16416,7 +16451,7 @@
               <a:buFont typeface="Arial" panose="020B0604020202020204" pitchFamily="34" charset="0"/>
               <a:buChar char="•"/>
             </a:pPr>
-            <a:endParaRPr lang="en-GB" sz="2400" b="1">
+            <a:endParaRPr lang="en-GB" sz="2400" b="1" dirty="0">
               <a:solidFill>
                 <a:srgbClr val="7030A0"/>
               </a:solidFill>
@@ -16431,37 +16466,37 @@
               <a:buChar char="•"/>
             </a:pPr>
             <a:r>
-              <a:rPr lang="en-GB" sz="2400" b="1"/>
+              <a:rPr lang="en-GB" sz="2400" b="1" dirty="0"/>
               <a:t>NOTE: </a:t>
             </a:r>
             <a:r>
-              <a:rPr lang="en-GB" sz="2400"/>
+              <a:rPr lang="en-GB" sz="2400" dirty="0"/>
               <a:t>You can use tags to make changes to your font. E.g. </a:t>
             </a:r>
             <a:r>
-              <a:rPr lang="en-GB" sz="2400" err="1"/>
+              <a:rPr lang="en-GB" sz="2400" dirty="0" err="1"/>
               <a:t>tags$i</a:t>
             </a:r>
             <a:r>
-              <a:rPr lang="en-GB" sz="2400"/>
+              <a:rPr lang="en-GB" sz="2400" dirty="0"/>
               <a:t>() is italic and </a:t>
             </a:r>
             <a:r>
-              <a:rPr lang="en-GB" sz="2400" err="1"/>
+              <a:rPr lang="en-GB" sz="2400" dirty="0" err="1"/>
               <a:t>tags$b</a:t>
             </a:r>
             <a:r>
-              <a:rPr lang="en-GB" sz="2400"/>
+              <a:rPr lang="en-GB" sz="2400" dirty="0"/>
               <a:t>() is bold. </a:t>
             </a:r>
             <a:br>
-              <a:rPr lang="en-GB" sz="2400" b="1">
+              <a:rPr lang="en-GB" sz="2400" b="1" dirty="0">
                 <a:solidFill>
                   <a:srgbClr val="7030A0"/>
                 </a:solidFill>
               </a:rPr>
             </a:br>
-            <a:endParaRPr lang="en-GB" sz="2400" b="1">
+            <a:endParaRPr lang="en-GB" sz="2400" b="1" dirty="0">
               <a:solidFill>
                 <a:srgbClr val="7030A0"/>
               </a:solidFill>
@@ -16552,7 +16587,7 @@
           <a:lstStyle/>
           <a:p>
             <a:r>
-              <a:rPr lang="en-GB" sz="3200">
+              <a:rPr lang="en-GB" sz="3200" dirty="0">
                 <a:latin typeface="Arial Black" panose="020B0A04020102020204" pitchFamily="34" charset="0"/>
               </a:rPr>
               <a:t>Code Along: Multiple tabs – Tab 2 (Chart) Server</a:t>
@@ -16587,17 +16622,17 @@
               <a:buChar char="•"/>
             </a:pPr>
             <a:r>
-              <a:rPr lang="en-GB" sz="2400"/>
+              <a:rPr lang="en-GB" sz="2400" dirty="0"/>
               <a:t>Create a new reactive dataset, </a:t>
             </a:r>
             <a:r>
-              <a:rPr lang="en-GB" sz="2400" b="1" err="1"/>
+              <a:rPr lang="en-GB" sz="2400" b="1" dirty="0" err="1"/>
               <a:t>plot_data</a:t>
             </a:r>
             <a:br>
-              <a:rPr lang="en-GB" sz="2400"/>
+              <a:rPr lang="en-GB" sz="2400" dirty="0"/>
             </a:br>
-            <a:endParaRPr lang="en-GB" sz="2400"/>
+            <a:endParaRPr lang="en-GB" sz="2400" dirty="0"/>
           </a:p>
           <a:p>
             <a:pPr marL="176213" indent="-176213">
@@ -16605,21 +16640,21 @@
               <a:buChar char="•"/>
             </a:pPr>
             <a:r>
-              <a:rPr lang="en-GB" sz="2400"/>
+              <a:rPr lang="en-GB" sz="2400" dirty="0"/>
               <a:t>Remember to add your two filter inputs with the new </a:t>
             </a:r>
             <a:r>
-              <a:rPr lang="en-GB" sz="2400" b="1" err="1"/>
+              <a:rPr lang="en-GB" sz="2400" b="1" dirty="0" err="1"/>
               <a:t>inputIds</a:t>
             </a:r>
-            <a:endParaRPr lang="en-GB" sz="2400" b="1"/>
+            <a:endParaRPr lang="en-GB" sz="2400" b="1" dirty="0"/>
           </a:p>
           <a:p>
             <a:pPr marL="176213" indent="-176213">
               <a:buFont typeface="Arial" panose="020B0604020202020204" pitchFamily="34" charset="0"/>
               <a:buChar char="•"/>
             </a:pPr>
-            <a:endParaRPr lang="en-GB" sz="2400" b="1">
+            <a:endParaRPr lang="en-GB" sz="2400" b="1" dirty="0">
               <a:solidFill>
                 <a:srgbClr val="7030A0"/>
               </a:solidFill>
@@ -16634,17 +16669,17 @@
               <a:buChar char="•"/>
             </a:pPr>
             <a:r>
-              <a:rPr lang="en-GB" sz="2400"/>
+              <a:rPr lang="en-GB" sz="2400" dirty="0"/>
               <a:t>Add the two bar charts you made before, remember to use your new reactive dataset</a:t>
             </a:r>
             <a:br>
-              <a:rPr lang="en-GB" sz="2400" b="1">
+              <a:rPr lang="en-GB" sz="2400" b="1" dirty="0">
                 <a:solidFill>
                   <a:srgbClr val="7030A0"/>
                 </a:solidFill>
               </a:rPr>
             </a:br>
-            <a:endParaRPr lang="en-GB" sz="2400" b="1">
+            <a:endParaRPr lang="en-GB" sz="2400" b="1" dirty="0">
               <a:solidFill>
                 <a:srgbClr val="7030A0"/>
               </a:solidFill>
@@ -16659,7 +16694,7 @@
               <a:buChar char="•"/>
             </a:pPr>
             <a:r>
-              <a:rPr lang="en-GB" sz="2400" b="1">
+              <a:rPr lang="en-GB" sz="2400" b="1" dirty="0">
                 <a:solidFill>
                   <a:srgbClr val="7030A0"/>
                 </a:solidFill>
@@ -16669,13 +16704,13 @@
           </a:p>
           <a:p>
             <a:br>
-              <a:rPr lang="en-GB" sz="2400" b="1">
+              <a:rPr lang="en-GB" sz="2400" b="1" dirty="0">
                 <a:solidFill>
                   <a:srgbClr val="7030A0"/>
                 </a:solidFill>
               </a:rPr>
             </a:br>
-            <a:endParaRPr lang="en-GB" sz="2400" b="1">
+            <a:endParaRPr lang="en-GB" sz="2400" b="1" dirty="0">
               <a:solidFill>
                 <a:srgbClr val="7030A0"/>
               </a:solidFill>
@@ -16793,7 +16828,7 @@
             <a:lstStyle/>
             <a:p>
               <a:pPr algn="ctr"/>
-              <a:endParaRPr lang="en-GB"/>
+              <a:endParaRPr lang="en-GB" dirty="0"/>
             </a:p>
           </p:txBody>
         </p:sp>
@@ -16846,18 +16881,18 @@
           <a:lstStyle/>
           <a:p>
             <a:r>
-              <a:rPr lang="en-GB" sz="3200">
+              <a:rPr lang="en-GB" sz="3200" dirty="0">
                 <a:latin typeface="Arial Black" panose="020B0A04020102020204" pitchFamily="34" charset="0"/>
               </a:rPr>
               <a:t>Code Along: Multiple tabs – Tab 3 (Info) </a:t>
             </a:r>
             <a:br>
-              <a:rPr lang="en-GB" sz="3200">
+              <a:rPr lang="en-GB" sz="3200" dirty="0">
                 <a:latin typeface="Arial Black" panose="020B0A04020102020204" pitchFamily="34" charset="0"/>
               </a:rPr>
             </a:br>
             <a:r>
-              <a:rPr lang="en-GB" sz="3200">
+              <a:rPr lang="en-GB" sz="3200" dirty="0">
                 <a:latin typeface="Arial Black" panose="020B0A04020102020204" pitchFamily="34" charset="0"/>
               </a:rPr>
               <a:t>UI</a:t>
@@ -16892,11 +16927,11 @@
               <a:buChar char="•"/>
             </a:pPr>
             <a:r>
-              <a:rPr lang="en-GB" sz="2400"/>
+              <a:rPr lang="en-GB" sz="2400" dirty="0"/>
               <a:t>Create and name a third </a:t>
             </a:r>
             <a:r>
-              <a:rPr lang="en-GB" sz="2400" b="1" err="1">
+              <a:rPr lang="en-GB" sz="2400" b="1" dirty="0" err="1">
                 <a:solidFill>
                   <a:srgbClr val="7030A0"/>
                 </a:solidFill>
@@ -16904,7 +16939,7 @@
               <a:t>tabPanel</a:t>
             </a:r>
             <a:r>
-              <a:rPr lang="en-GB" sz="2400" b="1">
+              <a:rPr lang="en-GB" sz="2400" b="1" dirty="0">
                 <a:solidFill>
                   <a:srgbClr val="7030A0"/>
                 </a:solidFill>
@@ -16912,13 +16947,13 @@
               <a:t>()</a:t>
             </a:r>
             <a:r>
-              <a:rPr lang="en-GB" sz="2400"/>
+              <a:rPr lang="en-GB" sz="2400" dirty="0"/>
               <a:t>.</a:t>
             </a:r>
             <a:br>
-              <a:rPr lang="en-GB" sz="2400"/>
+              <a:rPr lang="en-GB" sz="2400" dirty="0"/>
             </a:br>
-            <a:endParaRPr lang="en-GB" sz="2400"/>
+            <a:endParaRPr lang="en-GB" sz="2400" dirty="0"/>
           </a:p>
           <a:p>
             <a:pPr marL="176213" indent="-176213">
@@ -16926,19 +16961,19 @@
               <a:buChar char="•"/>
             </a:pPr>
             <a:r>
-              <a:rPr lang="en-GB" sz="2400"/>
+              <a:rPr lang="en-GB" sz="2400" dirty="0"/>
               <a:t>Add text to your new </a:t>
             </a:r>
             <a:r>
-              <a:rPr lang="en-GB" sz="2400" err="1"/>
+              <a:rPr lang="en-GB" sz="2400" dirty="0" err="1"/>
               <a:t>tabPanel</a:t>
             </a:r>
             <a:r>
-              <a:rPr lang="en-GB" sz="2400"/>
+              <a:rPr lang="en-GB" sz="2400" dirty="0"/>
               <a:t> using </a:t>
             </a:r>
             <a:r>
-              <a:rPr lang="en-GB" sz="2400" b="1">
+              <a:rPr lang="en-GB" sz="2400" b="1" dirty="0">
                 <a:solidFill>
                   <a:srgbClr val="7030A0"/>
                 </a:solidFill>
@@ -16946,7 +16981,7 @@
               <a:t>p()</a:t>
             </a:r>
             <a:r>
-              <a:rPr lang="en-GB" sz="2400"/>
+              <a:rPr lang="en-GB" sz="2400" dirty="0"/>
               <a:t>.</a:t>
             </a:r>
           </a:p>
@@ -16956,13 +16991,13 @@
               <a:buChar char="•"/>
             </a:pPr>
             <a:r>
-              <a:rPr lang="en-GB" sz="2400"/>
+              <a:rPr lang="en-GB" sz="2400" dirty="0"/>
               <a:t>p() indicates a paragraph </a:t>
             </a:r>
             <a:br>
-              <a:rPr lang="en-GB" sz="2400"/>
+              <a:rPr lang="en-GB" sz="2400" dirty="0"/>
             </a:br>
-            <a:endParaRPr lang="en-GB" sz="2400" b="1">
+            <a:endParaRPr lang="en-GB" sz="2400" b="1" dirty="0">
               <a:solidFill>
                 <a:srgbClr val="7030A0"/>
               </a:solidFill>
@@ -16977,15 +17012,15 @@
               <a:buChar char="•"/>
             </a:pPr>
             <a:r>
-              <a:rPr lang="en-GB" sz="2400"/>
+              <a:rPr lang="en-GB" sz="2400" dirty="0"/>
               <a:t>Use </a:t>
             </a:r>
             <a:r>
-              <a:rPr lang="en-GB" sz="2400" err="1"/>
+              <a:rPr lang="en-GB" sz="2400" dirty="0" err="1"/>
               <a:t>tags$a</a:t>
             </a:r>
             <a:r>
-              <a:rPr lang="en-GB" sz="2400"/>
+              <a:rPr lang="en-GB" sz="2400" dirty="0"/>
               <a:t> to create a link to the NYC Department of Health website. </a:t>
             </a:r>
           </a:p>
@@ -16997,7 +17032,7 @@
               <a:buFont typeface="Arial" panose="020B0604020202020204" pitchFamily="34" charset="0"/>
               <a:buChar char="•"/>
             </a:pPr>
-            <a:endParaRPr lang="en-GB" sz="2400" b="1">
+            <a:endParaRPr lang="en-GB" sz="2400" b="1" dirty="0">
               <a:solidFill>
                 <a:srgbClr val="7030A0"/>
               </a:solidFill>
@@ -17012,17 +17047,17 @@
               <a:buChar char="•"/>
             </a:pPr>
             <a:r>
-              <a:rPr lang="en-GB" sz="2400"/>
+              <a:rPr lang="en-GB" sz="2400" dirty="0"/>
               <a:t>No need to update server as we only add text.</a:t>
             </a:r>
             <a:br>
-              <a:rPr lang="en-GB" sz="2400" b="1">
+              <a:rPr lang="en-GB" sz="2400" b="1" dirty="0">
                 <a:solidFill>
                   <a:srgbClr val="7030A0"/>
                 </a:solidFill>
               </a:rPr>
             </a:br>
-            <a:endParaRPr lang="en-GB" sz="2400" b="1">
+            <a:endParaRPr lang="en-GB" sz="2400" b="1" dirty="0">
               <a:solidFill>
                 <a:srgbClr val="7030A0"/>
               </a:solidFill>
@@ -17114,7 +17149,7 @@
           <a:lstStyle/>
           <a:p>
             <a:r>
-              <a:rPr lang="en-GB" sz="3200">
+              <a:rPr lang="en-GB" sz="3200" dirty="0">
                 <a:latin typeface="Arial Black" panose="020B0A04020102020204" pitchFamily="34" charset="0"/>
               </a:rPr>
               <a:t>Code Along: Final app</a:t>
@@ -17344,7 +17379,7 @@
           <a:lstStyle/>
           <a:p>
             <a:r>
-              <a:rPr lang="en-GB" sz="3200">
+              <a:rPr lang="en-GB" sz="3200" dirty="0">
                 <a:latin typeface="Arial Black" panose="020B0A04020102020204" pitchFamily="34" charset="0"/>
               </a:rPr>
               <a:t>R packages associated with R Shiny work</a:t>
@@ -17373,27 +17408,27 @@
           <a:lstStyle/>
           <a:p>
             <a:r>
-              <a:rPr lang="en-GB"/>
+              <a:rPr lang="en-GB" dirty="0"/>
               <a:t>There are many packages you may find yourself using when creating a Shiny dashboard!</a:t>
             </a:r>
           </a:p>
           <a:p>
             <a:r>
-              <a:rPr lang="en-GB"/>
+              <a:rPr lang="en-GB" dirty="0"/>
               <a:t>Some examples of key packages and their functions:</a:t>
             </a:r>
           </a:p>
           <a:p>
             <a:pPr lvl="2"/>
             <a:r>
-              <a:rPr lang="en-GB" sz="1800" b="1">
+              <a:rPr lang="en-GB" sz="1800" b="1" dirty="0">
                 <a:latin typeface="Arial" panose="020B0604020202020204" pitchFamily="34" charset="0"/>
                 <a:cs typeface="Arial" panose="020B0604020202020204" pitchFamily="34" charset="0"/>
               </a:rPr>
               <a:t>shiny</a:t>
             </a:r>
             <a:r>
-              <a:rPr lang="en-GB" sz="1800">
+              <a:rPr lang="en-GB" sz="1800" dirty="0">
                 <a:latin typeface="Arial" panose="020B0604020202020204" pitchFamily="34" charset="0"/>
                 <a:cs typeface="Arial" panose="020B0604020202020204" pitchFamily="34" charset="0"/>
               </a:rPr>
@@ -17403,28 +17438,28 @@
           <a:p>
             <a:pPr lvl="2"/>
             <a:r>
-              <a:rPr lang="en-GB" sz="1800" b="1" err="1">
+              <a:rPr lang="en-GB" sz="1800" b="1" dirty="0" err="1">
                 <a:latin typeface="Arial" panose="020B0604020202020204" pitchFamily="34" charset="0"/>
                 <a:cs typeface="Arial" panose="020B0604020202020204" pitchFamily="34" charset="0"/>
               </a:rPr>
               <a:t>shinyWidgets</a:t>
             </a:r>
             <a:r>
-              <a:rPr lang="en-GB" sz="1800">
+              <a:rPr lang="en-GB" sz="1800" dirty="0">
                 <a:latin typeface="Arial" panose="020B0604020202020204" pitchFamily="34" charset="0"/>
                 <a:cs typeface="Arial" panose="020B0604020202020204" pitchFamily="34" charset="0"/>
               </a:rPr>
               <a:t> – for action buttons, drop-downs, radio buttons and many more, check it out: </a:t>
             </a:r>
             <a:r>
-              <a:rPr lang="en-GB" sz="1800">
+              <a:rPr lang="en-GB" sz="1800" dirty="0">
                 <a:latin typeface="Arial" panose="020B0604020202020204" pitchFamily="34" charset="0"/>
                 <a:cs typeface="Arial" panose="020B0604020202020204" pitchFamily="34" charset="0"/>
                 <a:hlinkClick r:id="rId3"/>
               </a:rPr>
               <a:t>https://shiny.rstudio.com/gallery/widget-gallery.html</a:t>
             </a:r>
-            <a:endParaRPr lang="en-GB" sz="1800">
+            <a:endParaRPr lang="en-GB" sz="1800" dirty="0">
               <a:latin typeface="Arial" panose="020B0604020202020204" pitchFamily="34" charset="0"/>
               <a:cs typeface="Arial" panose="020B0604020202020204" pitchFamily="34" charset="0"/>
             </a:endParaRPr>
@@ -17432,14 +17467,14 @@
           <a:p>
             <a:pPr lvl="2"/>
             <a:r>
-              <a:rPr lang="en-GB" sz="1800" b="1" err="1">
+              <a:rPr lang="en-GB" sz="1800" b="1" dirty="0" err="1">
                 <a:latin typeface="Arial" panose="020B0604020202020204" pitchFamily="34" charset="0"/>
                 <a:cs typeface="Arial" panose="020B0604020202020204" pitchFamily="34" charset="0"/>
               </a:rPr>
               <a:t>shinymanager</a:t>
             </a:r>
             <a:r>
-              <a:rPr lang="en-GB" sz="1800">
+              <a:rPr lang="en-GB" sz="1800" dirty="0">
                 <a:latin typeface="Arial" panose="020B0604020202020204" pitchFamily="34" charset="0"/>
                 <a:cs typeface="Arial" panose="020B0604020202020204" pitchFamily="34" charset="0"/>
               </a:rPr>
@@ -17449,28 +17484,28 @@
           <a:p>
             <a:pPr lvl="2"/>
             <a:r>
-              <a:rPr lang="en-GB" sz="1800" b="1" err="1">
+              <a:rPr lang="en-GB" sz="1800" b="1" dirty="0" err="1">
                 <a:latin typeface="Arial" panose="020B0604020202020204" pitchFamily="34" charset="0"/>
                 <a:cs typeface="Arial" panose="020B0604020202020204" pitchFamily="34" charset="0"/>
               </a:rPr>
               <a:t>shinyjs</a:t>
             </a:r>
             <a:r>
-              <a:rPr lang="en-GB" sz="1800">
+              <a:rPr lang="en-GB" sz="1800" dirty="0">
                 <a:latin typeface="Arial" panose="020B0604020202020204" pitchFamily="34" charset="0"/>
                 <a:cs typeface="Arial" panose="020B0604020202020204" pitchFamily="34" charset="0"/>
               </a:rPr>
               <a:t> – for bringing basic JavaScript into R </a:t>
             </a:r>
             <a:r>
-              <a:rPr lang="en-GB" sz="1800" err="1">
+              <a:rPr lang="en-GB" sz="1800" dirty="0" err="1">
                 <a:latin typeface="Arial" panose="020B0604020202020204" pitchFamily="34" charset="0"/>
                 <a:cs typeface="Arial" panose="020B0604020202020204" pitchFamily="34" charset="0"/>
               </a:rPr>
               <a:t>eg.</a:t>
             </a:r>
             <a:r>
-              <a:rPr lang="en-GB" sz="1800">
+              <a:rPr lang="en-GB" sz="1800" dirty="0">
                 <a:latin typeface="Arial" panose="020B0604020202020204" pitchFamily="34" charset="0"/>
                 <a:cs typeface="Arial" panose="020B0604020202020204" pitchFamily="34" charset="0"/>
               </a:rPr>
@@ -17480,14 +17515,14 @@
           <a:p>
             <a:pPr lvl="2"/>
             <a:r>
-              <a:rPr lang="en-GB" sz="1800" b="1" err="1">
+              <a:rPr lang="en-GB" sz="1800" b="1" dirty="0" err="1">
                 <a:latin typeface="Arial" panose="020B0604020202020204" pitchFamily="34" charset="0"/>
                 <a:cs typeface="Arial" panose="020B0604020202020204" pitchFamily="34" charset="0"/>
               </a:rPr>
               <a:t>shinyBS</a:t>
             </a:r>
             <a:r>
-              <a:rPr lang="en-GB" sz="1800">
+              <a:rPr lang="en-GB" sz="1800" dirty="0">
                 <a:latin typeface="Arial" panose="020B0604020202020204" pitchFamily="34" charset="0"/>
                 <a:cs typeface="Arial" panose="020B0604020202020204" pitchFamily="34" charset="0"/>
               </a:rPr>
@@ -17497,14 +17532,14 @@
           <a:p>
             <a:pPr lvl="2"/>
             <a:r>
-              <a:rPr lang="en-GB" sz="1800" b="1" err="1">
+              <a:rPr lang="en-GB" sz="1800" b="1" dirty="0" err="1">
                 <a:latin typeface="Arial" panose="020B0604020202020204" pitchFamily="34" charset="0"/>
                 <a:cs typeface="Arial" panose="020B0604020202020204" pitchFamily="34" charset="0"/>
               </a:rPr>
               <a:t>shinycssloaders</a:t>
             </a:r>
             <a:r>
-              <a:rPr lang="en-GB" sz="1800">
+              <a:rPr lang="en-GB" sz="1800" dirty="0">
                 <a:latin typeface="Arial" panose="020B0604020202020204" pitchFamily="34" charset="0"/>
                 <a:cs typeface="Arial" panose="020B0604020202020204" pitchFamily="34" charset="0"/>
               </a:rPr>
@@ -17514,42 +17549,42 @@
           <a:p>
             <a:pPr lvl="2"/>
             <a:r>
-              <a:rPr lang="en-GB" sz="1800" b="1">
+              <a:rPr lang="en-GB" sz="1800" b="1" dirty="0">
                 <a:latin typeface="Arial" panose="020B0604020202020204" pitchFamily="34" charset="0"/>
                 <a:cs typeface="Arial" panose="020B0604020202020204" pitchFamily="34" charset="0"/>
               </a:rPr>
               <a:t>ggplot2</a:t>
             </a:r>
             <a:r>
-              <a:rPr lang="en-GB" sz="1800">
+              <a:rPr lang="en-GB" sz="1800" dirty="0">
                 <a:latin typeface="Arial" panose="020B0604020202020204" pitchFamily="34" charset="0"/>
                 <a:cs typeface="Arial" panose="020B0604020202020204" pitchFamily="34" charset="0"/>
               </a:rPr>
               <a:t>, </a:t>
             </a:r>
             <a:r>
-              <a:rPr lang="en-GB" sz="1800" b="1" err="1">
+              <a:rPr lang="en-GB" sz="1800" b="1" dirty="0" err="1">
                 <a:latin typeface="Arial" panose="020B0604020202020204" pitchFamily="34" charset="0"/>
                 <a:cs typeface="Arial" panose="020B0604020202020204" pitchFamily="34" charset="0"/>
               </a:rPr>
               <a:t>plotly</a:t>
             </a:r>
             <a:r>
-              <a:rPr lang="en-GB" sz="1800">
+              <a:rPr lang="en-GB" sz="1800" dirty="0">
                 <a:latin typeface="Arial" panose="020B0604020202020204" pitchFamily="34" charset="0"/>
                 <a:cs typeface="Arial" panose="020B0604020202020204" pitchFamily="34" charset="0"/>
               </a:rPr>
               <a:t>, </a:t>
             </a:r>
             <a:r>
-              <a:rPr lang="en-GB" sz="1800" b="1">
+              <a:rPr lang="en-GB" sz="1800" b="1" dirty="0">
                 <a:latin typeface="Arial" panose="020B0604020202020204" pitchFamily="34" charset="0"/>
                 <a:cs typeface="Arial" panose="020B0604020202020204" pitchFamily="34" charset="0"/>
               </a:rPr>
               <a:t>DT </a:t>
             </a:r>
             <a:r>
-              <a:rPr lang="en-GB" sz="1800">
+              <a:rPr lang="en-GB" sz="1800" dirty="0">
                 <a:latin typeface="Arial" panose="020B0604020202020204" pitchFamily="34" charset="0"/>
                 <a:cs typeface="Arial" panose="020B0604020202020204" pitchFamily="34" charset="0"/>
               </a:rPr>
@@ -17559,41 +17594,41 @@
           <a:p>
             <a:pPr lvl="2"/>
             <a:r>
-              <a:rPr lang="en-GB" sz="1800" b="1" err="1">
+              <a:rPr lang="en-GB" sz="1800" b="1" dirty="0" err="1">
                 <a:latin typeface="Arial" panose="020B0604020202020204" pitchFamily="34" charset="0"/>
                 <a:cs typeface="Arial" panose="020B0604020202020204" pitchFamily="34" charset="0"/>
               </a:rPr>
               <a:t>dplyr</a:t>
             </a:r>
             <a:r>
-              <a:rPr lang="en-GB" sz="1800">
+              <a:rPr lang="en-GB" sz="1800" dirty="0">
                 <a:latin typeface="Arial" panose="020B0604020202020204" pitchFamily="34" charset="0"/>
                 <a:cs typeface="Arial" panose="020B0604020202020204" pitchFamily="34" charset="0"/>
               </a:rPr>
               <a:t> and </a:t>
             </a:r>
             <a:r>
-              <a:rPr lang="en-GB" sz="1800" b="1" err="1">
+              <a:rPr lang="en-GB" sz="1800" b="1" dirty="0" err="1">
                 <a:latin typeface="Arial" panose="020B0604020202020204" pitchFamily="34" charset="0"/>
                 <a:cs typeface="Arial" panose="020B0604020202020204" pitchFamily="34" charset="0"/>
               </a:rPr>
               <a:t>readr</a:t>
             </a:r>
             <a:r>
-              <a:rPr lang="en-GB" sz="1800" b="1">
+              <a:rPr lang="en-GB" sz="1800" b="1" dirty="0">
                 <a:latin typeface="Arial" panose="020B0604020202020204" pitchFamily="34" charset="0"/>
                 <a:cs typeface="Arial" panose="020B0604020202020204" pitchFamily="34" charset="0"/>
               </a:rPr>
               <a:t> </a:t>
             </a:r>
             <a:r>
-              <a:rPr lang="en-GB" sz="1800">
+              <a:rPr lang="en-GB" sz="1800" dirty="0">
                 <a:latin typeface="Arial" panose="020B0604020202020204" pitchFamily="34" charset="0"/>
                 <a:cs typeface="Arial" panose="020B0604020202020204" pitchFamily="34" charset="0"/>
               </a:rPr>
               <a:t>– standard packages for data manipulation and reading/writing csv files</a:t>
             </a:r>
-            <a:endParaRPr lang="en-GB" sz="1800" b="1">
+            <a:endParaRPr lang="en-GB" sz="1800" b="1" dirty="0">
               <a:latin typeface="Arial" panose="020B0604020202020204" pitchFamily="34" charset="0"/>
               <a:cs typeface="Arial" panose="020B0604020202020204" pitchFamily="34" charset="0"/>
             </a:endParaRPr>
@@ -17603,7 +17638,7 @@
               <a:buFont typeface="Wingdings" panose="05000000000000000000" pitchFamily="2" charset="2"/>
               <a:buChar char="§"/>
             </a:pPr>
-            <a:endParaRPr lang="en-GB" sz="1800" b="1"/>
+            <a:endParaRPr lang="en-GB" sz="1800" b="1" dirty="0"/>
           </a:p>
         </p:txBody>
       </p:sp>
@@ -17691,75 +17726,75 @@
           <a:lstStyle/>
           <a:p>
             <a:r>
-              <a:rPr lang="en-GB"/>
+              <a:rPr lang="en-GB" dirty="0"/>
               <a:t>We can use basic HTML and CSS code to set fonts and themes for our dashboard and insert icons in the navigation bar for each section.</a:t>
             </a:r>
             <a:br>
-              <a:rPr lang="en-GB"/>
+              <a:rPr lang="en-GB" dirty="0"/>
             </a:br>
-            <a:endParaRPr lang="en-GB"/>
-          </a:p>
-          <a:p>
-            <a:r>
-              <a:rPr lang="en-GB"/>
+            <a:endParaRPr lang="en-GB" dirty="0"/>
+          </a:p>
+          <a:p>
+            <a:r>
+              <a:rPr lang="en-GB" dirty="0"/>
               <a:t>Shiny has a variety of ready made themes that can be used in your dashboard, try out the theme selector: </a:t>
             </a:r>
             <a:r>
-              <a:rPr lang="en-GB">
+              <a:rPr lang="en-GB" dirty="0">
                 <a:hlinkClick r:id="rId3"/>
               </a:rPr>
               <a:t>https://shiny.rstudio.com/gallery/shiny-theme-selector.html</a:t>
             </a:r>
             <a:r>
-              <a:rPr lang="en-GB"/>
+              <a:rPr lang="en-GB" dirty="0"/>
               <a:t> </a:t>
             </a:r>
             <a:br>
-              <a:rPr lang="en-GB"/>
+              <a:rPr lang="en-GB" dirty="0"/>
             </a:br>
-            <a:endParaRPr lang="en-GB"/>
-          </a:p>
-          <a:p>
-            <a:r>
-              <a:rPr lang="en-GB"/>
+            <a:endParaRPr lang="en-GB" dirty="0"/>
+          </a:p>
+          <a:p>
+            <a:r>
+              <a:rPr lang="en-GB" dirty="0"/>
               <a:t>There are also a variety of icons that can be added to your Shiny dashboard using Font Awesome and </a:t>
             </a:r>
             <a:r>
-              <a:rPr lang="en-GB" err="1"/>
+              <a:rPr lang="en-GB" dirty="0" err="1"/>
               <a:t>Glyphicon</a:t>
             </a:r>
             <a:r>
-              <a:rPr lang="en-GB"/>
+              <a:rPr lang="en-GB" dirty="0"/>
               <a:t>: </a:t>
             </a:r>
             <a:r>
-              <a:rPr lang="en-GB">
+              <a:rPr lang="en-GB" dirty="0">
                 <a:hlinkClick r:id="rId4"/>
               </a:rPr>
               <a:t>https://fontawesome.com/v5.15/icons?d=gallery&amp;p=2</a:t>
             </a:r>
             <a:br>
-              <a:rPr lang="en-GB"/>
+              <a:rPr lang="en-GB" dirty="0"/>
             </a:br>
             <a:r>
-              <a:rPr lang="en-GB">
+              <a:rPr lang="en-GB" dirty="0">
                 <a:hlinkClick r:id="rId5"/>
               </a:rPr>
               <a:t>https://getbootstrap.com/docs/3.3/components/#glyphicons</a:t>
             </a:r>
             <a:br>
-              <a:rPr lang="en-GB"/>
+              <a:rPr lang="en-GB" dirty="0"/>
             </a:br>
-            <a:endParaRPr lang="en-GB"/>
-          </a:p>
-          <a:p>
-            <a:r>
-              <a:rPr lang="en-GB"/>
+            <a:endParaRPr lang="en-GB" dirty="0"/>
+          </a:p>
+          <a:p>
+            <a:r>
+              <a:rPr lang="en-GB" dirty="0"/>
               <a:t>Some icons may be trapped behind a paywall, but many are free!</a:t>
             </a:r>
           </a:p>
           <a:p>
-            <a:endParaRPr lang="en-GB"/>
+            <a:endParaRPr lang="en-GB" dirty="0"/>
           </a:p>
         </p:txBody>
       </p:sp>
@@ -17848,41 +17883,41 @@
           <a:lstStyle/>
           <a:p>
             <a:r>
-              <a:rPr lang="en-GB"/>
+              <a:rPr lang="en-GB" dirty="0"/>
               <a:t>To use themes and icons, we need to load two more packages:</a:t>
             </a:r>
           </a:p>
           <a:p>
             <a:pPr lvl="1"/>
             <a:r>
-              <a:rPr lang="en-GB"/>
+              <a:rPr lang="en-GB" dirty="0"/>
               <a:t> </a:t>
             </a:r>
             <a:r>
-              <a:rPr lang="en-GB" sz="1800"/>
+              <a:rPr lang="en-GB" sz="1800" dirty="0"/>
               <a:t>library(</a:t>
             </a:r>
             <a:r>
-              <a:rPr lang="en-GB" sz="1800" err="1"/>
+              <a:rPr lang="en-GB" sz="1800" dirty="0" err="1"/>
               <a:t>shinythemes</a:t>
             </a:r>
             <a:r>
-              <a:rPr lang="en-GB" sz="1800"/>
+              <a:rPr lang="en-GB" sz="1800" dirty="0"/>
               <a:t>)</a:t>
             </a:r>
           </a:p>
           <a:p>
             <a:pPr lvl="1"/>
             <a:r>
-              <a:rPr lang="en-GB" sz="1800"/>
+              <a:rPr lang="en-GB" sz="1800" dirty="0"/>
               <a:t> library(</a:t>
             </a:r>
             <a:r>
-              <a:rPr lang="en-GB" sz="1800" err="1"/>
+              <a:rPr lang="en-GB" sz="1800" dirty="0" err="1"/>
               <a:t>shinycssloaders</a:t>
             </a:r>
             <a:r>
-              <a:rPr lang="en-GB" sz="1800"/>
+              <a:rPr lang="en-GB" sz="1800" dirty="0"/>
               <a:t>)</a:t>
             </a:r>
           </a:p>
@@ -18058,7 +18093,7 @@
               </a:rPr>
               <a:t>You can wrap your NYC DOGS title in tags$h1() to set text as HEADER 1. Adding html tags aids screen readers. </a:t>
             </a:r>
-            <a:endParaRPr lang="en-GB"/>
+            <a:endParaRPr lang="en-GB" dirty="0"/>
           </a:p>
           <a:p>
             <a:r>
@@ -18088,7 +18123,7 @@
             <a:pPr marL="0" indent="0">
               <a:buNone/>
             </a:pPr>
-            <a:endParaRPr lang="en-GB" b="1">
+            <a:endParaRPr lang="en-GB" b="1" dirty="0">
               <a:solidFill>
                 <a:srgbClr val="7030A0"/>
               </a:solidFill>
@@ -18098,14 +18133,14 @@
             <a:pPr marL="0" indent="0">
               <a:buNone/>
             </a:pPr>
-            <a:endParaRPr lang="en-GB" b="1">
+            <a:endParaRPr lang="en-GB" b="1" dirty="0">
               <a:solidFill>
                 <a:srgbClr val="7030A0"/>
               </a:solidFill>
             </a:endParaRPr>
           </a:p>
           <a:p>
-            <a:endParaRPr lang="en-GB"/>
+            <a:endParaRPr lang="en-GB" dirty="0"/>
           </a:p>
         </p:txBody>
       </p:sp>
@@ -18296,7 +18331,7 @@
           <a:lstStyle/>
           <a:p>
             <a:pPr algn="ctr"/>
-            <a:endParaRPr lang="en-GB"/>
+            <a:endParaRPr lang="en-GB" dirty="0"/>
           </a:p>
         </p:txBody>
       </p:sp>
@@ -18353,12 +18388,12 @@
           <a:lstStyle/>
           <a:p>
             <a:r>
-              <a:rPr lang="en-GB" sz="3200">
+              <a:rPr lang="en-GB" sz="3200" dirty="0">
                 <a:latin typeface="Arial Black" panose="020B0A04020102020204" pitchFamily="34" charset="0"/>
               </a:rPr>
               <a:t>Exercise: Shiny themes and icons</a:t>
             </a:r>
-            <a:endParaRPr lang="en-GB" sz="3200"/>
+            <a:endParaRPr lang="en-GB" sz="3200" dirty="0"/>
           </a:p>
         </p:txBody>
       </p:sp>
@@ -18385,7 +18420,7 @@
           <a:lstStyle/>
           <a:p>
             <a:r>
-              <a:rPr lang="en-GB"/>
+              <a:rPr lang="en-GB" dirty="0"/>
               <a:t>Now our Shiny app looks a bit more interesting!</a:t>
             </a:r>
           </a:p>
@@ -18691,14 +18726,14 @@
               <a:buChar char="•"/>
             </a:pPr>
             <a:r>
-              <a:rPr lang="en-GB" sz="2400">
+              <a:rPr lang="en-GB" sz="2400" dirty="0">
                 <a:solidFill>
                   <a:schemeClr val="tx1"/>
                 </a:solidFill>
               </a:rPr>
               <a:t>Use the theme and icons links to make your dashboard look nice!</a:t>
             </a:r>
-            <a:endParaRPr lang="en-GB" sz="2400" b="1"/>
+            <a:endParaRPr lang="en-GB" sz="2400" b="1" dirty="0"/>
           </a:p>
           <a:p>
             <a:pPr marL="177800" indent="-177800">
@@ -18709,7 +18744,7 @@
               <a:buChar char="•"/>
             </a:pPr>
             <a:r>
-              <a:rPr lang="en-GB" sz="2400">
+              <a:rPr lang="en-GB" sz="2400" dirty="0">
                 <a:solidFill>
                   <a:schemeClr val="tx1"/>
                 </a:solidFill>
@@ -18717,7 +18752,7 @@
               <a:t>If you are confident with ggplot2, make your plots look nicer or if you want a challenge, make them in </a:t>
             </a:r>
             <a:r>
-              <a:rPr lang="en-GB" sz="2400" err="1">
+              <a:rPr lang="en-GB" sz="2400" dirty="0" err="1">
                 <a:solidFill>
                   <a:schemeClr val="tx1"/>
                 </a:solidFill>
@@ -18725,7 +18760,7 @@
               <a:t>plotly</a:t>
             </a:r>
             <a:r>
-              <a:rPr lang="en-GB" sz="2400">
+              <a:rPr lang="en-GB" sz="2400" dirty="0">
                 <a:solidFill>
                   <a:schemeClr val="tx1"/>
                 </a:solidFill>
@@ -18810,76 +18845,76 @@
           <a:lstStyle/>
           <a:p>
             <a:r>
-              <a:rPr lang="en-GB"/>
+              <a:rPr lang="en-GB" dirty="0"/>
               <a:t>You have created a Shiny dashboard from scratch which contains tabulated data, charts and information text tabs. </a:t>
             </a:r>
           </a:p>
           <a:p>
             <a:r>
-              <a:rPr lang="en-GB"/>
+              <a:rPr lang="en-GB" dirty="0"/>
               <a:t>You have made the data reactive to whatever the user inputs and you have used different themes, icons and text formatting to make it stand out.</a:t>
             </a:r>
             <a:br>
-              <a:rPr lang="en-GB"/>
+              <a:rPr lang="en-GB" dirty="0"/>
             </a:br>
-            <a:endParaRPr lang="en-GB"/>
-          </a:p>
-          <a:p>
-            <a:r>
-              <a:rPr lang="en-GB"/>
+            <a:endParaRPr lang="en-GB" dirty="0"/>
+          </a:p>
+          <a:p>
+            <a:r>
+              <a:rPr lang="en-GB" dirty="0"/>
               <a:t>If you have time before our next session, try playing around with this dashboard. </a:t>
             </a:r>
           </a:p>
           <a:p>
             <a:pPr lvl="1"/>
             <a:r>
-              <a:rPr lang="en-GB" sz="1800"/>
+              <a:rPr lang="en-GB" sz="1800" dirty="0"/>
               <a:t>Swap your </a:t>
             </a:r>
             <a:r>
-              <a:rPr lang="en-GB" sz="1800" err="1"/>
+              <a:rPr lang="en-GB" sz="1800" dirty="0" err="1"/>
               <a:t>fluidRow</a:t>
             </a:r>
             <a:r>
-              <a:rPr lang="en-GB" sz="1800"/>
+              <a:rPr lang="en-GB" sz="1800" dirty="0"/>
               <a:t>() and column() grid layouts for something else such as </a:t>
             </a:r>
             <a:r>
-              <a:rPr lang="en-GB" sz="1800" err="1"/>
+              <a:rPr lang="en-GB" sz="1800" dirty="0" err="1"/>
               <a:t>sidebarLayout</a:t>
             </a:r>
             <a:r>
-              <a:rPr lang="en-GB" sz="1800"/>
+              <a:rPr lang="en-GB" sz="1800" dirty="0"/>
               <a:t>(), </a:t>
             </a:r>
             <a:r>
-              <a:rPr lang="en-GB" sz="1800" err="1"/>
+              <a:rPr lang="en-GB" sz="1800" dirty="0" err="1"/>
               <a:t>sidebarPanel</a:t>
             </a:r>
             <a:r>
-              <a:rPr lang="en-GB" sz="1800"/>
+              <a:rPr lang="en-GB" sz="1800" dirty="0"/>
               <a:t>() and </a:t>
             </a:r>
             <a:r>
-              <a:rPr lang="en-GB" sz="1800" err="1"/>
+              <a:rPr lang="en-GB" sz="1800" dirty="0" err="1"/>
               <a:t>mainPanel</a:t>
             </a:r>
             <a:r>
-              <a:rPr lang="en-GB" sz="1800"/>
+              <a:rPr lang="en-GB" sz="1800" dirty="0"/>
               <a:t>() to see how the layout changes. </a:t>
             </a:r>
           </a:p>
           <a:p>
             <a:pPr lvl="1"/>
             <a:r>
-              <a:rPr lang="en-GB" sz="1800"/>
+              <a:rPr lang="en-GB" sz="1800" dirty="0"/>
               <a:t>Add new tabs with different charts. </a:t>
             </a:r>
           </a:p>
           <a:p>
             <a:pPr lvl="1"/>
             <a:r>
-              <a:rPr lang="en-GB" sz="1800"/>
+              <a:rPr lang="en-GB" sz="1800" dirty="0"/>
               <a:t>Attempt to make a similar dashboard for a whole new dataset. </a:t>
             </a:r>
           </a:p>
@@ -18962,43 +18997,43 @@
           <a:lstStyle/>
           <a:p>
             <a:r>
-              <a:rPr lang="en-GB"/>
+              <a:rPr lang="en-GB" dirty="0"/>
               <a:t> Splitting big dashboards: UI, Server and Global scripts</a:t>
             </a:r>
           </a:p>
           <a:p>
             <a:r>
-              <a:rPr lang="en-GB"/>
+              <a:rPr lang="en-GB" dirty="0"/>
               <a:t> Using multiple Public Health Scotland datasets</a:t>
             </a:r>
           </a:p>
           <a:p>
             <a:r>
-              <a:rPr lang="en-GB"/>
+              <a:rPr lang="en-GB" dirty="0"/>
               <a:t> Use of specific Public Health Scotland colours and logos</a:t>
             </a:r>
           </a:p>
           <a:p>
             <a:r>
-              <a:rPr lang="en-GB"/>
+              <a:rPr lang="en-GB" dirty="0"/>
               <a:t> Modals and help buttons</a:t>
             </a:r>
           </a:p>
           <a:p>
             <a:r>
-              <a:rPr lang="en-GB"/>
+              <a:rPr lang="en-GB" dirty="0"/>
               <a:t> Data downloads</a:t>
             </a:r>
           </a:p>
           <a:p>
             <a:r>
-              <a:rPr lang="en-GB"/>
+              <a:rPr lang="en-GB" dirty="0"/>
               <a:t> Deploying an app</a:t>
             </a:r>
           </a:p>
           <a:p>
             <a:r>
-              <a:rPr lang="en-GB"/>
+              <a:rPr lang="en-GB" dirty="0"/>
               <a:t> The importance of using GitHub</a:t>
             </a:r>
           </a:p>
@@ -19180,65 +19215,65 @@
           <a:lstStyle/>
           <a:p>
             <a:r>
-              <a:rPr lang="en-GB"/>
+              <a:rPr lang="en-GB" dirty="0"/>
               <a:t>Shiny apps can be contained within a single script (not recommended for full dashboard building) or split across multiple scripts.</a:t>
             </a:r>
           </a:p>
           <a:p>
-            <a:endParaRPr lang="en-GB"/>
-          </a:p>
-          <a:p>
-            <a:r>
-              <a:rPr lang="en-GB"/>
+            <a:endParaRPr lang="en-GB" dirty="0"/>
+          </a:p>
+          <a:p>
+            <a:r>
+              <a:rPr lang="en-GB" dirty="0"/>
               <a:t>Small apps are contained within a single script called </a:t>
             </a:r>
             <a:r>
-              <a:rPr lang="en-GB" b="1" err="1"/>
+              <a:rPr lang="en-GB" b="1" dirty="0" err="1"/>
               <a:t>app.R</a:t>
             </a:r>
             <a:r>
-              <a:rPr lang="en-GB"/>
+              <a:rPr lang="en-GB" dirty="0"/>
               <a:t> which requires three main components to run the app:</a:t>
             </a:r>
           </a:p>
           <a:p>
             <a:pPr lvl="1"/>
             <a:r>
-              <a:rPr lang="en-GB" sz="1800" b="1"/>
+              <a:rPr lang="en-GB" sz="1800" b="1" dirty="0"/>
               <a:t>user interface object</a:t>
             </a:r>
             <a:r>
-              <a:rPr lang="en-GB" sz="1800"/>
+              <a:rPr lang="en-GB" sz="1800" dirty="0"/>
               <a:t> (defined as UI): layout and appearance of your app.</a:t>
             </a:r>
           </a:p>
           <a:p>
             <a:pPr lvl="1"/>
             <a:r>
-              <a:rPr lang="en-GB" sz="1800" b="1"/>
+              <a:rPr lang="en-GB" sz="1800" b="1" dirty="0"/>
               <a:t>server function </a:t>
             </a:r>
             <a:r>
-              <a:rPr lang="en-GB" sz="1800"/>
+              <a:rPr lang="en-GB" sz="1800" dirty="0"/>
               <a:t>(defined as server): instructions your computer needs to build the app.</a:t>
             </a:r>
           </a:p>
           <a:p>
             <a:pPr lvl="1"/>
             <a:r>
-              <a:rPr lang="en-GB" sz="1800"/>
+              <a:rPr lang="en-GB" sz="1800" dirty="0"/>
               <a:t>A call to the </a:t>
             </a:r>
             <a:r>
-              <a:rPr lang="en-GB" sz="1800" b="1" err="1"/>
+              <a:rPr lang="en-GB" sz="1800" b="1" dirty="0" err="1"/>
               <a:t>shinyApp</a:t>
             </a:r>
             <a:r>
-              <a:rPr lang="en-GB" sz="1800" b="1"/>
+              <a:rPr lang="en-GB" sz="1800" b="1" dirty="0"/>
               <a:t> function: </a:t>
             </a:r>
             <a:r>
-              <a:rPr lang="en-GB" sz="1800"/>
+              <a:rPr lang="en-GB" sz="1800" dirty="0"/>
               <a:t>creates Shiny app objects from an explicit UI/server pair.</a:t>
             </a:r>
           </a:p>
@@ -19292,7 +19327,7 @@
           <a:lstStyle/>
           <a:p>
             <a:r>
-              <a:rPr lang="en-GB" sz="3200">
+              <a:rPr lang="en-GB" sz="3200" dirty="0">
                 <a:latin typeface="Arial Black" panose="020B0A04020102020204" pitchFamily="34" charset="0"/>
               </a:rPr>
               <a:t>The User Interface (UI)</a:t>
@@ -19323,69 +19358,69 @@
           <a:lstStyle/>
           <a:p>
             <a:r>
-              <a:rPr lang="en-GB"/>
+              <a:rPr lang="en-GB" dirty="0"/>
               <a:t>Controls what is displayed on the application page and how the components are laid out.</a:t>
             </a:r>
           </a:p>
           <a:p>
             <a:r>
-              <a:rPr lang="en-GB"/>
+              <a:rPr lang="en-GB" dirty="0"/>
               <a:t>Examples: </a:t>
             </a:r>
           </a:p>
           <a:p>
             <a:pPr lvl="2"/>
             <a:r>
-              <a:rPr lang="en-GB" sz="1800"/>
+              <a:rPr lang="en-GB" sz="1800" dirty="0"/>
               <a:t>navigation bars</a:t>
             </a:r>
           </a:p>
           <a:p>
             <a:pPr lvl="2"/>
             <a:r>
-              <a:rPr lang="en-GB" sz="1800"/>
+              <a:rPr lang="en-GB" sz="1800" dirty="0"/>
               <a:t>text/titles</a:t>
             </a:r>
           </a:p>
           <a:p>
             <a:pPr lvl="2"/>
             <a:r>
-              <a:rPr lang="en-GB" sz="1800"/>
+              <a:rPr lang="en-GB" sz="1800" dirty="0"/>
               <a:t>markdown elements</a:t>
             </a:r>
           </a:p>
           <a:p>
             <a:pPr lvl="2"/>
             <a:r>
-              <a:rPr lang="en-GB" sz="1800"/>
+              <a:rPr lang="en-GB" sz="1800" dirty="0"/>
               <a:t>download buttons</a:t>
             </a:r>
           </a:p>
           <a:p>
             <a:pPr lvl="2"/>
             <a:r>
-              <a:rPr lang="en-GB" sz="1800"/>
+              <a:rPr lang="en-GB" sz="1800" dirty="0"/>
               <a:t>plot outputs from server</a:t>
             </a:r>
           </a:p>
           <a:p>
             <a:pPr lvl="2"/>
             <a:r>
-              <a:rPr lang="en-GB" sz="1800"/>
+              <a:rPr lang="en-GB" sz="1800" dirty="0"/>
               <a:t>user input widgets </a:t>
             </a:r>
             <a:br>
-              <a:rPr lang="en-GB" sz="1800"/>
+              <a:rPr lang="en-GB" sz="1800" dirty="0"/>
             </a:br>
-            <a:endParaRPr lang="en-GB" sz="1800"/>
-          </a:p>
-          <a:p>
-            <a:r>
-              <a:rPr lang="en-GB" b="1"/>
+            <a:endParaRPr lang="en-GB" sz="1800" dirty="0"/>
+          </a:p>
+          <a:p>
+            <a:r>
+              <a:rPr lang="en-GB" b="1" dirty="0"/>
               <a:t>Key point:</a:t>
             </a:r>
             <a:r>
-              <a:rPr lang="en-GB" b="1">
+              <a:rPr lang="en-GB" b="1" dirty="0">
                 <a:solidFill>
                   <a:srgbClr val="7030A0"/>
                 </a:solidFill>
@@ -19393,11 +19428,11 @@
               <a:t> </a:t>
             </a:r>
             <a:r>
-              <a:rPr lang="en-GB"/>
+              <a:rPr lang="en-GB" dirty="0"/>
               <a:t>Shiny uses the function </a:t>
             </a:r>
             <a:r>
-              <a:rPr lang="en-GB" b="1" err="1">
+              <a:rPr lang="en-GB" b="1" dirty="0" err="1">
                 <a:solidFill>
                   <a:srgbClr val="7030A0"/>
                 </a:solidFill>
@@ -19405,7 +19440,7 @@
               <a:t>fluidPage</a:t>
             </a:r>
             <a:r>
-              <a:rPr lang="en-GB" b="1">
+              <a:rPr lang="en-GB" b="1" dirty="0">
                 <a:solidFill>
                   <a:srgbClr val="7030A0"/>
                 </a:solidFill>
@@ -19413,12 +19448,12 @@
               <a:t>() </a:t>
             </a:r>
             <a:r>
-              <a:rPr lang="en-GB"/>
+              <a:rPr lang="en-GB" dirty="0"/>
               <a:t>to create a display that automatically adjusts to the dimensions of the users browser window. The above UI elements will generally be placed within this function.</a:t>
             </a:r>
           </a:p>
           <a:p>
-            <a:endParaRPr lang="en-GB"/>
+            <a:endParaRPr lang="en-GB" dirty="0"/>
           </a:p>
         </p:txBody>
       </p:sp>
@@ -19479,12 +19514,12 @@
           <a:lstStyle/>
           <a:p>
             <a:r>
-              <a:rPr lang="en-GB" sz="2800">
+              <a:rPr lang="en-GB" sz="2800" dirty="0">
                 <a:latin typeface="Arial Black" panose="020B0A04020102020204" pitchFamily="34" charset="0"/>
               </a:rPr>
               <a:t>The User Interface (UI): Layout</a:t>
             </a:r>
-            <a:endParaRPr lang="en-GB"/>
+            <a:endParaRPr lang="en-GB" dirty="0"/>
           </a:p>
         </p:txBody>
       </p:sp>
@@ -19515,18 +19550,18 @@
           <a:lstStyle/>
           <a:p>
             <a:r>
-              <a:rPr lang="en-GB"/>
+              <a:rPr lang="en-GB" dirty="0"/>
               <a:t>The UI is built from nested functions specifying the app’s layout like a grid of layers</a:t>
             </a:r>
           </a:p>
           <a:p>
             <a:r>
-              <a:rPr lang="en-GB"/>
+              <a:rPr lang="en-GB" dirty="0"/>
               <a:t>Filters, buttons, charts and tables are placed within the function for a specific space</a:t>
             </a:r>
           </a:p>
           <a:p>
-            <a:endParaRPr lang="en-GB"/>
+            <a:endParaRPr lang="en-GB" dirty="0"/>
           </a:p>
         </p:txBody>
       </p:sp>
@@ -19679,37 +19714,37 @@
           <a:lstStyle/>
           <a:p>
             <a:r>
-              <a:rPr lang="en-GB"/>
+              <a:rPr lang="en-GB" dirty="0"/>
               <a:t>The server-side controls everything that happens behind the scenes, for example, the data that will be displayed through the UI.</a:t>
             </a:r>
             <a:br>
-              <a:rPr lang="en-GB"/>
+              <a:rPr lang="en-GB" dirty="0"/>
             </a:br>
-            <a:endParaRPr lang="en-GB"/>
-          </a:p>
-          <a:p>
-            <a:r>
-              <a:rPr lang="en-GB"/>
+            <a:endParaRPr lang="en-GB" dirty="0"/>
+          </a:p>
+          <a:p>
+            <a:r>
+              <a:rPr lang="en-GB" dirty="0"/>
               <a:t>This part of the script defines how we generate all the plots and tables seen by the user.</a:t>
             </a:r>
             <a:br>
-              <a:rPr lang="en-GB"/>
+              <a:rPr lang="en-GB" dirty="0"/>
             </a:br>
-            <a:endParaRPr lang="en-GB"/>
-          </a:p>
-          <a:p>
-            <a:r>
-              <a:rPr lang="en-GB"/>
+            <a:endParaRPr lang="en-GB" dirty="0"/>
+          </a:p>
+          <a:p>
+            <a:r>
+              <a:rPr lang="en-GB" dirty="0"/>
               <a:t>It also defines how user inputs from our widgets (such as a user selecting from a drop-down menu) affects these plots and tables.</a:t>
             </a:r>
             <a:br>
-              <a:rPr lang="en-GB"/>
+              <a:rPr lang="en-GB" dirty="0"/>
             </a:br>
-            <a:endParaRPr lang="en-GB"/>
-          </a:p>
-          <a:p>
-            <a:r>
-              <a:rPr lang="en-GB"/>
+            <a:endParaRPr lang="en-GB" dirty="0"/>
+          </a:p>
+          <a:p>
+            <a:r>
+              <a:rPr lang="en-GB" dirty="0"/>
               <a:t>If necessary, the server section may also be used for minor data wrangling, such as filtering it in such a way that it can be fed into a plot.</a:t>
             </a:r>
           </a:p>
@@ -20387,6 +20422,15 @@
 </file>
 
 <file path=customXml/item1.xml><?xml version="1.0" encoding="utf-8"?>
+<?mso-contentType ?>
+<FormTemplates xmlns="http://schemas.microsoft.com/sharepoint/v3/contenttype/forms">
+  <Display>DocumentLibraryForm</Display>
+  <Edit>DocumentLibraryForm</Edit>
+  <New>DocumentLibraryForm</New>
+</FormTemplates>
+</file>
+
+<file path=customXml/item2.xml><?xml version="1.0" encoding="utf-8"?>
 <ct:contentTypeSchema xmlns:ct="http://schemas.microsoft.com/office/2006/metadata/contentType" xmlns:ma="http://schemas.microsoft.com/office/2006/metadata/properties/metaAttributes" ct:_="" ma:_="" ma:contentTypeName="Document" ma:contentTypeID="0x010100F9163B9352FB5A4788BB54FA79E45A9B" ma:contentTypeVersion="10" ma:contentTypeDescription="Create a new document." ma:contentTypeScope="" ma:versionID="d7db80f1aefda32c0e8557789dcfc61a">
   <xsd:schema xmlns:xsd="http://www.w3.org/2001/XMLSchema" xmlns:xs="http://www.w3.org/2001/XMLSchema" xmlns:p="http://schemas.microsoft.com/office/2006/metadata/properties" xmlns:ns2="e155261d-e7be-4e14-8f3f-074943e30468" xmlns:ns3="9777d510-7a84-4d86-adcc-ed6491094c98" targetNamespace="http://schemas.microsoft.com/office/2006/metadata/properties" ma:root="true" ma:fieldsID="ca472082848a01cf90554cbe48082752" ns2:_="" ns3:_="">
     <xsd:import namespace="e155261d-e7be-4e14-8f3f-074943e30468"/>
@@ -20585,15 +20629,6 @@
 </ct:contentTypeSchema>
 </file>
 
-<file path=customXml/item2.xml><?xml version="1.0" encoding="utf-8"?>
-<?mso-contentType ?>
-<FormTemplates xmlns="http://schemas.microsoft.com/sharepoint/v3/contenttype/forms">
-  <Display>DocumentLibraryForm</Display>
-  <Edit>DocumentLibraryForm</Edit>
-  <New>DocumentLibraryForm</New>
-</FormTemplates>
-</file>
-
 <file path=customXml/item3.xml><?xml version="1.0" encoding="utf-8"?>
 <p:properties xmlns:p="http://schemas.microsoft.com/office/2006/metadata/properties" xmlns:xsi="http://www.w3.org/2001/XMLSchema-instance" xmlns:pc="http://schemas.microsoft.com/office/infopath/2007/PartnerControls">
   <documentManagement>
@@ -20605,6 +20640,14 @@
 </file>
 
 <file path=customXml/itemProps1.xml><?xml version="1.0" encoding="utf-8"?>
+<ds:datastoreItem xmlns:ds="http://schemas.openxmlformats.org/officeDocument/2006/customXml" ds:itemID="{AD6B120D-A0FB-4DD8-992E-3D48283A8AF5}">
+  <ds:schemaRefs>
+    <ds:schemaRef ds:uri="http://schemas.microsoft.com/sharepoint/v3/contenttype/forms"/>
+  </ds:schemaRefs>
+</ds:datastoreItem>
+</file>
+
+<file path=customXml/itemProps2.xml><?xml version="1.0" encoding="utf-8"?>
 <ds:datastoreItem xmlns:ds="http://schemas.openxmlformats.org/officeDocument/2006/customXml" ds:itemID="{4CB9C8C0-8775-4133-8EB4-0ABE2116FC4E}">
   <ds:schemaRefs>
     <ds:schemaRef ds:uri="9777d510-7a84-4d86-adcc-ed6491094c98"/>
@@ -20623,27 +20666,19 @@
 </ds:datastoreItem>
 </file>
 
-<file path=customXml/itemProps2.xml><?xml version="1.0" encoding="utf-8"?>
-<ds:datastoreItem xmlns:ds="http://schemas.openxmlformats.org/officeDocument/2006/customXml" ds:itemID="{AD6B120D-A0FB-4DD8-992E-3D48283A8AF5}">
-  <ds:schemaRefs>
-    <ds:schemaRef ds:uri="http://schemas.microsoft.com/sharepoint/v3/contenttype/forms"/>
-  </ds:schemaRefs>
-</ds:datastoreItem>
-</file>
-
 <file path=customXml/itemProps3.xml><?xml version="1.0" encoding="utf-8"?>
 <ds:datastoreItem xmlns:ds="http://schemas.openxmlformats.org/officeDocument/2006/customXml" ds:itemID="{4C73297F-598B-4DCB-BCE9-E508A25225E1}">
   <ds:schemaRefs>
-    <ds:schemaRef ds:uri="9777d510-7a84-4d86-adcc-ed6491094c98"/>
-    <ds:schemaRef ds:uri="e155261d-e7be-4e14-8f3f-074943e30468"/>
-    <ds:schemaRef ds:uri="http://purl.org/dc/dcmitype/"/>
-    <ds:schemaRef ds:uri="http://purl.org/dc/elements/1.1/"/>
-    <ds:schemaRef ds:uri="http://purl.org/dc/terms/"/>
     <ds:schemaRef ds:uri="http://schemas.microsoft.com/office/2006/documentManagement/types"/>
     <ds:schemaRef ds:uri="http://schemas.microsoft.com/office/2006/metadata/properties"/>
+    <ds:schemaRef ds:uri="9777d510-7a84-4d86-adcc-ed6491094c98"/>
+    <ds:schemaRef ds:uri="http://schemas.openxmlformats.org/package/2006/metadata/core-properties"/>
+    <ds:schemaRef ds:uri="e155261d-e7be-4e14-8f3f-074943e30468"/>
+    <ds:schemaRef ds:uri="http://www.w3.org/XML/1998/namespace"/>
+    <ds:schemaRef ds:uri="http://purl.org/dc/dcmitype/"/>
     <ds:schemaRef ds:uri="http://schemas.microsoft.com/office/infopath/2007/PartnerControls"/>
-    <ds:schemaRef ds:uri="http://schemas.openxmlformats.org/package/2006/metadata/core-properties"/>
-    <ds:schemaRef ds:uri="http://www.w3.org/XML/1998/namespace"/>
+    <ds:schemaRef ds:uri="http://purl.org/dc/terms/"/>
+    <ds:schemaRef ds:uri="http://purl.org/dc/elements/1.1/"/>
   </ds:schemaRefs>
 </ds:datastoreItem>
 </file>
--- a/Day 1/slides/Shiny_Day_1.pptx
+++ b/Day 1/slides/Shiny_Day_1.pptx
@@ -166,2998 +166,6 @@
 <p188:authorLst xmlns:a="http://schemas.openxmlformats.org/drawingml/2006/main" xmlns:r="http://schemas.openxmlformats.org/officeDocument/2006/relationships" xmlns:p188="http://schemas.microsoft.com/office/powerpoint/2018/8/main">
   <p188:author id="{7B0A6FA3-CF82-3BC2-4669-89778CD24ABB}" name="Julia Moeller" initials="JM" userId="S::Julia.Moeller@phs.scot::0bcb1583-c1a4-48b5-87e6-2cc074d2d571" providerId="AD"/>
 </p188:authorLst>
-</file>
-
-<file path=ppt/revisionInfo.xml><?xml version="1.0" encoding="utf-8"?>
-<p1510:revInfo xmlns:a="http://schemas.openxmlformats.org/drawingml/2006/main" xmlns:r="http://schemas.openxmlformats.org/officeDocument/2006/relationships" xmlns:p1510="http://schemas.microsoft.com/office/powerpoint/2015/10/main">
-  <p1510:revLst>
-    <p1510:client id="{C92DF3DE-23A5-4E98-85FA-AAD4EAE96412}" v="4" dt="2023-09-29T13:26:45.848"/>
-  </p1510:revLst>
-</p1510:revInfo>
-</file>
-
-<file path=ppt/changesInfos/changesInfo1.xml><?xml version="1.0" encoding="utf-8"?>
-<pc:chgInfo xmlns:a="http://schemas.openxmlformats.org/drawingml/2006/main" xmlns:r="http://schemas.openxmlformats.org/officeDocument/2006/relationships" xmlns:ac="http://schemas.microsoft.com/office/drawing/2013/main/command" xmlns:pc="http://schemas.microsoft.com/office/powerpoint/2013/main/command">
-  <pc:docChgLst>
-    <pc:chgData name="Julia Moeller" userId="0bcb1583-c1a4-48b5-87e6-2cc074d2d571" providerId="ADAL" clId="{C92DF3DE-23A5-4E98-85FA-AAD4EAE96412}"/>
-    <pc:docChg chg="undo redo custSel addSld delSld modSld sldOrd">
-      <pc:chgData name="Julia Moeller" userId="0bcb1583-c1a4-48b5-87e6-2cc074d2d571" providerId="ADAL" clId="{C92DF3DE-23A5-4E98-85FA-AAD4EAE96412}" dt="2023-09-29T13:48:23.886" v="11487" actId="20577"/>
-      <pc:docMkLst>
-        <pc:docMk/>
-      </pc:docMkLst>
-      <pc:sldChg chg="modSp mod modCm">
-        <pc:chgData name="Julia Moeller" userId="0bcb1583-c1a4-48b5-87e6-2cc074d2d571" providerId="ADAL" clId="{C92DF3DE-23A5-4E98-85FA-AAD4EAE96412}" dt="2023-09-11T16:05:46.145" v="131" actId="255"/>
-        <pc:sldMkLst>
-          <pc:docMk/>
-          <pc:sldMk cId="3687092364" sldId="258"/>
-        </pc:sldMkLst>
-        <pc:spChg chg="mod">
-          <ac:chgData name="Julia Moeller" userId="0bcb1583-c1a4-48b5-87e6-2cc074d2d571" providerId="ADAL" clId="{C92DF3DE-23A5-4E98-85FA-AAD4EAE96412}" dt="2023-09-11T16:05:46.145" v="131" actId="255"/>
-          <ac:spMkLst>
-            <pc:docMk/>
-            <pc:sldMk cId="3687092364" sldId="258"/>
-            <ac:spMk id="3" creationId="{00000000-0000-0000-0000-000000000000}"/>
-          </ac:spMkLst>
-        </pc:spChg>
-        <pc:extLst>
-          <p:ext xmlns:p="http://schemas.openxmlformats.org/presentationml/2006/main" uri="{D6D511B9-2390-475A-947B-AFAB55BFBCF1}">
-            <pc226:cmChg xmlns:pc226="http://schemas.microsoft.com/office/powerpoint/2022/06/main/command" chg="mod">
-              <pc226:chgData name="Julia Moeller" userId="0bcb1583-c1a4-48b5-87e6-2cc074d2d571" providerId="ADAL" clId="{C92DF3DE-23A5-4E98-85FA-AAD4EAE96412}" dt="2023-09-11T15:49:57.642" v="33"/>
-              <pc2:cmMkLst xmlns:pc2="http://schemas.microsoft.com/office/powerpoint/2019/9/main/command">
-                <pc:docMk/>
-                <pc:sldMk cId="3687092364" sldId="258"/>
-                <pc2:cmMk id="{5008940D-5BA1-469E-9CF4-045B69D575B9}"/>
-              </pc2:cmMkLst>
-            </pc226:cmChg>
-            <pc226:cmChg xmlns:pc226="http://schemas.microsoft.com/office/powerpoint/2022/06/main/command" chg="mod">
-              <pc226:chgData name="Julia Moeller" userId="0bcb1583-c1a4-48b5-87e6-2cc074d2d571" providerId="ADAL" clId="{C92DF3DE-23A5-4E98-85FA-AAD4EAE96412}" dt="2023-09-11T15:47:58.808" v="0"/>
-              <pc2:cmMkLst xmlns:pc2="http://schemas.microsoft.com/office/powerpoint/2019/9/main/command">
-                <pc:docMk/>
-                <pc:sldMk cId="3687092364" sldId="258"/>
-                <pc2:cmMk id="{A238DE84-1C7B-4EDC-8A2B-35C3538647AD}"/>
-              </pc2:cmMkLst>
-            </pc226:cmChg>
-            <pc226:cmChg xmlns:pc226="http://schemas.microsoft.com/office/powerpoint/2022/06/main/command" chg="mod">
-              <pc226:chgData name="Julia Moeller" userId="0bcb1583-c1a4-48b5-87e6-2cc074d2d571" providerId="ADAL" clId="{C92DF3DE-23A5-4E98-85FA-AAD4EAE96412}" dt="2023-09-11T15:50:00.463" v="34"/>
-              <pc2:cmMkLst xmlns:pc2="http://schemas.microsoft.com/office/powerpoint/2019/9/main/command">
-                <pc:docMk/>
-                <pc:sldMk cId="3687092364" sldId="258"/>
-                <pc2:cmMk id="{7DBD6FF2-7B99-429A-9CC7-06EE6767D334}"/>
-              </pc2:cmMkLst>
-            </pc226:cmChg>
-            <pc226:cmChg xmlns:pc226="http://schemas.microsoft.com/office/powerpoint/2022/06/main/command" chg="mod">
-              <pc226:chgData name="Julia Moeller" userId="0bcb1583-c1a4-48b5-87e6-2cc074d2d571" providerId="ADAL" clId="{C92DF3DE-23A5-4E98-85FA-AAD4EAE96412}" dt="2023-09-11T15:49:02.300" v="5"/>
-              <pc2:cmMkLst xmlns:pc2="http://schemas.microsoft.com/office/powerpoint/2019/9/main/command">
-                <pc:docMk/>
-                <pc:sldMk cId="3687092364" sldId="258"/>
-                <pc2:cmMk id="{F2D430FD-2905-4B36-ADD7-03C0FCD641FF}"/>
-              </pc2:cmMkLst>
-            </pc226:cmChg>
-          </p:ext>
-        </pc:extLst>
-      </pc:sldChg>
-      <pc:sldChg chg="modSp mod">
-        <pc:chgData name="Julia Moeller" userId="0bcb1583-c1a4-48b5-87e6-2cc074d2d571" providerId="ADAL" clId="{C92DF3DE-23A5-4E98-85FA-AAD4EAE96412}" dt="2023-09-29T13:27:32.042" v="11391" actId="20577"/>
-        <pc:sldMkLst>
-          <pc:docMk/>
-          <pc:sldMk cId="3345530997" sldId="259"/>
-        </pc:sldMkLst>
-        <pc:spChg chg="mod">
-          <ac:chgData name="Julia Moeller" userId="0bcb1583-c1a4-48b5-87e6-2cc074d2d571" providerId="ADAL" clId="{C92DF3DE-23A5-4E98-85FA-AAD4EAE96412}" dt="2023-09-29T13:27:32.042" v="11391" actId="20577"/>
-          <ac:spMkLst>
-            <pc:docMk/>
-            <pc:sldMk cId="3345530997" sldId="259"/>
-            <ac:spMk id="3" creationId="{00000000-0000-0000-0000-000000000000}"/>
-          </ac:spMkLst>
-        </pc:spChg>
-      </pc:sldChg>
-      <pc:sldChg chg="modSp mod modCm">
-        <pc:chgData name="Julia Moeller" userId="0bcb1583-c1a4-48b5-87e6-2cc074d2d571" providerId="ADAL" clId="{C92DF3DE-23A5-4E98-85FA-AAD4EAE96412}" dt="2023-09-15T14:33:33.854" v="11383" actId="14100"/>
-        <pc:sldMkLst>
-          <pc:docMk/>
-          <pc:sldMk cId="202094033" sldId="260"/>
-        </pc:sldMkLst>
-        <pc:spChg chg="mod">
-          <ac:chgData name="Julia Moeller" userId="0bcb1583-c1a4-48b5-87e6-2cc074d2d571" providerId="ADAL" clId="{C92DF3DE-23A5-4E98-85FA-AAD4EAE96412}" dt="2023-09-15T14:33:19.040" v="11381" actId="14100"/>
-          <ac:spMkLst>
-            <pc:docMk/>
-            <pc:sldMk cId="202094033" sldId="260"/>
-            <ac:spMk id="2" creationId="{00000000-0000-0000-0000-000000000000}"/>
-          </ac:spMkLst>
-        </pc:spChg>
-        <pc:spChg chg="mod">
-          <ac:chgData name="Julia Moeller" userId="0bcb1583-c1a4-48b5-87e6-2cc074d2d571" providerId="ADAL" clId="{C92DF3DE-23A5-4E98-85FA-AAD4EAE96412}" dt="2023-09-15T14:33:33.854" v="11383" actId="14100"/>
-          <ac:spMkLst>
-            <pc:docMk/>
-            <pc:sldMk cId="202094033" sldId="260"/>
-            <ac:spMk id="3" creationId="{00000000-0000-0000-0000-000000000000}"/>
-          </ac:spMkLst>
-        </pc:spChg>
-        <pc:extLst>
-          <p:ext xmlns:p="http://schemas.openxmlformats.org/presentationml/2006/main" uri="{D6D511B9-2390-475A-947B-AFAB55BFBCF1}">
-            <pc226:cmChg xmlns:pc226="http://schemas.microsoft.com/office/powerpoint/2022/06/main/command" chg="mod">
-              <pc226:chgData name="Julia Moeller" userId="0bcb1583-c1a4-48b5-87e6-2cc074d2d571" providerId="ADAL" clId="{C92DF3DE-23A5-4E98-85FA-AAD4EAE96412}" dt="2023-09-15T13:45:38.244" v="11371"/>
-              <pc2:cmMkLst xmlns:pc2="http://schemas.microsoft.com/office/powerpoint/2019/9/main/command">
-                <pc:docMk/>
-                <pc:sldMk cId="202094033" sldId="260"/>
-                <pc2:cmMk id="{247FEBB0-70ED-458C-991C-E274EBEDCD83}"/>
-              </pc2:cmMkLst>
-            </pc226:cmChg>
-            <pc226:cmChg xmlns:pc226="http://schemas.microsoft.com/office/powerpoint/2022/06/main/command" chg="mod">
-              <pc226:chgData name="Julia Moeller" userId="0bcb1583-c1a4-48b5-87e6-2cc074d2d571" providerId="ADAL" clId="{C92DF3DE-23A5-4E98-85FA-AAD4EAE96412}" dt="2023-09-11T15:51:25.466" v="47"/>
-              <pc2:cmMkLst xmlns:pc2="http://schemas.microsoft.com/office/powerpoint/2019/9/main/command">
-                <pc:docMk/>
-                <pc:sldMk cId="202094033" sldId="260"/>
-                <pc2:cmMk id="{5D6042C8-D686-4A4E-94A4-1DBE80062F5C}"/>
-              </pc2:cmMkLst>
-            </pc226:cmChg>
-          </p:ext>
-        </pc:extLst>
-      </pc:sldChg>
-      <pc:sldChg chg="modSp mod">
-        <pc:chgData name="Julia Moeller" userId="0bcb1583-c1a4-48b5-87e6-2cc074d2d571" providerId="ADAL" clId="{C92DF3DE-23A5-4E98-85FA-AAD4EAE96412}" dt="2023-09-14T19:14:44.183" v="8146" actId="255"/>
-        <pc:sldMkLst>
-          <pc:docMk/>
-          <pc:sldMk cId="504484499" sldId="261"/>
-        </pc:sldMkLst>
-        <pc:spChg chg="mod">
-          <ac:chgData name="Julia Moeller" userId="0bcb1583-c1a4-48b5-87e6-2cc074d2d571" providerId="ADAL" clId="{C92DF3DE-23A5-4E98-85FA-AAD4EAE96412}" dt="2023-09-14T19:14:44.183" v="8146" actId="255"/>
-          <ac:spMkLst>
-            <pc:docMk/>
-            <pc:sldMk cId="504484499" sldId="261"/>
-            <ac:spMk id="3" creationId="{00000000-0000-0000-0000-000000000000}"/>
-          </ac:spMkLst>
-        </pc:spChg>
-      </pc:sldChg>
-      <pc:sldChg chg="modSp mod modCm">
-        <pc:chgData name="Julia Moeller" userId="0bcb1583-c1a4-48b5-87e6-2cc074d2d571" providerId="ADAL" clId="{C92DF3DE-23A5-4E98-85FA-AAD4EAE96412}" dt="2023-09-15T14:32:47.925" v="11379" actId="27636"/>
-        <pc:sldMkLst>
-          <pc:docMk/>
-          <pc:sldMk cId="2634020970" sldId="262"/>
-        </pc:sldMkLst>
-        <pc:spChg chg="mod">
-          <ac:chgData name="Julia Moeller" userId="0bcb1583-c1a4-48b5-87e6-2cc074d2d571" providerId="ADAL" clId="{C92DF3DE-23A5-4E98-85FA-AAD4EAE96412}" dt="2023-09-15T14:32:47.925" v="11379" actId="27636"/>
-          <ac:spMkLst>
-            <pc:docMk/>
-            <pc:sldMk cId="2634020970" sldId="262"/>
-            <ac:spMk id="3" creationId="{00000000-0000-0000-0000-000000000000}"/>
-          </ac:spMkLst>
-        </pc:spChg>
-        <pc:extLst>
-          <p:ext xmlns:p="http://schemas.openxmlformats.org/presentationml/2006/main" uri="{D6D511B9-2390-475A-947B-AFAB55BFBCF1}">
-            <pc226:cmChg xmlns:pc226="http://schemas.microsoft.com/office/powerpoint/2022/06/main/command" chg="mod">
-              <pc226:chgData name="Julia Moeller" userId="0bcb1583-c1a4-48b5-87e6-2cc074d2d571" providerId="ADAL" clId="{C92DF3DE-23A5-4E98-85FA-AAD4EAE96412}" dt="2023-09-15T13:43:45.854" v="11351"/>
-              <pc2:cmMkLst xmlns:pc2="http://schemas.microsoft.com/office/powerpoint/2019/9/main/command">
-                <pc:docMk/>
-                <pc:sldMk cId="2634020970" sldId="262"/>
-                <pc2:cmMk id="{0931E9EC-2FEF-4A43-825C-1CE561A61179}"/>
-              </pc2:cmMkLst>
-            </pc226:cmChg>
-          </p:ext>
-        </pc:extLst>
-      </pc:sldChg>
-      <pc:sldChg chg="modSp mod modCm">
-        <pc:chgData name="Julia Moeller" userId="0bcb1583-c1a4-48b5-87e6-2cc074d2d571" providerId="ADAL" clId="{C92DF3DE-23A5-4E98-85FA-AAD4EAE96412}" dt="2023-09-15T13:43:40.058" v="11350"/>
-        <pc:sldMkLst>
-          <pc:docMk/>
-          <pc:sldMk cId="1769676663" sldId="263"/>
-        </pc:sldMkLst>
-        <pc:spChg chg="mod">
-          <ac:chgData name="Julia Moeller" userId="0bcb1583-c1a4-48b5-87e6-2cc074d2d571" providerId="ADAL" clId="{C92DF3DE-23A5-4E98-85FA-AAD4EAE96412}" dt="2023-09-12T11:44:34.299" v="872" actId="20577"/>
-          <ac:spMkLst>
-            <pc:docMk/>
-            <pc:sldMk cId="1769676663" sldId="263"/>
-            <ac:spMk id="3" creationId="{00000000-0000-0000-0000-000000000000}"/>
-          </ac:spMkLst>
-        </pc:spChg>
-        <pc:extLst>
-          <p:ext xmlns:p="http://schemas.openxmlformats.org/presentationml/2006/main" uri="{D6D511B9-2390-475A-947B-AFAB55BFBCF1}">
-            <pc226:cmChg xmlns:pc226="http://schemas.microsoft.com/office/powerpoint/2022/06/main/command" chg="mod">
-              <pc226:chgData name="Julia Moeller" userId="0bcb1583-c1a4-48b5-87e6-2cc074d2d571" providerId="ADAL" clId="{C92DF3DE-23A5-4E98-85FA-AAD4EAE96412}" dt="2023-09-15T13:43:40.058" v="11350"/>
-              <pc2:cmMkLst xmlns:pc2="http://schemas.microsoft.com/office/powerpoint/2019/9/main/command">
-                <pc:docMk/>
-                <pc:sldMk cId="1769676663" sldId="263"/>
-                <pc2:cmMk id="{2DB13F38-A465-4481-8CAB-CF7CB1950CAA}"/>
-              </pc2:cmMkLst>
-            </pc226:cmChg>
-          </p:ext>
-        </pc:extLst>
-      </pc:sldChg>
-      <pc:sldChg chg="modSp del mod">
-        <pc:chgData name="Julia Moeller" userId="0bcb1583-c1a4-48b5-87e6-2cc074d2d571" providerId="ADAL" clId="{C92DF3DE-23A5-4E98-85FA-AAD4EAE96412}" dt="2023-09-15T08:59:23.701" v="8214" actId="2696"/>
-        <pc:sldMkLst>
-          <pc:docMk/>
-          <pc:sldMk cId="3102536807" sldId="264"/>
-        </pc:sldMkLst>
-        <pc:spChg chg="mod">
-          <ac:chgData name="Julia Moeller" userId="0bcb1583-c1a4-48b5-87e6-2cc074d2d571" providerId="ADAL" clId="{C92DF3DE-23A5-4E98-85FA-AAD4EAE96412}" dt="2023-09-12T11:46:16.458" v="885" actId="14100"/>
-          <ac:spMkLst>
-            <pc:docMk/>
-            <pc:sldMk cId="3102536807" sldId="264"/>
-            <ac:spMk id="3" creationId="{00000000-0000-0000-0000-000000000000}"/>
-          </ac:spMkLst>
-        </pc:spChg>
-      </pc:sldChg>
-      <pc:sldChg chg="addSp modSp mod modCm">
-        <pc:chgData name="Julia Moeller" userId="0bcb1583-c1a4-48b5-87e6-2cc074d2d571" providerId="ADAL" clId="{C92DF3DE-23A5-4E98-85FA-AAD4EAE96412}" dt="2023-09-29T13:29:34.165" v="11406" actId="20577"/>
-        <pc:sldMkLst>
-          <pc:docMk/>
-          <pc:sldMk cId="2225474753" sldId="266"/>
-        </pc:sldMkLst>
-        <pc:spChg chg="mod">
-          <ac:chgData name="Julia Moeller" userId="0bcb1583-c1a4-48b5-87e6-2cc074d2d571" providerId="ADAL" clId="{C92DF3DE-23A5-4E98-85FA-AAD4EAE96412}" dt="2023-09-29T13:29:34.165" v="11406" actId="20577"/>
-          <ac:spMkLst>
-            <pc:docMk/>
-            <pc:sldMk cId="2225474753" sldId="266"/>
-            <ac:spMk id="3" creationId="{00000000-0000-0000-0000-000000000000}"/>
-          </ac:spMkLst>
-        </pc:spChg>
-        <pc:picChg chg="add mod">
-          <ac:chgData name="Julia Moeller" userId="0bcb1583-c1a4-48b5-87e6-2cc074d2d571" providerId="ADAL" clId="{C92DF3DE-23A5-4E98-85FA-AAD4EAE96412}" dt="2023-09-12T08:53:45.181" v="676" actId="14100"/>
-          <ac:picMkLst>
-            <pc:docMk/>
-            <pc:sldMk cId="2225474753" sldId="266"/>
-            <ac:picMk id="4" creationId="{E07EAA22-65DA-BE1E-DDF3-2AB8648BB0B3}"/>
-          </ac:picMkLst>
-        </pc:picChg>
-        <pc:picChg chg="add mod">
-          <ac:chgData name="Julia Moeller" userId="0bcb1583-c1a4-48b5-87e6-2cc074d2d571" providerId="ADAL" clId="{C92DF3DE-23A5-4E98-85FA-AAD4EAE96412}" dt="2023-09-12T08:53:45.181" v="676" actId="14100"/>
-          <ac:picMkLst>
-            <pc:docMk/>
-            <pc:sldMk cId="2225474753" sldId="266"/>
-            <ac:picMk id="5" creationId="{FE89DA2C-0BCC-B9B6-558C-0AAFB4779B17}"/>
-          </ac:picMkLst>
-        </pc:picChg>
-        <pc:extLst>
-          <p:ext xmlns:p="http://schemas.openxmlformats.org/presentationml/2006/main" uri="{D6D511B9-2390-475A-947B-AFAB55BFBCF1}">
-            <pc226:cmChg xmlns:pc226="http://schemas.microsoft.com/office/powerpoint/2022/06/main/command" chg="mod">
-              <pc226:chgData name="Julia Moeller" userId="0bcb1583-c1a4-48b5-87e6-2cc074d2d571" providerId="ADAL" clId="{C92DF3DE-23A5-4E98-85FA-AAD4EAE96412}" dt="2023-09-15T13:43:50.510" v="11352"/>
-              <pc2:cmMkLst xmlns:pc2="http://schemas.microsoft.com/office/powerpoint/2019/9/main/command">
-                <pc:docMk/>
-                <pc:sldMk cId="2225474753" sldId="266"/>
-                <pc2:cmMk id="{5CDD6356-F445-42F5-AD2B-BC6C6BAFBBB7}"/>
-              </pc2:cmMkLst>
-            </pc226:cmChg>
-          </p:ext>
-        </pc:extLst>
-      </pc:sldChg>
-      <pc:sldChg chg="addSp delSp modSp mod modCm">
-        <pc:chgData name="Julia Moeller" userId="0bcb1583-c1a4-48b5-87e6-2cc074d2d571" providerId="ADAL" clId="{C92DF3DE-23A5-4E98-85FA-AAD4EAE96412}" dt="2023-09-15T13:43:56.338" v="11353"/>
-        <pc:sldMkLst>
-          <pc:docMk/>
-          <pc:sldMk cId="1706080260" sldId="267"/>
-        </pc:sldMkLst>
-        <pc:spChg chg="add del mod">
-          <ac:chgData name="Julia Moeller" userId="0bcb1583-c1a4-48b5-87e6-2cc074d2d571" providerId="ADAL" clId="{C92DF3DE-23A5-4E98-85FA-AAD4EAE96412}" dt="2023-09-12T08:47:46.139" v="612" actId="478"/>
-          <ac:spMkLst>
-            <pc:docMk/>
-            <pc:sldMk cId="1706080260" sldId="267"/>
-            <ac:spMk id="4" creationId="{87A461C3-36D4-7D75-4D72-4543AA5F9B87}"/>
-          </ac:spMkLst>
-        </pc:spChg>
-        <pc:spChg chg="mod">
-          <ac:chgData name="Julia Moeller" userId="0bcb1583-c1a4-48b5-87e6-2cc074d2d571" providerId="ADAL" clId="{C92DF3DE-23A5-4E98-85FA-AAD4EAE96412}" dt="2023-09-12T12:34:47.710" v="905" actId="179"/>
-          <ac:spMkLst>
-            <pc:docMk/>
-            <pc:sldMk cId="1706080260" sldId="267"/>
-            <ac:spMk id="15" creationId="{00000000-0000-0000-0000-000000000000}"/>
-          </ac:spMkLst>
-        </pc:spChg>
-        <pc:picChg chg="del">
-          <ac:chgData name="Julia Moeller" userId="0bcb1583-c1a4-48b5-87e6-2cc074d2d571" providerId="ADAL" clId="{C92DF3DE-23A5-4E98-85FA-AAD4EAE96412}" dt="2023-09-12T08:37:37.882" v="571" actId="21"/>
-          <ac:picMkLst>
-            <pc:docMk/>
-            <pc:sldMk cId="1706080260" sldId="267"/>
-            <ac:picMk id="6" creationId="{00000000-0000-0000-0000-000000000000}"/>
-          </ac:picMkLst>
-        </pc:picChg>
-        <pc:picChg chg="del">
-          <ac:chgData name="Julia Moeller" userId="0bcb1583-c1a4-48b5-87e6-2cc074d2d571" providerId="ADAL" clId="{C92DF3DE-23A5-4E98-85FA-AAD4EAE96412}" dt="2023-09-12T08:37:37.882" v="571" actId="21"/>
-          <ac:picMkLst>
-            <pc:docMk/>
-            <pc:sldMk cId="1706080260" sldId="267"/>
-            <ac:picMk id="12" creationId="{00000000-0000-0000-0000-000000000000}"/>
-          </ac:picMkLst>
-        </pc:picChg>
-        <pc:picChg chg="mod">
-          <ac:chgData name="Julia Moeller" userId="0bcb1583-c1a4-48b5-87e6-2cc074d2d571" providerId="ADAL" clId="{C92DF3DE-23A5-4E98-85FA-AAD4EAE96412}" dt="2023-09-12T08:48:15.142" v="618" actId="1076"/>
-          <ac:picMkLst>
-            <pc:docMk/>
-            <pc:sldMk cId="1706080260" sldId="267"/>
-            <ac:picMk id="14" creationId="{00000000-0000-0000-0000-000000000000}"/>
-          </ac:picMkLst>
-        </pc:picChg>
-        <pc:cxnChg chg="del">
-          <ac:chgData name="Julia Moeller" userId="0bcb1583-c1a4-48b5-87e6-2cc074d2d571" providerId="ADAL" clId="{C92DF3DE-23A5-4E98-85FA-AAD4EAE96412}" dt="2023-09-12T08:40:45.453" v="604" actId="478"/>
-          <ac:cxnSpMkLst>
-            <pc:docMk/>
-            <pc:sldMk cId="1706080260" sldId="267"/>
-            <ac:cxnSpMk id="10" creationId="{00000000-0000-0000-0000-000000000000}"/>
-          </ac:cxnSpMkLst>
-        </pc:cxnChg>
-        <pc:extLst>
-          <p:ext xmlns:p="http://schemas.openxmlformats.org/presentationml/2006/main" uri="{D6D511B9-2390-475A-947B-AFAB55BFBCF1}">
-            <pc226:cmChg xmlns:pc226="http://schemas.microsoft.com/office/powerpoint/2022/06/main/command" chg="mod">
-              <pc226:chgData name="Julia Moeller" userId="0bcb1583-c1a4-48b5-87e6-2cc074d2d571" providerId="ADAL" clId="{C92DF3DE-23A5-4E98-85FA-AAD4EAE96412}" dt="2023-09-15T13:43:56.338" v="11353"/>
-              <pc2:cmMkLst xmlns:pc2="http://schemas.microsoft.com/office/powerpoint/2019/9/main/command">
-                <pc:docMk/>
-                <pc:sldMk cId="1706080260" sldId="267"/>
-                <pc2:cmMk id="{80926223-C0B3-4D62-9294-42924E625AD7}"/>
-              </pc2:cmMkLst>
-            </pc226:cmChg>
-            <pc226:cmChg xmlns:pc226="http://schemas.microsoft.com/office/powerpoint/2022/06/main/command" chg="mod">
-              <pc226:chgData name="Julia Moeller" userId="0bcb1583-c1a4-48b5-87e6-2cc074d2d571" providerId="ADAL" clId="{C92DF3DE-23A5-4E98-85FA-AAD4EAE96412}" dt="2023-09-12T11:37:06" v="696"/>
-              <pc2:cmMkLst xmlns:pc2="http://schemas.microsoft.com/office/powerpoint/2019/9/main/command">
-                <pc:docMk/>
-                <pc:sldMk cId="1706080260" sldId="267"/>
-                <pc2:cmMk id="{5BFD4FCC-46CC-4C7C-B44C-F86AE9626C7E}"/>
-              </pc2:cmMkLst>
-            </pc226:cmChg>
-          </p:ext>
-        </pc:extLst>
-      </pc:sldChg>
-      <pc:sldChg chg="addSp delSp modSp mod">
-        <pc:chgData name="Julia Moeller" userId="0bcb1583-c1a4-48b5-87e6-2cc074d2d571" providerId="ADAL" clId="{C92DF3DE-23A5-4E98-85FA-AAD4EAE96412}" dt="2023-09-14T19:17:08.325" v="8155" actId="113"/>
-        <pc:sldMkLst>
-          <pc:docMk/>
-          <pc:sldMk cId="2953695296" sldId="268"/>
-        </pc:sldMkLst>
-        <pc:spChg chg="mod">
-          <ac:chgData name="Julia Moeller" userId="0bcb1583-c1a4-48b5-87e6-2cc074d2d571" providerId="ADAL" clId="{C92DF3DE-23A5-4E98-85FA-AAD4EAE96412}" dt="2023-09-13T14:29:48.005" v="3747" actId="20577"/>
-          <ac:spMkLst>
-            <pc:docMk/>
-            <pc:sldMk cId="2953695296" sldId="268"/>
-            <ac:spMk id="2" creationId="{00000000-0000-0000-0000-000000000000}"/>
-          </ac:spMkLst>
-        </pc:spChg>
-        <pc:spChg chg="mod">
-          <ac:chgData name="Julia Moeller" userId="0bcb1583-c1a4-48b5-87e6-2cc074d2d571" providerId="ADAL" clId="{C92DF3DE-23A5-4E98-85FA-AAD4EAE96412}" dt="2023-09-14T19:17:08.325" v="8155" actId="113"/>
-          <ac:spMkLst>
-            <pc:docMk/>
-            <pc:sldMk cId="2953695296" sldId="268"/>
-            <ac:spMk id="3" creationId="{00000000-0000-0000-0000-000000000000}"/>
-          </ac:spMkLst>
-        </pc:spChg>
-        <pc:spChg chg="del">
-          <ac:chgData name="Julia Moeller" userId="0bcb1583-c1a4-48b5-87e6-2cc074d2d571" providerId="ADAL" clId="{C92DF3DE-23A5-4E98-85FA-AAD4EAE96412}" dt="2023-09-12T11:40:23.414" v="842" actId="478"/>
-          <ac:spMkLst>
-            <pc:docMk/>
-            <pc:sldMk cId="2953695296" sldId="268"/>
-            <ac:spMk id="6" creationId="{00000000-0000-0000-0000-000000000000}"/>
-          </ac:spMkLst>
-        </pc:spChg>
-        <pc:picChg chg="del mod">
-          <ac:chgData name="Julia Moeller" userId="0bcb1583-c1a4-48b5-87e6-2cc074d2d571" providerId="ADAL" clId="{C92DF3DE-23A5-4E98-85FA-AAD4EAE96412}" dt="2023-09-12T11:41:22.006" v="848" actId="478"/>
-          <ac:picMkLst>
-            <pc:docMk/>
-            <pc:sldMk cId="2953695296" sldId="268"/>
-            <ac:picMk id="4" creationId="{00000000-0000-0000-0000-000000000000}"/>
-          </ac:picMkLst>
-        </pc:picChg>
-        <pc:picChg chg="add mod">
-          <ac:chgData name="Julia Moeller" userId="0bcb1583-c1a4-48b5-87e6-2cc074d2d571" providerId="ADAL" clId="{C92DF3DE-23A5-4E98-85FA-AAD4EAE96412}" dt="2023-09-13T06:25:24.328" v="1088" actId="1076"/>
-          <ac:picMkLst>
-            <pc:docMk/>
-            <pc:sldMk cId="2953695296" sldId="268"/>
-            <ac:picMk id="7" creationId="{CCCEA295-F6C8-57AB-83C8-E8155F793EAE}"/>
-          </ac:picMkLst>
-        </pc:picChg>
-      </pc:sldChg>
-      <pc:sldChg chg="addSp delSp modSp mod modCm">
-        <pc:chgData name="Julia Moeller" userId="0bcb1583-c1a4-48b5-87e6-2cc074d2d571" providerId="ADAL" clId="{C92DF3DE-23A5-4E98-85FA-AAD4EAE96412}" dt="2023-09-14T19:18:22.577" v="8199" actId="20577"/>
-        <pc:sldMkLst>
-          <pc:docMk/>
-          <pc:sldMk cId="1311594560" sldId="269"/>
-        </pc:sldMkLst>
-        <pc:spChg chg="mod">
-          <ac:chgData name="Julia Moeller" userId="0bcb1583-c1a4-48b5-87e6-2cc074d2d571" providerId="ADAL" clId="{C92DF3DE-23A5-4E98-85FA-AAD4EAE96412}" dt="2023-09-13T14:30:14.497" v="3774" actId="20577"/>
-          <ac:spMkLst>
-            <pc:docMk/>
-            <pc:sldMk cId="1311594560" sldId="269"/>
-            <ac:spMk id="2" creationId="{00000000-0000-0000-0000-000000000000}"/>
-          </ac:spMkLst>
-        </pc:spChg>
-        <pc:spChg chg="mod">
-          <ac:chgData name="Julia Moeller" userId="0bcb1583-c1a4-48b5-87e6-2cc074d2d571" providerId="ADAL" clId="{C92DF3DE-23A5-4E98-85FA-AAD4EAE96412}" dt="2023-09-14T19:18:22.577" v="8199" actId="20577"/>
-          <ac:spMkLst>
-            <pc:docMk/>
-            <pc:sldMk cId="1311594560" sldId="269"/>
-            <ac:spMk id="3" creationId="{00000000-0000-0000-0000-000000000000}"/>
-          </ac:spMkLst>
-        </pc:spChg>
-        <pc:spChg chg="del mod">
-          <ac:chgData name="Julia Moeller" userId="0bcb1583-c1a4-48b5-87e6-2cc074d2d571" providerId="ADAL" clId="{C92DF3DE-23A5-4E98-85FA-AAD4EAE96412}" dt="2023-09-13T06:55:04.282" v="1429" actId="478"/>
-          <ac:spMkLst>
-            <pc:docMk/>
-            <pc:sldMk cId="1311594560" sldId="269"/>
-            <ac:spMk id="8" creationId="{00000000-0000-0000-0000-000000000000}"/>
-          </ac:spMkLst>
-        </pc:spChg>
-        <pc:spChg chg="del">
-          <ac:chgData name="Julia Moeller" userId="0bcb1583-c1a4-48b5-87e6-2cc074d2d571" providerId="ADAL" clId="{C92DF3DE-23A5-4E98-85FA-AAD4EAE96412}" dt="2023-09-13T06:31:06.640" v="1154" actId="478"/>
-          <ac:spMkLst>
-            <pc:docMk/>
-            <pc:sldMk cId="1311594560" sldId="269"/>
-            <ac:spMk id="9" creationId="{00000000-0000-0000-0000-000000000000}"/>
-          </ac:spMkLst>
-        </pc:spChg>
-        <pc:spChg chg="del mod">
-          <ac:chgData name="Julia Moeller" userId="0bcb1583-c1a4-48b5-87e6-2cc074d2d571" providerId="ADAL" clId="{C92DF3DE-23A5-4E98-85FA-AAD4EAE96412}" dt="2023-09-13T06:51:31.422" v="1354" actId="478"/>
-          <ac:spMkLst>
-            <pc:docMk/>
-            <pc:sldMk cId="1311594560" sldId="269"/>
-            <ac:spMk id="10" creationId="{00000000-0000-0000-0000-000000000000}"/>
-          </ac:spMkLst>
-        </pc:spChg>
-        <pc:spChg chg="mod">
-          <ac:chgData name="Julia Moeller" userId="0bcb1583-c1a4-48b5-87e6-2cc074d2d571" providerId="ADAL" clId="{C92DF3DE-23A5-4E98-85FA-AAD4EAE96412}" dt="2023-09-13T07:14:38.467" v="1566" actId="1076"/>
-          <ac:spMkLst>
-            <pc:docMk/>
-            <pc:sldMk cId="1311594560" sldId="269"/>
-            <ac:spMk id="16" creationId="{EEAFD3CE-705C-600A-DC8E-C11AC914EF6C}"/>
-          </ac:spMkLst>
-        </pc:spChg>
-        <pc:spChg chg="add mod">
-          <ac:chgData name="Julia Moeller" userId="0bcb1583-c1a4-48b5-87e6-2cc074d2d571" providerId="ADAL" clId="{C92DF3DE-23A5-4E98-85FA-AAD4EAE96412}" dt="2023-09-13T07:14:31.970" v="1565" actId="1076"/>
-          <ac:spMkLst>
-            <pc:docMk/>
-            <pc:sldMk cId="1311594560" sldId="269"/>
-            <ac:spMk id="17" creationId="{C57FF0E0-7DC3-5E6D-0604-64E7E805A801}"/>
-          </ac:spMkLst>
-        </pc:spChg>
-        <pc:spChg chg="add mod">
-          <ac:chgData name="Julia Moeller" userId="0bcb1583-c1a4-48b5-87e6-2cc074d2d571" providerId="ADAL" clId="{C92DF3DE-23A5-4E98-85FA-AAD4EAE96412}" dt="2023-09-13T07:14:41.708" v="1567" actId="1076"/>
-          <ac:spMkLst>
-            <pc:docMk/>
-            <pc:sldMk cId="1311594560" sldId="269"/>
-            <ac:spMk id="18" creationId="{E408356E-44CE-C414-3556-185BBF3B8CFF}"/>
-          </ac:spMkLst>
-        </pc:spChg>
-        <pc:spChg chg="add mod">
-          <ac:chgData name="Julia Moeller" userId="0bcb1583-c1a4-48b5-87e6-2cc074d2d571" providerId="ADAL" clId="{C92DF3DE-23A5-4E98-85FA-AAD4EAE96412}" dt="2023-09-13T08:25:14.322" v="2364" actId="14100"/>
-          <ac:spMkLst>
-            <pc:docMk/>
-            <pc:sldMk cId="1311594560" sldId="269"/>
-            <ac:spMk id="20" creationId="{D4ACC95C-D3AD-592E-9BF7-1152F53AFDD5}"/>
-          </ac:spMkLst>
-        </pc:spChg>
-        <pc:grpChg chg="del mod">
-          <ac:chgData name="Julia Moeller" userId="0bcb1583-c1a4-48b5-87e6-2cc074d2d571" providerId="ADAL" clId="{C92DF3DE-23A5-4E98-85FA-AAD4EAE96412}" dt="2023-09-13T06:20:49.933" v="986" actId="478"/>
-          <ac:grpSpMkLst>
-            <pc:docMk/>
-            <pc:sldMk cId="1311594560" sldId="269"/>
-            <ac:grpSpMk id="7" creationId="{00000000-0000-0000-0000-000000000000}"/>
-          </ac:grpSpMkLst>
-        </pc:grpChg>
-        <pc:grpChg chg="add mod">
-          <ac:chgData name="Julia Moeller" userId="0bcb1583-c1a4-48b5-87e6-2cc074d2d571" providerId="ADAL" clId="{C92DF3DE-23A5-4E98-85FA-AAD4EAE96412}" dt="2023-09-13T07:10:33.973" v="1519" actId="164"/>
-          <ac:grpSpMkLst>
-            <pc:docMk/>
-            <pc:sldMk cId="1311594560" sldId="269"/>
-            <ac:grpSpMk id="14" creationId="{BB2EB9C1-9BB4-3AE1-EF3D-CFFA8E91D14A}"/>
-          </ac:grpSpMkLst>
-        </pc:grpChg>
-        <pc:grpChg chg="add mod">
-          <ac:chgData name="Julia Moeller" userId="0bcb1583-c1a4-48b5-87e6-2cc074d2d571" providerId="ADAL" clId="{C92DF3DE-23A5-4E98-85FA-AAD4EAE96412}" dt="2023-09-13T08:25:03.930" v="2362" actId="1076"/>
-          <ac:grpSpMkLst>
-            <pc:docMk/>
-            <pc:sldMk cId="1311594560" sldId="269"/>
-            <ac:grpSpMk id="19" creationId="{91670712-6DD5-CF02-B0FC-74B1E784055A}"/>
-          </ac:grpSpMkLst>
-        </pc:grpChg>
-        <pc:picChg chg="add del mod">
-          <ac:chgData name="Julia Moeller" userId="0bcb1583-c1a4-48b5-87e6-2cc074d2d571" providerId="ADAL" clId="{C92DF3DE-23A5-4E98-85FA-AAD4EAE96412}" dt="2023-09-13T06:31:16.840" v="1155" actId="478"/>
-          <ac:picMkLst>
-            <pc:docMk/>
-            <pc:sldMk cId="1311594560" sldId="269"/>
-            <ac:picMk id="11" creationId="{28FA3161-75B7-1AA6-24ED-DD9AF0DDE3E2}"/>
-          </ac:picMkLst>
-        </pc:picChg>
-        <pc:picChg chg="add mod">
-          <ac:chgData name="Julia Moeller" userId="0bcb1583-c1a4-48b5-87e6-2cc074d2d571" providerId="ADAL" clId="{C92DF3DE-23A5-4E98-85FA-AAD4EAE96412}" dt="2023-09-13T08:25:01.239" v="2361" actId="1076"/>
-          <ac:picMkLst>
-            <pc:docMk/>
-            <pc:sldMk cId="1311594560" sldId="269"/>
-            <ac:picMk id="13" creationId="{0F3122D6-A648-5D79-D9B7-871F19069138}"/>
-          </ac:picMkLst>
-        </pc:picChg>
-        <pc:picChg chg="mod">
-          <ac:chgData name="Julia Moeller" userId="0bcb1583-c1a4-48b5-87e6-2cc074d2d571" providerId="ADAL" clId="{C92DF3DE-23A5-4E98-85FA-AAD4EAE96412}" dt="2023-09-13T07:07:23.204" v="1490"/>
-          <ac:picMkLst>
-            <pc:docMk/>
-            <pc:sldMk cId="1311594560" sldId="269"/>
-            <ac:picMk id="15" creationId="{2F21ABE6-CFB1-6FCA-3926-C011FF4294A4}"/>
-          </ac:picMkLst>
-        </pc:picChg>
-        <pc:extLst>
-          <p:ext xmlns:p="http://schemas.openxmlformats.org/presentationml/2006/main" uri="{D6D511B9-2390-475A-947B-AFAB55BFBCF1}">
-            <pc226:cmChg xmlns:pc226="http://schemas.microsoft.com/office/powerpoint/2022/06/main/command" chg="mod">
-              <pc226:chgData name="Julia Moeller" userId="0bcb1583-c1a4-48b5-87e6-2cc074d2d571" providerId="ADAL" clId="{C92DF3DE-23A5-4E98-85FA-AAD4EAE96412}" dt="2023-09-13T09:30:15.472" v="2728"/>
-              <pc2:cmMkLst xmlns:pc2="http://schemas.microsoft.com/office/powerpoint/2019/9/main/command">
-                <pc:docMk/>
-                <pc:sldMk cId="1311594560" sldId="269"/>
-                <pc2:cmMk id="{68A53F02-F702-40B3-8E69-13A15647A57E}"/>
-              </pc2:cmMkLst>
-            </pc226:cmChg>
-            <pc226:cmChg xmlns:pc226="http://schemas.microsoft.com/office/powerpoint/2022/06/main/command" chg="mod">
-              <pc226:chgData name="Julia Moeller" userId="0bcb1583-c1a4-48b5-87e6-2cc074d2d571" providerId="ADAL" clId="{C92DF3DE-23A5-4E98-85FA-AAD4EAE96412}" dt="2023-09-12T12:00:17.129" v="897"/>
-              <pc2:cmMkLst xmlns:pc2="http://schemas.microsoft.com/office/powerpoint/2019/9/main/command">
-                <pc:docMk/>
-                <pc:sldMk cId="1311594560" sldId="269"/>
-                <pc2:cmMk id="{76B72D18-7DE8-4043-AF1C-8EE1039EC246}"/>
-              </pc2:cmMkLst>
-            </pc226:cmChg>
-            <pc226:cmChg xmlns:pc226="http://schemas.microsoft.com/office/powerpoint/2022/06/main/command" chg="mod">
-              <pc226:chgData name="Julia Moeller" userId="0bcb1583-c1a4-48b5-87e6-2cc074d2d571" providerId="ADAL" clId="{C92DF3DE-23A5-4E98-85FA-AAD4EAE96412}" dt="2023-09-12T12:00:18.720" v="898"/>
-              <pc2:cmMkLst xmlns:pc2="http://schemas.microsoft.com/office/powerpoint/2019/9/main/command">
-                <pc:docMk/>
-                <pc:sldMk cId="1311594560" sldId="269"/>
-                <pc2:cmMk id="{D480513E-3153-437F-8AAE-C15512801FE9}"/>
-              </pc2:cmMkLst>
-            </pc226:cmChg>
-            <pc226:cmChg xmlns:pc226="http://schemas.microsoft.com/office/powerpoint/2022/06/main/command" chg="mod">
-              <pc226:chgData name="Julia Moeller" userId="0bcb1583-c1a4-48b5-87e6-2cc074d2d571" providerId="ADAL" clId="{C92DF3DE-23A5-4E98-85FA-AAD4EAE96412}" dt="2023-09-13T09:30:17.726" v="2729"/>
-              <pc2:cmMkLst xmlns:pc2="http://schemas.microsoft.com/office/powerpoint/2019/9/main/command">
-                <pc:docMk/>
-                <pc:sldMk cId="1311594560" sldId="269"/>
-                <pc2:cmMk id="{20A70480-B211-4F03-AE64-BDB953D7E5AB}"/>
-              </pc2:cmMkLst>
-            </pc226:cmChg>
-          </p:ext>
-        </pc:extLst>
-      </pc:sldChg>
-      <pc:sldChg chg="addSp delSp modSp mod addCm modCm">
-        <pc:chgData name="Julia Moeller" userId="0bcb1583-c1a4-48b5-87e6-2cc074d2d571" providerId="ADAL" clId="{C92DF3DE-23A5-4E98-85FA-AAD4EAE96412}" dt="2023-09-29T13:34:02.781" v="11415" actId="20577"/>
-        <pc:sldMkLst>
-          <pc:docMk/>
-          <pc:sldMk cId="2315915978" sldId="270"/>
-        </pc:sldMkLst>
-        <pc:spChg chg="mod">
-          <ac:chgData name="Julia Moeller" userId="0bcb1583-c1a4-48b5-87e6-2cc074d2d571" providerId="ADAL" clId="{C92DF3DE-23A5-4E98-85FA-AAD4EAE96412}" dt="2023-09-13T07:49:25.056" v="1903" actId="20577"/>
-          <ac:spMkLst>
-            <pc:docMk/>
-            <pc:sldMk cId="2315915978" sldId="270"/>
-            <ac:spMk id="2" creationId="{00000000-0000-0000-0000-000000000000}"/>
-          </ac:spMkLst>
-        </pc:spChg>
-        <pc:spChg chg="mod">
-          <ac:chgData name="Julia Moeller" userId="0bcb1583-c1a4-48b5-87e6-2cc074d2d571" providerId="ADAL" clId="{C92DF3DE-23A5-4E98-85FA-AAD4EAE96412}" dt="2023-09-29T13:34:02.781" v="11415" actId="20577"/>
-          <ac:spMkLst>
-            <pc:docMk/>
-            <pc:sldMk cId="2315915978" sldId="270"/>
-            <ac:spMk id="3" creationId="{00000000-0000-0000-0000-000000000000}"/>
-          </ac:spMkLst>
-        </pc:spChg>
-        <pc:spChg chg="add del mod">
-          <ac:chgData name="Julia Moeller" userId="0bcb1583-c1a4-48b5-87e6-2cc074d2d571" providerId="ADAL" clId="{C92DF3DE-23A5-4E98-85FA-AAD4EAE96412}" dt="2023-09-13T08:37:39.587" v="2376" actId="478"/>
-          <ac:spMkLst>
-            <pc:docMk/>
-            <pc:sldMk cId="2315915978" sldId="270"/>
-            <ac:spMk id="4" creationId="{67F20F6A-01DA-FCFB-A184-F2542A561F27}"/>
-          </ac:spMkLst>
-        </pc:spChg>
-        <pc:spChg chg="add mod">
-          <ac:chgData name="Julia Moeller" userId="0bcb1583-c1a4-48b5-87e6-2cc074d2d571" providerId="ADAL" clId="{C92DF3DE-23A5-4E98-85FA-AAD4EAE96412}" dt="2023-09-13T08:38:58.325" v="2380" actId="1076"/>
-          <ac:spMkLst>
-            <pc:docMk/>
-            <pc:sldMk cId="2315915978" sldId="270"/>
-            <ac:spMk id="5" creationId="{BCEB808B-0A3E-8F58-C2B2-A8A7F6D262D5}"/>
-          </ac:spMkLst>
-        </pc:spChg>
-        <pc:spChg chg="add mod">
-          <ac:chgData name="Julia Moeller" userId="0bcb1583-c1a4-48b5-87e6-2cc074d2d571" providerId="ADAL" clId="{C92DF3DE-23A5-4E98-85FA-AAD4EAE96412}" dt="2023-09-13T08:39:03.224" v="2381" actId="1076"/>
-          <ac:spMkLst>
-            <pc:docMk/>
-            <pc:sldMk cId="2315915978" sldId="270"/>
-            <ac:spMk id="6" creationId="{70A8C7BC-DD65-8632-F5F7-399D61CCDB5F}"/>
-          </ac:spMkLst>
-        </pc:spChg>
-        <pc:extLst>
-          <p:ext xmlns:p="http://schemas.openxmlformats.org/presentationml/2006/main" uri="{D6D511B9-2390-475A-947B-AFAB55BFBCF1}">
-            <pc226:cmChg xmlns:pc226="http://schemas.microsoft.com/office/powerpoint/2022/06/main/command" chg="mod">
-              <pc226:chgData name="Julia Moeller" userId="0bcb1583-c1a4-48b5-87e6-2cc074d2d571" providerId="ADAL" clId="{C92DF3DE-23A5-4E98-85FA-AAD4EAE96412}" dt="2023-09-13T09:30:22.219" v="2730"/>
-              <pc2:cmMkLst xmlns:pc2="http://schemas.microsoft.com/office/powerpoint/2019/9/main/command">
-                <pc:docMk/>
-                <pc:sldMk cId="2315915978" sldId="270"/>
-                <pc2:cmMk id="{B7988C69-0866-486E-B3CE-2ADFF0698704}"/>
-              </pc2:cmMkLst>
-            </pc226:cmChg>
-            <pc226:cmChg xmlns:pc226="http://schemas.microsoft.com/office/powerpoint/2022/06/main/command" chg="add">
-              <pc226:chgData name="Julia Moeller" userId="0bcb1583-c1a4-48b5-87e6-2cc074d2d571" providerId="ADAL" clId="{C92DF3DE-23A5-4E98-85FA-AAD4EAE96412}" dt="2023-09-29T13:33:30.313" v="11413"/>
-              <pc2:cmMkLst xmlns:pc2="http://schemas.microsoft.com/office/powerpoint/2019/9/main/command">
-                <pc:docMk/>
-                <pc:sldMk cId="2315915978" sldId="270"/>
-                <pc2:cmMk id="{1AE6ACD6-AB3A-4920-8B05-C36FD966933F}"/>
-              </pc2:cmMkLst>
-            </pc226:cmChg>
-          </p:ext>
-        </pc:extLst>
-      </pc:sldChg>
-      <pc:sldChg chg="addSp delSp modSp mod delCm modCm">
-        <pc:chgData name="Julia Moeller" userId="0bcb1583-c1a4-48b5-87e6-2cc074d2d571" providerId="ADAL" clId="{C92DF3DE-23A5-4E98-85FA-AAD4EAE96412}" dt="2023-09-29T13:34:14.952" v="11417" actId="20577"/>
-        <pc:sldMkLst>
-          <pc:docMk/>
-          <pc:sldMk cId="2226570163" sldId="271"/>
-        </pc:sldMkLst>
-        <pc:spChg chg="mod">
-          <ac:chgData name="Julia Moeller" userId="0bcb1583-c1a4-48b5-87e6-2cc074d2d571" providerId="ADAL" clId="{C92DF3DE-23A5-4E98-85FA-AAD4EAE96412}" dt="2023-09-13T14:29:17.025" v="3708" actId="20577"/>
-          <ac:spMkLst>
-            <pc:docMk/>
-            <pc:sldMk cId="2226570163" sldId="271"/>
-            <ac:spMk id="2" creationId="{00000000-0000-0000-0000-000000000000}"/>
-          </ac:spMkLst>
-        </pc:spChg>
-        <pc:spChg chg="mod">
-          <ac:chgData name="Julia Moeller" userId="0bcb1583-c1a4-48b5-87e6-2cc074d2d571" providerId="ADAL" clId="{C92DF3DE-23A5-4E98-85FA-AAD4EAE96412}" dt="2023-09-29T13:34:14.952" v="11417" actId="20577"/>
-          <ac:spMkLst>
-            <pc:docMk/>
-            <pc:sldMk cId="2226570163" sldId="271"/>
-            <ac:spMk id="4" creationId="{00000000-0000-0000-0000-000000000000}"/>
-          </ac:spMkLst>
-        </pc:spChg>
-        <pc:spChg chg="del mod">
-          <ac:chgData name="Julia Moeller" userId="0bcb1583-c1a4-48b5-87e6-2cc074d2d571" providerId="ADAL" clId="{C92DF3DE-23A5-4E98-85FA-AAD4EAE96412}" dt="2023-09-13T09:27:20.098" v="2697" actId="478"/>
-          <ac:spMkLst>
-            <pc:docMk/>
-            <pc:sldMk cId="2226570163" sldId="271"/>
-            <ac:spMk id="7" creationId="{00000000-0000-0000-0000-000000000000}"/>
-          </ac:spMkLst>
-        </pc:spChg>
-        <pc:grpChg chg="add mod">
-          <ac:chgData name="Julia Moeller" userId="0bcb1583-c1a4-48b5-87e6-2cc074d2d571" providerId="ADAL" clId="{C92DF3DE-23A5-4E98-85FA-AAD4EAE96412}" dt="2023-09-13T10:18:11.557" v="3041" actId="164"/>
-          <ac:grpSpMkLst>
-            <pc:docMk/>
-            <pc:sldMk cId="2226570163" sldId="271"/>
-            <ac:grpSpMk id="9" creationId="{F1CF12FC-6D29-C021-4344-BEE79C22AFC0}"/>
-          </ac:grpSpMkLst>
-        </pc:grpChg>
-        <pc:grpChg chg="add mod">
-          <ac:chgData name="Julia Moeller" userId="0bcb1583-c1a4-48b5-87e6-2cc074d2d571" providerId="ADAL" clId="{C92DF3DE-23A5-4E98-85FA-AAD4EAE96412}" dt="2023-09-13T10:25:36.490" v="3069" actId="1076"/>
-          <ac:grpSpMkLst>
-            <pc:docMk/>
-            <pc:sldMk cId="2226570163" sldId="271"/>
-            <ac:grpSpMk id="10" creationId="{8AEB495A-AF8B-3A37-FAF0-B9AFE5AF079C}"/>
-          </ac:grpSpMkLst>
-        </pc:grpChg>
-        <pc:picChg chg="add mod modCrop">
-          <ac:chgData name="Julia Moeller" userId="0bcb1583-c1a4-48b5-87e6-2cc074d2d571" providerId="ADAL" clId="{C92DF3DE-23A5-4E98-85FA-AAD4EAE96412}" dt="2023-09-13T10:24:38.208" v="3058" actId="164"/>
-          <ac:picMkLst>
-            <pc:docMk/>
-            <pc:sldMk cId="2226570163" sldId="271"/>
-            <ac:picMk id="5" creationId="{32A65B8C-E1F2-AED3-F76F-1066BBE5B142}"/>
-          </ac:picMkLst>
-        </pc:picChg>
-        <pc:picChg chg="del mod">
-          <ac:chgData name="Julia Moeller" userId="0bcb1583-c1a4-48b5-87e6-2cc074d2d571" providerId="ADAL" clId="{C92DF3DE-23A5-4E98-85FA-AAD4EAE96412}" dt="2023-09-13T09:25:37.267" v="2631" actId="478"/>
-          <ac:picMkLst>
-            <pc:docMk/>
-            <pc:sldMk cId="2226570163" sldId="271"/>
-            <ac:picMk id="6" creationId="{00000000-0000-0000-0000-000000000000}"/>
-          </ac:picMkLst>
-        </pc:picChg>
-        <pc:picChg chg="add mod modCrop">
-          <ac:chgData name="Julia Moeller" userId="0bcb1583-c1a4-48b5-87e6-2cc074d2d571" providerId="ADAL" clId="{C92DF3DE-23A5-4E98-85FA-AAD4EAE96412}" dt="2023-09-13T10:24:38.208" v="3058" actId="164"/>
-          <ac:picMkLst>
-            <pc:docMk/>
-            <pc:sldMk cId="2226570163" sldId="271"/>
-            <ac:picMk id="8" creationId="{B760E86B-2025-AB07-D456-572ED56A6504}"/>
-          </ac:picMkLst>
-        </pc:picChg>
-        <pc:extLst>
-          <p:ext xmlns:p="http://schemas.openxmlformats.org/presentationml/2006/main" uri="{D6D511B9-2390-475A-947B-AFAB55BFBCF1}">
-            <pc226:cmChg xmlns:pc226="http://schemas.microsoft.com/office/powerpoint/2022/06/main/command" chg="mod">
-              <pc226:chgData name="Julia Moeller" userId="0bcb1583-c1a4-48b5-87e6-2cc074d2d571" providerId="ADAL" clId="{C92DF3DE-23A5-4E98-85FA-AAD4EAE96412}" dt="2023-09-13T09:35:06.712" v="2856"/>
-              <pc2:cmMkLst xmlns:pc2="http://schemas.microsoft.com/office/powerpoint/2019/9/main/command">
-                <pc:docMk/>
-                <pc:sldMk cId="2226570163" sldId="271"/>
-                <pc2:cmMk id="{B2164C1A-9D2B-4B72-B2AD-ADD850C3A101}"/>
-              </pc2:cmMkLst>
-            </pc226:cmChg>
-            <pc226:cmChg xmlns:pc226="http://schemas.microsoft.com/office/powerpoint/2022/06/main/command" chg="del">
-              <pc226:chgData name="Julia Moeller" userId="0bcb1583-c1a4-48b5-87e6-2cc074d2d571" providerId="ADAL" clId="{C92DF3DE-23A5-4E98-85FA-AAD4EAE96412}" dt="2023-09-15T13:44:02.810" v="11354"/>
-              <pc2:cmMkLst xmlns:pc2="http://schemas.microsoft.com/office/powerpoint/2019/9/main/command">
-                <pc:docMk/>
-                <pc:sldMk cId="2226570163" sldId="271"/>
-                <pc2:cmMk id="{23995C75-FCE3-42C7-8B2B-EB733869557E}"/>
-              </pc2:cmMkLst>
-            </pc226:cmChg>
-          </p:ext>
-        </pc:extLst>
-      </pc:sldChg>
-      <pc:sldChg chg="addSp delSp modSp mod">
-        <pc:chgData name="Julia Moeller" userId="0bcb1583-c1a4-48b5-87e6-2cc074d2d571" providerId="ADAL" clId="{C92DF3DE-23A5-4E98-85FA-AAD4EAE96412}" dt="2023-09-29T13:35:40.825" v="11419" actId="1076"/>
-        <pc:sldMkLst>
-          <pc:docMk/>
-          <pc:sldMk cId="1950821850" sldId="272"/>
-        </pc:sldMkLst>
-        <pc:spChg chg="mod">
-          <ac:chgData name="Julia Moeller" userId="0bcb1583-c1a4-48b5-87e6-2cc074d2d571" providerId="ADAL" clId="{C92DF3DE-23A5-4E98-85FA-AAD4EAE96412}" dt="2023-09-13T14:29:24.668" v="3720" actId="20577"/>
-          <ac:spMkLst>
-            <pc:docMk/>
-            <pc:sldMk cId="1950821850" sldId="272"/>
-            <ac:spMk id="2" creationId="{00000000-0000-0000-0000-000000000000}"/>
-          </ac:spMkLst>
-        </pc:spChg>
-        <pc:spChg chg="mod">
-          <ac:chgData name="Julia Moeller" userId="0bcb1583-c1a4-48b5-87e6-2cc074d2d571" providerId="ADAL" clId="{C92DF3DE-23A5-4E98-85FA-AAD4EAE96412}" dt="2023-09-14T18:39:35.474" v="7664" actId="20577"/>
-          <ac:spMkLst>
-            <pc:docMk/>
-            <pc:sldMk cId="1950821850" sldId="272"/>
-            <ac:spMk id="3" creationId="{00000000-0000-0000-0000-000000000000}"/>
-          </ac:spMkLst>
-        </pc:spChg>
-        <pc:spChg chg="del mod">
-          <ac:chgData name="Julia Moeller" userId="0bcb1583-c1a4-48b5-87e6-2cc074d2d571" providerId="ADAL" clId="{C92DF3DE-23A5-4E98-85FA-AAD4EAE96412}" dt="2023-09-13T12:26:30.623" v="3459" actId="478"/>
-          <ac:spMkLst>
-            <pc:docMk/>
-            <pc:sldMk cId="1950821850" sldId="272"/>
-            <ac:spMk id="6" creationId="{00000000-0000-0000-0000-000000000000}"/>
-          </ac:spMkLst>
-        </pc:spChg>
-        <pc:spChg chg="add mod ord">
-          <ac:chgData name="Julia Moeller" userId="0bcb1583-c1a4-48b5-87e6-2cc074d2d571" providerId="ADAL" clId="{C92DF3DE-23A5-4E98-85FA-AAD4EAE96412}" dt="2023-09-13T12:46:01.721" v="3511" actId="164"/>
-          <ac:spMkLst>
-            <pc:docMk/>
-            <pc:sldMk cId="1950821850" sldId="272"/>
-            <ac:spMk id="18" creationId="{8AAC8470-764B-5D3E-9783-4D0A17DAA11D}"/>
-          </ac:spMkLst>
-        </pc:spChg>
-        <pc:spChg chg="add mod">
-          <ac:chgData name="Julia Moeller" userId="0bcb1583-c1a4-48b5-87e6-2cc074d2d571" providerId="ADAL" clId="{C92DF3DE-23A5-4E98-85FA-AAD4EAE96412}" dt="2023-09-29T13:35:40.825" v="11419" actId="1076"/>
-          <ac:spMkLst>
-            <pc:docMk/>
-            <pc:sldMk cId="1950821850" sldId="272"/>
-            <ac:spMk id="19" creationId="{9C4880A5-1264-0BD9-8010-356B660F47D9}"/>
-          </ac:spMkLst>
-        </pc:spChg>
-        <pc:spChg chg="add mod ord">
-          <ac:chgData name="Julia Moeller" userId="0bcb1583-c1a4-48b5-87e6-2cc074d2d571" providerId="ADAL" clId="{C92DF3DE-23A5-4E98-85FA-AAD4EAE96412}" dt="2023-09-13T12:46:01.721" v="3511" actId="164"/>
-          <ac:spMkLst>
-            <pc:docMk/>
-            <pc:sldMk cId="1950821850" sldId="272"/>
-            <ac:spMk id="20" creationId="{CF51A18E-312C-2832-AC89-74BB6742EAFD}"/>
-          </ac:spMkLst>
-        </pc:spChg>
-        <pc:spChg chg="add mod">
-          <ac:chgData name="Julia Moeller" userId="0bcb1583-c1a4-48b5-87e6-2cc074d2d571" providerId="ADAL" clId="{C92DF3DE-23A5-4E98-85FA-AAD4EAE96412}" dt="2023-09-29T13:35:32.680" v="11418" actId="1076"/>
-          <ac:spMkLst>
-            <pc:docMk/>
-            <pc:sldMk cId="1950821850" sldId="272"/>
-            <ac:spMk id="21" creationId="{976361DA-F887-0024-D073-8ABB5070E10B}"/>
-          </ac:spMkLst>
-        </pc:spChg>
-        <pc:spChg chg="add mod">
-          <ac:chgData name="Julia Moeller" userId="0bcb1583-c1a4-48b5-87e6-2cc074d2d571" providerId="ADAL" clId="{C92DF3DE-23A5-4E98-85FA-AAD4EAE96412}" dt="2023-09-14T18:39:41.399" v="7665" actId="1076"/>
-          <ac:spMkLst>
-            <pc:docMk/>
-            <pc:sldMk cId="1950821850" sldId="272"/>
-            <ac:spMk id="24" creationId="{E2C21C52-D3CF-1559-DAFC-9250D7826BFD}"/>
-          </ac:spMkLst>
-        </pc:spChg>
-        <pc:grpChg chg="add del mod">
-          <ac:chgData name="Julia Moeller" userId="0bcb1583-c1a4-48b5-87e6-2cc074d2d571" providerId="ADAL" clId="{C92DF3DE-23A5-4E98-85FA-AAD4EAE96412}" dt="2023-09-13T12:27:11.971" v="3467" actId="478"/>
-          <ac:grpSpMkLst>
-            <pc:docMk/>
-            <pc:sldMk cId="1950821850" sldId="272"/>
-            <ac:grpSpMk id="8" creationId="{EAB58766-9D4A-F7D6-6A6B-0C0391F135EB}"/>
-          </ac:grpSpMkLst>
-        </pc:grpChg>
-        <pc:grpChg chg="add mod">
-          <ac:chgData name="Julia Moeller" userId="0bcb1583-c1a4-48b5-87e6-2cc074d2d571" providerId="ADAL" clId="{C92DF3DE-23A5-4E98-85FA-AAD4EAE96412}" dt="2023-09-14T18:39:41.399" v="7665" actId="1076"/>
-          <ac:grpSpMkLst>
-            <pc:docMk/>
-            <pc:sldMk cId="1950821850" sldId="272"/>
-            <ac:grpSpMk id="22" creationId="{F4137771-897F-8E60-CE6A-3848E8A4EE3B}"/>
-          </ac:grpSpMkLst>
-        </pc:grpChg>
-        <pc:grpChg chg="add mod">
-          <ac:chgData name="Julia Moeller" userId="0bcb1583-c1a4-48b5-87e6-2cc074d2d571" providerId="ADAL" clId="{C92DF3DE-23A5-4E98-85FA-AAD4EAE96412}" dt="2023-09-14T18:39:41.399" v="7665" actId="1076"/>
-          <ac:grpSpMkLst>
-            <pc:docMk/>
-            <pc:sldMk cId="1950821850" sldId="272"/>
-            <ac:grpSpMk id="23" creationId="{EA935CF2-822E-3D37-AFB7-DE60B6338F7D}"/>
-          </ac:grpSpMkLst>
-        </pc:grpChg>
-        <pc:picChg chg="del">
-          <ac:chgData name="Julia Moeller" userId="0bcb1583-c1a4-48b5-87e6-2cc074d2d571" providerId="ADAL" clId="{C92DF3DE-23A5-4E98-85FA-AAD4EAE96412}" dt="2023-09-13T10:16:32.416" v="3027" actId="478"/>
-          <ac:picMkLst>
-            <pc:docMk/>
-            <pc:sldMk cId="1950821850" sldId="272"/>
-            <ac:picMk id="4" creationId="{00000000-0000-0000-0000-000000000000}"/>
-          </ac:picMkLst>
-        </pc:picChg>
-        <pc:picChg chg="add mod ord modCrop">
-          <ac:chgData name="Julia Moeller" userId="0bcb1583-c1a4-48b5-87e6-2cc074d2d571" providerId="ADAL" clId="{C92DF3DE-23A5-4E98-85FA-AAD4EAE96412}" dt="2023-09-13T12:46:01.721" v="3511" actId="164"/>
-          <ac:picMkLst>
-            <pc:docMk/>
-            <pc:sldMk cId="1950821850" sldId="272"/>
-            <ac:picMk id="7" creationId="{84078063-4FC7-DF8C-5ABB-9E50C99A9A6C}"/>
-          </ac:picMkLst>
-        </pc:picChg>
-        <pc:picChg chg="mod topLvl modCrop">
-          <ac:chgData name="Julia Moeller" userId="0bcb1583-c1a4-48b5-87e6-2cc074d2d571" providerId="ADAL" clId="{C92DF3DE-23A5-4E98-85FA-AAD4EAE96412}" dt="2023-09-13T12:46:13.260" v="3512" actId="164"/>
-          <ac:picMkLst>
-            <pc:docMk/>
-            <pc:sldMk cId="1950821850" sldId="272"/>
-            <ac:picMk id="9" creationId="{2E6BD2B6-FAEB-D82F-4200-1F90487857D8}"/>
-          </ac:picMkLst>
-        </pc:picChg>
-        <pc:picChg chg="del mod topLvl">
-          <ac:chgData name="Julia Moeller" userId="0bcb1583-c1a4-48b5-87e6-2cc074d2d571" providerId="ADAL" clId="{C92DF3DE-23A5-4E98-85FA-AAD4EAE96412}" dt="2023-09-13T12:27:11.971" v="3467" actId="478"/>
-          <ac:picMkLst>
-            <pc:docMk/>
-            <pc:sldMk cId="1950821850" sldId="272"/>
-            <ac:picMk id="10" creationId="{A33C289E-48E6-5AB8-BDBC-42D82FAA7879}"/>
-          </ac:picMkLst>
-        </pc:picChg>
-        <pc:cxnChg chg="add del mod">
-          <ac:chgData name="Julia Moeller" userId="0bcb1583-c1a4-48b5-87e6-2cc074d2d571" providerId="ADAL" clId="{C92DF3DE-23A5-4E98-85FA-AAD4EAE96412}" dt="2023-09-13T12:28:07.043" v="3476" actId="478"/>
-          <ac:cxnSpMkLst>
-            <pc:docMk/>
-            <pc:sldMk cId="1950821850" sldId="272"/>
-            <ac:cxnSpMk id="12" creationId="{5D82C34B-04C0-1B4B-1C75-D00907A45630}"/>
-          </ac:cxnSpMkLst>
-        </pc:cxnChg>
-        <pc:cxnChg chg="add del mod">
-          <ac:chgData name="Julia Moeller" userId="0bcb1583-c1a4-48b5-87e6-2cc074d2d571" providerId="ADAL" clId="{C92DF3DE-23A5-4E98-85FA-AAD4EAE96412}" dt="2023-09-13T12:38:26.708" v="3486" actId="478"/>
-          <ac:cxnSpMkLst>
-            <pc:docMk/>
-            <pc:sldMk cId="1950821850" sldId="272"/>
-            <ac:cxnSpMk id="16" creationId="{2D92E317-94F6-8A31-E317-A478AAE9E127}"/>
-          </ac:cxnSpMkLst>
-        </pc:cxnChg>
-      </pc:sldChg>
-      <pc:sldChg chg="modSp mod delCm modCm">
-        <pc:chgData name="Julia Moeller" userId="0bcb1583-c1a4-48b5-87e6-2cc074d2d571" providerId="ADAL" clId="{C92DF3DE-23A5-4E98-85FA-AAD4EAE96412}" dt="2023-09-15T14:28:39.012" v="11372" actId="14100"/>
-        <pc:sldMkLst>
-          <pc:docMk/>
-          <pc:sldMk cId="3368420116" sldId="273"/>
-        </pc:sldMkLst>
-        <pc:spChg chg="mod">
-          <ac:chgData name="Julia Moeller" userId="0bcb1583-c1a4-48b5-87e6-2cc074d2d571" providerId="ADAL" clId="{C92DF3DE-23A5-4E98-85FA-AAD4EAE96412}" dt="2023-09-13T14:30:58.447" v="3799" actId="20577"/>
-          <ac:spMkLst>
-            <pc:docMk/>
-            <pc:sldMk cId="3368420116" sldId="273"/>
-            <ac:spMk id="2" creationId="{00000000-0000-0000-0000-000000000000}"/>
-          </ac:spMkLst>
-        </pc:spChg>
-        <pc:spChg chg="mod">
-          <ac:chgData name="Julia Moeller" userId="0bcb1583-c1a4-48b5-87e6-2cc074d2d571" providerId="ADAL" clId="{C92DF3DE-23A5-4E98-85FA-AAD4EAE96412}" dt="2023-09-15T14:28:39.012" v="11372" actId="14100"/>
-          <ac:spMkLst>
-            <pc:docMk/>
-            <pc:sldMk cId="3368420116" sldId="273"/>
-            <ac:spMk id="3" creationId="{00000000-0000-0000-0000-000000000000}"/>
-          </ac:spMkLst>
-        </pc:spChg>
-        <pc:picChg chg="mod">
-          <ac:chgData name="Julia Moeller" userId="0bcb1583-c1a4-48b5-87e6-2cc074d2d571" providerId="ADAL" clId="{C92DF3DE-23A5-4E98-85FA-AAD4EAE96412}" dt="2023-09-13T12:58:50.125" v="3529" actId="1076"/>
-          <ac:picMkLst>
-            <pc:docMk/>
-            <pc:sldMk cId="3368420116" sldId="273"/>
-            <ac:picMk id="5" creationId="{00000000-0000-0000-0000-000000000000}"/>
-          </ac:picMkLst>
-        </pc:picChg>
-        <pc:extLst>
-          <p:ext xmlns:p="http://schemas.openxmlformats.org/presentationml/2006/main" uri="{D6D511B9-2390-475A-947B-AFAB55BFBCF1}">
-            <pc226:cmChg xmlns:pc226="http://schemas.microsoft.com/office/powerpoint/2022/06/main/command" chg="mod">
-              <pc226:chgData name="Julia Moeller" userId="0bcb1583-c1a4-48b5-87e6-2cc074d2d571" providerId="ADAL" clId="{C92DF3DE-23A5-4E98-85FA-AAD4EAE96412}" dt="2023-09-13T14:21:25.172" v="3676"/>
-              <pc2:cmMkLst xmlns:pc2="http://schemas.microsoft.com/office/powerpoint/2019/9/main/command">
-                <pc:docMk/>
-                <pc:sldMk cId="3368420116" sldId="273"/>
-                <pc2:cmMk id="{76F41E33-0C30-46F5-849D-E87641BED3C3}"/>
-              </pc2:cmMkLst>
-            </pc226:cmChg>
-            <pc226:cmChg xmlns:pc226="http://schemas.microsoft.com/office/powerpoint/2022/06/main/command" chg="del">
-              <pc226:chgData name="Julia Moeller" userId="0bcb1583-c1a4-48b5-87e6-2cc074d2d571" providerId="ADAL" clId="{C92DF3DE-23A5-4E98-85FA-AAD4EAE96412}" dt="2023-09-15T13:44:07.084" v="11355"/>
-              <pc2:cmMkLst xmlns:pc2="http://schemas.microsoft.com/office/powerpoint/2019/9/main/command">
-                <pc:docMk/>
-                <pc:sldMk cId="3368420116" sldId="273"/>
-                <pc2:cmMk id="{AFF6F837-B31C-49A1-973E-54966DD4CC52}"/>
-              </pc2:cmMkLst>
-            </pc226:cmChg>
-          </p:ext>
-        </pc:extLst>
-      </pc:sldChg>
-      <pc:sldChg chg="addSp delSp modSp mod">
-        <pc:chgData name="Julia Moeller" userId="0bcb1583-c1a4-48b5-87e6-2cc074d2d571" providerId="ADAL" clId="{C92DF3DE-23A5-4E98-85FA-AAD4EAE96412}" dt="2023-09-13T14:35:12.724" v="3875" actId="1076"/>
-        <pc:sldMkLst>
-          <pc:docMk/>
-          <pc:sldMk cId="2147403087" sldId="274"/>
-        </pc:sldMkLst>
-        <pc:spChg chg="mod">
-          <ac:chgData name="Julia Moeller" userId="0bcb1583-c1a4-48b5-87e6-2cc074d2d571" providerId="ADAL" clId="{C92DF3DE-23A5-4E98-85FA-AAD4EAE96412}" dt="2023-09-13T14:29:32.623" v="3728" actId="20577"/>
-          <ac:spMkLst>
-            <pc:docMk/>
-            <pc:sldMk cId="2147403087" sldId="274"/>
-            <ac:spMk id="2" creationId="{00000000-0000-0000-0000-000000000000}"/>
-          </ac:spMkLst>
-        </pc:spChg>
-        <pc:spChg chg="mod">
-          <ac:chgData name="Julia Moeller" userId="0bcb1583-c1a4-48b5-87e6-2cc074d2d571" providerId="ADAL" clId="{C92DF3DE-23A5-4E98-85FA-AAD4EAE96412}" dt="2023-09-13T14:33:58.255" v="3859" actId="14100"/>
-          <ac:spMkLst>
-            <pc:docMk/>
-            <pc:sldMk cId="2147403087" sldId="274"/>
-            <ac:spMk id="3" creationId="{00000000-0000-0000-0000-000000000000}"/>
-          </ac:spMkLst>
-        </pc:spChg>
-        <pc:spChg chg="add mod">
-          <ac:chgData name="Julia Moeller" userId="0bcb1583-c1a4-48b5-87e6-2cc074d2d571" providerId="ADAL" clId="{C92DF3DE-23A5-4E98-85FA-AAD4EAE96412}" dt="2023-09-13T14:34:52.386" v="3869" actId="14100"/>
-          <ac:spMkLst>
-            <pc:docMk/>
-            <pc:sldMk cId="2147403087" sldId="274"/>
-            <ac:spMk id="10" creationId="{7872A00F-8BD7-D730-0583-55B10A5290BD}"/>
-          </ac:spMkLst>
-        </pc:spChg>
-        <pc:spChg chg="add mod">
-          <ac:chgData name="Julia Moeller" userId="0bcb1583-c1a4-48b5-87e6-2cc074d2d571" providerId="ADAL" clId="{C92DF3DE-23A5-4E98-85FA-AAD4EAE96412}" dt="2023-09-13T14:35:12.724" v="3875" actId="1076"/>
-          <ac:spMkLst>
-            <pc:docMk/>
-            <pc:sldMk cId="2147403087" sldId="274"/>
-            <ac:spMk id="11" creationId="{15E05614-7F43-FA56-FBBC-73FCF8115B0F}"/>
-          </ac:spMkLst>
-        </pc:spChg>
-        <pc:grpChg chg="add mod">
-          <ac:chgData name="Julia Moeller" userId="0bcb1583-c1a4-48b5-87e6-2cc074d2d571" providerId="ADAL" clId="{C92DF3DE-23A5-4E98-85FA-AAD4EAE96412}" dt="2023-09-13T14:35:00.457" v="3872" actId="1076"/>
-          <ac:grpSpMkLst>
-            <pc:docMk/>
-            <pc:sldMk cId="2147403087" sldId="274"/>
-            <ac:grpSpMk id="9" creationId="{3B64F671-5012-9331-BC79-9406D041E632}"/>
-          </ac:grpSpMkLst>
-        </pc:grpChg>
-        <pc:picChg chg="del">
-          <ac:chgData name="Julia Moeller" userId="0bcb1583-c1a4-48b5-87e6-2cc074d2d571" providerId="ADAL" clId="{C92DF3DE-23A5-4E98-85FA-AAD4EAE96412}" dt="2023-09-13T14:27:16.388" v="3677" actId="478"/>
-          <ac:picMkLst>
-            <pc:docMk/>
-            <pc:sldMk cId="2147403087" sldId="274"/>
-            <ac:picMk id="5" creationId="{00000000-0000-0000-0000-000000000000}"/>
-          </ac:picMkLst>
-        </pc:picChg>
-        <pc:picChg chg="add mod">
-          <ac:chgData name="Julia Moeller" userId="0bcb1583-c1a4-48b5-87e6-2cc074d2d571" providerId="ADAL" clId="{C92DF3DE-23A5-4E98-85FA-AAD4EAE96412}" dt="2023-09-13T14:28:41.774" v="3693" actId="164"/>
-          <ac:picMkLst>
-            <pc:docMk/>
-            <pc:sldMk cId="2147403087" sldId="274"/>
-            <ac:picMk id="6" creationId="{CCF63831-8778-0BA2-9D51-516B6A5DEE49}"/>
-          </ac:picMkLst>
-        </pc:picChg>
-        <pc:picChg chg="add mod">
-          <ac:chgData name="Julia Moeller" userId="0bcb1583-c1a4-48b5-87e6-2cc074d2d571" providerId="ADAL" clId="{C92DF3DE-23A5-4E98-85FA-AAD4EAE96412}" dt="2023-09-13T14:28:41.774" v="3693" actId="164"/>
-          <ac:picMkLst>
-            <pc:docMk/>
-            <pc:sldMk cId="2147403087" sldId="274"/>
-            <ac:picMk id="7" creationId="{5828660E-7F9E-DCE7-6648-EE454E3C2765}"/>
-          </ac:picMkLst>
-        </pc:picChg>
-        <pc:picChg chg="add mod">
-          <ac:chgData name="Julia Moeller" userId="0bcb1583-c1a4-48b5-87e6-2cc074d2d571" providerId="ADAL" clId="{C92DF3DE-23A5-4E98-85FA-AAD4EAE96412}" dt="2023-09-13T14:28:41.774" v="3693" actId="164"/>
-          <ac:picMkLst>
-            <pc:docMk/>
-            <pc:sldMk cId="2147403087" sldId="274"/>
-            <ac:picMk id="8" creationId="{CFAD47AD-E13B-72A1-5D94-2CC93896E873}"/>
-          </ac:picMkLst>
-        </pc:picChg>
-      </pc:sldChg>
-      <pc:sldChg chg="modSp mod modCm">
-        <pc:chgData name="Julia Moeller" userId="0bcb1583-c1a4-48b5-87e6-2cc074d2d571" providerId="ADAL" clId="{C92DF3DE-23A5-4E98-85FA-AAD4EAE96412}" dt="2023-09-14T11:33:40.477" v="5367" actId="1076"/>
-        <pc:sldMkLst>
-          <pc:docMk/>
-          <pc:sldMk cId="3015651157" sldId="275"/>
-        </pc:sldMkLst>
-        <pc:spChg chg="mod">
-          <ac:chgData name="Julia Moeller" userId="0bcb1583-c1a4-48b5-87e6-2cc074d2d571" providerId="ADAL" clId="{C92DF3DE-23A5-4E98-85FA-AAD4EAE96412}" dt="2023-09-13T14:36:01.502" v="3886" actId="20577"/>
-          <ac:spMkLst>
-            <pc:docMk/>
-            <pc:sldMk cId="3015651157" sldId="275"/>
-            <ac:spMk id="2" creationId="{00000000-0000-0000-0000-000000000000}"/>
-          </ac:spMkLst>
-        </pc:spChg>
-        <pc:spChg chg="mod">
-          <ac:chgData name="Julia Moeller" userId="0bcb1583-c1a4-48b5-87e6-2cc074d2d571" providerId="ADAL" clId="{C92DF3DE-23A5-4E98-85FA-AAD4EAE96412}" dt="2023-09-14T11:33:37.095" v="5366" actId="14100"/>
-          <ac:spMkLst>
-            <pc:docMk/>
-            <pc:sldMk cId="3015651157" sldId="275"/>
-            <ac:spMk id="3" creationId="{00000000-0000-0000-0000-000000000000}"/>
-          </ac:spMkLst>
-        </pc:spChg>
-        <pc:picChg chg="mod">
-          <ac:chgData name="Julia Moeller" userId="0bcb1583-c1a4-48b5-87e6-2cc074d2d571" providerId="ADAL" clId="{C92DF3DE-23A5-4E98-85FA-AAD4EAE96412}" dt="2023-09-14T11:33:40.477" v="5367" actId="1076"/>
-          <ac:picMkLst>
-            <pc:docMk/>
-            <pc:sldMk cId="3015651157" sldId="275"/>
-            <ac:picMk id="5" creationId="{00000000-0000-0000-0000-000000000000}"/>
-          </ac:picMkLst>
-        </pc:picChg>
-        <pc:extLst>
-          <p:ext xmlns:p="http://schemas.openxmlformats.org/presentationml/2006/main" uri="{D6D511B9-2390-475A-947B-AFAB55BFBCF1}">
-            <pc226:cmChg xmlns:pc226="http://schemas.microsoft.com/office/powerpoint/2022/06/main/command" chg="mod">
-              <pc226:chgData name="Julia Moeller" userId="0bcb1583-c1a4-48b5-87e6-2cc074d2d571" providerId="ADAL" clId="{C92DF3DE-23A5-4E98-85FA-AAD4EAE96412}" dt="2023-09-14T09:08:58.168" v="4081"/>
-              <pc2:cmMkLst xmlns:pc2="http://schemas.microsoft.com/office/powerpoint/2019/9/main/command">
-                <pc:docMk/>
-                <pc:sldMk cId="3015651157" sldId="275"/>
-                <pc2:cmMk id="{71C02D51-D4B2-4B99-817C-3DE22F49AD5D}"/>
-              </pc2:cmMkLst>
-            </pc226:cmChg>
-          </p:ext>
-        </pc:extLst>
-      </pc:sldChg>
-      <pc:sldChg chg="addSp delSp modSp mod modCm">
-        <pc:chgData name="Julia Moeller" userId="0bcb1583-c1a4-48b5-87e6-2cc074d2d571" providerId="ADAL" clId="{C92DF3DE-23A5-4E98-85FA-AAD4EAE96412}" dt="2023-09-14T19:12:18.817" v="8132"/>
-        <pc:sldMkLst>
-          <pc:docMk/>
-          <pc:sldMk cId="1529891497" sldId="276"/>
-        </pc:sldMkLst>
-        <pc:spChg chg="mod">
-          <ac:chgData name="Julia Moeller" userId="0bcb1583-c1a4-48b5-87e6-2cc074d2d571" providerId="ADAL" clId="{C92DF3DE-23A5-4E98-85FA-AAD4EAE96412}" dt="2023-09-14T09:04:17.925" v="4080" actId="20577"/>
-          <ac:spMkLst>
-            <pc:docMk/>
-            <pc:sldMk cId="1529891497" sldId="276"/>
-            <ac:spMk id="2" creationId="{00000000-0000-0000-0000-000000000000}"/>
-          </ac:spMkLst>
-        </pc:spChg>
-        <pc:spChg chg="mod">
-          <ac:chgData name="Julia Moeller" userId="0bcb1583-c1a4-48b5-87e6-2cc074d2d571" providerId="ADAL" clId="{C92DF3DE-23A5-4E98-85FA-AAD4EAE96412}" dt="2023-09-14T11:26:11.526" v="5157" actId="1076"/>
-          <ac:spMkLst>
-            <pc:docMk/>
-            <pc:sldMk cId="1529891497" sldId="276"/>
-            <ac:spMk id="3" creationId="{00000000-0000-0000-0000-000000000000}"/>
-          </ac:spMkLst>
-        </pc:spChg>
-        <pc:spChg chg="del mod">
-          <ac:chgData name="Julia Moeller" userId="0bcb1583-c1a4-48b5-87e6-2cc074d2d571" providerId="ADAL" clId="{C92DF3DE-23A5-4E98-85FA-AAD4EAE96412}" dt="2023-09-14T10:05:48.727" v="4525" actId="478"/>
-          <ac:spMkLst>
-            <pc:docMk/>
-            <pc:sldMk cId="1529891497" sldId="276"/>
-            <ac:spMk id="8" creationId="{00000000-0000-0000-0000-000000000000}"/>
-          </ac:spMkLst>
-        </pc:spChg>
-        <pc:grpChg chg="del">
-          <ac:chgData name="Julia Moeller" userId="0bcb1583-c1a4-48b5-87e6-2cc074d2d571" providerId="ADAL" clId="{C92DF3DE-23A5-4E98-85FA-AAD4EAE96412}" dt="2023-09-14T09:09:52.917" v="4097" actId="478"/>
-          <ac:grpSpMkLst>
-            <pc:docMk/>
-            <pc:sldMk cId="1529891497" sldId="276"/>
-            <ac:grpSpMk id="7" creationId="{00000000-0000-0000-0000-000000000000}"/>
-          </ac:grpSpMkLst>
-        </pc:grpChg>
-        <pc:picChg chg="add del mod">
-          <ac:chgData name="Julia Moeller" userId="0bcb1583-c1a4-48b5-87e6-2cc074d2d571" providerId="ADAL" clId="{C92DF3DE-23A5-4E98-85FA-AAD4EAE96412}" dt="2023-09-14T11:23:31.030" v="5017" actId="478"/>
-          <ac:picMkLst>
-            <pc:docMk/>
-            <pc:sldMk cId="1529891497" sldId="276"/>
-            <ac:picMk id="4" creationId="{91F475E8-C3EC-6703-FF1D-1D3AC53A1D12}"/>
-          </ac:picMkLst>
-        </pc:picChg>
-        <pc:extLst>
-          <p:ext xmlns:p="http://schemas.openxmlformats.org/presentationml/2006/main" uri="{D6D511B9-2390-475A-947B-AFAB55BFBCF1}">
-            <pc226:cmChg xmlns:pc226="http://schemas.microsoft.com/office/powerpoint/2022/06/main/command" chg="mod">
-              <pc226:chgData name="Julia Moeller" userId="0bcb1583-c1a4-48b5-87e6-2cc074d2d571" providerId="ADAL" clId="{C92DF3DE-23A5-4E98-85FA-AAD4EAE96412}" dt="2023-09-14T19:12:18.817" v="8132"/>
-              <pc2:cmMkLst xmlns:pc2="http://schemas.microsoft.com/office/powerpoint/2019/9/main/command">
-                <pc:docMk/>
-                <pc:sldMk cId="1529891497" sldId="276"/>
-                <pc2:cmMk id="{29306314-2E6E-4E13-858C-3E2A0356C900}"/>
-              </pc2:cmMkLst>
-            </pc226:cmChg>
-          </p:ext>
-        </pc:extLst>
-      </pc:sldChg>
-      <pc:sldChg chg="delSp del mod">
-        <pc:chgData name="Julia Moeller" userId="0bcb1583-c1a4-48b5-87e6-2cc074d2d571" providerId="ADAL" clId="{C92DF3DE-23A5-4E98-85FA-AAD4EAE96412}" dt="2023-09-14T11:48:30.935" v="5572" actId="2696"/>
-        <pc:sldMkLst>
-          <pc:docMk/>
-          <pc:sldMk cId="1195076971" sldId="277"/>
-        </pc:sldMkLst>
-        <pc:picChg chg="del">
-          <ac:chgData name="Julia Moeller" userId="0bcb1583-c1a4-48b5-87e6-2cc074d2d571" providerId="ADAL" clId="{C92DF3DE-23A5-4E98-85FA-AAD4EAE96412}" dt="2023-09-14T11:42:03.390" v="5524" actId="21"/>
-          <ac:picMkLst>
-            <pc:docMk/>
-            <pc:sldMk cId="1195076971" sldId="277"/>
-            <ac:picMk id="4" creationId="{00000000-0000-0000-0000-000000000000}"/>
-          </ac:picMkLst>
-        </pc:picChg>
-      </pc:sldChg>
-      <pc:sldChg chg="addSp delSp modSp mod">
-        <pc:chgData name="Julia Moeller" userId="0bcb1583-c1a4-48b5-87e6-2cc074d2d571" providerId="ADAL" clId="{C92DF3DE-23A5-4E98-85FA-AAD4EAE96412}" dt="2023-09-14T11:48:14.678" v="5571" actId="12"/>
-        <pc:sldMkLst>
-          <pc:docMk/>
-          <pc:sldMk cId="1755948848" sldId="278"/>
-        </pc:sldMkLst>
-        <pc:spChg chg="mod">
-          <ac:chgData name="Julia Moeller" userId="0bcb1583-c1a4-48b5-87e6-2cc074d2d571" providerId="ADAL" clId="{C92DF3DE-23A5-4E98-85FA-AAD4EAE96412}" dt="2023-09-14T10:47:36.612" v="4962"/>
-          <ac:spMkLst>
-            <pc:docMk/>
-            <pc:sldMk cId="1755948848" sldId="278"/>
-            <ac:spMk id="2" creationId="{00000000-0000-0000-0000-000000000000}"/>
-          </ac:spMkLst>
-        </pc:spChg>
-        <pc:spChg chg="mod">
-          <ac:chgData name="Julia Moeller" userId="0bcb1583-c1a4-48b5-87e6-2cc074d2d571" providerId="ADAL" clId="{C92DF3DE-23A5-4E98-85FA-AAD4EAE96412}" dt="2023-09-14T11:48:14.678" v="5571" actId="12"/>
-          <ac:spMkLst>
-            <pc:docMk/>
-            <pc:sldMk cId="1755948848" sldId="278"/>
-            <ac:spMk id="3" creationId="{00000000-0000-0000-0000-000000000000}"/>
-          </ac:spMkLst>
-        </pc:spChg>
-        <pc:spChg chg="add mod">
-          <ac:chgData name="Julia Moeller" userId="0bcb1583-c1a4-48b5-87e6-2cc074d2d571" providerId="ADAL" clId="{C92DF3DE-23A5-4E98-85FA-AAD4EAE96412}" dt="2023-09-14T11:47:37.085" v="5556" actId="207"/>
-          <ac:spMkLst>
-            <pc:docMk/>
-            <pc:sldMk cId="1755948848" sldId="278"/>
-            <ac:spMk id="10" creationId="{4509E137-3D1B-0D3F-6B24-746A0420A3E3}"/>
-          </ac:spMkLst>
-        </pc:spChg>
-        <pc:grpChg chg="del mod">
-          <ac:chgData name="Julia Moeller" userId="0bcb1583-c1a4-48b5-87e6-2cc074d2d571" providerId="ADAL" clId="{C92DF3DE-23A5-4E98-85FA-AAD4EAE96412}" dt="2023-09-14T11:29:25.934" v="5214" actId="478"/>
-          <ac:grpSpMkLst>
-            <pc:docMk/>
-            <pc:sldMk cId="1755948848" sldId="278"/>
-            <ac:grpSpMk id="7" creationId="{00000000-0000-0000-0000-000000000000}"/>
-          </ac:grpSpMkLst>
-        </pc:grpChg>
-        <pc:picChg chg="add mod">
-          <ac:chgData name="Julia Moeller" userId="0bcb1583-c1a4-48b5-87e6-2cc074d2d571" providerId="ADAL" clId="{C92DF3DE-23A5-4E98-85FA-AAD4EAE96412}" dt="2023-09-14T11:46:29.479" v="5552" actId="1076"/>
-          <ac:picMkLst>
-            <pc:docMk/>
-            <pc:sldMk cId="1755948848" sldId="278"/>
-            <ac:picMk id="8" creationId="{A113ED58-F6FD-C47E-4EEA-15AC5B461614}"/>
-          </ac:picMkLst>
-        </pc:picChg>
-        <pc:picChg chg="add mod">
-          <ac:chgData name="Julia Moeller" userId="0bcb1583-c1a4-48b5-87e6-2cc074d2d571" providerId="ADAL" clId="{C92DF3DE-23A5-4E98-85FA-AAD4EAE96412}" dt="2023-09-14T11:46:16.606" v="5551" actId="1076"/>
-          <ac:picMkLst>
-            <pc:docMk/>
-            <pc:sldMk cId="1755948848" sldId="278"/>
-            <ac:picMk id="9" creationId="{44F7DA11-197D-9BD5-05DF-0903A1F96066}"/>
-          </ac:picMkLst>
-        </pc:picChg>
-      </pc:sldChg>
-      <pc:sldChg chg="delSp modSp mod modCm">
-        <pc:chgData name="Julia Moeller" userId="0bcb1583-c1a4-48b5-87e6-2cc074d2d571" providerId="ADAL" clId="{C92DF3DE-23A5-4E98-85FA-AAD4EAE96412}" dt="2023-09-29T13:42:31.338" v="11472" actId="255"/>
-        <pc:sldMkLst>
-          <pc:docMk/>
-          <pc:sldMk cId="2957868102" sldId="279"/>
-        </pc:sldMkLst>
-        <pc:spChg chg="mod">
-          <ac:chgData name="Julia Moeller" userId="0bcb1583-c1a4-48b5-87e6-2cc074d2d571" providerId="ADAL" clId="{C92DF3DE-23A5-4E98-85FA-AAD4EAE96412}" dt="2023-09-14T11:54:05.167" v="5700" actId="20577"/>
-          <ac:spMkLst>
-            <pc:docMk/>
-            <pc:sldMk cId="2957868102" sldId="279"/>
-            <ac:spMk id="2" creationId="{00000000-0000-0000-0000-000000000000}"/>
-          </ac:spMkLst>
-        </pc:spChg>
-        <pc:spChg chg="mod">
-          <ac:chgData name="Julia Moeller" userId="0bcb1583-c1a4-48b5-87e6-2cc074d2d571" providerId="ADAL" clId="{C92DF3DE-23A5-4E98-85FA-AAD4EAE96412}" dt="2023-09-29T13:42:31.338" v="11472" actId="255"/>
-          <ac:spMkLst>
-            <pc:docMk/>
-            <pc:sldMk cId="2957868102" sldId="279"/>
-            <ac:spMk id="3" creationId="{00000000-0000-0000-0000-000000000000}"/>
-          </ac:spMkLst>
-        </pc:spChg>
-        <pc:spChg chg="del">
-          <ac:chgData name="Julia Moeller" userId="0bcb1583-c1a4-48b5-87e6-2cc074d2d571" providerId="ADAL" clId="{C92DF3DE-23A5-4E98-85FA-AAD4EAE96412}" dt="2023-09-14T11:49:14.098" v="5577" actId="478"/>
-          <ac:spMkLst>
-            <pc:docMk/>
-            <pc:sldMk cId="2957868102" sldId="279"/>
-            <ac:spMk id="5" creationId="{00000000-0000-0000-0000-000000000000}"/>
-          </ac:spMkLst>
-        </pc:spChg>
-        <pc:extLst>
-          <p:ext xmlns:p="http://schemas.openxmlformats.org/presentationml/2006/main" uri="{D6D511B9-2390-475A-947B-AFAB55BFBCF1}">
-            <pc226:cmChg xmlns:pc226="http://schemas.microsoft.com/office/powerpoint/2022/06/main/command" chg="mod">
-              <pc226:chgData name="Julia Moeller" userId="0bcb1583-c1a4-48b5-87e6-2cc074d2d571" providerId="ADAL" clId="{C92DF3DE-23A5-4E98-85FA-AAD4EAE96412}" dt="2023-09-14T19:12:03.340" v="8131"/>
-              <pc2:cmMkLst xmlns:pc2="http://schemas.microsoft.com/office/powerpoint/2019/9/main/command">
-                <pc:docMk/>
-                <pc:sldMk cId="2957868102" sldId="279"/>
-                <pc2:cmMk id="{2A7C7F4D-FE5A-4D9E-B9BB-25A7AEB69BC2}"/>
-              </pc2:cmMkLst>
-            </pc226:cmChg>
-          </p:ext>
-        </pc:extLst>
-      </pc:sldChg>
-      <pc:sldChg chg="addSp delSp modSp mod modCm">
-        <pc:chgData name="Julia Moeller" userId="0bcb1583-c1a4-48b5-87e6-2cc074d2d571" providerId="ADAL" clId="{C92DF3DE-23A5-4E98-85FA-AAD4EAE96412}" dt="2023-09-14T19:11:58.032" v="8130"/>
-        <pc:sldMkLst>
-          <pc:docMk/>
-          <pc:sldMk cId="19262974" sldId="280"/>
-        </pc:sldMkLst>
-        <pc:spChg chg="mod">
-          <ac:chgData name="Julia Moeller" userId="0bcb1583-c1a4-48b5-87e6-2cc074d2d571" providerId="ADAL" clId="{C92DF3DE-23A5-4E98-85FA-AAD4EAE96412}" dt="2023-09-14T11:54:13.002" v="5701" actId="20577"/>
-          <ac:spMkLst>
-            <pc:docMk/>
-            <pc:sldMk cId="19262974" sldId="280"/>
-            <ac:spMk id="2" creationId="{00000000-0000-0000-0000-000000000000}"/>
-          </ac:spMkLst>
-        </pc:spChg>
-        <pc:spChg chg="del mod">
-          <ac:chgData name="Julia Moeller" userId="0bcb1583-c1a4-48b5-87e6-2cc074d2d571" providerId="ADAL" clId="{C92DF3DE-23A5-4E98-85FA-AAD4EAE96412}" dt="2023-09-14T11:52:37.377" v="5679" actId="478"/>
-          <ac:spMkLst>
-            <pc:docMk/>
-            <pc:sldMk cId="19262974" sldId="280"/>
-            <ac:spMk id="11" creationId="{00000000-0000-0000-0000-000000000000}"/>
-          </ac:spMkLst>
-        </pc:spChg>
-        <pc:spChg chg="add mod">
-          <ac:chgData name="Julia Moeller" userId="0bcb1583-c1a4-48b5-87e6-2cc074d2d571" providerId="ADAL" clId="{C92DF3DE-23A5-4E98-85FA-AAD4EAE96412}" dt="2023-09-14T11:55:42.893" v="5750" actId="207"/>
-          <ac:spMkLst>
-            <pc:docMk/>
-            <pc:sldMk cId="19262974" sldId="280"/>
-            <ac:spMk id="15" creationId="{3AE3C078-C8F9-2C6E-7B39-C50F9D03D139}"/>
-          </ac:spMkLst>
-        </pc:spChg>
-        <pc:spChg chg="add mod">
-          <ac:chgData name="Julia Moeller" userId="0bcb1583-c1a4-48b5-87e6-2cc074d2d571" providerId="ADAL" clId="{C92DF3DE-23A5-4E98-85FA-AAD4EAE96412}" dt="2023-09-14T12:05:41.993" v="5776" actId="1076"/>
-          <ac:spMkLst>
-            <pc:docMk/>
-            <pc:sldMk cId="19262974" sldId="280"/>
-            <ac:spMk id="17" creationId="{0CBB159D-EA69-2BAE-C8EC-40FE3092E238}"/>
-          </ac:spMkLst>
-        </pc:spChg>
-        <pc:spChg chg="del mod">
-          <ac:chgData name="Julia Moeller" userId="0bcb1583-c1a4-48b5-87e6-2cc074d2d571" providerId="ADAL" clId="{C92DF3DE-23A5-4E98-85FA-AAD4EAE96412}" dt="2023-09-14T11:52:35.423" v="5677" actId="478"/>
-          <ac:spMkLst>
-            <pc:docMk/>
-            <pc:sldMk cId="19262974" sldId="280"/>
-            <ac:spMk id="18" creationId="{00000000-0000-0000-0000-000000000000}"/>
-          </ac:spMkLst>
-        </pc:spChg>
-        <pc:spChg chg="add del mod">
-          <ac:chgData name="Julia Moeller" userId="0bcb1583-c1a4-48b5-87e6-2cc074d2d571" providerId="ADAL" clId="{C92DF3DE-23A5-4E98-85FA-AAD4EAE96412}" dt="2023-09-14T12:05:19.925" v="5774" actId="478"/>
-          <ac:spMkLst>
-            <pc:docMk/>
-            <pc:sldMk cId="19262974" sldId="280"/>
-            <ac:spMk id="19" creationId="{ABC71585-4C36-153D-4445-AE2B18FAF76C}"/>
-          </ac:spMkLst>
-        </pc:spChg>
-        <pc:spChg chg="add mod">
-          <ac:chgData name="Julia Moeller" userId="0bcb1583-c1a4-48b5-87e6-2cc074d2d571" providerId="ADAL" clId="{C92DF3DE-23A5-4E98-85FA-AAD4EAE96412}" dt="2023-09-14T13:31:02.452" v="6488" actId="20577"/>
-          <ac:spMkLst>
-            <pc:docMk/>
-            <pc:sldMk cId="19262974" sldId="280"/>
-            <ac:spMk id="22" creationId="{CF9B26AD-ECA8-4AA9-D781-160187B84C62}"/>
-          </ac:spMkLst>
-        </pc:spChg>
-        <pc:grpChg chg="del">
-          <ac:chgData name="Julia Moeller" userId="0bcb1583-c1a4-48b5-87e6-2cc074d2d571" providerId="ADAL" clId="{C92DF3DE-23A5-4E98-85FA-AAD4EAE96412}" dt="2023-09-14T11:52:30.095" v="5673" actId="478"/>
-          <ac:grpSpMkLst>
-            <pc:docMk/>
-            <pc:sldMk cId="19262974" sldId="280"/>
-            <ac:grpSpMk id="7" creationId="{00000000-0000-0000-0000-000000000000}"/>
-          </ac:grpSpMkLst>
-        </pc:grpChg>
-        <pc:grpChg chg="add mod">
-          <ac:chgData name="Julia Moeller" userId="0bcb1583-c1a4-48b5-87e6-2cc074d2d571" providerId="ADAL" clId="{C92DF3DE-23A5-4E98-85FA-AAD4EAE96412}" dt="2023-09-14T11:58:58.149" v="5772" actId="164"/>
-          <ac:grpSpMkLst>
-            <pc:docMk/>
-            <pc:sldMk cId="19262974" sldId="280"/>
-            <ac:grpSpMk id="21" creationId="{B8907E9D-6C6B-97AD-E823-5F945BFFF9D9}"/>
-          </ac:grpSpMkLst>
-        </pc:grpChg>
-        <pc:picChg chg="add del mod">
-          <ac:chgData name="Julia Moeller" userId="0bcb1583-c1a4-48b5-87e6-2cc074d2d571" providerId="ADAL" clId="{C92DF3DE-23A5-4E98-85FA-AAD4EAE96412}" dt="2023-09-14T11:52:58.797" v="5684" actId="478"/>
-          <ac:picMkLst>
-            <pc:docMk/>
-            <pc:sldMk cId="19262974" sldId="280"/>
-            <ac:picMk id="4" creationId="{F6F84B6F-26B6-4365-814A-DEBCEBE7E772}"/>
-          </ac:picMkLst>
-        </pc:picChg>
-        <pc:picChg chg="add mod">
-          <ac:chgData name="Julia Moeller" userId="0bcb1583-c1a4-48b5-87e6-2cc074d2d571" providerId="ADAL" clId="{C92DF3DE-23A5-4E98-85FA-AAD4EAE96412}" dt="2023-09-14T11:58:58.149" v="5772" actId="164"/>
-          <ac:picMkLst>
-            <pc:docMk/>
-            <pc:sldMk cId="19262974" sldId="280"/>
-            <ac:picMk id="10" creationId="{EB1105E7-46B2-86AA-E1AF-6EA6103AB77E}"/>
-          </ac:picMkLst>
-        </pc:picChg>
-        <pc:picChg chg="del">
-          <ac:chgData name="Julia Moeller" userId="0bcb1583-c1a4-48b5-87e6-2cc074d2d571" providerId="ADAL" clId="{C92DF3DE-23A5-4E98-85FA-AAD4EAE96412}" dt="2023-09-14T11:52:31.189" v="5674" actId="478"/>
-          <ac:picMkLst>
-            <pc:docMk/>
-            <pc:sldMk cId="19262974" sldId="280"/>
-            <ac:picMk id="12" creationId="{00000000-0000-0000-0000-000000000000}"/>
-          </ac:picMkLst>
-        </pc:picChg>
-        <pc:picChg chg="add mod">
-          <ac:chgData name="Julia Moeller" userId="0bcb1583-c1a4-48b5-87e6-2cc074d2d571" providerId="ADAL" clId="{C92DF3DE-23A5-4E98-85FA-AAD4EAE96412}" dt="2023-09-14T12:05:32.967" v="5775" actId="1076"/>
-          <ac:picMkLst>
-            <pc:docMk/>
-            <pc:sldMk cId="19262974" sldId="280"/>
-            <ac:picMk id="14" creationId="{6B77BD7F-14B9-095F-F0A5-3880FCF787DB}"/>
-          </ac:picMkLst>
-        </pc:picChg>
-        <pc:picChg chg="add mod">
-          <ac:chgData name="Julia Moeller" userId="0bcb1583-c1a4-48b5-87e6-2cc074d2d571" providerId="ADAL" clId="{C92DF3DE-23A5-4E98-85FA-AAD4EAE96412}" dt="2023-09-14T11:58:58.149" v="5772" actId="164"/>
-          <ac:picMkLst>
-            <pc:docMk/>
-            <pc:sldMk cId="19262974" sldId="280"/>
-            <ac:picMk id="20" creationId="{E88B80C4-6094-61BC-9E40-F48A5DFE9F16}"/>
-          </ac:picMkLst>
-        </pc:picChg>
-        <pc:cxnChg chg="del">
-          <ac:chgData name="Julia Moeller" userId="0bcb1583-c1a4-48b5-87e6-2cc074d2d571" providerId="ADAL" clId="{C92DF3DE-23A5-4E98-85FA-AAD4EAE96412}" dt="2023-09-14T11:52:38.376" v="5680" actId="478"/>
-          <ac:cxnSpMkLst>
-            <pc:docMk/>
-            <pc:sldMk cId="19262974" sldId="280"/>
-            <ac:cxnSpMk id="9" creationId="{00000000-0000-0000-0000-000000000000}"/>
-          </ac:cxnSpMkLst>
-        </pc:cxnChg>
-        <pc:cxnChg chg="del">
-          <ac:chgData name="Julia Moeller" userId="0bcb1583-c1a4-48b5-87e6-2cc074d2d571" providerId="ADAL" clId="{C92DF3DE-23A5-4E98-85FA-AAD4EAE96412}" dt="2023-09-14T11:52:33.563" v="5676" actId="478"/>
-          <ac:cxnSpMkLst>
-            <pc:docMk/>
-            <pc:sldMk cId="19262974" sldId="280"/>
-            <ac:cxnSpMk id="16" creationId="{00000000-0000-0000-0000-000000000000}"/>
-          </ac:cxnSpMkLst>
-        </pc:cxnChg>
-        <pc:extLst>
-          <p:ext xmlns:p="http://schemas.openxmlformats.org/presentationml/2006/main" uri="{D6D511B9-2390-475A-947B-AFAB55BFBCF1}">
-            <pc226:cmChg xmlns:pc226="http://schemas.microsoft.com/office/powerpoint/2022/06/main/command" chg="mod">
-              <pc226:chgData name="Julia Moeller" userId="0bcb1583-c1a4-48b5-87e6-2cc074d2d571" providerId="ADAL" clId="{C92DF3DE-23A5-4E98-85FA-AAD4EAE96412}" dt="2023-09-14T19:11:58.032" v="8130"/>
-              <pc2:cmMkLst xmlns:pc2="http://schemas.microsoft.com/office/powerpoint/2019/9/main/command">
-                <pc:docMk/>
-                <pc:sldMk cId="19262974" sldId="280"/>
-                <pc2:cmMk id="{37C25776-C255-4177-851B-CA5F855E209E}"/>
-              </pc2:cmMkLst>
-            </pc226:cmChg>
-          </p:ext>
-        </pc:extLst>
-      </pc:sldChg>
-      <pc:sldChg chg="modSp mod">
-        <pc:chgData name="Julia Moeller" userId="0bcb1583-c1a4-48b5-87e6-2cc074d2d571" providerId="ADAL" clId="{C92DF3DE-23A5-4E98-85FA-AAD4EAE96412}" dt="2023-09-29T13:45:17.342" v="11474" actId="207"/>
-        <pc:sldMkLst>
-          <pc:docMk/>
-          <pc:sldMk cId="2079531476" sldId="281"/>
-        </pc:sldMkLst>
-        <pc:spChg chg="mod">
-          <ac:chgData name="Julia Moeller" userId="0bcb1583-c1a4-48b5-87e6-2cc074d2d571" providerId="ADAL" clId="{C92DF3DE-23A5-4E98-85FA-AAD4EAE96412}" dt="2023-09-14T13:17:09.807" v="6110" actId="20577"/>
-          <ac:spMkLst>
-            <pc:docMk/>
-            <pc:sldMk cId="2079531476" sldId="281"/>
-            <ac:spMk id="2" creationId="{00000000-0000-0000-0000-000000000000}"/>
-          </ac:spMkLst>
-        </pc:spChg>
-        <pc:spChg chg="mod">
-          <ac:chgData name="Julia Moeller" userId="0bcb1583-c1a4-48b5-87e6-2cc074d2d571" providerId="ADAL" clId="{C92DF3DE-23A5-4E98-85FA-AAD4EAE96412}" dt="2023-09-29T13:45:17.342" v="11474" actId="207"/>
-          <ac:spMkLst>
-            <pc:docMk/>
-            <pc:sldMk cId="2079531476" sldId="281"/>
-            <ac:spMk id="3" creationId="{00000000-0000-0000-0000-000000000000}"/>
-          </ac:spMkLst>
-        </pc:spChg>
-      </pc:sldChg>
-      <pc:sldChg chg="addSp delSp modSp mod modCm">
-        <pc:chgData name="Julia Moeller" userId="0bcb1583-c1a4-48b5-87e6-2cc074d2d571" providerId="ADAL" clId="{C92DF3DE-23A5-4E98-85FA-AAD4EAE96412}" dt="2023-09-14T19:11:51.576" v="8129"/>
-        <pc:sldMkLst>
-          <pc:docMk/>
-          <pc:sldMk cId="2337627130" sldId="282"/>
-        </pc:sldMkLst>
-        <pc:spChg chg="mod">
-          <ac:chgData name="Julia Moeller" userId="0bcb1583-c1a4-48b5-87e6-2cc074d2d571" providerId="ADAL" clId="{C92DF3DE-23A5-4E98-85FA-AAD4EAE96412}" dt="2023-09-14T13:22:57.683" v="6419" actId="20577"/>
-          <ac:spMkLst>
-            <pc:docMk/>
-            <pc:sldMk cId="2337627130" sldId="282"/>
-            <ac:spMk id="2" creationId="{00000000-0000-0000-0000-000000000000}"/>
-          </ac:spMkLst>
-        </pc:spChg>
-        <pc:spChg chg="add mod">
-          <ac:chgData name="Julia Moeller" userId="0bcb1583-c1a4-48b5-87e6-2cc074d2d571" providerId="ADAL" clId="{C92DF3DE-23A5-4E98-85FA-AAD4EAE96412}" dt="2023-09-14T18:56:56.193" v="7718" actId="179"/>
-          <ac:spMkLst>
-            <pc:docMk/>
-            <pc:sldMk cId="2337627130" sldId="282"/>
-            <ac:spMk id="4" creationId="{7F52414C-28D4-C7DD-E2FB-48994F99345C}"/>
-          </ac:spMkLst>
-        </pc:spChg>
-        <pc:spChg chg="del">
-          <ac:chgData name="Julia Moeller" userId="0bcb1583-c1a4-48b5-87e6-2cc074d2d571" providerId="ADAL" clId="{C92DF3DE-23A5-4E98-85FA-AAD4EAE96412}" dt="2023-09-14T13:28:56.667" v="6440" actId="478"/>
-          <ac:spMkLst>
-            <pc:docMk/>
-            <pc:sldMk cId="2337627130" sldId="282"/>
-            <ac:spMk id="21" creationId="{00000000-0000-0000-0000-000000000000}"/>
-          </ac:spMkLst>
-        </pc:spChg>
-        <pc:spChg chg="del mod">
-          <ac:chgData name="Julia Moeller" userId="0bcb1583-c1a4-48b5-87e6-2cc074d2d571" providerId="ADAL" clId="{C92DF3DE-23A5-4E98-85FA-AAD4EAE96412}" dt="2023-09-14T13:28:58.496" v="6442" actId="478"/>
-          <ac:spMkLst>
-            <pc:docMk/>
-            <pc:sldMk cId="2337627130" sldId="282"/>
-            <ac:spMk id="27" creationId="{00000000-0000-0000-0000-000000000000}"/>
-          </ac:spMkLst>
-        </pc:spChg>
-        <pc:spChg chg="del mod">
-          <ac:chgData name="Julia Moeller" userId="0bcb1583-c1a4-48b5-87e6-2cc074d2d571" providerId="ADAL" clId="{C92DF3DE-23A5-4E98-85FA-AAD4EAE96412}" dt="2023-09-14T14:18:39.978" v="6955" actId="478"/>
-          <ac:spMkLst>
-            <pc:docMk/>
-            <pc:sldMk cId="2337627130" sldId="282"/>
-            <ac:spMk id="28" creationId="{00000000-0000-0000-0000-000000000000}"/>
-          </ac:spMkLst>
-        </pc:spChg>
-        <pc:grpChg chg="del">
-          <ac:chgData name="Julia Moeller" userId="0bcb1583-c1a4-48b5-87e6-2cc074d2d571" providerId="ADAL" clId="{C92DF3DE-23A5-4E98-85FA-AAD4EAE96412}" dt="2023-09-14T13:28:58.897" v="6443" actId="478"/>
-          <ac:grpSpMkLst>
-            <pc:docMk/>
-            <pc:sldMk cId="2337627130" sldId="282"/>
-            <ac:grpSpMk id="19" creationId="{00000000-0000-0000-0000-000000000000}"/>
-          </ac:grpSpMkLst>
-        </pc:grpChg>
-        <pc:grpChg chg="del">
-          <ac:chgData name="Julia Moeller" userId="0bcb1583-c1a4-48b5-87e6-2cc074d2d571" providerId="ADAL" clId="{C92DF3DE-23A5-4E98-85FA-AAD4EAE96412}" dt="2023-09-14T13:28:53.402" v="6437" actId="478"/>
-          <ac:grpSpMkLst>
-            <pc:docMk/>
-            <pc:sldMk cId="2337627130" sldId="282"/>
-            <ac:grpSpMk id="25" creationId="{00000000-0000-0000-0000-000000000000}"/>
-          </ac:grpSpMkLst>
-        </pc:grpChg>
-        <pc:picChg chg="add mod">
-          <ac:chgData name="Julia Moeller" userId="0bcb1583-c1a4-48b5-87e6-2cc074d2d571" providerId="ADAL" clId="{C92DF3DE-23A5-4E98-85FA-AAD4EAE96412}" dt="2023-09-14T14:19:31.996" v="6964" actId="1076"/>
-          <ac:picMkLst>
-            <pc:docMk/>
-            <pc:sldMk cId="2337627130" sldId="282"/>
-            <ac:picMk id="22" creationId="{620EA41D-BAF3-D8A7-273D-04BEEDE2B998}"/>
-          </ac:picMkLst>
-        </pc:picChg>
-        <pc:cxnChg chg="del">
-          <ac:chgData name="Julia Moeller" userId="0bcb1583-c1a4-48b5-87e6-2cc074d2d571" providerId="ADAL" clId="{C92DF3DE-23A5-4E98-85FA-AAD4EAE96412}" dt="2023-09-14T13:28:57.273" v="6441" actId="478"/>
-          <ac:cxnSpMkLst>
-            <pc:docMk/>
-            <pc:sldMk cId="2337627130" sldId="282"/>
-            <ac:cxnSpMk id="20" creationId="{00000000-0000-0000-0000-000000000000}"/>
-          </ac:cxnSpMkLst>
-        </pc:cxnChg>
-        <pc:cxnChg chg="del">
-          <ac:chgData name="Julia Moeller" userId="0bcb1583-c1a4-48b5-87e6-2cc074d2d571" providerId="ADAL" clId="{C92DF3DE-23A5-4E98-85FA-AAD4EAE96412}" dt="2023-09-14T13:28:54.203" v="6438" actId="478"/>
-          <ac:cxnSpMkLst>
-            <pc:docMk/>
-            <pc:sldMk cId="2337627130" sldId="282"/>
-            <ac:cxnSpMk id="26" creationId="{00000000-0000-0000-0000-000000000000}"/>
-          </ac:cxnSpMkLst>
-        </pc:cxnChg>
-        <pc:extLst>
-          <p:ext xmlns:p="http://schemas.openxmlformats.org/presentationml/2006/main" uri="{D6D511B9-2390-475A-947B-AFAB55BFBCF1}">
-            <pc226:cmChg xmlns:pc226="http://schemas.microsoft.com/office/powerpoint/2022/06/main/command" chg="mod">
-              <pc226:chgData name="Julia Moeller" userId="0bcb1583-c1a4-48b5-87e6-2cc074d2d571" providerId="ADAL" clId="{C92DF3DE-23A5-4E98-85FA-AAD4EAE96412}" dt="2023-09-14T19:11:51.576" v="8129"/>
-              <pc2:cmMkLst xmlns:pc2="http://schemas.microsoft.com/office/powerpoint/2019/9/main/command">
-                <pc:docMk/>
-                <pc:sldMk cId="2337627130" sldId="282"/>
-                <pc2:cmMk id="{C3AAB715-EDAF-4778-8F83-86F660542CD3}"/>
-              </pc2:cmMkLst>
-            </pc226:cmChg>
-          </p:ext>
-        </pc:extLst>
-      </pc:sldChg>
-      <pc:sldChg chg="del">
-        <pc:chgData name="Julia Moeller" userId="0bcb1583-c1a4-48b5-87e6-2cc074d2d571" providerId="ADAL" clId="{C92DF3DE-23A5-4E98-85FA-AAD4EAE96412}" dt="2023-09-14T19:06:58.192" v="8116" actId="2696"/>
-        <pc:sldMkLst>
-          <pc:docMk/>
-          <pc:sldMk cId="3242522514" sldId="283"/>
-        </pc:sldMkLst>
-      </pc:sldChg>
-      <pc:sldChg chg="addSp modSp mod modCm">
-        <pc:chgData name="Julia Moeller" userId="0bcb1583-c1a4-48b5-87e6-2cc074d2d571" providerId="ADAL" clId="{C92DF3DE-23A5-4E98-85FA-AAD4EAE96412}" dt="2023-09-15T09:34:27.734" v="8256" actId="5793"/>
-        <pc:sldMkLst>
-          <pc:docMk/>
-          <pc:sldMk cId="3020063510" sldId="284"/>
-        </pc:sldMkLst>
-        <pc:spChg chg="mod">
-          <ac:chgData name="Julia Moeller" userId="0bcb1583-c1a4-48b5-87e6-2cc074d2d571" providerId="ADAL" clId="{C92DF3DE-23A5-4E98-85FA-AAD4EAE96412}" dt="2023-09-14T18:40:56.560" v="7686" actId="20577"/>
-          <ac:spMkLst>
-            <pc:docMk/>
-            <pc:sldMk cId="3020063510" sldId="284"/>
-            <ac:spMk id="2" creationId="{00000000-0000-0000-0000-000000000000}"/>
-          </ac:spMkLst>
-        </pc:spChg>
-        <pc:spChg chg="mod">
-          <ac:chgData name="Julia Moeller" userId="0bcb1583-c1a4-48b5-87e6-2cc074d2d571" providerId="ADAL" clId="{C92DF3DE-23A5-4E98-85FA-AAD4EAE96412}" dt="2023-09-14T19:07:26.099" v="8123" actId="1076"/>
-          <ac:spMkLst>
-            <pc:docMk/>
-            <pc:sldMk cId="3020063510" sldId="284"/>
-            <ac:spMk id="3" creationId="{00000000-0000-0000-0000-000000000000}"/>
-          </ac:spMkLst>
-        </pc:spChg>
-        <pc:spChg chg="mod">
-          <ac:chgData name="Julia Moeller" userId="0bcb1583-c1a4-48b5-87e6-2cc074d2d571" providerId="ADAL" clId="{C92DF3DE-23A5-4E98-85FA-AAD4EAE96412}" dt="2023-09-14T19:07:28.787" v="8124" actId="1076"/>
-          <ac:spMkLst>
-            <pc:docMk/>
-            <pc:sldMk cId="3020063510" sldId="284"/>
-            <ac:spMk id="5" creationId="{00000000-0000-0000-0000-000000000000}"/>
-          </ac:spMkLst>
-        </pc:spChg>
-        <pc:spChg chg="mod">
-          <ac:chgData name="Julia Moeller" userId="0bcb1583-c1a4-48b5-87e6-2cc074d2d571" providerId="ADAL" clId="{C92DF3DE-23A5-4E98-85FA-AAD4EAE96412}" dt="2023-09-15T09:34:27.734" v="8256" actId="5793"/>
-          <ac:spMkLst>
-            <pc:docMk/>
-            <pc:sldMk cId="3020063510" sldId="284"/>
-            <ac:spMk id="6" creationId="{00000000-0000-0000-0000-000000000000}"/>
-          </ac:spMkLst>
-        </pc:spChg>
-        <pc:spChg chg="add mod">
-          <ac:chgData name="Julia Moeller" userId="0bcb1583-c1a4-48b5-87e6-2cc074d2d571" providerId="ADAL" clId="{C92DF3DE-23A5-4E98-85FA-AAD4EAE96412}" dt="2023-09-15T08:46:12.386" v="8213" actId="164"/>
-          <ac:spMkLst>
-            <pc:docMk/>
-            <pc:sldMk cId="3020063510" sldId="284"/>
-            <ac:spMk id="8" creationId="{78E52C07-3BBE-2E55-E28C-8B020490C4AF}"/>
-          </ac:spMkLst>
-        </pc:spChg>
-        <pc:spChg chg="add mod">
-          <ac:chgData name="Julia Moeller" userId="0bcb1583-c1a4-48b5-87e6-2cc074d2d571" providerId="ADAL" clId="{C92DF3DE-23A5-4E98-85FA-AAD4EAE96412}" dt="2023-09-15T08:46:12.386" v="8213" actId="164"/>
-          <ac:spMkLst>
-            <pc:docMk/>
-            <pc:sldMk cId="3020063510" sldId="284"/>
-            <ac:spMk id="9" creationId="{C65CC9E0-0433-710D-7487-B5DEEE816C10}"/>
-          </ac:spMkLst>
-        </pc:spChg>
-        <pc:grpChg chg="add mod">
-          <ac:chgData name="Julia Moeller" userId="0bcb1583-c1a4-48b5-87e6-2cc074d2d571" providerId="ADAL" clId="{C92DF3DE-23A5-4E98-85FA-AAD4EAE96412}" dt="2023-09-15T08:46:12.386" v="8213" actId="164"/>
-          <ac:grpSpMkLst>
-            <pc:docMk/>
-            <pc:sldMk cId="3020063510" sldId="284"/>
-            <ac:grpSpMk id="10" creationId="{5C490CEE-7ADC-B70D-F23C-CFB2E3E65625}"/>
-          </ac:grpSpMkLst>
-        </pc:grpChg>
-        <pc:picChg chg="add mod">
-          <ac:chgData name="Julia Moeller" userId="0bcb1583-c1a4-48b5-87e6-2cc074d2d571" providerId="ADAL" clId="{C92DF3DE-23A5-4E98-85FA-AAD4EAE96412}" dt="2023-09-15T08:46:12.386" v="8213" actId="164"/>
-          <ac:picMkLst>
-            <pc:docMk/>
-            <pc:sldMk cId="3020063510" sldId="284"/>
-            <ac:picMk id="7" creationId="{8B729581-F02A-3462-793C-3090B37F8B7E}"/>
-          </ac:picMkLst>
-        </pc:picChg>
-        <pc:extLst>
-          <p:ext xmlns:p="http://schemas.openxmlformats.org/presentationml/2006/main" uri="{D6D511B9-2390-475A-947B-AFAB55BFBCF1}">
-            <pc226:cmChg xmlns:pc226="http://schemas.microsoft.com/office/powerpoint/2022/06/main/command" chg="mod">
-              <pc226:chgData name="Julia Moeller" userId="0bcb1583-c1a4-48b5-87e6-2cc074d2d571" providerId="ADAL" clId="{C92DF3DE-23A5-4E98-85FA-AAD4EAE96412}" dt="2023-09-14T19:11:46.557" v="8128"/>
-              <pc2:cmMkLst xmlns:pc2="http://schemas.microsoft.com/office/powerpoint/2019/9/main/command">
-                <pc:docMk/>
-                <pc:sldMk cId="3020063510" sldId="284"/>
-                <pc2:cmMk id="{69792041-B9AB-48B4-8FB6-52B98A442779}"/>
-              </pc2:cmMkLst>
-            </pc226:cmChg>
-          </p:ext>
-        </pc:extLst>
-      </pc:sldChg>
-      <pc:sldChg chg="modSp mod modCm">
-        <pc:chgData name="Julia Moeller" userId="0bcb1583-c1a4-48b5-87e6-2cc074d2d571" providerId="ADAL" clId="{C92DF3DE-23A5-4E98-85FA-AAD4EAE96412}" dt="2023-09-15T13:44:26.771" v="11356"/>
-        <pc:sldMkLst>
-          <pc:docMk/>
-          <pc:sldMk cId="3795354128" sldId="285"/>
-        </pc:sldMkLst>
-        <pc:spChg chg="mod">
-          <ac:chgData name="Julia Moeller" userId="0bcb1583-c1a4-48b5-87e6-2cc074d2d571" providerId="ADAL" clId="{C92DF3DE-23A5-4E98-85FA-AAD4EAE96412}" dt="2023-09-15T09:33:09.602" v="8231" actId="20577"/>
-          <ac:spMkLst>
-            <pc:docMk/>
-            <pc:sldMk cId="3795354128" sldId="285"/>
-            <ac:spMk id="2" creationId="{00000000-0000-0000-0000-000000000000}"/>
-          </ac:spMkLst>
-        </pc:spChg>
-        <pc:spChg chg="mod">
-          <ac:chgData name="Julia Moeller" userId="0bcb1583-c1a4-48b5-87e6-2cc074d2d571" providerId="ADAL" clId="{C92DF3DE-23A5-4E98-85FA-AAD4EAE96412}" dt="2023-09-15T09:32:54.648" v="8229" actId="255"/>
-          <ac:spMkLst>
-            <pc:docMk/>
-            <pc:sldMk cId="3795354128" sldId="285"/>
-            <ac:spMk id="6" creationId="{00000000-0000-0000-0000-000000000000}"/>
-          </ac:spMkLst>
-        </pc:spChg>
-        <pc:picChg chg="mod">
-          <ac:chgData name="Julia Moeller" userId="0bcb1583-c1a4-48b5-87e6-2cc074d2d571" providerId="ADAL" clId="{C92DF3DE-23A5-4E98-85FA-AAD4EAE96412}" dt="2023-09-15T09:32:59.118" v="8230" actId="1076"/>
-          <ac:picMkLst>
-            <pc:docMk/>
-            <pc:sldMk cId="3795354128" sldId="285"/>
-            <ac:picMk id="5" creationId="{00000000-0000-0000-0000-000000000000}"/>
-          </ac:picMkLst>
-        </pc:picChg>
-        <pc:extLst>
-          <p:ext xmlns:p="http://schemas.openxmlformats.org/presentationml/2006/main" uri="{D6D511B9-2390-475A-947B-AFAB55BFBCF1}">
-            <pc226:cmChg xmlns:pc226="http://schemas.microsoft.com/office/powerpoint/2022/06/main/command" chg="mod">
-              <pc226:chgData name="Julia Moeller" userId="0bcb1583-c1a4-48b5-87e6-2cc074d2d571" providerId="ADAL" clId="{C92DF3DE-23A5-4E98-85FA-AAD4EAE96412}" dt="2023-09-15T13:44:26.771" v="11356"/>
-              <pc2:cmMkLst xmlns:pc2="http://schemas.microsoft.com/office/powerpoint/2019/9/main/command">
-                <pc:docMk/>
-                <pc:sldMk cId="3795354128" sldId="285"/>
-                <pc2:cmMk id="{9DAB4B43-7FAA-419A-A3F3-6ABA2D6DBA13}"/>
-              </pc2:cmMkLst>
-            </pc226:cmChg>
-          </p:ext>
-        </pc:extLst>
-      </pc:sldChg>
-      <pc:sldChg chg="addSp delSp modSp mod modCm">
-        <pc:chgData name="Julia Moeller" userId="0bcb1583-c1a4-48b5-87e6-2cc074d2d571" providerId="ADAL" clId="{C92DF3DE-23A5-4E98-85FA-AAD4EAE96412}" dt="2023-09-15T14:33:58.003" v="11384" actId="14100"/>
-        <pc:sldMkLst>
-          <pc:docMk/>
-          <pc:sldMk cId="1290840729" sldId="286"/>
-        </pc:sldMkLst>
-        <pc:spChg chg="mod">
-          <ac:chgData name="Julia Moeller" userId="0bcb1583-c1a4-48b5-87e6-2cc074d2d571" providerId="ADAL" clId="{C92DF3DE-23A5-4E98-85FA-AAD4EAE96412}" dt="2023-09-15T09:34:56.629" v="8263" actId="20577"/>
-          <ac:spMkLst>
-            <pc:docMk/>
-            <pc:sldMk cId="1290840729" sldId="286"/>
-            <ac:spMk id="2" creationId="{00000000-0000-0000-0000-000000000000}"/>
-          </ac:spMkLst>
-        </pc:spChg>
-        <pc:spChg chg="mod">
-          <ac:chgData name="Julia Moeller" userId="0bcb1583-c1a4-48b5-87e6-2cc074d2d571" providerId="ADAL" clId="{C92DF3DE-23A5-4E98-85FA-AAD4EAE96412}" dt="2023-09-15T09:55:58.212" v="8427" actId="20577"/>
-          <ac:spMkLst>
-            <pc:docMk/>
-            <pc:sldMk cId="1290840729" sldId="286"/>
-            <ac:spMk id="3" creationId="{00000000-0000-0000-0000-000000000000}"/>
-          </ac:spMkLst>
-        </pc:spChg>
-        <pc:spChg chg="add del mod">
-          <ac:chgData name="Julia Moeller" userId="0bcb1583-c1a4-48b5-87e6-2cc074d2d571" providerId="ADAL" clId="{C92DF3DE-23A5-4E98-85FA-AAD4EAE96412}" dt="2023-09-15T09:34:53.568" v="8258"/>
-          <ac:spMkLst>
-            <pc:docMk/>
-            <pc:sldMk cId="1290840729" sldId="286"/>
-            <ac:spMk id="4" creationId="{B48BFB00-3D79-472B-1C0F-5D8F3DB31E8D}"/>
-          </ac:spMkLst>
-        </pc:spChg>
-        <pc:spChg chg="add mod">
-          <ac:chgData name="Julia Moeller" userId="0bcb1583-c1a4-48b5-87e6-2cc074d2d571" providerId="ADAL" clId="{C92DF3DE-23A5-4E98-85FA-AAD4EAE96412}" dt="2023-09-15T14:33:58.003" v="11384" actId="14100"/>
-          <ac:spMkLst>
-            <pc:docMk/>
-            <pc:sldMk cId="1290840729" sldId="286"/>
-            <ac:spMk id="5" creationId="{63224A5B-C22F-7DC8-E266-D000F273ED0F}"/>
-          </ac:spMkLst>
-        </pc:spChg>
-        <pc:spChg chg="add mod">
-          <ac:chgData name="Julia Moeller" userId="0bcb1583-c1a4-48b5-87e6-2cc074d2d571" providerId="ADAL" clId="{C92DF3DE-23A5-4E98-85FA-AAD4EAE96412}" dt="2023-09-15T09:55:49.757" v="8422" actId="1076"/>
-          <ac:spMkLst>
-            <pc:docMk/>
-            <pc:sldMk cId="1290840729" sldId="286"/>
-            <ac:spMk id="6" creationId="{31ACCFE6-2A85-B855-202E-AF7A3F66F88E}"/>
-          </ac:spMkLst>
-        </pc:spChg>
-        <pc:extLst>
-          <p:ext xmlns:p="http://schemas.openxmlformats.org/presentationml/2006/main" uri="{D6D511B9-2390-475A-947B-AFAB55BFBCF1}">
-            <pc226:cmChg xmlns:pc226="http://schemas.microsoft.com/office/powerpoint/2022/06/main/command" chg="mod">
-              <pc226:chgData name="Julia Moeller" userId="0bcb1583-c1a4-48b5-87e6-2cc074d2d571" providerId="ADAL" clId="{C92DF3DE-23A5-4E98-85FA-AAD4EAE96412}" dt="2023-09-15T13:44:31.448" v="11357"/>
-              <pc2:cmMkLst xmlns:pc2="http://schemas.microsoft.com/office/powerpoint/2019/9/main/command">
-                <pc:docMk/>
-                <pc:sldMk cId="1290840729" sldId="286"/>
-                <pc2:cmMk id="{54880600-711A-4442-95A8-36512A1CCB2A}"/>
-              </pc2:cmMkLst>
-            </pc226:cmChg>
-          </p:ext>
-        </pc:extLst>
-      </pc:sldChg>
-      <pc:sldChg chg="modSp mod modCm">
-        <pc:chgData name="Julia Moeller" userId="0bcb1583-c1a4-48b5-87e6-2cc074d2d571" providerId="ADAL" clId="{C92DF3DE-23A5-4E98-85FA-AAD4EAE96412}" dt="2023-09-29T13:48:23.886" v="11487" actId="20577"/>
-        <pc:sldMkLst>
-          <pc:docMk/>
-          <pc:sldMk cId="523345763" sldId="287"/>
-        </pc:sldMkLst>
-        <pc:spChg chg="mod">
-          <ac:chgData name="Julia Moeller" userId="0bcb1583-c1a4-48b5-87e6-2cc074d2d571" providerId="ADAL" clId="{C92DF3DE-23A5-4E98-85FA-AAD4EAE96412}" dt="2023-09-15T10:12:30.870" v="8430" actId="20577"/>
-          <ac:spMkLst>
-            <pc:docMk/>
-            <pc:sldMk cId="523345763" sldId="287"/>
-            <ac:spMk id="2" creationId="{00000000-0000-0000-0000-000000000000}"/>
-          </ac:spMkLst>
-        </pc:spChg>
-        <pc:spChg chg="mod">
-          <ac:chgData name="Julia Moeller" userId="0bcb1583-c1a4-48b5-87e6-2cc074d2d571" providerId="ADAL" clId="{C92DF3DE-23A5-4E98-85FA-AAD4EAE96412}" dt="2023-09-29T13:48:23.886" v="11487" actId="20577"/>
-          <ac:spMkLst>
-            <pc:docMk/>
-            <pc:sldMk cId="523345763" sldId="287"/>
-            <ac:spMk id="3" creationId="{00000000-0000-0000-0000-000000000000}"/>
-          </ac:spMkLst>
-        </pc:spChg>
-        <pc:extLst>
-          <p:ext xmlns:p="http://schemas.openxmlformats.org/presentationml/2006/main" uri="{D6D511B9-2390-475A-947B-AFAB55BFBCF1}">
-            <pc226:cmChg xmlns:pc226="http://schemas.microsoft.com/office/powerpoint/2022/06/main/command" chg="mod">
-              <pc226:chgData name="Julia Moeller" userId="0bcb1583-c1a4-48b5-87e6-2cc074d2d571" providerId="ADAL" clId="{C92DF3DE-23A5-4E98-85FA-AAD4EAE96412}" dt="2023-09-15T13:44:36.983" v="11358"/>
-              <pc2:cmMkLst xmlns:pc2="http://schemas.microsoft.com/office/powerpoint/2019/9/main/command">
-                <pc:docMk/>
-                <pc:sldMk cId="523345763" sldId="287"/>
-                <pc2:cmMk id="{DBFE4B17-8D19-40C7-AAC2-A1561DD83DA9}"/>
-              </pc2:cmMkLst>
-            </pc226:cmChg>
-            <pc226:cmChg xmlns:pc226="http://schemas.microsoft.com/office/powerpoint/2022/06/main/command" chg="mod">
-              <pc226:chgData name="Julia Moeller" userId="0bcb1583-c1a4-48b5-87e6-2cc074d2d571" providerId="ADAL" clId="{C92DF3DE-23A5-4E98-85FA-AAD4EAE96412}" dt="2023-09-15T13:44:39.120" v="11359"/>
-              <pc2:cmMkLst xmlns:pc2="http://schemas.microsoft.com/office/powerpoint/2019/9/main/command">
-                <pc:docMk/>
-                <pc:sldMk cId="523345763" sldId="287"/>
-                <pc2:cmMk id="{46864B90-C6A7-4102-986B-6509474622E8}"/>
-              </pc2:cmMkLst>
-            </pc226:cmChg>
-          </p:ext>
-        </pc:extLst>
-      </pc:sldChg>
-      <pc:sldChg chg="addSp delSp modSp mod modCm">
-        <pc:chgData name="Julia Moeller" userId="0bcb1583-c1a4-48b5-87e6-2cc074d2d571" providerId="ADAL" clId="{C92DF3DE-23A5-4E98-85FA-AAD4EAE96412}" dt="2023-09-15T13:44:48.173" v="11362"/>
-        <pc:sldMkLst>
-          <pc:docMk/>
-          <pc:sldMk cId="3876220526" sldId="288"/>
-        </pc:sldMkLst>
-        <pc:spChg chg="mod">
-          <ac:chgData name="Julia Moeller" userId="0bcb1583-c1a4-48b5-87e6-2cc074d2d571" providerId="ADAL" clId="{C92DF3DE-23A5-4E98-85FA-AAD4EAE96412}" dt="2023-09-15T11:26:51.645" v="9527" actId="20577"/>
-          <ac:spMkLst>
-            <pc:docMk/>
-            <pc:sldMk cId="3876220526" sldId="288"/>
-            <ac:spMk id="2" creationId="{00000000-0000-0000-0000-000000000000}"/>
-          </ac:spMkLst>
-        </pc:spChg>
-        <pc:spChg chg="mod">
-          <ac:chgData name="Julia Moeller" userId="0bcb1583-c1a4-48b5-87e6-2cc074d2d571" providerId="ADAL" clId="{C92DF3DE-23A5-4E98-85FA-AAD4EAE96412}" dt="2023-09-15T11:22:34.434" v="9444" actId="1076"/>
-          <ac:spMkLst>
-            <pc:docMk/>
-            <pc:sldMk cId="3876220526" sldId="288"/>
-            <ac:spMk id="7" creationId="{00000000-0000-0000-0000-000000000000}"/>
-          </ac:spMkLst>
-        </pc:spChg>
-        <pc:spChg chg="del mod">
-          <ac:chgData name="Julia Moeller" userId="0bcb1583-c1a4-48b5-87e6-2cc074d2d571" providerId="ADAL" clId="{C92DF3DE-23A5-4E98-85FA-AAD4EAE96412}" dt="2023-09-15T10:23:44.875" v="8573" actId="478"/>
-          <ac:spMkLst>
-            <pc:docMk/>
-            <pc:sldMk cId="3876220526" sldId="288"/>
-            <ac:spMk id="34" creationId="{00000000-0000-0000-0000-000000000000}"/>
-          </ac:spMkLst>
-        </pc:spChg>
-        <pc:picChg chg="add mod">
-          <ac:chgData name="Julia Moeller" userId="0bcb1583-c1a4-48b5-87e6-2cc074d2d571" providerId="ADAL" clId="{C92DF3DE-23A5-4E98-85FA-AAD4EAE96412}" dt="2023-09-15T11:22:36.741" v="9445" actId="1076"/>
-          <ac:picMkLst>
-            <pc:docMk/>
-            <pc:sldMk cId="3876220526" sldId="288"/>
-            <ac:picMk id="4" creationId="{7AFCB226-FC0B-C1E6-7424-ABDBB8C06CE6}"/>
-          </ac:picMkLst>
-        </pc:picChg>
-        <pc:picChg chg="del">
-          <ac:chgData name="Julia Moeller" userId="0bcb1583-c1a4-48b5-87e6-2cc074d2d571" providerId="ADAL" clId="{C92DF3DE-23A5-4E98-85FA-AAD4EAE96412}" dt="2023-09-15T10:22:38.782" v="8564" actId="478"/>
-          <ac:picMkLst>
-            <pc:docMk/>
-            <pc:sldMk cId="3876220526" sldId="288"/>
-            <ac:picMk id="5" creationId="{00000000-0000-0000-0000-000000000000}"/>
-          </ac:picMkLst>
-        </pc:picChg>
-        <pc:picChg chg="del">
-          <ac:chgData name="Julia Moeller" userId="0bcb1583-c1a4-48b5-87e6-2cc074d2d571" providerId="ADAL" clId="{C92DF3DE-23A5-4E98-85FA-AAD4EAE96412}" dt="2023-09-15T10:23:41.931" v="8570" actId="478"/>
-          <ac:picMkLst>
-            <pc:docMk/>
-            <pc:sldMk cId="3876220526" sldId="288"/>
-            <ac:picMk id="6" creationId="{00000000-0000-0000-0000-000000000000}"/>
-          </ac:picMkLst>
-        </pc:picChg>
-        <pc:cxnChg chg="del">
-          <ac:chgData name="Julia Moeller" userId="0bcb1583-c1a4-48b5-87e6-2cc074d2d571" providerId="ADAL" clId="{C92DF3DE-23A5-4E98-85FA-AAD4EAE96412}" dt="2023-09-15T10:23:43.271" v="8571" actId="478"/>
-          <ac:cxnSpMkLst>
-            <pc:docMk/>
-            <pc:sldMk cId="3876220526" sldId="288"/>
-            <ac:cxnSpMk id="28" creationId="{00000000-0000-0000-0000-000000000000}"/>
-          </ac:cxnSpMkLst>
-        </pc:cxnChg>
-        <pc:cxnChg chg="del">
-          <ac:chgData name="Julia Moeller" userId="0bcb1583-c1a4-48b5-87e6-2cc074d2d571" providerId="ADAL" clId="{C92DF3DE-23A5-4E98-85FA-AAD4EAE96412}" dt="2023-09-15T10:23:45.625" v="8574" actId="478"/>
-          <ac:cxnSpMkLst>
-            <pc:docMk/>
-            <pc:sldMk cId="3876220526" sldId="288"/>
-            <ac:cxnSpMk id="29" creationId="{00000000-0000-0000-0000-000000000000}"/>
-          </ac:cxnSpMkLst>
-        </pc:cxnChg>
-        <pc:extLst>
-          <p:ext xmlns:p="http://schemas.openxmlformats.org/presentationml/2006/main" uri="{D6D511B9-2390-475A-947B-AFAB55BFBCF1}">
-            <pc226:cmChg xmlns:pc226="http://schemas.microsoft.com/office/powerpoint/2022/06/main/command" chg="mod">
-              <pc226:chgData name="Julia Moeller" userId="0bcb1583-c1a4-48b5-87e6-2cc074d2d571" providerId="ADAL" clId="{C92DF3DE-23A5-4E98-85FA-AAD4EAE96412}" dt="2023-09-15T10:47:28.154" v="9134"/>
-              <pc2:cmMkLst xmlns:pc2="http://schemas.microsoft.com/office/powerpoint/2019/9/main/command">
-                <pc:docMk/>
-                <pc:sldMk cId="3876220526" sldId="288"/>
-                <pc2:cmMk id="{BFABE205-A235-4AD3-B321-DF0416A3DF7D}"/>
-              </pc2:cmMkLst>
-            </pc226:cmChg>
-            <pc226:cmChg xmlns:pc226="http://schemas.microsoft.com/office/powerpoint/2022/06/main/command" chg="mod">
-              <pc226:chgData name="Julia Moeller" userId="0bcb1583-c1a4-48b5-87e6-2cc074d2d571" providerId="ADAL" clId="{C92DF3DE-23A5-4E98-85FA-AAD4EAE96412}" dt="2023-09-15T13:44:43.619" v="11360"/>
-              <pc2:cmMkLst xmlns:pc2="http://schemas.microsoft.com/office/powerpoint/2019/9/main/command">
-                <pc:docMk/>
-                <pc:sldMk cId="3876220526" sldId="288"/>
-                <pc2:cmMk id="{0CC9603D-F818-4A69-95AF-592298C8A47E}"/>
-              </pc2:cmMkLst>
-            </pc226:cmChg>
-            <pc226:cmChg xmlns:pc226="http://schemas.microsoft.com/office/powerpoint/2022/06/main/command" chg="mod">
-              <pc226:chgData name="Julia Moeller" userId="0bcb1583-c1a4-48b5-87e6-2cc074d2d571" providerId="ADAL" clId="{C92DF3DE-23A5-4E98-85FA-AAD4EAE96412}" dt="2023-09-15T13:44:48.173" v="11362"/>
-              <pc2:cmMkLst xmlns:pc2="http://schemas.microsoft.com/office/powerpoint/2019/9/main/command">
-                <pc:docMk/>
-                <pc:sldMk cId="3876220526" sldId="288"/>
-                <pc2:cmMk id="{7C7B3B4B-97E8-4993-ADE1-91014A2C128B}"/>
-              </pc2:cmMkLst>
-            </pc226:cmChg>
-            <pc226:cmChg xmlns:pc226="http://schemas.microsoft.com/office/powerpoint/2022/06/main/command" chg="mod">
-              <pc226:chgData name="Julia Moeller" userId="0bcb1583-c1a4-48b5-87e6-2cc074d2d571" providerId="ADAL" clId="{C92DF3DE-23A5-4E98-85FA-AAD4EAE96412}" dt="2023-09-15T10:47:31.922" v="9135"/>
-              <pc2:cmMkLst xmlns:pc2="http://schemas.microsoft.com/office/powerpoint/2019/9/main/command">
-                <pc:docMk/>
-                <pc:sldMk cId="3876220526" sldId="288"/>
-                <pc2:cmMk id="{3F812B51-F373-466F-9150-04AFB3541FD4}"/>
-              </pc2:cmMkLst>
-            </pc226:cmChg>
-            <pc226:cmChg xmlns:pc226="http://schemas.microsoft.com/office/powerpoint/2022/06/main/command" chg="mod">
-              <pc226:chgData name="Julia Moeller" userId="0bcb1583-c1a4-48b5-87e6-2cc074d2d571" providerId="ADAL" clId="{C92DF3DE-23A5-4E98-85FA-AAD4EAE96412}" dt="2023-09-15T13:44:45.470" v="11361"/>
-              <pc2:cmMkLst xmlns:pc2="http://schemas.microsoft.com/office/powerpoint/2019/9/main/command">
-                <pc:docMk/>
-                <pc:sldMk cId="3876220526" sldId="288"/>
-                <pc2:cmMk id="{221E7B97-9418-4413-A077-50BA98B9A235}"/>
-              </pc2:cmMkLst>
-            </pc226:cmChg>
-          </p:ext>
-        </pc:extLst>
-      </pc:sldChg>
-      <pc:sldChg chg="del">
-        <pc:chgData name="Julia Moeller" userId="0bcb1583-c1a4-48b5-87e6-2cc074d2d571" providerId="ADAL" clId="{C92DF3DE-23A5-4E98-85FA-AAD4EAE96412}" dt="2023-09-15T12:27:23.305" v="10188" actId="2696"/>
-        <pc:sldMkLst>
-          <pc:docMk/>
-          <pc:sldMk cId="2896707261" sldId="289"/>
-        </pc:sldMkLst>
-      </pc:sldChg>
-      <pc:sldChg chg="modSp mod modCm">
-        <pc:chgData name="Julia Moeller" userId="0bcb1583-c1a4-48b5-87e6-2cc074d2d571" providerId="ADAL" clId="{C92DF3DE-23A5-4E98-85FA-AAD4EAE96412}" dt="2023-09-15T13:45:06.008" v="11366"/>
-        <pc:sldMkLst>
-          <pc:docMk/>
-          <pc:sldMk cId="181441456" sldId="290"/>
-        </pc:sldMkLst>
-        <pc:spChg chg="mod">
-          <ac:chgData name="Julia Moeller" userId="0bcb1583-c1a4-48b5-87e6-2cc074d2d571" providerId="ADAL" clId="{C92DF3DE-23A5-4E98-85FA-AAD4EAE96412}" dt="2023-09-15T13:31:27.475" v="10934"/>
-          <ac:spMkLst>
-            <pc:docMk/>
-            <pc:sldMk cId="181441456" sldId="290"/>
-            <ac:spMk id="3" creationId="{00000000-0000-0000-0000-000000000000}"/>
-          </ac:spMkLst>
-        </pc:spChg>
-        <pc:extLst>
-          <p:ext xmlns:p="http://schemas.openxmlformats.org/presentationml/2006/main" uri="{D6D511B9-2390-475A-947B-AFAB55BFBCF1}">
-            <pc226:cmChg xmlns:pc226="http://schemas.microsoft.com/office/powerpoint/2022/06/main/command" chg="mod">
-              <pc226:chgData name="Julia Moeller" userId="0bcb1583-c1a4-48b5-87e6-2cc074d2d571" providerId="ADAL" clId="{C92DF3DE-23A5-4E98-85FA-AAD4EAE96412}" dt="2023-09-15T13:45:02.615" v="11364"/>
-              <pc2:cmMkLst xmlns:pc2="http://schemas.microsoft.com/office/powerpoint/2019/9/main/command">
-                <pc:docMk/>
-                <pc:sldMk cId="181441456" sldId="290"/>
-                <pc2:cmMk id="{40253615-0626-43E6-95B5-C4592C6F1EDF}"/>
-              </pc2:cmMkLst>
-            </pc226:cmChg>
-            <pc226:cmChg xmlns:pc226="http://schemas.microsoft.com/office/powerpoint/2022/06/main/command" chg="mod">
-              <pc226:chgData name="Julia Moeller" userId="0bcb1583-c1a4-48b5-87e6-2cc074d2d571" providerId="ADAL" clId="{C92DF3DE-23A5-4E98-85FA-AAD4EAE96412}" dt="2023-09-15T13:45:06.008" v="11366"/>
-              <pc2:cmMkLst xmlns:pc2="http://schemas.microsoft.com/office/powerpoint/2019/9/main/command">
-                <pc:docMk/>
-                <pc:sldMk cId="181441456" sldId="290"/>
-                <pc2:cmMk id="{64F75594-4C3D-4E02-96D0-35C83D844EEB}"/>
-              </pc2:cmMkLst>
-            </pc226:cmChg>
-            <pc226:cmChg xmlns:pc226="http://schemas.microsoft.com/office/powerpoint/2022/06/main/command" chg="mod">
-              <pc226:chgData name="Julia Moeller" userId="0bcb1583-c1a4-48b5-87e6-2cc074d2d571" providerId="ADAL" clId="{C92DF3DE-23A5-4E98-85FA-AAD4EAE96412}" dt="2023-09-15T13:45:04.522" v="11365"/>
-              <pc2:cmMkLst xmlns:pc2="http://schemas.microsoft.com/office/powerpoint/2019/9/main/command">
-                <pc:docMk/>
-                <pc:sldMk cId="181441456" sldId="290"/>
-                <pc2:cmMk id="{61029DBB-C843-4DE9-A3B8-A5FC6BCF7E2E}"/>
-              </pc2:cmMkLst>
-            </pc226:cmChg>
-          </p:ext>
-        </pc:extLst>
-      </pc:sldChg>
-      <pc:sldChg chg="addSp delSp modSp mod modCm">
-        <pc:chgData name="Julia Moeller" userId="0bcb1583-c1a4-48b5-87e6-2cc074d2d571" providerId="ADAL" clId="{C92DF3DE-23A5-4E98-85FA-AAD4EAE96412}" dt="2023-09-15T13:45:17.020" v="11368"/>
-        <pc:sldMkLst>
-          <pc:docMk/>
-          <pc:sldMk cId="901500868" sldId="291"/>
-        </pc:sldMkLst>
-        <pc:spChg chg="mod">
-          <ac:chgData name="Julia Moeller" userId="0bcb1583-c1a4-48b5-87e6-2cc074d2d571" providerId="ADAL" clId="{C92DF3DE-23A5-4E98-85FA-AAD4EAE96412}" dt="2023-09-15T13:30:55.814" v="10929" actId="20577"/>
-          <ac:spMkLst>
-            <pc:docMk/>
-            <pc:sldMk cId="901500868" sldId="291"/>
-            <ac:spMk id="3" creationId="{00000000-0000-0000-0000-000000000000}"/>
-          </ac:spMkLst>
-        </pc:spChg>
-        <pc:spChg chg="del mod">
-          <ac:chgData name="Julia Moeller" userId="0bcb1583-c1a4-48b5-87e6-2cc074d2d571" providerId="ADAL" clId="{C92DF3DE-23A5-4E98-85FA-AAD4EAE96412}" dt="2023-09-15T13:05:39.357" v="10309" actId="478"/>
-          <ac:spMkLst>
-            <pc:docMk/>
-            <pc:sldMk cId="901500868" sldId="291"/>
-            <ac:spMk id="6" creationId="{00000000-0000-0000-0000-000000000000}"/>
-          </ac:spMkLst>
-        </pc:spChg>
-        <pc:spChg chg="add mod">
-          <ac:chgData name="Julia Moeller" userId="0bcb1583-c1a4-48b5-87e6-2cc074d2d571" providerId="ADAL" clId="{C92DF3DE-23A5-4E98-85FA-AAD4EAE96412}" dt="2023-09-15T13:15:08.060" v="10723" actId="14100"/>
-          <ac:spMkLst>
-            <pc:docMk/>
-            <pc:sldMk cId="901500868" sldId="291"/>
-            <ac:spMk id="9" creationId="{9BD03E4B-80AC-7BCE-E297-2BAC06C28495}"/>
-          </ac:spMkLst>
-        </pc:spChg>
-        <pc:spChg chg="del">
-          <ac:chgData name="Julia Moeller" userId="0bcb1583-c1a4-48b5-87e6-2cc074d2d571" providerId="ADAL" clId="{C92DF3DE-23A5-4E98-85FA-AAD4EAE96412}" dt="2023-09-15T13:09:55.252" v="10421" actId="478"/>
-          <ac:spMkLst>
-            <pc:docMk/>
-            <pc:sldMk cId="901500868" sldId="291"/>
-            <ac:spMk id="10" creationId="{00000000-0000-0000-0000-000000000000}"/>
-          </ac:spMkLst>
-        </pc:spChg>
-        <pc:spChg chg="add mod">
-          <ac:chgData name="Julia Moeller" userId="0bcb1583-c1a4-48b5-87e6-2cc074d2d571" providerId="ADAL" clId="{C92DF3DE-23A5-4E98-85FA-AAD4EAE96412}" dt="2023-09-15T13:15:45.189" v="10733" actId="14100"/>
-          <ac:spMkLst>
-            <pc:docMk/>
-            <pc:sldMk cId="901500868" sldId="291"/>
-            <ac:spMk id="12" creationId="{D47F700D-1F47-1A52-BC79-538B93FE662F}"/>
-          </ac:spMkLst>
-        </pc:spChg>
-        <pc:spChg chg="add del mod">
-          <ac:chgData name="Julia Moeller" userId="0bcb1583-c1a4-48b5-87e6-2cc074d2d571" providerId="ADAL" clId="{C92DF3DE-23A5-4E98-85FA-AAD4EAE96412}" dt="2023-09-15T13:16:41.928" v="10736" actId="478"/>
-          <ac:spMkLst>
-            <pc:docMk/>
-            <pc:sldMk cId="901500868" sldId="291"/>
-            <ac:spMk id="13" creationId="{9EDDF475-3D58-4255-3000-35E241EE39F2}"/>
-          </ac:spMkLst>
-        </pc:spChg>
-        <pc:spChg chg="add mod">
-          <ac:chgData name="Julia Moeller" userId="0bcb1583-c1a4-48b5-87e6-2cc074d2d571" providerId="ADAL" clId="{C92DF3DE-23A5-4E98-85FA-AAD4EAE96412}" dt="2023-09-15T13:17:14.806" v="10741" actId="1076"/>
-          <ac:spMkLst>
-            <pc:docMk/>
-            <pc:sldMk cId="901500868" sldId="291"/>
-            <ac:spMk id="14" creationId="{C303C8A2-9F91-4038-103F-3210AF169E24}"/>
-          </ac:spMkLst>
-        </pc:spChg>
-        <pc:spChg chg="del mod">
-          <ac:chgData name="Julia Moeller" userId="0bcb1583-c1a4-48b5-87e6-2cc074d2d571" providerId="ADAL" clId="{C92DF3DE-23A5-4E98-85FA-AAD4EAE96412}" dt="2023-09-15T13:12:41.519" v="10637" actId="478"/>
-          <ac:spMkLst>
-            <pc:docMk/>
-            <pc:sldMk cId="901500868" sldId="291"/>
-            <ac:spMk id="17" creationId="{00000000-0000-0000-0000-000000000000}"/>
-          </ac:spMkLst>
-        </pc:spChg>
-        <pc:picChg chg="del mod">
-          <ac:chgData name="Julia Moeller" userId="0bcb1583-c1a4-48b5-87e6-2cc074d2d571" providerId="ADAL" clId="{C92DF3DE-23A5-4E98-85FA-AAD4EAE96412}" dt="2023-09-15T13:14:19.825" v="10714" actId="478"/>
-          <ac:picMkLst>
-            <pc:docMk/>
-            <pc:sldMk cId="901500868" sldId="291"/>
-            <ac:picMk id="5" creationId="{00000000-0000-0000-0000-000000000000}"/>
-          </ac:picMkLst>
-        </pc:picChg>
-        <pc:picChg chg="add mod">
-          <ac:chgData name="Julia Moeller" userId="0bcb1583-c1a4-48b5-87e6-2cc074d2d571" providerId="ADAL" clId="{C92DF3DE-23A5-4E98-85FA-AAD4EAE96412}" dt="2023-09-15T13:16:47.266" v="10737" actId="1076"/>
-          <ac:picMkLst>
-            <pc:docMk/>
-            <pc:sldMk cId="901500868" sldId="291"/>
-            <ac:picMk id="7" creationId="{2F9F20DB-8302-B53F-64E6-A1062FF609C1}"/>
-          </ac:picMkLst>
-        </pc:picChg>
-        <pc:cxnChg chg="del">
-          <ac:chgData name="Julia Moeller" userId="0bcb1583-c1a4-48b5-87e6-2cc074d2d571" providerId="ADAL" clId="{C92DF3DE-23A5-4E98-85FA-AAD4EAE96412}" dt="2023-09-15T13:06:01.963" v="10329" actId="478"/>
-          <ac:cxnSpMkLst>
-            <pc:docMk/>
-            <pc:sldMk cId="901500868" sldId="291"/>
-            <ac:cxnSpMk id="8" creationId="{00000000-0000-0000-0000-000000000000}"/>
-          </ac:cxnSpMkLst>
-        </pc:cxnChg>
-        <pc:cxnChg chg="del">
-          <ac:chgData name="Julia Moeller" userId="0bcb1583-c1a4-48b5-87e6-2cc074d2d571" providerId="ADAL" clId="{C92DF3DE-23A5-4E98-85FA-AAD4EAE96412}" dt="2023-09-15T13:06:02.902" v="10330" actId="478"/>
-          <ac:cxnSpMkLst>
-            <pc:docMk/>
-            <pc:sldMk cId="901500868" sldId="291"/>
-            <ac:cxnSpMk id="11" creationId="{00000000-0000-0000-0000-000000000000}"/>
-          </ac:cxnSpMkLst>
-        </pc:cxnChg>
-        <pc:extLst>
-          <p:ext xmlns:p="http://schemas.openxmlformats.org/presentationml/2006/main" uri="{D6D511B9-2390-475A-947B-AFAB55BFBCF1}">
-            <pc226:cmChg xmlns:pc226="http://schemas.microsoft.com/office/powerpoint/2022/06/main/command" chg="mod">
-              <pc226:chgData name="Julia Moeller" userId="0bcb1583-c1a4-48b5-87e6-2cc074d2d571" providerId="ADAL" clId="{C92DF3DE-23A5-4E98-85FA-AAD4EAE96412}" dt="2023-09-15T13:45:14.968" v="11367"/>
-              <pc2:cmMkLst xmlns:pc2="http://schemas.microsoft.com/office/powerpoint/2019/9/main/command">
-                <pc:docMk/>
-                <pc:sldMk cId="901500868" sldId="291"/>
-                <pc2:cmMk id="{68A4FC4D-8810-434B-A266-12AA49887732}"/>
-              </pc2:cmMkLst>
-            </pc226:cmChg>
-            <pc226:cmChg xmlns:pc226="http://schemas.microsoft.com/office/powerpoint/2022/06/main/command" chg="mod">
-              <pc226:chgData name="Julia Moeller" userId="0bcb1583-c1a4-48b5-87e6-2cc074d2d571" providerId="ADAL" clId="{C92DF3DE-23A5-4E98-85FA-AAD4EAE96412}" dt="2023-09-15T13:45:17.020" v="11368"/>
-              <pc2:cmMkLst xmlns:pc2="http://schemas.microsoft.com/office/powerpoint/2019/9/main/command">
-                <pc:docMk/>
-                <pc:sldMk cId="901500868" sldId="291"/>
-                <pc2:cmMk id="{D1D4A775-D028-4101-B550-B3DB043E0A55}"/>
-              </pc2:cmMkLst>
-            </pc226:cmChg>
-          </p:ext>
-        </pc:extLst>
-      </pc:sldChg>
-      <pc:sldChg chg="modSp mod">
-        <pc:chgData name="Julia Moeller" userId="0bcb1583-c1a4-48b5-87e6-2cc074d2d571" providerId="ADAL" clId="{C92DF3DE-23A5-4E98-85FA-AAD4EAE96412}" dt="2023-09-15T14:34:32.245" v="11385" actId="14100"/>
-        <pc:sldMkLst>
-          <pc:docMk/>
-          <pc:sldMk cId="3374116860" sldId="292"/>
-        </pc:sldMkLst>
-        <pc:spChg chg="mod">
-          <ac:chgData name="Julia Moeller" userId="0bcb1583-c1a4-48b5-87e6-2cc074d2d571" providerId="ADAL" clId="{C92DF3DE-23A5-4E98-85FA-AAD4EAE96412}" dt="2023-09-15T13:28:37.335" v="10793" actId="20577"/>
-          <ac:spMkLst>
-            <pc:docMk/>
-            <pc:sldMk cId="3374116860" sldId="292"/>
-            <ac:spMk id="2" creationId="{00000000-0000-0000-0000-000000000000}"/>
-          </ac:spMkLst>
-        </pc:spChg>
-        <pc:spChg chg="mod">
-          <ac:chgData name="Julia Moeller" userId="0bcb1583-c1a4-48b5-87e6-2cc074d2d571" providerId="ADAL" clId="{C92DF3DE-23A5-4E98-85FA-AAD4EAE96412}" dt="2023-09-15T13:28:07.541" v="10782" actId="20577"/>
-          <ac:spMkLst>
-            <pc:docMk/>
-            <pc:sldMk cId="3374116860" sldId="292"/>
-            <ac:spMk id="3" creationId="{00000000-0000-0000-0000-000000000000}"/>
-          </ac:spMkLst>
-        </pc:spChg>
-        <pc:spChg chg="mod">
-          <ac:chgData name="Julia Moeller" userId="0bcb1583-c1a4-48b5-87e6-2cc074d2d571" providerId="ADAL" clId="{C92DF3DE-23A5-4E98-85FA-AAD4EAE96412}" dt="2023-09-15T14:34:32.245" v="11385" actId="14100"/>
-          <ac:spMkLst>
-            <pc:docMk/>
-            <pc:sldMk cId="3374116860" sldId="292"/>
-            <ac:spMk id="6" creationId="{00000000-0000-0000-0000-000000000000}"/>
-          </ac:spMkLst>
-        </pc:spChg>
-        <pc:picChg chg="mod">
-          <ac:chgData name="Julia Moeller" userId="0bcb1583-c1a4-48b5-87e6-2cc074d2d571" providerId="ADAL" clId="{C92DF3DE-23A5-4E98-85FA-AAD4EAE96412}" dt="2023-09-15T13:18:09.460" v="10781" actId="1076"/>
-          <ac:picMkLst>
-            <pc:docMk/>
-            <pc:sldMk cId="3374116860" sldId="292"/>
-            <ac:picMk id="5" creationId="{00000000-0000-0000-0000-000000000000}"/>
-          </ac:picMkLst>
-        </pc:picChg>
-      </pc:sldChg>
-      <pc:sldChg chg="modSp mod modCm">
-        <pc:chgData name="Julia Moeller" userId="0bcb1583-c1a4-48b5-87e6-2cc074d2d571" providerId="ADAL" clId="{C92DF3DE-23A5-4E98-85FA-AAD4EAE96412}" dt="2023-09-15T13:45:21.556" v="11369"/>
-        <pc:sldMkLst>
-          <pc:docMk/>
-          <pc:sldMk cId="381035228" sldId="294"/>
-        </pc:sldMkLst>
-        <pc:spChg chg="mod">
-          <ac:chgData name="Julia Moeller" userId="0bcb1583-c1a4-48b5-87e6-2cc074d2d571" providerId="ADAL" clId="{C92DF3DE-23A5-4E98-85FA-AAD4EAE96412}" dt="2023-09-15T13:37:32.532" v="11339" actId="20577"/>
-          <ac:spMkLst>
-            <pc:docMk/>
-            <pc:sldMk cId="381035228" sldId="294"/>
-            <ac:spMk id="3" creationId="{00000000-0000-0000-0000-000000000000}"/>
-          </ac:spMkLst>
-        </pc:spChg>
-        <pc:extLst>
-          <p:ext xmlns:p="http://schemas.openxmlformats.org/presentationml/2006/main" uri="{D6D511B9-2390-475A-947B-AFAB55BFBCF1}">
-            <pc226:cmChg xmlns:pc226="http://schemas.microsoft.com/office/powerpoint/2022/06/main/command" chg="mod">
-              <pc226:chgData name="Julia Moeller" userId="0bcb1583-c1a4-48b5-87e6-2cc074d2d571" providerId="ADAL" clId="{C92DF3DE-23A5-4E98-85FA-AAD4EAE96412}" dt="2023-09-15T13:45:21.556" v="11369"/>
-              <pc2:cmMkLst xmlns:pc2="http://schemas.microsoft.com/office/powerpoint/2019/9/main/command">
-                <pc:docMk/>
-                <pc:sldMk cId="381035228" sldId="294"/>
-                <pc2:cmMk id="{4CC69E5F-71C3-444B-9725-487B26466248}"/>
-              </pc2:cmMkLst>
-            </pc226:cmChg>
-          </p:ext>
-        </pc:extLst>
-      </pc:sldChg>
-      <pc:sldChg chg="modSp mod modCm">
-        <pc:chgData name="Julia Moeller" userId="0bcb1583-c1a4-48b5-87e6-2cc074d2d571" providerId="ADAL" clId="{C92DF3DE-23A5-4E98-85FA-AAD4EAE96412}" dt="2023-09-15T13:45:24.984" v="11370"/>
-        <pc:sldMkLst>
-          <pc:docMk/>
-          <pc:sldMk cId="4004071830" sldId="295"/>
-        </pc:sldMkLst>
-        <pc:spChg chg="mod">
-          <ac:chgData name="Julia Moeller" userId="0bcb1583-c1a4-48b5-87e6-2cc074d2d571" providerId="ADAL" clId="{C92DF3DE-23A5-4E98-85FA-AAD4EAE96412}" dt="2023-09-15T13:37:49.200" v="11340" actId="12"/>
-          <ac:spMkLst>
-            <pc:docMk/>
-            <pc:sldMk cId="4004071830" sldId="295"/>
-            <ac:spMk id="3" creationId="{00000000-0000-0000-0000-000000000000}"/>
-          </ac:spMkLst>
-        </pc:spChg>
-        <pc:extLst>
-          <p:ext xmlns:p="http://schemas.openxmlformats.org/presentationml/2006/main" uri="{D6D511B9-2390-475A-947B-AFAB55BFBCF1}">
-            <pc226:cmChg xmlns:pc226="http://schemas.microsoft.com/office/powerpoint/2022/06/main/command" chg="mod">
-              <pc226:chgData name="Julia Moeller" userId="0bcb1583-c1a4-48b5-87e6-2cc074d2d571" providerId="ADAL" clId="{C92DF3DE-23A5-4E98-85FA-AAD4EAE96412}" dt="2023-09-15T13:45:24.984" v="11370"/>
-              <pc2:cmMkLst xmlns:pc2="http://schemas.microsoft.com/office/powerpoint/2019/9/main/command">
-                <pc:docMk/>
-                <pc:sldMk cId="4004071830" sldId="295"/>
-                <pc2:cmMk id="{0D813420-51BA-454C-A243-C3B31560C9AD}"/>
-              </pc2:cmMkLst>
-            </pc226:cmChg>
-          </p:ext>
-        </pc:extLst>
-      </pc:sldChg>
-      <pc:sldChg chg="modSp mod modCm">
-        <pc:chgData name="Julia Moeller" userId="0bcb1583-c1a4-48b5-87e6-2cc074d2d571" providerId="ADAL" clId="{C92DF3DE-23A5-4E98-85FA-AAD4EAE96412}" dt="2023-09-15T13:44:53.517" v="11363"/>
-        <pc:sldMkLst>
-          <pc:docMk/>
-          <pc:sldMk cId="1722840581" sldId="296"/>
-        </pc:sldMkLst>
-        <pc:spChg chg="mod">
-          <ac:chgData name="Julia Moeller" userId="0bcb1583-c1a4-48b5-87e6-2cc074d2d571" providerId="ADAL" clId="{C92DF3DE-23A5-4E98-85FA-AAD4EAE96412}" dt="2023-09-15T12:27:35.824" v="10199" actId="20577"/>
-          <ac:spMkLst>
-            <pc:docMk/>
-            <pc:sldMk cId="1722840581" sldId="296"/>
-            <ac:spMk id="2" creationId="{00000000-0000-0000-0000-000000000000}"/>
-          </ac:spMkLst>
-        </pc:spChg>
-        <pc:picChg chg="mod">
-          <ac:chgData name="Julia Moeller" userId="0bcb1583-c1a4-48b5-87e6-2cc074d2d571" providerId="ADAL" clId="{C92DF3DE-23A5-4E98-85FA-AAD4EAE96412}" dt="2023-09-15T13:39:43.986" v="11348" actId="1076"/>
-          <ac:picMkLst>
-            <pc:docMk/>
-            <pc:sldMk cId="1722840581" sldId="296"/>
-            <ac:picMk id="5" creationId="{00000000-0000-0000-0000-000000000000}"/>
-          </ac:picMkLst>
-        </pc:picChg>
-        <pc:picChg chg="mod">
-          <ac:chgData name="Julia Moeller" userId="0bcb1583-c1a4-48b5-87e6-2cc074d2d571" providerId="ADAL" clId="{C92DF3DE-23A5-4E98-85FA-AAD4EAE96412}" dt="2023-09-15T13:39:43.986" v="11348" actId="1076"/>
-          <ac:picMkLst>
-            <pc:docMk/>
-            <pc:sldMk cId="1722840581" sldId="296"/>
-            <ac:picMk id="6" creationId="{00000000-0000-0000-0000-000000000000}"/>
-          </ac:picMkLst>
-        </pc:picChg>
-        <pc:picChg chg="mod">
-          <ac:chgData name="Julia Moeller" userId="0bcb1583-c1a4-48b5-87e6-2cc074d2d571" providerId="ADAL" clId="{C92DF3DE-23A5-4E98-85FA-AAD4EAE96412}" dt="2023-09-15T13:39:48.193" v="11349" actId="1076"/>
-          <ac:picMkLst>
-            <pc:docMk/>
-            <pc:sldMk cId="1722840581" sldId="296"/>
-            <ac:picMk id="8" creationId="{00000000-0000-0000-0000-000000000000}"/>
-          </ac:picMkLst>
-        </pc:picChg>
-        <pc:extLst>
-          <p:ext xmlns:p="http://schemas.openxmlformats.org/presentationml/2006/main" uri="{D6D511B9-2390-475A-947B-AFAB55BFBCF1}">
-            <pc226:cmChg xmlns:pc226="http://schemas.microsoft.com/office/powerpoint/2022/06/main/command" chg="mod">
-              <pc226:chgData name="Julia Moeller" userId="0bcb1583-c1a4-48b5-87e6-2cc074d2d571" providerId="ADAL" clId="{C92DF3DE-23A5-4E98-85FA-AAD4EAE96412}" dt="2023-09-15T13:44:53.517" v="11363"/>
-              <pc2:cmMkLst xmlns:pc2="http://schemas.microsoft.com/office/powerpoint/2019/9/main/command">
-                <pc:docMk/>
-                <pc:sldMk cId="1722840581" sldId="296"/>
-                <pc2:cmMk id="{F468DDB2-DF6E-4341-851D-55360D67FD24}"/>
-              </pc2:cmMkLst>
-            </pc226:cmChg>
-          </p:ext>
-        </pc:extLst>
-      </pc:sldChg>
-      <pc:sldChg chg="addSp modSp new mod">
-        <pc:chgData name="Julia Moeller" userId="0bcb1583-c1a4-48b5-87e6-2cc074d2d571" providerId="ADAL" clId="{C92DF3DE-23A5-4E98-85FA-AAD4EAE96412}" dt="2023-09-14T19:15:28.271" v="8152" actId="20577"/>
-        <pc:sldMkLst>
-          <pc:docMk/>
-          <pc:sldMk cId="1551293455" sldId="297"/>
-        </pc:sldMkLst>
-        <pc:spChg chg="mod">
-          <ac:chgData name="Julia Moeller" userId="0bcb1583-c1a4-48b5-87e6-2cc074d2d571" providerId="ADAL" clId="{C92DF3DE-23A5-4E98-85FA-AAD4EAE96412}" dt="2023-09-12T07:52:39.237" v="528" actId="20577"/>
-          <ac:spMkLst>
-            <pc:docMk/>
-            <pc:sldMk cId="1551293455" sldId="297"/>
-            <ac:spMk id="2" creationId="{95A265AA-440A-EFD8-19E5-E64BE8C27779}"/>
-          </ac:spMkLst>
-        </pc:spChg>
-        <pc:spChg chg="mod">
-          <ac:chgData name="Julia Moeller" userId="0bcb1583-c1a4-48b5-87e6-2cc074d2d571" providerId="ADAL" clId="{C92DF3DE-23A5-4E98-85FA-AAD4EAE96412}" dt="2023-09-14T19:15:28.271" v="8152" actId="20577"/>
-          <ac:spMkLst>
-            <pc:docMk/>
-            <pc:sldMk cId="1551293455" sldId="297"/>
-            <ac:spMk id="3" creationId="{E59FB31B-7D1B-9B83-15CF-5A323633BF84}"/>
-          </ac:spMkLst>
-        </pc:spChg>
-        <pc:picChg chg="add mod">
-          <ac:chgData name="Julia Moeller" userId="0bcb1583-c1a4-48b5-87e6-2cc074d2d571" providerId="ADAL" clId="{C92DF3DE-23A5-4E98-85FA-AAD4EAE96412}" dt="2023-09-12T11:46:07.435" v="883" actId="1076"/>
-          <ac:picMkLst>
-            <pc:docMk/>
-            <pc:sldMk cId="1551293455" sldId="297"/>
-            <ac:picMk id="5" creationId="{D7FE9FF9-C604-A434-96A4-6DF7A9B768A1}"/>
-          </ac:picMkLst>
-        </pc:picChg>
-        <pc:picChg chg="add mod">
-          <ac:chgData name="Julia Moeller" userId="0bcb1583-c1a4-48b5-87e6-2cc074d2d571" providerId="ADAL" clId="{C92DF3DE-23A5-4E98-85FA-AAD4EAE96412}" dt="2023-09-12T07:51:46.969" v="524" actId="1076"/>
-          <ac:picMkLst>
-            <pc:docMk/>
-            <pc:sldMk cId="1551293455" sldId="297"/>
-            <ac:picMk id="7" creationId="{7533A57B-8398-C943-AFA2-FB0D454A1C89}"/>
-          </ac:picMkLst>
-        </pc:picChg>
-      </pc:sldChg>
-      <pc:sldChg chg="addSp delSp modSp add mod ord">
-        <pc:chgData name="Julia Moeller" userId="0bcb1583-c1a4-48b5-87e6-2cc074d2d571" providerId="ADAL" clId="{C92DF3DE-23A5-4E98-85FA-AAD4EAE96412}" dt="2023-09-13T14:29:55.965" v="3757" actId="20577"/>
-        <pc:sldMkLst>
-          <pc:docMk/>
-          <pc:sldMk cId="611648881" sldId="298"/>
-        </pc:sldMkLst>
-        <pc:spChg chg="mod">
-          <ac:chgData name="Julia Moeller" userId="0bcb1583-c1a4-48b5-87e6-2cc074d2d571" providerId="ADAL" clId="{C92DF3DE-23A5-4E98-85FA-AAD4EAE96412}" dt="2023-09-13T14:29:55.965" v="3757" actId="20577"/>
-          <ac:spMkLst>
-            <pc:docMk/>
-            <pc:sldMk cId="611648881" sldId="298"/>
-            <ac:spMk id="2" creationId="{00000000-0000-0000-0000-000000000000}"/>
-          </ac:spMkLst>
-        </pc:spChg>
-        <pc:spChg chg="mod">
-          <ac:chgData name="Julia Moeller" userId="0bcb1583-c1a4-48b5-87e6-2cc074d2d571" providerId="ADAL" clId="{C92DF3DE-23A5-4E98-85FA-AAD4EAE96412}" dt="2023-09-13T07:58:45.491" v="2106" actId="20577"/>
-          <ac:spMkLst>
-            <pc:docMk/>
-            <pc:sldMk cId="611648881" sldId="298"/>
-            <ac:spMk id="3" creationId="{00000000-0000-0000-0000-000000000000}"/>
-          </ac:spMkLst>
-        </pc:spChg>
-        <pc:spChg chg="add mod">
-          <ac:chgData name="Julia Moeller" userId="0bcb1583-c1a4-48b5-87e6-2cc074d2d571" providerId="ADAL" clId="{C92DF3DE-23A5-4E98-85FA-AAD4EAE96412}" dt="2023-09-13T06:29:10.411" v="1148" actId="164"/>
-          <ac:spMkLst>
-            <pc:docMk/>
-            <pc:sldMk cId="611648881" sldId="298"/>
-            <ac:spMk id="5" creationId="{863BE274-4D32-B404-CF97-2191418F746E}"/>
-          </ac:spMkLst>
-        </pc:spChg>
-        <pc:spChg chg="del mod">
-          <ac:chgData name="Julia Moeller" userId="0bcb1583-c1a4-48b5-87e6-2cc074d2d571" providerId="ADAL" clId="{C92DF3DE-23A5-4E98-85FA-AAD4EAE96412}" dt="2023-09-13T06:27:00.309" v="1137" actId="478"/>
-          <ac:spMkLst>
-            <pc:docMk/>
-            <pc:sldMk cId="611648881" sldId="298"/>
-            <ac:spMk id="8" creationId="{00000000-0000-0000-0000-000000000000}"/>
-          </ac:spMkLst>
-        </pc:spChg>
-        <pc:spChg chg="del mod">
-          <ac:chgData name="Julia Moeller" userId="0bcb1583-c1a4-48b5-87e6-2cc074d2d571" providerId="ADAL" clId="{C92DF3DE-23A5-4E98-85FA-AAD4EAE96412}" dt="2023-09-13T06:24:51.788" v="1083" actId="478"/>
-          <ac:spMkLst>
-            <pc:docMk/>
-            <pc:sldMk cId="611648881" sldId="298"/>
-            <ac:spMk id="9" creationId="{00000000-0000-0000-0000-000000000000}"/>
-          </ac:spMkLst>
-        </pc:spChg>
-        <pc:spChg chg="del">
-          <ac:chgData name="Julia Moeller" userId="0bcb1583-c1a4-48b5-87e6-2cc074d2d571" providerId="ADAL" clId="{C92DF3DE-23A5-4E98-85FA-AAD4EAE96412}" dt="2023-09-13T06:27:01.418" v="1138" actId="478"/>
-          <ac:spMkLst>
-            <pc:docMk/>
-            <pc:sldMk cId="611648881" sldId="298"/>
-            <ac:spMk id="10" creationId="{00000000-0000-0000-0000-000000000000}"/>
-          </ac:spMkLst>
-        </pc:spChg>
-        <pc:grpChg chg="add mod">
-          <ac:chgData name="Julia Moeller" userId="0bcb1583-c1a4-48b5-87e6-2cc074d2d571" providerId="ADAL" clId="{C92DF3DE-23A5-4E98-85FA-AAD4EAE96412}" dt="2023-09-13T06:56:46.146" v="1467" actId="1076"/>
-          <ac:grpSpMkLst>
-            <pc:docMk/>
-            <pc:sldMk cId="611648881" sldId="298"/>
-            <ac:grpSpMk id="6" creationId="{2B816B54-F62C-CC73-CEB9-E1A0C28A2EC0}"/>
-          </ac:grpSpMkLst>
-        </pc:grpChg>
-        <pc:picChg chg="add mod">
-          <ac:chgData name="Julia Moeller" userId="0bcb1583-c1a4-48b5-87e6-2cc074d2d571" providerId="ADAL" clId="{C92DF3DE-23A5-4E98-85FA-AAD4EAE96412}" dt="2023-09-13T06:29:10.411" v="1148" actId="164"/>
-          <ac:picMkLst>
-            <pc:docMk/>
-            <pc:sldMk cId="611648881" sldId="298"/>
-            <ac:picMk id="4" creationId="{487C797C-4EF2-C30B-08BC-D3764F16EC50}"/>
-          </ac:picMkLst>
-        </pc:picChg>
-        <pc:picChg chg="mod">
-          <ac:chgData name="Julia Moeller" userId="0bcb1583-c1a4-48b5-87e6-2cc074d2d571" providerId="ADAL" clId="{C92DF3DE-23A5-4E98-85FA-AAD4EAE96412}" dt="2023-09-13T06:27:53.189" v="1141" actId="1076"/>
-          <ac:picMkLst>
-            <pc:docMk/>
-            <pc:sldMk cId="611648881" sldId="298"/>
-            <ac:picMk id="11" creationId="{28FA3161-75B7-1AA6-24ED-DD9AF0DDE3E2}"/>
-          </ac:picMkLst>
-        </pc:picChg>
-      </pc:sldChg>
-      <pc:sldChg chg="new del">
-        <pc:chgData name="Julia Moeller" userId="0bcb1583-c1a4-48b5-87e6-2cc074d2d571" providerId="ADAL" clId="{C92DF3DE-23A5-4E98-85FA-AAD4EAE96412}" dt="2023-09-13T06:52:25.486" v="1361" actId="680"/>
-        <pc:sldMkLst>
-          <pc:docMk/>
-          <pc:sldMk cId="2669124872" sldId="299"/>
-        </pc:sldMkLst>
-      </pc:sldChg>
-      <pc:sldChg chg="addSp delSp modSp add mod">
-        <pc:chgData name="Julia Moeller" userId="0bcb1583-c1a4-48b5-87e6-2cc074d2d571" providerId="ADAL" clId="{C92DF3DE-23A5-4E98-85FA-AAD4EAE96412}" dt="2023-09-29T13:32:10.710" v="11412" actId="20577"/>
-        <pc:sldMkLst>
-          <pc:docMk/>
-          <pc:sldMk cId="3454572736" sldId="299"/>
-        </pc:sldMkLst>
-        <pc:spChg chg="mod">
-          <ac:chgData name="Julia Moeller" userId="0bcb1583-c1a4-48b5-87e6-2cc074d2d571" providerId="ADAL" clId="{C92DF3DE-23A5-4E98-85FA-AAD4EAE96412}" dt="2023-09-29T13:31:51.351" v="11409" actId="1076"/>
-          <ac:spMkLst>
-            <pc:docMk/>
-            <pc:sldMk cId="3454572736" sldId="299"/>
-            <ac:spMk id="2" creationId="{00000000-0000-0000-0000-000000000000}"/>
-          </ac:spMkLst>
-        </pc:spChg>
-        <pc:spChg chg="mod">
-          <ac:chgData name="Julia Moeller" userId="0bcb1583-c1a4-48b5-87e6-2cc074d2d571" providerId="ADAL" clId="{C92DF3DE-23A5-4E98-85FA-AAD4EAE96412}" dt="2023-09-29T13:32:10.710" v="11412" actId="20577"/>
-          <ac:spMkLst>
-            <pc:docMk/>
-            <pc:sldMk cId="3454572736" sldId="299"/>
-            <ac:spMk id="3" creationId="{00000000-0000-0000-0000-000000000000}"/>
-          </ac:spMkLst>
-        </pc:spChg>
-        <pc:spChg chg="mod">
-          <ac:chgData name="Julia Moeller" userId="0bcb1583-c1a4-48b5-87e6-2cc074d2d571" providerId="ADAL" clId="{C92DF3DE-23A5-4E98-85FA-AAD4EAE96412}" dt="2023-09-13T07:37:20.199" v="1615"/>
-          <ac:spMkLst>
-            <pc:docMk/>
-            <pc:sldMk cId="3454572736" sldId="299"/>
-            <ac:spMk id="6" creationId="{8B4DA86A-5D22-F18B-80AF-3D8DE525985F}"/>
-          </ac:spMkLst>
-        </pc:spChg>
-        <pc:spChg chg="mod">
-          <ac:chgData name="Julia Moeller" userId="0bcb1583-c1a4-48b5-87e6-2cc074d2d571" providerId="ADAL" clId="{C92DF3DE-23A5-4E98-85FA-AAD4EAE96412}" dt="2023-09-13T07:37:20.199" v="1615"/>
-          <ac:spMkLst>
-            <pc:docMk/>
-            <pc:sldMk cId="3454572736" sldId="299"/>
-            <ac:spMk id="7" creationId="{837F7A1D-0C15-6EC6-53DA-61D319F11145}"/>
-          </ac:spMkLst>
-        </pc:spChg>
-        <pc:spChg chg="del mod">
-          <ac:chgData name="Julia Moeller" userId="0bcb1583-c1a4-48b5-87e6-2cc074d2d571" providerId="ADAL" clId="{C92DF3DE-23A5-4E98-85FA-AAD4EAE96412}" dt="2023-09-13T07:40:23.817" v="1853" actId="478"/>
-          <ac:spMkLst>
-            <pc:docMk/>
-            <pc:sldMk cId="3454572736" sldId="299"/>
-            <ac:spMk id="8" creationId="{00000000-0000-0000-0000-000000000000}"/>
-          </ac:spMkLst>
-        </pc:spChg>
-        <pc:spChg chg="mod">
-          <ac:chgData name="Julia Moeller" userId="0bcb1583-c1a4-48b5-87e6-2cc074d2d571" providerId="ADAL" clId="{C92DF3DE-23A5-4E98-85FA-AAD4EAE96412}" dt="2023-09-13T07:37:20.199" v="1615"/>
-          <ac:spMkLst>
-            <pc:docMk/>
-            <pc:sldMk cId="3454572736" sldId="299"/>
-            <ac:spMk id="10" creationId="{BFACDB6D-76C9-33BC-5D34-100F754155D9}"/>
-          </ac:spMkLst>
-        </pc:spChg>
-        <pc:spChg chg="add mod">
-          <ac:chgData name="Julia Moeller" userId="0bcb1583-c1a4-48b5-87e6-2cc074d2d571" providerId="ADAL" clId="{C92DF3DE-23A5-4E98-85FA-AAD4EAE96412}" dt="2023-09-13T07:37:58.045" v="1623" actId="164"/>
-          <ac:spMkLst>
-            <pc:docMk/>
-            <pc:sldMk cId="3454572736" sldId="299"/>
-            <ac:spMk id="11" creationId="{41014A79-FC2C-E5E4-932F-060A6C6ADC13}"/>
-          </ac:spMkLst>
-        </pc:spChg>
-        <pc:grpChg chg="add mod">
-          <ac:chgData name="Julia Moeller" userId="0bcb1583-c1a4-48b5-87e6-2cc074d2d571" providerId="ADAL" clId="{C92DF3DE-23A5-4E98-85FA-AAD4EAE96412}" dt="2023-09-13T07:37:58.045" v="1623" actId="164"/>
-          <ac:grpSpMkLst>
-            <pc:docMk/>
-            <pc:sldMk cId="3454572736" sldId="299"/>
-            <ac:grpSpMk id="4" creationId="{47B2C459-D8FF-5021-09E3-E87F133875BA}"/>
-          </ac:grpSpMkLst>
-        </pc:grpChg>
-        <pc:grpChg chg="mod">
-          <ac:chgData name="Julia Moeller" userId="0bcb1583-c1a4-48b5-87e6-2cc074d2d571" providerId="ADAL" clId="{C92DF3DE-23A5-4E98-85FA-AAD4EAE96412}" dt="2023-09-13T07:37:20.199" v="1615"/>
-          <ac:grpSpMkLst>
-            <pc:docMk/>
-            <pc:sldMk cId="3454572736" sldId="299"/>
-            <ac:grpSpMk id="5" creationId="{F6556616-07A2-93C9-B603-4478B0827D16}"/>
-          </ac:grpSpMkLst>
-        </pc:grpChg>
-        <pc:grpChg chg="add mod">
-          <ac:chgData name="Julia Moeller" userId="0bcb1583-c1a4-48b5-87e6-2cc074d2d571" providerId="ADAL" clId="{C92DF3DE-23A5-4E98-85FA-AAD4EAE96412}" dt="2023-09-29T13:31:41.069" v="11407" actId="1076"/>
-          <ac:grpSpMkLst>
-            <pc:docMk/>
-            <pc:sldMk cId="3454572736" sldId="299"/>
-            <ac:grpSpMk id="12" creationId="{FC7B5036-5732-EDF4-3669-2CB26EE012BA}"/>
-          </ac:grpSpMkLst>
-        </pc:grpChg>
-        <pc:picChg chg="mod">
-          <ac:chgData name="Julia Moeller" userId="0bcb1583-c1a4-48b5-87e6-2cc074d2d571" providerId="ADAL" clId="{C92DF3DE-23A5-4E98-85FA-AAD4EAE96412}" dt="2023-09-13T07:37:20.199" v="1615"/>
-          <ac:picMkLst>
-            <pc:docMk/>
-            <pc:sldMk cId="3454572736" sldId="299"/>
-            <ac:picMk id="9" creationId="{F97FE750-50C1-0DCE-842D-B2310103503B}"/>
-          </ac:picMkLst>
-        </pc:picChg>
-        <pc:picChg chg="del">
-          <ac:chgData name="Julia Moeller" userId="0bcb1583-c1a4-48b5-87e6-2cc074d2d571" providerId="ADAL" clId="{C92DF3DE-23A5-4E98-85FA-AAD4EAE96412}" dt="2023-09-13T07:36:42.676" v="1613" actId="478"/>
-          <ac:picMkLst>
-            <pc:docMk/>
-            <pc:sldMk cId="3454572736" sldId="299"/>
-            <ac:picMk id="13" creationId="{0F3122D6-A648-5D79-D9B7-871F19069138}"/>
-          </ac:picMkLst>
-        </pc:picChg>
-        <pc:picChg chg="add mod">
-          <ac:chgData name="Julia Moeller" userId="0bcb1583-c1a4-48b5-87e6-2cc074d2d571" providerId="ADAL" clId="{C92DF3DE-23A5-4E98-85FA-AAD4EAE96412}" dt="2023-09-29T13:31:41.069" v="11407" actId="1076"/>
-          <ac:picMkLst>
-            <pc:docMk/>
-            <pc:sldMk cId="3454572736" sldId="299"/>
-            <ac:picMk id="15" creationId="{5C5B1CB1-6F5E-B43B-96AE-29720F4AB9E4}"/>
-          </ac:picMkLst>
-        </pc:picChg>
-        <pc:cxnChg chg="add del mod">
-          <ac:chgData name="Julia Moeller" userId="0bcb1583-c1a4-48b5-87e6-2cc074d2d571" providerId="ADAL" clId="{C92DF3DE-23A5-4E98-85FA-AAD4EAE96412}" dt="2023-09-13T09:41:10.384" v="2873" actId="478"/>
-          <ac:cxnSpMkLst>
-            <pc:docMk/>
-            <pc:sldMk cId="3454572736" sldId="299"/>
-            <ac:cxnSpMk id="17" creationId="{DE8B4463-F425-184B-C520-14849E272DFD}"/>
-          </ac:cxnSpMkLst>
-        </pc:cxnChg>
-        <pc:cxnChg chg="add del mod">
-          <ac:chgData name="Julia Moeller" userId="0bcb1583-c1a4-48b5-87e6-2cc074d2d571" providerId="ADAL" clId="{C92DF3DE-23A5-4E98-85FA-AAD4EAE96412}" dt="2023-09-13T09:41:11.224" v="2874" actId="478"/>
-          <ac:cxnSpMkLst>
-            <pc:docMk/>
-            <pc:sldMk cId="3454572736" sldId="299"/>
-            <ac:cxnSpMk id="18" creationId="{2CB56C57-EED2-E7C9-1D06-760240EE3ACF}"/>
-          </ac:cxnSpMkLst>
-        </pc:cxnChg>
-        <pc:cxnChg chg="add del mod">
-          <ac:chgData name="Julia Moeller" userId="0bcb1583-c1a4-48b5-87e6-2cc074d2d571" providerId="ADAL" clId="{C92DF3DE-23A5-4E98-85FA-AAD4EAE96412}" dt="2023-09-13T09:55:34.800" v="2918" actId="478"/>
-          <ac:cxnSpMkLst>
-            <pc:docMk/>
-            <pc:sldMk cId="3454572736" sldId="299"/>
-            <ac:cxnSpMk id="21" creationId="{36E2AA13-2001-D74F-3C41-B9EE3F6ECDE3}"/>
-          </ac:cxnSpMkLst>
-        </pc:cxnChg>
-        <pc:cxnChg chg="add mod">
-          <ac:chgData name="Julia Moeller" userId="0bcb1583-c1a4-48b5-87e6-2cc074d2d571" providerId="ADAL" clId="{C92DF3DE-23A5-4E98-85FA-AAD4EAE96412}" dt="2023-09-29T13:31:41.069" v="11407" actId="1076"/>
-          <ac:cxnSpMkLst>
-            <pc:docMk/>
-            <pc:sldMk cId="3454572736" sldId="299"/>
-            <ac:cxnSpMk id="22" creationId="{6B983E33-2A5B-E056-454E-E951B67657D7}"/>
-          </ac:cxnSpMkLst>
-        </pc:cxnChg>
-        <pc:cxnChg chg="add mod">
-          <ac:chgData name="Julia Moeller" userId="0bcb1583-c1a4-48b5-87e6-2cc074d2d571" providerId="ADAL" clId="{C92DF3DE-23A5-4E98-85FA-AAD4EAE96412}" dt="2023-09-29T13:31:41.069" v="11407" actId="1076"/>
-          <ac:cxnSpMkLst>
-            <pc:docMk/>
-            <pc:sldMk cId="3454572736" sldId="299"/>
-            <ac:cxnSpMk id="27" creationId="{299BD17C-F6A3-CD2D-7EEC-BE789BB598F6}"/>
-          </ac:cxnSpMkLst>
-        </pc:cxnChg>
-        <pc:cxnChg chg="add mod">
-          <ac:chgData name="Julia Moeller" userId="0bcb1583-c1a4-48b5-87e6-2cc074d2d571" providerId="ADAL" clId="{C92DF3DE-23A5-4E98-85FA-AAD4EAE96412}" dt="2023-09-29T13:31:41.069" v="11407" actId="1076"/>
-          <ac:cxnSpMkLst>
-            <pc:docMk/>
-            <pc:sldMk cId="3454572736" sldId="299"/>
-            <ac:cxnSpMk id="30" creationId="{E90F102F-7ED1-1852-9D68-292315A01050}"/>
-          </ac:cxnSpMkLst>
-        </pc:cxnChg>
-        <pc:cxnChg chg="add del mod">
-          <ac:chgData name="Julia Moeller" userId="0bcb1583-c1a4-48b5-87e6-2cc074d2d571" providerId="ADAL" clId="{C92DF3DE-23A5-4E98-85FA-AAD4EAE96412}" dt="2023-09-13T09:55:35.781" v="2919" actId="478"/>
-          <ac:cxnSpMkLst>
-            <pc:docMk/>
-            <pc:sldMk cId="3454572736" sldId="299"/>
-            <ac:cxnSpMk id="33" creationId="{E610C825-4C4F-5C6D-7ED5-102B2DA1EC44}"/>
-          </ac:cxnSpMkLst>
-        </pc:cxnChg>
-        <pc:cxnChg chg="add mod">
-          <ac:chgData name="Julia Moeller" userId="0bcb1583-c1a4-48b5-87e6-2cc074d2d571" providerId="ADAL" clId="{C92DF3DE-23A5-4E98-85FA-AAD4EAE96412}" dt="2023-09-29T13:31:41.069" v="11407" actId="1076"/>
-          <ac:cxnSpMkLst>
-            <pc:docMk/>
-            <pc:sldMk cId="3454572736" sldId="299"/>
-            <ac:cxnSpMk id="56" creationId="{96C2AAC5-8D67-A5E6-157D-F5C04DE22C77}"/>
-          </ac:cxnSpMkLst>
-        </pc:cxnChg>
-        <pc:cxnChg chg="add mod">
-          <ac:chgData name="Julia Moeller" userId="0bcb1583-c1a4-48b5-87e6-2cc074d2d571" providerId="ADAL" clId="{C92DF3DE-23A5-4E98-85FA-AAD4EAE96412}" dt="2023-09-29T13:31:41.069" v="11407" actId="1076"/>
-          <ac:cxnSpMkLst>
-            <pc:docMk/>
-            <pc:sldMk cId="3454572736" sldId="299"/>
-            <ac:cxnSpMk id="57" creationId="{29B1B824-B37A-022B-4E03-C760DFAF1E2E}"/>
-          </ac:cxnSpMkLst>
-        </pc:cxnChg>
-      </pc:sldChg>
-      <pc:sldChg chg="addSp delSp modSp add mod">
-        <pc:chgData name="Julia Moeller" userId="0bcb1583-c1a4-48b5-87e6-2cc074d2d571" providerId="ADAL" clId="{C92DF3DE-23A5-4E98-85FA-AAD4EAE96412}" dt="2023-09-14T11:44:14.202" v="5541" actId="167"/>
-        <pc:sldMkLst>
-          <pc:docMk/>
-          <pc:sldMk cId="568039319" sldId="300"/>
-        </pc:sldMkLst>
-        <pc:spChg chg="mod">
-          <ac:chgData name="Julia Moeller" userId="0bcb1583-c1a4-48b5-87e6-2cc074d2d571" providerId="ADAL" clId="{C92DF3DE-23A5-4E98-85FA-AAD4EAE96412}" dt="2023-09-14T11:35:15.442" v="5448" actId="207"/>
-          <ac:spMkLst>
-            <pc:docMk/>
-            <pc:sldMk cId="568039319" sldId="300"/>
-            <ac:spMk id="3" creationId="{00000000-0000-0000-0000-000000000000}"/>
-          </ac:spMkLst>
-        </pc:spChg>
-        <pc:spChg chg="del mod">
-          <ac:chgData name="Julia Moeller" userId="0bcb1583-c1a4-48b5-87e6-2cc074d2d571" providerId="ADAL" clId="{C92DF3DE-23A5-4E98-85FA-AAD4EAE96412}" dt="2023-09-14T10:18:21.717" v="4626" actId="478"/>
-          <ac:spMkLst>
-            <pc:docMk/>
-            <pc:sldMk cId="568039319" sldId="300"/>
-            <ac:spMk id="8" creationId="{00000000-0000-0000-0000-000000000000}"/>
-          </ac:spMkLst>
-        </pc:spChg>
-        <pc:spChg chg="mod topLvl">
-          <ac:chgData name="Julia Moeller" userId="0bcb1583-c1a4-48b5-87e6-2cc074d2d571" providerId="ADAL" clId="{C92DF3DE-23A5-4E98-85FA-AAD4EAE96412}" dt="2023-09-14T10:43:12.726" v="4929" actId="164"/>
-          <ac:spMkLst>
-            <pc:docMk/>
-            <pc:sldMk cId="568039319" sldId="300"/>
-            <ac:spMk id="15" creationId="{C74ADD94-7739-5B9A-8C70-2C9AC321EBD7}"/>
-          </ac:spMkLst>
-        </pc:spChg>
-        <pc:spChg chg="mod">
-          <ac:chgData name="Julia Moeller" userId="0bcb1583-c1a4-48b5-87e6-2cc074d2d571" providerId="ADAL" clId="{C92DF3DE-23A5-4E98-85FA-AAD4EAE96412}" dt="2023-09-14T10:42:51.335" v="4928" actId="14100"/>
-          <ac:spMkLst>
-            <pc:docMk/>
-            <pc:sldMk cId="568039319" sldId="300"/>
-            <ac:spMk id="17" creationId="{16398475-76CA-523A-2483-E8602D6DEBE1}"/>
-          </ac:spMkLst>
-        </pc:spChg>
-        <pc:spChg chg="mod">
-          <ac:chgData name="Julia Moeller" userId="0bcb1583-c1a4-48b5-87e6-2cc074d2d571" providerId="ADAL" clId="{C92DF3DE-23A5-4E98-85FA-AAD4EAE96412}" dt="2023-09-14T10:42:22.815" v="4919" actId="14100"/>
-          <ac:spMkLst>
-            <pc:docMk/>
-            <pc:sldMk cId="568039319" sldId="300"/>
-            <ac:spMk id="18" creationId="{B75D499A-D65B-6DE7-A2E4-7B5517704BDE}"/>
-          </ac:spMkLst>
-        </pc:spChg>
-        <pc:spChg chg="del mod">
-          <ac:chgData name="Julia Moeller" userId="0bcb1583-c1a4-48b5-87e6-2cc074d2d571" providerId="ADAL" clId="{C92DF3DE-23A5-4E98-85FA-AAD4EAE96412}" dt="2023-09-14T10:42:30.215" v="4920" actId="478"/>
-          <ac:spMkLst>
-            <pc:docMk/>
-            <pc:sldMk cId="568039319" sldId="300"/>
-            <ac:spMk id="20" creationId="{42299CDD-2B50-C35B-4BAA-BC9B66F2563B}"/>
-          </ac:spMkLst>
-        </pc:spChg>
-        <pc:grpChg chg="del mod">
-          <ac:chgData name="Julia Moeller" userId="0bcb1583-c1a4-48b5-87e6-2cc074d2d571" providerId="ADAL" clId="{C92DF3DE-23A5-4E98-85FA-AAD4EAE96412}" dt="2023-09-14T10:33:43.592" v="4680" actId="478"/>
-          <ac:grpSpMkLst>
-            <pc:docMk/>
-            <pc:sldMk cId="568039319" sldId="300"/>
-            <ac:grpSpMk id="7" creationId="{00000000-0000-0000-0000-000000000000}"/>
-          </ac:grpSpMkLst>
-        </pc:grpChg>
-        <pc:grpChg chg="add del mod">
-          <ac:chgData name="Julia Moeller" userId="0bcb1583-c1a4-48b5-87e6-2cc074d2d571" providerId="ADAL" clId="{C92DF3DE-23A5-4E98-85FA-AAD4EAE96412}" dt="2023-09-14T10:42:00.611" v="4915" actId="165"/>
-          <ac:grpSpMkLst>
-            <pc:docMk/>
-            <pc:sldMk cId="568039319" sldId="300"/>
-            <ac:grpSpMk id="13" creationId="{ED52D83A-D561-7DD5-6163-65D334D93D21}"/>
-          </ac:grpSpMkLst>
-        </pc:grpChg>
-        <pc:grpChg chg="add del mod topLvl">
-          <ac:chgData name="Julia Moeller" userId="0bcb1583-c1a4-48b5-87e6-2cc074d2d571" providerId="ADAL" clId="{C92DF3DE-23A5-4E98-85FA-AAD4EAE96412}" dt="2023-09-14T10:43:12.726" v="4929" actId="164"/>
-          <ac:grpSpMkLst>
-            <pc:docMk/>
-            <pc:sldMk cId="568039319" sldId="300"/>
-            <ac:grpSpMk id="14" creationId="{2E171E69-C298-3AAF-8A1E-9AA48E2DED0D}"/>
-          </ac:grpSpMkLst>
-        </pc:grpChg>
-        <pc:grpChg chg="del mod">
-          <ac:chgData name="Julia Moeller" userId="0bcb1583-c1a4-48b5-87e6-2cc074d2d571" providerId="ADAL" clId="{C92DF3DE-23A5-4E98-85FA-AAD4EAE96412}" dt="2023-09-14T10:41:49.687" v="4913" actId="478"/>
-          <ac:grpSpMkLst>
-            <pc:docMk/>
-            <pc:sldMk cId="568039319" sldId="300"/>
-            <ac:grpSpMk id="16" creationId="{CC105ED5-385E-C7C8-C884-F60174CC702F}"/>
-          </ac:grpSpMkLst>
-        </pc:grpChg>
-        <pc:grpChg chg="add mod">
-          <ac:chgData name="Julia Moeller" userId="0bcb1583-c1a4-48b5-87e6-2cc074d2d571" providerId="ADAL" clId="{C92DF3DE-23A5-4E98-85FA-AAD4EAE96412}" dt="2023-09-14T11:34:27.876" v="5371" actId="1076"/>
-          <ac:grpSpMkLst>
-            <pc:docMk/>
-            <pc:sldMk cId="568039319" sldId="300"/>
-            <ac:grpSpMk id="21" creationId="{0B98D2B8-9996-D2A0-01C6-D067803C3D24}"/>
-          </ac:grpSpMkLst>
-        </pc:grpChg>
-        <pc:grpChg chg="add mod ord">
-          <ac:chgData name="Julia Moeller" userId="0bcb1583-c1a4-48b5-87e6-2cc074d2d571" providerId="ADAL" clId="{C92DF3DE-23A5-4E98-85FA-AAD4EAE96412}" dt="2023-09-14T11:44:14.202" v="5541" actId="167"/>
-          <ac:grpSpMkLst>
-            <pc:docMk/>
-            <pc:sldMk cId="568039319" sldId="300"/>
-            <ac:grpSpMk id="43" creationId="{FDAE714F-FC46-AB9D-081C-9ED85856237A}"/>
-          </ac:grpSpMkLst>
-        </pc:grpChg>
-        <pc:picChg chg="add del mod">
-          <ac:chgData name="Julia Moeller" userId="0bcb1583-c1a4-48b5-87e6-2cc074d2d571" providerId="ADAL" clId="{C92DF3DE-23A5-4E98-85FA-AAD4EAE96412}" dt="2023-09-14T10:35:05.436" v="4722" actId="478"/>
-          <ac:picMkLst>
-            <pc:docMk/>
-            <pc:sldMk cId="568039319" sldId="300"/>
-            <ac:picMk id="9" creationId="{96444C2D-4D90-28BB-49D2-65FDB9C45E2B}"/>
-          </ac:picMkLst>
-        </pc:picChg>
-        <pc:picChg chg="add mod">
-          <ac:chgData name="Julia Moeller" userId="0bcb1583-c1a4-48b5-87e6-2cc074d2d571" providerId="ADAL" clId="{C92DF3DE-23A5-4E98-85FA-AAD4EAE96412}" dt="2023-09-14T11:43:54.965" v="5540" actId="164"/>
-          <ac:picMkLst>
-            <pc:docMk/>
-            <pc:sldMk cId="568039319" sldId="300"/>
-            <ac:picMk id="11" creationId="{A8026EE5-C6B2-2DEA-3259-76B7935A96A8}"/>
-          </ac:picMkLst>
-        </pc:picChg>
-        <pc:picChg chg="add mod">
-          <ac:chgData name="Julia Moeller" userId="0bcb1583-c1a4-48b5-87e6-2cc074d2d571" providerId="ADAL" clId="{C92DF3DE-23A5-4E98-85FA-AAD4EAE96412}" dt="2023-09-14T10:43:12.726" v="4929" actId="164"/>
-          <ac:picMkLst>
-            <pc:docMk/>
-            <pc:sldMk cId="568039319" sldId="300"/>
-            <ac:picMk id="12" creationId="{E3C2601A-45FA-F2FF-0AFB-592993499D0E}"/>
-          </ac:picMkLst>
-        </pc:picChg>
-        <pc:picChg chg="del mod">
-          <ac:chgData name="Julia Moeller" userId="0bcb1583-c1a4-48b5-87e6-2cc074d2d571" providerId="ADAL" clId="{C92DF3DE-23A5-4E98-85FA-AAD4EAE96412}" dt="2023-09-14T10:41:49.687" v="4913" actId="478"/>
-          <ac:picMkLst>
-            <pc:docMk/>
-            <pc:sldMk cId="568039319" sldId="300"/>
-            <ac:picMk id="19" creationId="{4FCE8AC4-35C5-C9D2-2298-DFAC88796245}"/>
-          </ac:picMkLst>
-        </pc:picChg>
-        <pc:picChg chg="add mod modCrop">
-          <ac:chgData name="Julia Moeller" userId="0bcb1583-c1a4-48b5-87e6-2cc074d2d571" providerId="ADAL" clId="{C92DF3DE-23A5-4E98-85FA-AAD4EAE96412}" dt="2023-09-14T11:43:54.965" v="5540" actId="164"/>
-          <ac:picMkLst>
-            <pc:docMk/>
-            <pc:sldMk cId="568039319" sldId="300"/>
-            <ac:picMk id="42" creationId="{307C9033-E290-8946-01EF-19E8DF9F2432}"/>
-          </ac:picMkLst>
-        </pc:picChg>
-        <pc:cxnChg chg="add mod">
-          <ac:chgData name="Julia Moeller" userId="0bcb1583-c1a4-48b5-87e6-2cc074d2d571" providerId="ADAL" clId="{C92DF3DE-23A5-4E98-85FA-AAD4EAE96412}" dt="2023-09-14T11:34:27.876" v="5371" actId="1076"/>
-          <ac:cxnSpMkLst>
-            <pc:docMk/>
-            <pc:sldMk cId="568039319" sldId="300"/>
-            <ac:cxnSpMk id="22" creationId="{DAB46467-AB1E-66A6-653C-510795D26CC3}"/>
-          </ac:cxnSpMkLst>
-        </pc:cxnChg>
-        <pc:cxnChg chg="add mod">
-          <ac:chgData name="Julia Moeller" userId="0bcb1583-c1a4-48b5-87e6-2cc074d2d571" providerId="ADAL" clId="{C92DF3DE-23A5-4E98-85FA-AAD4EAE96412}" dt="2023-09-14T11:34:27.876" v="5371" actId="1076"/>
-          <ac:cxnSpMkLst>
-            <pc:docMk/>
-            <pc:sldMk cId="568039319" sldId="300"/>
-            <ac:cxnSpMk id="23" creationId="{4A6A15AC-3FFA-E970-9020-C0C0540D512E}"/>
-          </ac:cxnSpMkLst>
-        </pc:cxnChg>
-        <pc:cxnChg chg="add mod">
-          <ac:chgData name="Julia Moeller" userId="0bcb1583-c1a4-48b5-87e6-2cc074d2d571" providerId="ADAL" clId="{C92DF3DE-23A5-4E98-85FA-AAD4EAE96412}" dt="2023-09-14T11:34:27.876" v="5371" actId="1076"/>
-          <ac:cxnSpMkLst>
-            <pc:docMk/>
-            <pc:sldMk cId="568039319" sldId="300"/>
-            <ac:cxnSpMk id="24" creationId="{09D1B4B0-05A0-84B7-ACD7-79F292C18CA4}"/>
-          </ac:cxnSpMkLst>
-        </pc:cxnChg>
-        <pc:cxnChg chg="add del mod">
-          <ac:chgData name="Julia Moeller" userId="0bcb1583-c1a4-48b5-87e6-2cc074d2d571" providerId="ADAL" clId="{C92DF3DE-23A5-4E98-85FA-AAD4EAE96412}" dt="2023-09-14T10:46:28.224" v="4953" actId="478"/>
-          <ac:cxnSpMkLst>
-            <pc:docMk/>
-            <pc:sldMk cId="568039319" sldId="300"/>
-            <ac:cxnSpMk id="35" creationId="{FAB37631-52CE-0C6C-D87F-B400F9A0DD81}"/>
-          </ac:cxnSpMkLst>
-        </pc:cxnChg>
-        <pc:cxnChg chg="add mod">
-          <ac:chgData name="Julia Moeller" userId="0bcb1583-c1a4-48b5-87e6-2cc074d2d571" providerId="ADAL" clId="{C92DF3DE-23A5-4E98-85FA-AAD4EAE96412}" dt="2023-09-14T11:34:27.876" v="5371" actId="1076"/>
-          <ac:cxnSpMkLst>
-            <pc:docMk/>
-            <pc:sldMk cId="568039319" sldId="300"/>
-            <ac:cxnSpMk id="36" creationId="{B2796A24-3E87-1A64-A0E3-405C8F88E5C1}"/>
-          </ac:cxnSpMkLst>
-        </pc:cxnChg>
-      </pc:sldChg>
-      <pc:sldChg chg="addSp delSp modSp add mod">
-        <pc:chgData name="Julia Moeller" userId="0bcb1583-c1a4-48b5-87e6-2cc074d2d571" providerId="ADAL" clId="{C92DF3DE-23A5-4E98-85FA-AAD4EAE96412}" dt="2023-09-14T18:57:19.465" v="7723" actId="14100"/>
-        <pc:sldMkLst>
-          <pc:docMk/>
-          <pc:sldMk cId="3090311843" sldId="301"/>
-        </pc:sldMkLst>
-        <pc:spChg chg="mod">
-          <ac:chgData name="Julia Moeller" userId="0bcb1583-c1a4-48b5-87e6-2cc074d2d571" providerId="ADAL" clId="{C92DF3DE-23A5-4E98-85FA-AAD4EAE96412}" dt="2023-09-14T13:23:10.858" v="6426" actId="20577"/>
-          <ac:spMkLst>
-            <pc:docMk/>
-            <pc:sldMk cId="3090311843" sldId="301"/>
-            <ac:spMk id="2" creationId="{00000000-0000-0000-0000-000000000000}"/>
-          </ac:spMkLst>
-        </pc:spChg>
-        <pc:spChg chg="add mod">
-          <ac:chgData name="Julia Moeller" userId="0bcb1583-c1a4-48b5-87e6-2cc074d2d571" providerId="ADAL" clId="{C92DF3DE-23A5-4E98-85FA-AAD4EAE96412}" dt="2023-09-14T18:57:19.465" v="7723" actId="14100"/>
-          <ac:spMkLst>
-            <pc:docMk/>
-            <pc:sldMk cId="3090311843" sldId="301"/>
-            <ac:spMk id="3" creationId="{04655EE7-38F4-5C8C-65CB-D543F16EF2C3}"/>
-          </ac:spMkLst>
-        </pc:spChg>
-        <pc:spChg chg="del">
-          <ac:chgData name="Julia Moeller" userId="0bcb1583-c1a4-48b5-87e6-2cc074d2d571" providerId="ADAL" clId="{C92DF3DE-23A5-4E98-85FA-AAD4EAE96412}" dt="2023-09-14T18:25:24.977" v="6970" actId="478"/>
-          <ac:spMkLst>
-            <pc:docMk/>
-            <pc:sldMk cId="3090311843" sldId="301"/>
-            <ac:spMk id="21" creationId="{00000000-0000-0000-0000-000000000000}"/>
-          </ac:spMkLst>
-        </pc:spChg>
-        <pc:spChg chg="del mod">
-          <ac:chgData name="Julia Moeller" userId="0bcb1583-c1a4-48b5-87e6-2cc074d2d571" providerId="ADAL" clId="{C92DF3DE-23A5-4E98-85FA-AAD4EAE96412}" dt="2023-09-14T18:25:28.949" v="6975" actId="478"/>
-          <ac:spMkLst>
-            <pc:docMk/>
-            <pc:sldMk cId="3090311843" sldId="301"/>
-            <ac:spMk id="27" creationId="{00000000-0000-0000-0000-000000000000}"/>
-          </ac:spMkLst>
-        </pc:spChg>
-        <pc:spChg chg="del">
-          <ac:chgData name="Julia Moeller" userId="0bcb1583-c1a4-48b5-87e6-2cc074d2d571" providerId="ADAL" clId="{C92DF3DE-23A5-4E98-85FA-AAD4EAE96412}" dt="2023-09-14T18:31:56.758" v="7588" actId="478"/>
-          <ac:spMkLst>
-            <pc:docMk/>
-            <pc:sldMk cId="3090311843" sldId="301"/>
-            <ac:spMk id="28" creationId="{00000000-0000-0000-0000-000000000000}"/>
-          </ac:spMkLst>
-        </pc:spChg>
-        <pc:grpChg chg="del">
-          <ac:chgData name="Julia Moeller" userId="0bcb1583-c1a4-48b5-87e6-2cc074d2d571" providerId="ADAL" clId="{C92DF3DE-23A5-4E98-85FA-AAD4EAE96412}" dt="2023-09-14T18:25:21.737" v="6969" actId="478"/>
-          <ac:grpSpMkLst>
-            <pc:docMk/>
-            <pc:sldMk cId="3090311843" sldId="301"/>
-            <ac:grpSpMk id="19" creationId="{00000000-0000-0000-0000-000000000000}"/>
-          </ac:grpSpMkLst>
-        </pc:grpChg>
-        <pc:grpChg chg="del">
-          <ac:chgData name="Julia Moeller" userId="0bcb1583-c1a4-48b5-87e6-2cc074d2d571" providerId="ADAL" clId="{C92DF3DE-23A5-4E98-85FA-AAD4EAE96412}" dt="2023-09-14T18:31:26.307" v="7548" actId="478"/>
-          <ac:grpSpMkLst>
-            <pc:docMk/>
-            <pc:sldMk cId="3090311843" sldId="301"/>
-            <ac:grpSpMk id="25" creationId="{00000000-0000-0000-0000-000000000000}"/>
-          </ac:grpSpMkLst>
-        </pc:grpChg>
-        <pc:picChg chg="add mod">
-          <ac:chgData name="Julia Moeller" userId="0bcb1583-c1a4-48b5-87e6-2cc074d2d571" providerId="ADAL" clId="{C92DF3DE-23A5-4E98-85FA-AAD4EAE96412}" dt="2023-09-14T18:32:49.529" v="7598" actId="1076"/>
-          <ac:picMkLst>
-            <pc:docMk/>
-            <pc:sldMk cId="3090311843" sldId="301"/>
-            <ac:picMk id="6" creationId="{BEB8F971-AA3F-BB9A-A722-08B551343B8A}"/>
-          </ac:picMkLst>
-        </pc:picChg>
-        <pc:cxnChg chg="del">
-          <ac:chgData name="Julia Moeller" userId="0bcb1583-c1a4-48b5-87e6-2cc074d2d571" providerId="ADAL" clId="{C92DF3DE-23A5-4E98-85FA-AAD4EAE96412}" dt="2023-09-14T18:25:25.613" v="6971" actId="478"/>
-          <ac:cxnSpMkLst>
-            <pc:docMk/>
-            <pc:sldMk cId="3090311843" sldId="301"/>
-            <ac:cxnSpMk id="20" creationId="{00000000-0000-0000-0000-000000000000}"/>
-          </ac:cxnSpMkLst>
-        </pc:cxnChg>
-        <pc:cxnChg chg="del">
-          <ac:chgData name="Julia Moeller" userId="0bcb1583-c1a4-48b5-87e6-2cc074d2d571" providerId="ADAL" clId="{C92DF3DE-23A5-4E98-85FA-AAD4EAE96412}" dt="2023-09-14T18:25:27.132" v="6973" actId="478"/>
-          <ac:cxnSpMkLst>
-            <pc:docMk/>
-            <pc:sldMk cId="3090311843" sldId="301"/>
-            <ac:cxnSpMk id="26" creationId="{00000000-0000-0000-0000-000000000000}"/>
-          </ac:cxnSpMkLst>
-        </pc:cxnChg>
-      </pc:sldChg>
-      <pc:sldChg chg="addSp delSp modSp add mod">
-        <pc:chgData name="Julia Moeller" userId="0bcb1583-c1a4-48b5-87e6-2cc074d2d571" providerId="ADAL" clId="{C92DF3DE-23A5-4E98-85FA-AAD4EAE96412}" dt="2023-09-15T11:45:17.418" v="9911" actId="20577"/>
-        <pc:sldMkLst>
-          <pc:docMk/>
-          <pc:sldMk cId="3693208738" sldId="302"/>
-        </pc:sldMkLst>
-        <pc:spChg chg="mod">
-          <ac:chgData name="Julia Moeller" userId="0bcb1583-c1a4-48b5-87e6-2cc074d2d571" providerId="ADAL" clId="{C92DF3DE-23A5-4E98-85FA-AAD4EAE96412}" dt="2023-09-15T11:27:09.263" v="9530" actId="20577"/>
-          <ac:spMkLst>
-            <pc:docMk/>
-            <pc:sldMk cId="3693208738" sldId="302"/>
-            <ac:spMk id="2" creationId="{00000000-0000-0000-0000-000000000000}"/>
-          </ac:spMkLst>
-        </pc:spChg>
-        <pc:spChg chg="mod">
-          <ac:chgData name="Julia Moeller" userId="0bcb1583-c1a4-48b5-87e6-2cc074d2d571" providerId="ADAL" clId="{C92DF3DE-23A5-4E98-85FA-AAD4EAE96412}" dt="2023-09-15T11:45:17.418" v="9911" actId="20577"/>
-          <ac:spMkLst>
-            <pc:docMk/>
-            <pc:sldMk cId="3693208738" sldId="302"/>
-            <ac:spMk id="7" creationId="{00000000-0000-0000-0000-000000000000}"/>
-          </ac:spMkLst>
-        </pc:spChg>
-        <pc:picChg chg="del">
-          <ac:chgData name="Julia Moeller" userId="0bcb1583-c1a4-48b5-87e6-2cc074d2d571" providerId="ADAL" clId="{C92DF3DE-23A5-4E98-85FA-AAD4EAE96412}" dt="2023-09-15T11:08:11.910" v="9139" actId="478"/>
-          <ac:picMkLst>
-            <pc:docMk/>
-            <pc:sldMk cId="3693208738" sldId="302"/>
-            <ac:picMk id="4" creationId="{7AFCB226-FC0B-C1E6-7424-ABDBB8C06CE6}"/>
-          </ac:picMkLst>
-        </pc:picChg>
-        <pc:picChg chg="add mod modCrop">
-          <ac:chgData name="Julia Moeller" userId="0bcb1583-c1a4-48b5-87e6-2cc074d2d571" providerId="ADAL" clId="{C92DF3DE-23A5-4E98-85FA-AAD4EAE96412}" dt="2023-09-15T11:27:32.196" v="9534" actId="1076"/>
-          <ac:picMkLst>
-            <pc:docMk/>
-            <pc:sldMk cId="3693208738" sldId="302"/>
-            <ac:picMk id="5" creationId="{73409FDC-B862-1C9D-3021-E20FC2A4A6F4}"/>
-          </ac:picMkLst>
-        </pc:picChg>
-        <pc:picChg chg="add del mod">
-          <ac:chgData name="Julia Moeller" userId="0bcb1583-c1a4-48b5-87e6-2cc074d2d571" providerId="ADAL" clId="{C92DF3DE-23A5-4E98-85FA-AAD4EAE96412}" dt="2023-09-15T11:27:16.602" v="9531" actId="478"/>
-          <ac:picMkLst>
-            <pc:docMk/>
-            <pc:sldMk cId="3693208738" sldId="302"/>
-            <ac:picMk id="8" creationId="{C2B0BADF-49C8-8434-B952-085266FF23F5}"/>
-          </ac:picMkLst>
-        </pc:picChg>
-      </pc:sldChg>
-      <pc:sldChg chg="addSp delSp modSp add mod">
-        <pc:chgData name="Julia Moeller" userId="0bcb1583-c1a4-48b5-87e6-2cc074d2d571" providerId="ADAL" clId="{C92DF3DE-23A5-4E98-85FA-AAD4EAE96412}" dt="2023-09-15T11:26:07.167" v="9517" actId="20577"/>
-        <pc:sldMkLst>
-          <pc:docMk/>
-          <pc:sldMk cId="739751023" sldId="303"/>
-        </pc:sldMkLst>
-        <pc:spChg chg="mod">
-          <ac:chgData name="Julia Moeller" userId="0bcb1583-c1a4-48b5-87e6-2cc074d2d571" providerId="ADAL" clId="{C92DF3DE-23A5-4E98-85FA-AAD4EAE96412}" dt="2023-09-15T11:21:06.311" v="9387" actId="20577"/>
-          <ac:spMkLst>
-            <pc:docMk/>
-            <pc:sldMk cId="739751023" sldId="303"/>
-            <ac:spMk id="2" creationId="{00000000-0000-0000-0000-000000000000}"/>
-          </ac:spMkLst>
-        </pc:spChg>
-        <pc:spChg chg="mod">
-          <ac:chgData name="Julia Moeller" userId="0bcb1583-c1a4-48b5-87e6-2cc074d2d571" providerId="ADAL" clId="{C92DF3DE-23A5-4E98-85FA-AAD4EAE96412}" dt="2023-09-15T11:26:07.167" v="9517" actId="20577"/>
-          <ac:spMkLst>
-            <pc:docMk/>
-            <pc:sldMk cId="739751023" sldId="303"/>
-            <ac:spMk id="7" creationId="{00000000-0000-0000-0000-000000000000}"/>
-          </ac:spMkLst>
-        </pc:spChg>
-        <pc:grpChg chg="add mod">
-          <ac:chgData name="Julia Moeller" userId="0bcb1583-c1a4-48b5-87e6-2cc074d2d571" providerId="ADAL" clId="{C92DF3DE-23A5-4E98-85FA-AAD4EAE96412}" dt="2023-09-15T11:24:04.404" v="9505" actId="1076"/>
-          <ac:grpSpMkLst>
-            <pc:docMk/>
-            <pc:sldMk cId="739751023" sldId="303"/>
-            <ac:grpSpMk id="8" creationId="{88E539B8-9932-21A3-20A7-89791E5FA3A7}"/>
-          </ac:grpSpMkLst>
-        </pc:grpChg>
-        <pc:picChg chg="del">
-          <ac:chgData name="Julia Moeller" userId="0bcb1583-c1a4-48b5-87e6-2cc074d2d571" providerId="ADAL" clId="{C92DF3DE-23A5-4E98-85FA-AAD4EAE96412}" dt="2023-09-15T11:21:11.287" v="9388" actId="478"/>
-          <ac:picMkLst>
-            <pc:docMk/>
-            <pc:sldMk cId="739751023" sldId="303"/>
-            <ac:picMk id="4" creationId="{7AFCB226-FC0B-C1E6-7424-ABDBB8C06CE6}"/>
-          </ac:picMkLst>
-        </pc:picChg>
-        <pc:picChg chg="add mod modCrop">
-          <ac:chgData name="Julia Moeller" userId="0bcb1583-c1a4-48b5-87e6-2cc074d2d571" providerId="ADAL" clId="{C92DF3DE-23A5-4E98-85FA-AAD4EAE96412}" dt="2023-09-15T11:22:20.210" v="9438" actId="164"/>
-          <ac:picMkLst>
-            <pc:docMk/>
-            <pc:sldMk cId="739751023" sldId="303"/>
-            <ac:picMk id="5" creationId="{C5E8A892-39CD-0666-6951-59396D8AF258}"/>
-          </ac:picMkLst>
-        </pc:picChg>
-        <pc:picChg chg="add mod modCrop">
-          <ac:chgData name="Julia Moeller" userId="0bcb1583-c1a4-48b5-87e6-2cc074d2d571" providerId="ADAL" clId="{C92DF3DE-23A5-4E98-85FA-AAD4EAE96412}" dt="2023-09-15T11:22:20.210" v="9438" actId="164"/>
-          <ac:picMkLst>
-            <pc:docMk/>
-            <pc:sldMk cId="739751023" sldId="303"/>
-            <ac:picMk id="6" creationId="{0661134F-B56B-C12A-BCB3-9B02FFE3A642}"/>
-          </ac:picMkLst>
-        </pc:picChg>
-      </pc:sldChg>
-      <pc:sldChg chg="addSp delSp modSp add mod">
-        <pc:chgData name="Julia Moeller" userId="0bcb1583-c1a4-48b5-87e6-2cc074d2d571" providerId="ADAL" clId="{C92DF3DE-23A5-4E98-85FA-AAD4EAE96412}" dt="2023-09-15T11:44:34.362" v="9857" actId="208"/>
-        <pc:sldMkLst>
-          <pc:docMk/>
-          <pc:sldMk cId="3748744909" sldId="304"/>
-        </pc:sldMkLst>
-        <pc:spChg chg="mod">
-          <ac:chgData name="Julia Moeller" userId="0bcb1583-c1a4-48b5-87e6-2cc074d2d571" providerId="ADAL" clId="{C92DF3DE-23A5-4E98-85FA-AAD4EAE96412}" dt="2023-09-15T11:26:32.551" v="9526" actId="20577"/>
-          <ac:spMkLst>
-            <pc:docMk/>
-            <pc:sldMk cId="3748744909" sldId="304"/>
-            <ac:spMk id="2" creationId="{00000000-0000-0000-0000-000000000000}"/>
-          </ac:spMkLst>
-        </pc:spChg>
-        <pc:spChg chg="add mod">
-          <ac:chgData name="Julia Moeller" userId="0bcb1583-c1a4-48b5-87e6-2cc074d2d571" providerId="ADAL" clId="{C92DF3DE-23A5-4E98-85FA-AAD4EAE96412}" dt="2023-09-15T11:44:34.362" v="9857" actId="208"/>
-          <ac:spMkLst>
-            <pc:docMk/>
-            <pc:sldMk cId="3748744909" sldId="304"/>
-            <ac:spMk id="3" creationId="{84476C02-F104-D65B-69B3-E0E1E1997F09}"/>
-          </ac:spMkLst>
-        </pc:spChg>
-        <pc:spChg chg="mod">
-          <ac:chgData name="Julia Moeller" userId="0bcb1583-c1a4-48b5-87e6-2cc074d2d571" providerId="ADAL" clId="{C92DF3DE-23A5-4E98-85FA-AAD4EAE96412}" dt="2023-09-15T11:41:36.730" v="9843" actId="1076"/>
-          <ac:spMkLst>
-            <pc:docMk/>
-            <pc:sldMk cId="3748744909" sldId="304"/>
-            <ac:spMk id="7" creationId="{00000000-0000-0000-0000-000000000000}"/>
-          </ac:spMkLst>
-        </pc:spChg>
-        <pc:grpChg chg="add mod">
-          <ac:chgData name="Julia Moeller" userId="0bcb1583-c1a4-48b5-87e6-2cc074d2d571" providerId="ADAL" clId="{C92DF3DE-23A5-4E98-85FA-AAD4EAE96412}" dt="2023-09-15T11:43:45.132" v="9855" actId="1076"/>
-          <ac:grpSpMkLst>
-            <pc:docMk/>
-            <pc:sldMk cId="3748744909" sldId="304"/>
-            <ac:grpSpMk id="4" creationId="{6A8634EF-A84B-C32D-E78D-6BC08E5D5C29}"/>
-          </ac:grpSpMkLst>
-        </pc:grpChg>
-        <pc:picChg chg="del">
-          <ac:chgData name="Julia Moeller" userId="0bcb1583-c1a4-48b5-87e6-2cc074d2d571" providerId="ADAL" clId="{C92DF3DE-23A5-4E98-85FA-AAD4EAE96412}" dt="2023-09-15T11:39:22.564" v="9689" actId="478"/>
-          <ac:picMkLst>
-            <pc:docMk/>
-            <pc:sldMk cId="3748744909" sldId="304"/>
-            <ac:picMk id="5" creationId="{73409FDC-B862-1C9D-3021-E20FC2A4A6F4}"/>
-          </ac:picMkLst>
-        </pc:picChg>
-        <pc:picChg chg="mod">
-          <ac:chgData name="Julia Moeller" userId="0bcb1583-c1a4-48b5-87e6-2cc074d2d571" providerId="ADAL" clId="{C92DF3DE-23A5-4E98-85FA-AAD4EAE96412}" dt="2023-09-15T11:43:31.546" v="9853" actId="164"/>
-          <ac:picMkLst>
-            <pc:docMk/>
-            <pc:sldMk cId="3748744909" sldId="304"/>
-            <ac:picMk id="8" creationId="{C2B0BADF-49C8-8434-B952-085266FF23F5}"/>
-          </ac:picMkLst>
-        </pc:picChg>
-      </pc:sldChg>
-      <pc:sldChg chg="addSp delSp modSp add mod ord">
-        <pc:chgData name="Julia Moeller" userId="0bcb1583-c1a4-48b5-87e6-2cc074d2d571" providerId="ADAL" clId="{C92DF3DE-23A5-4E98-85FA-AAD4EAE96412}" dt="2023-09-15T11:51:21.229" v="10187" actId="1076"/>
-        <pc:sldMkLst>
-          <pc:docMk/>
-          <pc:sldMk cId="2480934087" sldId="305"/>
-        </pc:sldMkLst>
-        <pc:spChg chg="mod">
-          <ac:chgData name="Julia Moeller" userId="0bcb1583-c1a4-48b5-87e6-2cc074d2d571" providerId="ADAL" clId="{C92DF3DE-23A5-4E98-85FA-AAD4EAE96412}" dt="2023-09-15T11:47:07.204" v="9932" actId="20577"/>
-          <ac:spMkLst>
-            <pc:docMk/>
-            <pc:sldMk cId="2480934087" sldId="305"/>
-            <ac:spMk id="2" creationId="{00000000-0000-0000-0000-000000000000}"/>
-          </ac:spMkLst>
-        </pc:spChg>
-        <pc:spChg chg="mod">
-          <ac:chgData name="Julia Moeller" userId="0bcb1583-c1a4-48b5-87e6-2cc074d2d571" providerId="ADAL" clId="{C92DF3DE-23A5-4E98-85FA-AAD4EAE96412}" dt="2023-09-15T11:51:18.123" v="10186" actId="20577"/>
-          <ac:spMkLst>
-            <pc:docMk/>
-            <pc:sldMk cId="2480934087" sldId="305"/>
-            <ac:spMk id="7" creationId="{00000000-0000-0000-0000-000000000000}"/>
-          </ac:spMkLst>
-        </pc:spChg>
-        <pc:picChg chg="add mod">
-          <ac:chgData name="Julia Moeller" userId="0bcb1583-c1a4-48b5-87e6-2cc074d2d571" providerId="ADAL" clId="{C92DF3DE-23A5-4E98-85FA-AAD4EAE96412}" dt="2023-09-15T11:51:21.229" v="10187" actId="1076"/>
-          <ac:picMkLst>
-            <pc:docMk/>
-            <pc:sldMk cId="2480934087" sldId="305"/>
-            <ac:picMk id="4" creationId="{C790A434-D294-E5AD-FEA3-81A1E1D32266}"/>
-          </ac:picMkLst>
-        </pc:picChg>
-        <pc:picChg chg="del">
-          <ac:chgData name="Julia Moeller" userId="0bcb1583-c1a4-48b5-87e6-2cc074d2d571" providerId="ADAL" clId="{C92DF3DE-23A5-4E98-85FA-AAD4EAE96412}" dt="2023-09-15T11:47:14.973" v="9938" actId="478"/>
-          <ac:picMkLst>
-            <pc:docMk/>
-            <pc:sldMk cId="2480934087" sldId="305"/>
-            <ac:picMk id="5" creationId="{73409FDC-B862-1C9D-3021-E20FC2A4A6F4}"/>
-          </ac:picMkLst>
-        </pc:picChg>
-      </pc:sldChg>
-    </pc:docChg>
-  </pc:docChgLst>
-  <pc:docChgLst>
-    <pc:chgData name="Matthew Forbes" userId="89e49754-86d5-48d1-b7fe-89645bb93558" providerId="ADAL" clId="{5B4AF71D-E8A2-44E5-B28F-FFEBF84B54E3}"/>
-    <pc:docChg chg="undo custSel modSld">
-      <pc:chgData name="Matthew Forbes" userId="89e49754-86d5-48d1-b7fe-89645bb93558" providerId="ADAL" clId="{5B4AF71D-E8A2-44E5-B28F-FFEBF84B54E3}" dt="2023-09-19T11:22:55.487" v="4" actId="20577"/>
-      <pc:docMkLst>
-        <pc:docMk/>
-      </pc:docMkLst>
-      <pc:sldChg chg="modSp mod">
-        <pc:chgData name="Matthew Forbes" userId="89e49754-86d5-48d1-b7fe-89645bb93558" providerId="ADAL" clId="{5B4AF71D-E8A2-44E5-B28F-FFEBF84B54E3}" dt="2023-09-19T10:34:32.194" v="0" actId="33524"/>
-        <pc:sldMkLst>
-          <pc:docMk/>
-          <pc:sldMk cId="3345530997" sldId="259"/>
-        </pc:sldMkLst>
-        <pc:spChg chg="mod">
-          <ac:chgData name="Matthew Forbes" userId="89e49754-86d5-48d1-b7fe-89645bb93558" providerId="ADAL" clId="{5B4AF71D-E8A2-44E5-B28F-FFEBF84B54E3}" dt="2023-09-19T10:34:32.194" v="0" actId="33524"/>
-          <ac:spMkLst>
-            <pc:docMk/>
-            <pc:sldMk cId="3345530997" sldId="259"/>
-            <ac:spMk id="3" creationId="{00000000-0000-0000-0000-000000000000}"/>
-          </ac:spMkLst>
-        </pc:spChg>
-      </pc:sldChg>
-      <pc:sldChg chg="modSp mod">
-        <pc:chgData name="Matthew Forbes" userId="89e49754-86d5-48d1-b7fe-89645bb93558" providerId="ADAL" clId="{5B4AF71D-E8A2-44E5-B28F-FFEBF84B54E3}" dt="2023-09-19T10:42:59.312" v="1" actId="20577"/>
-        <pc:sldMkLst>
-          <pc:docMk/>
-          <pc:sldMk cId="1311594560" sldId="269"/>
-        </pc:sldMkLst>
-        <pc:spChg chg="mod">
-          <ac:chgData name="Matthew Forbes" userId="89e49754-86d5-48d1-b7fe-89645bb93558" providerId="ADAL" clId="{5B4AF71D-E8A2-44E5-B28F-FFEBF84B54E3}" dt="2023-09-19T10:42:59.312" v="1" actId="20577"/>
-          <ac:spMkLst>
-            <pc:docMk/>
-            <pc:sldMk cId="1311594560" sldId="269"/>
-            <ac:spMk id="3" creationId="{00000000-0000-0000-0000-000000000000}"/>
-          </ac:spMkLst>
-        </pc:spChg>
-      </pc:sldChg>
-      <pc:sldChg chg="modSp mod">
-        <pc:chgData name="Matthew Forbes" userId="89e49754-86d5-48d1-b7fe-89645bb93558" providerId="ADAL" clId="{5B4AF71D-E8A2-44E5-B28F-FFEBF84B54E3}" dt="2023-09-19T11:22:55.487" v="4" actId="20577"/>
-        <pc:sldMkLst>
-          <pc:docMk/>
-          <pc:sldMk cId="2337627130" sldId="282"/>
-        </pc:sldMkLst>
-        <pc:spChg chg="mod">
-          <ac:chgData name="Matthew Forbes" userId="89e49754-86d5-48d1-b7fe-89645bb93558" providerId="ADAL" clId="{5B4AF71D-E8A2-44E5-B28F-FFEBF84B54E3}" dt="2023-09-19T11:22:55.487" v="4" actId="20577"/>
-          <ac:spMkLst>
-            <pc:docMk/>
-            <pc:sldMk cId="2337627130" sldId="282"/>
-            <ac:spMk id="4" creationId="{7F52414C-28D4-C7DD-E2FB-48994F99345C}"/>
-          </ac:spMkLst>
-        </pc:spChg>
-      </pc:sldChg>
-      <pc:sldChg chg="modSp mod">
-        <pc:chgData name="Matthew Forbes" userId="89e49754-86d5-48d1-b7fe-89645bb93558" providerId="ADAL" clId="{5B4AF71D-E8A2-44E5-B28F-FFEBF84B54E3}" dt="2023-09-19T10:44:28.044" v="3" actId="1076"/>
-        <pc:sldMkLst>
-          <pc:docMk/>
-          <pc:sldMk cId="3454572736" sldId="299"/>
-        </pc:sldMkLst>
-        <pc:cxnChg chg="mod">
-          <ac:chgData name="Matthew Forbes" userId="89e49754-86d5-48d1-b7fe-89645bb93558" providerId="ADAL" clId="{5B4AF71D-E8A2-44E5-B28F-FFEBF84B54E3}" dt="2023-09-19T10:44:28.044" v="3" actId="1076"/>
-          <ac:cxnSpMkLst>
-            <pc:docMk/>
-            <pc:sldMk cId="3454572736" sldId="299"/>
-            <ac:cxnSpMk id="30" creationId="{E90F102F-7ED1-1852-9D68-292315A01050}"/>
-          </ac:cxnSpMkLst>
-        </pc:cxnChg>
-      </pc:sldChg>
-    </pc:docChg>
-  </pc:docChgLst>
-  <pc:docChgLst>
-    <pc:chgData name="Julia Moeller" userId="S::julia.moeller@phs.scot::0bcb1583-c1a4-48b5-87e6-2cc074d2d571" providerId="AD" clId="Web-{7E309218-6D18-4C22-8DBB-CA09B9323150}"/>
-    <pc:docChg chg="modSld">
-      <pc:chgData name="Julia Moeller" userId="S::julia.moeller@phs.scot::0bcb1583-c1a4-48b5-87e6-2cc074d2d571" providerId="AD" clId="Web-{7E309218-6D18-4C22-8DBB-CA09B9323150}" dt="2023-09-15T14:04:34.702" v="29" actId="20577"/>
-      <pc:docMkLst>
-        <pc:docMk/>
-      </pc:docMkLst>
-      <pc:sldChg chg="modSp">
-        <pc:chgData name="Julia Moeller" userId="S::julia.moeller@phs.scot::0bcb1583-c1a4-48b5-87e6-2cc074d2d571" providerId="AD" clId="Web-{7E309218-6D18-4C22-8DBB-CA09B9323150}" dt="2023-09-15T14:04:34.702" v="29" actId="20577"/>
-        <pc:sldMkLst>
-          <pc:docMk/>
-          <pc:sldMk cId="901500868" sldId="291"/>
-        </pc:sldMkLst>
-        <pc:spChg chg="mod">
-          <ac:chgData name="Julia Moeller" userId="S::julia.moeller@phs.scot::0bcb1583-c1a4-48b5-87e6-2cc074d2d571" providerId="AD" clId="Web-{7E309218-6D18-4C22-8DBB-CA09B9323150}" dt="2023-09-15T14:04:34.702" v="29" actId="20577"/>
-          <ac:spMkLst>
-            <pc:docMk/>
-            <pc:sldMk cId="901500868" sldId="291"/>
-            <ac:spMk id="3" creationId="{00000000-0000-0000-0000-000000000000}"/>
-          </ac:spMkLst>
-        </pc:spChg>
-      </pc:sldChg>
-    </pc:docChg>
-  </pc:docChgLst>
-</pc:chgInfo>
 </file>
 
 <file path=ppt/comments/modernComment_102_DBC4908C.xml><?xml version="1.0" encoding="utf-8"?>
@@ -4073,7 +1081,7 @@
           <a:p>
             <a:fld id="{C6578090-76F4-463B-B573-B85062C8A08E}" type="datetimeFigureOut">
               <a:rPr lang="en-GB" smtClean="0"/>
-              <a:t>29/09/2023</a:t>
+              <a:t>27/10/2023</a:t>
             </a:fld>
             <a:endParaRPr lang="en-GB"/>
           </a:p>
@@ -9310,7 +6318,7 @@
         </p:spPr>
         <p:txBody>
           <a:bodyPr vert="horz" lIns="0" tIns="45720" rIns="0" bIns="45720" rtlCol="0">
-            <a:normAutofit lnSpcReduction="10000"/>
+            <a:normAutofit/>
           </a:bodyPr>
           <a:lstStyle>
             <a:lvl1pPr marL="91440" indent="-91440" algn="l" defTabSz="914400" rtl="0" eaLnBrk="1" latinLnBrk="0" hangingPunct="1">
@@ -9679,8 +6687,21 @@
                   <a:schemeClr val="tx1"/>
                 </a:solidFill>
               </a:rPr>
-              <a:t> will be used to access the value. In this case the gender column of the dataset.</a:t>
-            </a:r>
+              <a:t> unique ID assigned </a:t>
+            </a:r>
+            <a:r>
+              <a:rPr lang="en-GB">
+                <a:solidFill>
+                  <a:schemeClr val="tx1"/>
+                </a:solidFill>
+              </a:rPr>
+              <a:t>to widget.</a:t>
+            </a:r>
+            <a:endParaRPr lang="en-GB" dirty="0">
+              <a:solidFill>
+                <a:schemeClr val="tx1"/>
+              </a:solidFill>
+            </a:endParaRPr>
           </a:p>
           <a:p>
             <a:pPr marL="470408" lvl="1" indent="-177800">
@@ -12193,7 +9214,7 @@
             <p:nvPr/>
           </p:nvPicPr>
           <p:blipFill>
-            <a:blip r:embed="rId4">
+            <a:blip r:embed="rId4" cstate="print">
               <a:extLst>
                 <a:ext uri="{28A0092B-C50C-407E-A947-70E740481C1C}">
                   <a14:useLocalDpi xmlns:a14="http://schemas.microsoft.com/office/drawing/2010/main" val="0"/>
@@ -18837,9 +15858,14 @@
             <p:ph idx="1"/>
           </p:nvPr>
         </p:nvSpPr>
-        <p:spPr/>
+        <p:spPr>
+          <a:xfrm>
+            <a:off x="838200" y="1512555"/>
+            <a:ext cx="10515600" cy="4351338"/>
+          </a:xfrm>
+        </p:spPr>
         <p:txBody>
-          <a:bodyPr>
+          <a:bodyPr vert="horz" lIns="91440" tIns="45720" rIns="91440" bIns="45720" rtlCol="0" anchor="t">
             <a:normAutofit/>
           </a:bodyPr>
           <a:lstStyle/>
@@ -18868,55 +15894,98 @@
           <a:p>
             <a:pPr lvl="1"/>
             <a:r>
-              <a:rPr lang="en-GB" sz="1800" dirty="0"/>
+              <a:rPr lang="en-GB" sz="1800" dirty="0">
+                <a:latin typeface="Arial"/>
+                <a:cs typeface="Arial"/>
+              </a:rPr>
               <a:t>Swap your </a:t>
             </a:r>
             <a:r>
-              <a:rPr lang="en-GB" sz="1800" dirty="0" err="1"/>
+              <a:rPr lang="en-GB" sz="1800" dirty="0" err="1">
+                <a:latin typeface="Arial"/>
+                <a:cs typeface="Arial"/>
+              </a:rPr>
               <a:t>fluidRow</a:t>
             </a:r>
             <a:r>
-              <a:rPr lang="en-GB" sz="1800" dirty="0"/>
+              <a:rPr lang="en-GB" sz="1800" dirty="0">
+                <a:latin typeface="Arial"/>
+                <a:cs typeface="Arial"/>
+              </a:rPr>
               <a:t>() and column() grid layouts for something else such as </a:t>
             </a:r>
             <a:r>
-              <a:rPr lang="en-GB" sz="1800" dirty="0" err="1"/>
+              <a:rPr lang="en-GB" sz="1800" dirty="0" err="1">
+                <a:latin typeface="Arial"/>
+                <a:cs typeface="Arial"/>
+              </a:rPr>
               <a:t>sidebarLayout</a:t>
             </a:r>
             <a:r>
-              <a:rPr lang="en-GB" sz="1800" dirty="0"/>
+              <a:rPr lang="en-GB" sz="1800" dirty="0">
+                <a:latin typeface="Arial"/>
+                <a:cs typeface="Arial"/>
+              </a:rPr>
               <a:t>(), </a:t>
             </a:r>
             <a:r>
-              <a:rPr lang="en-GB" sz="1800" dirty="0" err="1"/>
+              <a:rPr lang="en-GB" sz="1800" dirty="0" err="1">
+                <a:latin typeface="Arial"/>
+                <a:cs typeface="Arial"/>
+              </a:rPr>
               <a:t>sidebarPanel</a:t>
             </a:r>
             <a:r>
-              <a:rPr lang="en-GB" sz="1800" dirty="0"/>
+              <a:rPr lang="en-GB" sz="1800" dirty="0">
+                <a:latin typeface="Arial"/>
+                <a:cs typeface="Arial"/>
+              </a:rPr>
               <a:t>() and </a:t>
             </a:r>
             <a:r>
-              <a:rPr lang="en-GB" sz="1800" dirty="0" err="1"/>
+              <a:rPr lang="en-GB" sz="1800" dirty="0" err="1">
+                <a:latin typeface="Arial"/>
+                <a:cs typeface="Arial"/>
+              </a:rPr>
               <a:t>mainPanel</a:t>
             </a:r>
             <a:r>
-              <a:rPr lang="en-GB" sz="1800" dirty="0"/>
-              <a:t>() to see how the layout changes. </a:t>
+              <a:rPr lang="en-GB" sz="1800" dirty="0">
+                <a:latin typeface="Arial"/>
+                <a:cs typeface="Arial"/>
+              </a:rPr>
+              <a:t>() to see how the layout changes. </a:t>
             </a:r>
           </a:p>
           <a:p>
             <a:pPr lvl="1"/>
             <a:r>
-              <a:rPr lang="en-GB" sz="1800" dirty="0"/>
-              <a:t>Add new tabs with different charts. </a:t>
-            </a:r>
+              <a:rPr lang="en-GB" sz="1800" dirty="0">
+                <a:latin typeface="Arial"/>
+                <a:cs typeface="Arial"/>
+              </a:rPr>
+              <a:t>Add new tabs with different charts. </a:t>
+            </a:r>
+            <a:endParaRPr lang="en-GB" sz="1800" dirty="0"/>
           </a:p>
           <a:p>
             <a:pPr lvl="1"/>
             <a:r>
-              <a:rPr lang="en-GB" sz="1800" dirty="0"/>
-              <a:t>Attempt to make a similar dashboard for a whole new dataset. </a:t>
-            </a:r>
+              <a:rPr lang="en-GB" sz="1800" dirty="0">
+                <a:latin typeface="Arial"/>
+                <a:cs typeface="Arial"/>
+              </a:rPr>
+              <a:t>Attempt to make a similar dashboard for a whole new dataset. </a:t>
+            </a:r>
+            <a:r>
+              <a:rPr lang="en-GB" sz="1800" dirty="0">
+                <a:latin typeface="Arial"/>
+                <a:cs typeface="Arial"/>
+                <a:hlinkClick r:id="rId3"/>
+              </a:rPr>
+              <a:t>rfordatascience/tidytuesday: Official repo for the #tidytuesday project (github.com)</a:t>
+            </a:r>
+            <a:endParaRPr lang="en-GB" sz="1800" dirty="0"/>
           </a:p>
         </p:txBody>
       </p:sp>
@@ -18993,7 +16062,9 @@
         </p:nvSpPr>
         <p:spPr/>
         <p:txBody>
-          <a:bodyPr/>
+          <a:bodyPr vert="horz" lIns="91440" tIns="45720" rIns="91440" bIns="45720" rtlCol="0" anchor="t">
+            <a:normAutofit/>
+          </a:bodyPr>
           <a:lstStyle/>
           <a:p>
             <a:r>
@@ -19021,14 +16092,11 @@
           </a:p>
           <a:p>
             <a:r>
-              <a:rPr lang="en-GB" dirty="0"/>
-              <a:t> Data downloads</a:t>
-            </a:r>
-          </a:p>
-          <a:p>
-            <a:r>
-              <a:rPr lang="en-GB" dirty="0"/>
-              <a:t> Deploying an app</a:t>
+              <a:rPr lang="en-GB" dirty="0">
+                <a:latin typeface="Arial"/>
+                <a:cs typeface="Arial"/>
+              </a:rPr>
+              <a:t> Data downloads</a:t>
             </a:r>
           </a:p>
           <a:p>
@@ -19616,7 +16684,7 @@
           <p:nvPr/>
         </p:nvPicPr>
         <p:blipFill>
-          <a:blip r:embed="rId3">
+          <a:blip r:embed="rId3" cstate="print">
             <a:extLst>
               <a:ext uri="{28A0092B-C50C-407E-A947-70E740481C1C}">
                 <a14:useLocalDpi xmlns:a14="http://schemas.microsoft.com/office/drawing/2010/main" val="0"/>
@@ -20669,15 +17737,15 @@
 <file path=customXml/itemProps3.xml><?xml version="1.0" encoding="utf-8"?>
 <ds:datastoreItem xmlns:ds="http://schemas.openxmlformats.org/officeDocument/2006/customXml" ds:itemID="{4C73297F-598B-4DCB-BCE9-E508A25225E1}">
   <ds:schemaRefs>
+    <ds:schemaRef ds:uri="http://schemas.microsoft.com/office/infopath/2007/PartnerControls"/>
+    <ds:schemaRef ds:uri="e155261d-e7be-4e14-8f3f-074943e30468"/>
+    <ds:schemaRef ds:uri="http://purl.org/dc/dcmitype/"/>
+    <ds:schemaRef ds:uri="9777d510-7a84-4d86-adcc-ed6491094c98"/>
     <ds:schemaRef ds:uri="http://schemas.microsoft.com/office/2006/documentManagement/types"/>
+    <ds:schemaRef ds:uri="http://purl.org/dc/terms/"/>
+    <ds:schemaRef ds:uri="http://schemas.openxmlformats.org/package/2006/metadata/core-properties"/>
     <ds:schemaRef ds:uri="http://schemas.microsoft.com/office/2006/metadata/properties"/>
-    <ds:schemaRef ds:uri="9777d510-7a84-4d86-adcc-ed6491094c98"/>
-    <ds:schemaRef ds:uri="http://schemas.openxmlformats.org/package/2006/metadata/core-properties"/>
-    <ds:schemaRef ds:uri="e155261d-e7be-4e14-8f3f-074943e30468"/>
     <ds:schemaRef ds:uri="http://www.w3.org/XML/1998/namespace"/>
-    <ds:schemaRef ds:uri="http://purl.org/dc/dcmitype/"/>
-    <ds:schemaRef ds:uri="http://schemas.microsoft.com/office/infopath/2007/PartnerControls"/>
-    <ds:schemaRef ds:uri="http://purl.org/dc/terms/"/>
     <ds:schemaRef ds:uri="http://purl.org/dc/elements/1.1/"/>
   </ds:schemaRefs>
 </ds:datastoreItem>
